--- a/docs/diagrams/Diagrams.pptx
+++ b/docs/diagrams/Diagrams.pptx
@@ -115,6 +115,22 @@
       </a:defRPr>
     </a:lvl9pPr>
   </p:defaultTextStyle>
+  <p:extLst>
+    <p:ext uri="{EFAFB233-063F-42B5-8137-9DF3F51BA10A}">
+      <p15:sldGuideLst xmlns:p15="http://schemas.microsoft.com/office/powerpoint/2012/main">
+        <p15:guide id="1" orient="horz" pos="1488">
+          <p15:clr>
+            <a:srgbClr val="A4A3A4"/>
+          </p15:clr>
+        </p15:guide>
+        <p15:guide id="2" pos="2880">
+          <p15:clr>
+            <a:srgbClr val="A4A3A4"/>
+          </p15:clr>
+        </p15:guide>
+      </p15:sldGuideLst>
+    </p:ext>
+  </p:extLst>
 </p:presentation>
 </file>
 
@@ -200,7 +216,7 @@
           <a:p>
             <a:fld id="{F5CC4B3F-88C1-4FFA-B1B6-F41C21DC6924}" type="datetimeFigureOut">
               <a:rPr lang="en-US" smtClean="0"/>
-              <a:t>9/30/2016</a:t>
+              <a:t>10/7/16</a:t>
             </a:fld>
             <a:endParaRPr lang="en-US"/>
           </a:p>
@@ -468,6 +484,90 @@
 </p:notesMaster>
 </file>
 
+<file path=ppt/notesSlides/notesSlide1.xml><?xml version="1.0" encoding="utf-8"?>
+<p:notes xmlns:a="http://schemas.openxmlformats.org/drawingml/2006/main" xmlns:r="http://schemas.openxmlformats.org/officeDocument/2006/relationships" xmlns:p="http://schemas.openxmlformats.org/presentationml/2006/main">
+  <p:cSld>
+    <p:spTree>
+      <p:nvGrpSpPr>
+        <p:cNvPr id="1" name=""/>
+        <p:cNvGrpSpPr/>
+        <p:nvPr/>
+      </p:nvGrpSpPr>
+      <p:grpSpPr>
+        <a:xfrm>
+          <a:off x="0" y="0"/>
+          <a:ext cx="0" cy="0"/>
+          <a:chOff x="0" y="0"/>
+          <a:chExt cx="0" cy="0"/>
+        </a:xfrm>
+      </p:grpSpPr>
+      <p:sp>
+        <p:nvSpPr>
+          <p:cNvPr id="2" name="Slide Image Placeholder 1"/>
+          <p:cNvSpPr>
+            <a:spLocks noGrp="1" noRot="1" noChangeAspect="1"/>
+          </p:cNvSpPr>
+          <p:nvPr>
+            <p:ph type="sldImg"/>
+          </p:nvPr>
+        </p:nvSpPr>
+        <p:spPr/>
+      </p:sp>
+      <p:sp>
+        <p:nvSpPr>
+          <p:cNvPr id="3" name="Notes Placeholder 2"/>
+          <p:cNvSpPr>
+            <a:spLocks noGrp="1"/>
+          </p:cNvSpPr>
+          <p:nvPr>
+            <p:ph type="body" idx="1"/>
+          </p:nvPr>
+        </p:nvSpPr>
+        <p:spPr/>
+        <p:txBody>
+          <a:bodyPr/>
+          <a:lstStyle/>
+          <a:p>
+            <a:endParaRPr lang="en-US" dirty="0"/>
+          </a:p>
+        </p:txBody>
+      </p:sp>
+      <p:sp>
+        <p:nvSpPr>
+          <p:cNvPr id="4" name="Slide Number Placeholder 3"/>
+          <p:cNvSpPr>
+            <a:spLocks noGrp="1"/>
+          </p:cNvSpPr>
+          <p:nvPr>
+            <p:ph type="sldNum" sz="quarter" idx="10"/>
+          </p:nvPr>
+        </p:nvSpPr>
+        <p:spPr/>
+        <p:txBody>
+          <a:bodyPr/>
+          <a:lstStyle/>
+          <a:p>
+            <a:fld id="{5A7AB025-77E3-4BD1-A2FD-B3183DBA47A3}" type="slidenum">
+              <a:rPr lang="en-US" smtClean="0"/>
+              <a:t>4</a:t>
+            </a:fld>
+            <a:endParaRPr lang="en-US"/>
+          </a:p>
+        </p:txBody>
+      </p:sp>
+    </p:spTree>
+    <p:extLst>
+      <p:ext uri="{BB962C8B-B14F-4D97-AF65-F5344CB8AC3E}">
+        <p14:creationId xmlns:p14="http://schemas.microsoft.com/office/powerpoint/2010/main" val="475796926"/>
+      </p:ext>
+    </p:extLst>
+  </p:cSld>
+  <p:clrMapOvr>
+    <a:masterClrMapping/>
+  </p:clrMapOvr>
+</p:notes>
+</file>
+
 <file path=ppt/slideLayouts/slideLayout1.xml><?xml version="1.0" encoding="utf-8"?>
 <p:sldLayout xmlns:a="http://schemas.openxmlformats.org/drawingml/2006/main" xmlns:r="http://schemas.openxmlformats.org/officeDocument/2006/relationships" xmlns:p="http://schemas.openxmlformats.org/presentationml/2006/main" type="title" preserve="1">
   <p:cSld name="Title Slide">
@@ -649,7 +749,7 @@
           <a:p>
             <a:fld id="{78C97017-6FC3-485B-9764-EAC9E56C1D49}" type="datetimeFigureOut">
               <a:rPr lang="en-US" smtClean="0"/>
-              <a:t>9/30/2016</a:t>
+              <a:t>10/7/16</a:t>
             </a:fld>
             <a:endParaRPr lang="en-US"/>
           </a:p>
@@ -819,7 +919,7 @@
           <a:p>
             <a:fld id="{78C97017-6FC3-485B-9764-EAC9E56C1D49}" type="datetimeFigureOut">
               <a:rPr lang="en-US" smtClean="0"/>
-              <a:t>9/30/2016</a:t>
+              <a:t>10/7/16</a:t>
             </a:fld>
             <a:endParaRPr lang="en-US"/>
           </a:p>
@@ -999,7 +1099,7 @@
           <a:p>
             <a:fld id="{78C97017-6FC3-485B-9764-EAC9E56C1D49}" type="datetimeFigureOut">
               <a:rPr lang="en-US" smtClean="0"/>
-              <a:t>9/30/2016</a:t>
+              <a:t>10/7/16</a:t>
             </a:fld>
             <a:endParaRPr lang="en-US"/>
           </a:p>
@@ -1169,7 +1269,7 @@
           <a:p>
             <a:fld id="{78C97017-6FC3-485B-9764-EAC9E56C1D49}" type="datetimeFigureOut">
               <a:rPr lang="en-US" smtClean="0"/>
-              <a:t>9/30/2016</a:t>
+              <a:t>10/7/16</a:t>
             </a:fld>
             <a:endParaRPr lang="en-US"/>
           </a:p>
@@ -1415,7 +1515,7 @@
           <a:p>
             <a:fld id="{78C97017-6FC3-485B-9764-EAC9E56C1D49}" type="datetimeFigureOut">
               <a:rPr lang="en-US" smtClean="0"/>
-              <a:t>9/30/2016</a:t>
+              <a:t>10/7/16</a:t>
             </a:fld>
             <a:endParaRPr lang="en-US"/>
           </a:p>
@@ -1703,7 +1803,7 @@
           <a:p>
             <a:fld id="{78C97017-6FC3-485B-9764-EAC9E56C1D49}" type="datetimeFigureOut">
               <a:rPr lang="en-US" smtClean="0"/>
-              <a:t>9/30/2016</a:t>
+              <a:t>10/7/16</a:t>
             </a:fld>
             <a:endParaRPr lang="en-US"/>
           </a:p>
@@ -2125,7 +2225,7 @@
           <a:p>
             <a:fld id="{78C97017-6FC3-485B-9764-EAC9E56C1D49}" type="datetimeFigureOut">
               <a:rPr lang="en-US" smtClean="0"/>
-              <a:t>9/30/2016</a:t>
+              <a:t>10/7/16</a:t>
             </a:fld>
             <a:endParaRPr lang="en-US"/>
           </a:p>
@@ -2243,7 +2343,7 @@
           <a:p>
             <a:fld id="{78C97017-6FC3-485B-9764-EAC9E56C1D49}" type="datetimeFigureOut">
               <a:rPr lang="en-US" smtClean="0"/>
-              <a:t>9/30/2016</a:t>
+              <a:t>10/7/16</a:t>
             </a:fld>
             <a:endParaRPr lang="en-US"/>
           </a:p>
@@ -2338,7 +2438,7 @@
           <a:p>
             <a:fld id="{78C97017-6FC3-485B-9764-EAC9E56C1D49}" type="datetimeFigureOut">
               <a:rPr lang="en-US" smtClean="0"/>
-              <a:t>9/30/2016</a:t>
+              <a:t>10/7/16</a:t>
             </a:fld>
             <a:endParaRPr lang="en-US"/>
           </a:p>
@@ -2615,7 +2715,7 @@
           <a:p>
             <a:fld id="{78C97017-6FC3-485B-9764-EAC9E56C1D49}" type="datetimeFigureOut">
               <a:rPr lang="en-US" smtClean="0"/>
-              <a:t>9/30/2016</a:t>
+              <a:t>10/7/16</a:t>
             </a:fld>
             <a:endParaRPr lang="en-US"/>
           </a:p>
@@ -2868,7 +2968,7 @@
           <a:p>
             <a:fld id="{78C97017-6FC3-485B-9764-EAC9E56C1D49}" type="datetimeFigureOut">
               <a:rPr lang="en-US" smtClean="0"/>
-              <a:t>9/30/2016</a:t>
+              <a:t>10/7/16</a:t>
             </a:fld>
             <a:endParaRPr lang="en-US"/>
           </a:p>
@@ -3081,7 +3181,7 @@
           <a:p>
             <a:fld id="{78C97017-6FC3-485B-9764-EAC9E56C1D49}" type="datetimeFigureOut">
               <a:rPr lang="en-US" smtClean="0"/>
-              <a:t>9/30/2016</a:t>
+              <a:t>10/7/16</a:t>
             </a:fld>
             <a:endParaRPr lang="en-US"/>
           </a:p>
@@ -7546,8 +7646,8 @@
         </p:nvSpPr>
         <p:spPr>
           <a:xfrm>
-            <a:off x="1217465" y="1447800"/>
-            <a:ext cx="4917083" cy="3962400"/>
+            <a:off x="1371600" y="381000"/>
+            <a:ext cx="4917083" cy="5943600"/>
           </a:xfrm>
           <a:prstGeom prst="roundRect">
             <a:avLst>
@@ -7608,7 +7708,7 @@
         </p:nvSpPr>
         <p:spPr>
           <a:xfrm>
-            <a:off x="2095948" y="2341220"/>
+            <a:off x="2250083" y="1274420"/>
             <a:ext cx="1093635" cy="346760"/>
           </a:xfrm>
           <a:prstGeom prst="rect">
@@ -7668,7 +7768,7 @@
         </p:nvSpPr>
         <p:spPr>
           <a:xfrm>
-            <a:off x="2592528" y="3179160"/>
+            <a:off x="2746663" y="2112360"/>
             <a:ext cx="1093635" cy="236841"/>
           </a:xfrm>
           <a:prstGeom prst="rect">
@@ -7728,7 +7828,7 @@
         </p:nvSpPr>
         <p:spPr>
           <a:xfrm>
-            <a:off x="2092842" y="1770924"/>
+            <a:off x="2246977" y="704124"/>
             <a:ext cx="1093635" cy="346760"/>
           </a:xfrm>
           <a:prstGeom prst="rect">
@@ -7790,7 +7890,7 @@
         </p:nvCxnSpPr>
         <p:spPr>
           <a:xfrm rot="16200000" flipH="1">
-            <a:off x="2529445" y="2227899"/>
+            <a:off x="2683580" y="1161099"/>
             <a:ext cx="223536" cy="3106"/>
           </a:xfrm>
           <a:prstGeom prst="bentConnector3">
@@ -7830,7 +7930,7 @@
         </p:nvSpPr>
         <p:spPr>
           <a:xfrm rot="10800000" flipV="1">
-            <a:off x="5394717" y="2110477"/>
+            <a:off x="5548852" y="1043677"/>
             <a:ext cx="270504" cy="175523"/>
           </a:xfrm>
           <a:prstGeom prst="triangle">
@@ -7878,7 +7978,7 @@
         </p:nvCxnSpPr>
         <p:spPr>
           <a:xfrm flipV="1">
-            <a:off x="644735" y="2991937"/>
+            <a:off x="798870" y="1925137"/>
             <a:ext cx="684904" cy="1"/>
           </a:xfrm>
           <a:prstGeom prst="bentConnector3">
@@ -7921,7 +8021,7 @@
         </p:nvSpPr>
         <p:spPr>
           <a:xfrm rot="16200000">
-            <a:off x="5703829" y="2464877"/>
+            <a:off x="5857964" y="1398077"/>
             <a:ext cx="2362201" cy="328045"/>
           </a:xfrm>
           <a:prstGeom prst="roundRect">
@@ -7981,8 +8081,8 @@
         </p:nvSpPr>
         <p:spPr>
           <a:xfrm>
-            <a:off x="2592528" y="3649359"/>
-            <a:ext cx="1093635" cy="236841"/>
+            <a:off x="2746663" y="2582559"/>
+            <a:ext cx="1167165" cy="257822"/>
           </a:xfrm>
           <a:prstGeom prst="rect">
             <a:avLst/>
@@ -8014,16 +8114,26 @@
           <a:p>
             <a:pPr algn="ctr"/>
             <a:r>
-              <a:rPr lang="en-US" sz="1050" b="1" dirty="0" err="1">
+              <a:rPr lang="en-US" sz="1050" b="1" smtClean="0">
                 <a:solidFill>
                   <a:schemeClr val="accent3">
                     <a:lumMod val="75000"/>
                   </a:schemeClr>
                 </a:solidFill>
               </a:rPr>
-              <a:t>BrowserPanel</a:t>
-            </a:r>
-            <a:endParaRPr lang="en-SG" sz="1050" b="1" dirty="0">
+              <a:t>TimeCategory</a:t>
+            </a:r>
+            <a:r>
+              <a:rPr lang="en-US" altLang="zh-CN" sz="1050" b="1" smtClean="0">
+                <a:solidFill>
+                  <a:schemeClr val="accent3">
+                    <a:lumMod val="75000"/>
+                  </a:schemeClr>
+                </a:solidFill>
+              </a:rPr>
+              <a:t>List</a:t>
+            </a:r>
+            <a:endParaRPr lang="en-US" sz="1050" b="1" dirty="0">
               <a:solidFill>
                 <a:schemeClr val="accent3">
                   <a:lumMod val="75000"/>
@@ -8041,7 +8151,7 @@
         </p:nvSpPr>
         <p:spPr>
           <a:xfrm>
-            <a:off x="2592527" y="4563759"/>
+            <a:off x="2746661" y="5560384"/>
             <a:ext cx="1093635" cy="236841"/>
           </a:xfrm>
           <a:prstGeom prst="rect">
@@ -8101,8 +8211,8 @@
         </p:nvSpPr>
         <p:spPr>
           <a:xfrm>
-            <a:off x="2592526" y="3991960"/>
-            <a:ext cx="1093635" cy="236841"/>
+            <a:off x="2731983" y="3790782"/>
+            <a:ext cx="1179068" cy="200315"/>
           </a:xfrm>
           <a:prstGeom prst="rect">
             <a:avLst/>
@@ -8134,14 +8244,24 @@
           <a:p>
             <a:pPr algn="ctr"/>
             <a:r>
-              <a:rPr lang="en-US" sz="1050" b="1" dirty="0" err="1">
+              <a:rPr lang="en-US" altLang="zh-CN" sz="1050" b="1" dirty="0" err="1" smtClean="0">
                 <a:solidFill>
                   <a:schemeClr val="accent3">
                     <a:lumMod val="75000"/>
                   </a:schemeClr>
                 </a:solidFill>
               </a:rPr>
-              <a:t>PersonListPanel</a:t>
+              <a:t>Task</a:t>
+            </a:r>
+            <a:r>
+              <a:rPr lang="en-US" sz="1050" b="1" dirty="0" err="1" smtClean="0">
+                <a:solidFill>
+                  <a:schemeClr val="accent3">
+                    <a:lumMod val="75000"/>
+                  </a:schemeClr>
+                </a:solidFill>
+              </a:rPr>
+              <a:t>ListPanel</a:t>
             </a:r>
             <a:endParaRPr lang="en-SG" sz="1050" b="1" dirty="0">
               <a:solidFill>
@@ -8161,7 +8281,7 @@
         </p:nvSpPr>
         <p:spPr>
           <a:xfrm>
-            <a:off x="3839323" y="4228801"/>
+            <a:off x="4098920" y="4071902"/>
             <a:ext cx="1040906" cy="236841"/>
           </a:xfrm>
           <a:prstGeom prst="rect">
@@ -8194,14 +8314,14 @@
           <a:p>
             <a:pPr algn="ctr"/>
             <a:r>
-              <a:rPr lang="en-US" sz="1050" b="1" dirty="0" err="1">
+              <a:rPr lang="en-US" altLang="zh-CN" sz="1050" b="1" dirty="0" err="1" smtClean="0">
                 <a:solidFill>
                   <a:schemeClr val="accent3">
                     <a:lumMod val="75000"/>
                   </a:schemeClr>
                 </a:solidFill>
               </a:rPr>
-              <a:t>PersonCard</a:t>
+              <a:t>TaskListHeader</a:t>
             </a:r>
             <a:endParaRPr lang="en-SG" sz="1050" b="1" dirty="0">
               <a:solidFill>
@@ -8221,7 +8341,7 @@
         </p:nvSpPr>
         <p:spPr>
           <a:xfrm>
-            <a:off x="2592528" y="4966000"/>
+            <a:off x="2735092" y="5915646"/>
             <a:ext cx="1093635" cy="236841"/>
           </a:xfrm>
           <a:prstGeom prst="rect">
@@ -8281,7 +8401,7 @@
         </p:nvSpPr>
         <p:spPr>
           <a:xfrm>
-            <a:off x="2324548" y="2706452"/>
+            <a:off x="2478683" y="1639652"/>
             <a:ext cx="183156" cy="161573"/>
           </a:xfrm>
           <a:prstGeom prst="flowChartDecision">
@@ -8332,7 +8452,7 @@
         </p:nvCxnSpPr>
         <p:spPr>
           <a:xfrm rot="16200000" flipH="1">
-            <a:off x="2289549" y="2994602"/>
+            <a:off x="2443684" y="1927802"/>
             <a:ext cx="429556" cy="176402"/>
           </a:xfrm>
           <a:prstGeom prst="bentConnector2">
@@ -8370,7 +8490,7 @@
         </p:nvSpPr>
         <p:spPr>
           <a:xfrm>
-            <a:off x="3759694" y="3416961"/>
+            <a:off x="4066229" y="2350161"/>
             <a:ext cx="1040906" cy="236841"/>
           </a:xfrm>
           <a:prstGeom prst="rect">
@@ -8433,8 +8553,8 @@
         </p:nvCxnSpPr>
         <p:spPr>
           <a:xfrm rot="16200000" flipH="1">
-            <a:off x="2054450" y="3229701"/>
-            <a:ext cx="899755" cy="176402"/>
+            <a:off x="2203340" y="2168146"/>
+            <a:ext cx="910245" cy="176402"/>
           </a:xfrm>
           <a:prstGeom prst="bentConnector2">
             <a:avLst/>
@@ -8474,8 +8594,8 @@
         </p:nvCxnSpPr>
         <p:spPr>
           <a:xfrm rot="16200000" flipH="1">
-            <a:off x="1883148" y="3401003"/>
-            <a:ext cx="1242356" cy="176400"/>
+            <a:off x="1606265" y="2765221"/>
+            <a:ext cx="2089715" cy="161722"/>
           </a:xfrm>
           <a:prstGeom prst="bentConnector2">
             <a:avLst/>
@@ -8515,8 +8635,8 @@
         </p:nvCxnSpPr>
         <p:spPr>
           <a:xfrm rot="16200000" flipH="1">
-            <a:off x="1597249" y="3686901"/>
-            <a:ext cx="1814155" cy="176401"/>
+            <a:off x="719671" y="3651815"/>
+            <a:ext cx="3877580" cy="176400"/>
           </a:xfrm>
           <a:prstGeom prst="bentConnector2">
             <a:avLst/>
@@ -8555,8 +8675,8 @@
         </p:nvCxnSpPr>
         <p:spPr>
           <a:xfrm rot="16200000" flipH="1">
-            <a:off x="1184119" y="3676012"/>
-            <a:ext cx="2396440" cy="420377"/>
+            <a:off x="318240" y="3617215"/>
+            <a:ext cx="4420260" cy="413443"/>
           </a:xfrm>
           <a:prstGeom prst="bentConnector2">
             <a:avLst/>
@@ -8593,7 +8713,7 @@
         </p:nvSpPr>
         <p:spPr>
           <a:xfrm>
-            <a:off x="5143948" y="1770924"/>
+            <a:off x="5298083" y="704124"/>
             <a:ext cx="772043" cy="346760"/>
           </a:xfrm>
           <a:prstGeom prst="rect">
@@ -8675,8 +8795,8 @@
         </p:nvCxnSpPr>
         <p:spPr>
           <a:xfrm flipV="1">
-            <a:off x="4800600" y="2286000"/>
-            <a:ext cx="729369" cy="1249382"/>
+            <a:off x="5107135" y="1219200"/>
+            <a:ext cx="576969" cy="1249382"/>
           </a:xfrm>
           <a:prstGeom prst="bentConnector2">
             <a:avLst/>
@@ -8716,8 +8836,8 @@
         </p:nvCxnSpPr>
         <p:spPr>
           <a:xfrm rot="5400000">
-            <a:off x="4174488" y="2991741"/>
-            <a:ext cx="2061222" cy="649740"/>
+            <a:off x="3926404" y="2432622"/>
+            <a:ext cx="2971123" cy="544278"/>
           </a:xfrm>
           <a:prstGeom prst="bentConnector2">
             <a:avLst/>
@@ -8757,8 +8877,8 @@
         </p:nvCxnSpPr>
         <p:spPr>
           <a:xfrm rot="5400000">
-            <a:off x="3867176" y="2104987"/>
-            <a:ext cx="1481780" cy="1843806"/>
+            <a:off x="4052831" y="1080197"/>
+            <a:ext cx="1492270" cy="1770276"/>
           </a:xfrm>
           <a:prstGeom prst="bentConnector2">
             <a:avLst/>
@@ -8798,7 +8918,7 @@
         </p:nvCxnSpPr>
         <p:spPr>
           <a:xfrm flipV="1">
-            <a:off x="3189583" y="2286000"/>
+            <a:off x="3343718" y="1219200"/>
             <a:ext cx="2340386" cy="228600"/>
           </a:xfrm>
           <a:prstGeom prst="bentConnector2">
@@ -8832,15 +8952,14 @@
         <p:nvCxnSpPr>
           <p:cNvPr id="91" name="Elbow Connector 63"/>
           <p:cNvCxnSpPr>
-            <a:stCxn id="16" idx="3"/>
             <a:endCxn id="35" idx="3"/>
           </p:cNvCxnSpPr>
           <p:nvPr/>
         </p:nvCxnSpPr>
         <p:spPr>
           <a:xfrm rot="5400000">
-            <a:off x="3409976" y="2562187"/>
-            <a:ext cx="2396180" cy="1843807"/>
+            <a:off x="2787528" y="2782228"/>
+            <a:ext cx="3949345" cy="1843808"/>
           </a:xfrm>
           <a:prstGeom prst="bentConnector2">
             <a:avLst/>
@@ -8873,15 +8992,14 @@
         <p:nvCxnSpPr>
           <p:cNvPr id="94" name="Elbow Connector 63"/>
           <p:cNvCxnSpPr>
-            <a:stCxn id="16" idx="3"/>
             <a:endCxn id="38" idx="3"/>
           </p:cNvCxnSpPr>
           <p:nvPr/>
         </p:nvCxnSpPr>
         <p:spPr>
           <a:xfrm rot="5400000">
-            <a:off x="3208856" y="2763307"/>
-            <a:ext cx="2798421" cy="1843806"/>
+            <a:off x="2604111" y="2954075"/>
+            <a:ext cx="4304608" cy="1855376"/>
           </a:xfrm>
           <a:prstGeom prst="bentConnector2">
             <a:avLst/>
@@ -8918,7 +9036,7 @@
         </p:nvSpPr>
         <p:spPr>
           <a:xfrm>
-            <a:off x="3657600" y="1770924"/>
+            <a:off x="3811735" y="704124"/>
             <a:ext cx="1031399" cy="346760"/>
           </a:xfrm>
           <a:prstGeom prst="rect">
@@ -8979,7 +9097,7 @@
         </p:nvCxnSpPr>
         <p:spPr>
           <a:xfrm rot="5400000" flipH="1" flipV="1">
-            <a:off x="4594921" y="-355061"/>
+            <a:off x="4749056" y="-1421861"/>
             <a:ext cx="170724" cy="4081246"/>
           </a:xfrm>
           <a:prstGeom prst="bentConnector2">
@@ -9018,7 +9136,7 @@
         </p:nvCxnSpPr>
         <p:spPr>
           <a:xfrm flipV="1">
-            <a:off x="3198609" y="1944304"/>
+            <a:off x="3352744" y="877504"/>
             <a:ext cx="484448" cy="2308"/>
           </a:xfrm>
           <a:prstGeom prst="straightConnector1">
@@ -9058,7 +9176,7 @@
         </p:nvCxnSpPr>
         <p:spPr>
           <a:xfrm flipV="1">
-            <a:off x="4714456" y="1944304"/>
+            <a:off x="4868591" y="877504"/>
             <a:ext cx="429492" cy="2308"/>
           </a:xfrm>
           <a:prstGeom prst="straightConnector1">
@@ -9097,8 +9215,8 @@
         </p:nvSpPr>
         <p:spPr>
           <a:xfrm rot="16200000">
-            <a:off x="6213739" y="4560376"/>
-            <a:ext cx="1371599" cy="328045"/>
+            <a:off x="5969012" y="4299166"/>
+            <a:ext cx="2194390" cy="328045"/>
           </a:xfrm>
           <a:prstGeom prst="roundRect">
             <a:avLst/>
@@ -9157,7 +9275,7 @@
         </p:nvSpPr>
         <p:spPr>
           <a:xfrm rot="16200000">
-            <a:off x="956202" y="2861202"/>
+            <a:off x="1110337" y="1794402"/>
             <a:ext cx="1093635" cy="346760"/>
           </a:xfrm>
           <a:prstGeom prst="rect">
@@ -9227,7 +9345,7 @@
         </p:nvSpPr>
         <p:spPr>
           <a:xfrm flipV="1">
-            <a:off x="1367767" y="2286001"/>
+            <a:off x="1521902" y="1219201"/>
             <a:ext cx="270504" cy="175523"/>
           </a:xfrm>
           <a:prstGeom prst="triangle">
@@ -9278,7 +9396,7 @@
         </p:nvCxnSpPr>
         <p:spPr>
           <a:xfrm rot="10800000" flipV="1">
-            <a:off x="1503020" y="1944303"/>
+            <a:off x="1657155" y="877503"/>
             <a:ext cx="589823" cy="341697"/>
           </a:xfrm>
           <a:prstGeom prst="bentConnector2">
@@ -9320,8 +9438,8 @@
         </p:nvCxnSpPr>
         <p:spPr>
           <a:xfrm rot="16200000" flipH="1">
-            <a:off x="3389830" y="3165517"/>
-            <a:ext cx="119381" cy="620348"/>
+            <a:off x="3620165" y="2022517"/>
+            <a:ext cx="119381" cy="772748"/>
           </a:xfrm>
           <a:prstGeom prst="bentConnector2">
             <a:avLst/>
@@ -9361,7 +9479,7 @@
         </p:nvCxnSpPr>
         <p:spPr>
           <a:xfrm rot="5400000">
-            <a:off x="4102276" y="1869887"/>
+            <a:off x="4256411" y="803087"/>
             <a:ext cx="1011581" cy="1843806"/>
           </a:xfrm>
           <a:prstGeom prst="bentConnector2">
@@ -9402,8 +9520,8 @@
         </p:nvCxnSpPr>
         <p:spPr>
           <a:xfrm rot="16200000" flipH="1">
-            <a:off x="3430123" y="3938021"/>
-            <a:ext cx="118421" cy="699979"/>
+            <a:off x="3610605" y="3702008"/>
+            <a:ext cx="199226" cy="777403"/>
           </a:xfrm>
           <a:prstGeom prst="bentConnector2">
             <a:avLst/>
@@ -9436,15 +9554,14 @@
         <p:nvCxnSpPr>
           <p:cNvPr id="140" name="Elbow Connector 63"/>
           <p:cNvCxnSpPr>
-            <a:stCxn id="16" idx="3"/>
             <a:endCxn id="36" idx="3"/>
           </p:cNvCxnSpPr>
           <p:nvPr/>
         </p:nvCxnSpPr>
         <p:spPr>
           <a:xfrm rot="5400000">
-            <a:off x="3695875" y="2276286"/>
-            <a:ext cx="1824381" cy="1843808"/>
+            <a:off x="3259763" y="1478002"/>
+            <a:ext cx="3064227" cy="1761649"/>
           </a:xfrm>
           <a:prstGeom prst="bentConnector2">
             <a:avLst/>
@@ -9481,7 +9598,7 @@
         </p:nvSpPr>
         <p:spPr>
           <a:xfrm>
-            <a:off x="5435896" y="2895600"/>
+            <a:off x="5590031" y="1828800"/>
             <a:ext cx="229325" cy="166560"/>
           </a:xfrm>
           <a:prstGeom prst="rect">
@@ -9534,7 +9651,7 @@
         </p:nvSpPr>
         <p:spPr>
           <a:xfrm>
-            <a:off x="3687515" y="2981202"/>
+            <a:off x="3841650" y="1914402"/>
             <a:ext cx="3048000" cy="203200"/>
           </a:xfrm>
           <a:custGeom>
@@ -9616,7 +9733,7 @@
         </p:nvSpPr>
         <p:spPr>
           <a:xfrm>
-            <a:off x="5431573" y="4488138"/>
+            <a:off x="5585708" y="3421338"/>
             <a:ext cx="229325" cy="160062"/>
           </a:xfrm>
           <a:prstGeom prst="rect">
@@ -9669,8 +9786,8 @@
         </p:nvSpPr>
         <p:spPr>
           <a:xfrm flipV="1">
-            <a:off x="4114799" y="4472708"/>
-            <a:ext cx="2642195" cy="101600"/>
+            <a:off x="4452637" y="5190849"/>
+            <a:ext cx="2449545" cy="140901"/>
           </a:xfrm>
           <a:custGeom>
             <a:avLst/>
@@ -9743,6 +9860,711 @@
           </a:p>
         </p:txBody>
       </p:sp>
+      <p:sp>
+        <p:nvSpPr>
+          <p:cNvPr id="71" name="Rectangle 11"/>
+          <p:cNvSpPr/>
+          <p:nvPr/>
+        </p:nvSpPr>
+        <p:spPr>
+          <a:xfrm>
+            <a:off x="4128259" y="2883608"/>
+            <a:ext cx="1040906" cy="236841"/>
+          </a:xfrm>
+          <a:prstGeom prst="rect">
+            <a:avLst/>
+          </a:prstGeom>
+          <a:ln w="19050">
+            <a:solidFill>
+              <a:schemeClr val="accent3"/>
+            </a:solidFill>
+          </a:ln>
+          <a:effectLst/>
+        </p:spPr>
+        <p:style>
+          <a:lnRef idx="1">
+            <a:schemeClr val="accent3"/>
+          </a:lnRef>
+          <a:fillRef idx="2">
+            <a:schemeClr val="accent3"/>
+          </a:fillRef>
+          <a:effectRef idx="1">
+            <a:schemeClr val="accent3"/>
+          </a:effectRef>
+          <a:fontRef idx="minor">
+            <a:schemeClr val="dk1"/>
+          </a:fontRef>
+        </p:style>
+        <p:txBody>
+          <a:bodyPr rtlCol="0" anchor="ctr"/>
+          <a:lstStyle/>
+          <a:p>
+            <a:pPr algn="ctr"/>
+            <a:r>
+              <a:rPr lang="en-US" altLang="zh-CN" sz="1050" b="1" dirty="0" err="1" smtClean="0">
+                <a:solidFill>
+                  <a:schemeClr val="accent3">
+                    <a:lumMod val="75000"/>
+                  </a:schemeClr>
+                </a:solidFill>
+              </a:rPr>
+              <a:t>CategoryCard</a:t>
+            </a:r>
+            <a:endParaRPr lang="en-SG" sz="1050" b="1" dirty="0">
+              <a:solidFill>
+                <a:schemeClr val="accent3">
+                  <a:lumMod val="75000"/>
+                </a:schemeClr>
+              </a:solidFill>
+            </a:endParaRPr>
+          </a:p>
+        </p:txBody>
+      </p:sp>
+      <p:cxnSp>
+        <p:nvCxnSpPr>
+          <p:cNvPr id="72" name="Elbow Connector 71"/>
+          <p:cNvCxnSpPr>
+            <a:stCxn id="34" idx="2"/>
+            <a:endCxn id="71" idx="1"/>
+          </p:cNvCxnSpPr>
+          <p:nvPr/>
+        </p:nvCxnSpPr>
+        <p:spPr>
+          <a:xfrm rot="16200000" flipH="1">
+            <a:off x="3648428" y="2522198"/>
+            <a:ext cx="161648" cy="798013"/>
+          </a:xfrm>
+          <a:prstGeom prst="bentConnector2">
+            <a:avLst/>
+          </a:prstGeom>
+          <a:ln w="19050">
+            <a:solidFill>
+              <a:schemeClr val="accent3"/>
+            </a:solidFill>
+            <a:headEnd type="none" w="med" len="med"/>
+            <a:tailEnd type="arrow" w="med" len="med"/>
+          </a:ln>
+          <a:effectLst/>
+        </p:spPr>
+        <p:style>
+          <a:lnRef idx="1">
+            <a:schemeClr val="accent2"/>
+          </a:lnRef>
+          <a:fillRef idx="2">
+            <a:schemeClr val="accent2"/>
+          </a:fillRef>
+          <a:effectRef idx="1">
+            <a:schemeClr val="accent2"/>
+          </a:effectRef>
+          <a:fontRef idx="minor">
+            <a:schemeClr val="dk1"/>
+          </a:fontRef>
+        </p:style>
+      </p:cxnSp>
+      <p:sp>
+        <p:nvSpPr>
+          <p:cNvPr id="75" name="Rectangle 11"/>
+          <p:cNvSpPr/>
+          <p:nvPr/>
+        </p:nvSpPr>
+        <p:spPr>
+          <a:xfrm>
+            <a:off x="2743886" y="3166984"/>
+            <a:ext cx="1167165" cy="257822"/>
+          </a:xfrm>
+          <a:prstGeom prst="rect">
+            <a:avLst/>
+          </a:prstGeom>
+          <a:ln w="19050">
+            <a:solidFill>
+              <a:schemeClr val="accent3"/>
+            </a:solidFill>
+          </a:ln>
+          <a:effectLst/>
+        </p:spPr>
+        <p:style>
+          <a:lnRef idx="1">
+            <a:schemeClr val="accent3"/>
+          </a:lnRef>
+          <a:fillRef idx="2">
+            <a:schemeClr val="accent3"/>
+          </a:fillRef>
+          <a:effectRef idx="1">
+            <a:schemeClr val="accent3"/>
+          </a:effectRef>
+          <a:fontRef idx="minor">
+            <a:schemeClr val="dk1"/>
+          </a:fontRef>
+        </p:style>
+        <p:txBody>
+          <a:bodyPr rtlCol="0" anchor="ctr"/>
+          <a:lstStyle/>
+          <a:p>
+            <a:pPr algn="ctr"/>
+            <a:r>
+              <a:rPr lang="en-US" sz="1050" b="1" dirty="0" err="1" smtClean="0">
+                <a:solidFill>
+                  <a:schemeClr val="accent3">
+                    <a:lumMod val="75000"/>
+                  </a:schemeClr>
+                </a:solidFill>
+              </a:rPr>
+              <a:t>Category</a:t>
+            </a:r>
+            <a:r>
+              <a:rPr lang="en-US" altLang="zh-CN" sz="1050" b="1" dirty="0" err="1" smtClean="0">
+                <a:solidFill>
+                  <a:schemeClr val="accent3">
+                    <a:lumMod val="75000"/>
+                  </a:schemeClr>
+                </a:solidFill>
+              </a:rPr>
+              <a:t>List</a:t>
+            </a:r>
+            <a:endParaRPr lang="en-US" sz="1050" b="1" dirty="0">
+              <a:solidFill>
+                <a:schemeClr val="accent3">
+                  <a:lumMod val="75000"/>
+                </a:schemeClr>
+              </a:solidFill>
+            </a:endParaRPr>
+          </a:p>
+        </p:txBody>
+      </p:sp>
+      <p:cxnSp>
+        <p:nvCxnSpPr>
+          <p:cNvPr id="78" name="Elbow Connector 63"/>
+          <p:cNvCxnSpPr>
+            <a:stCxn id="39" idx="2"/>
+            <a:endCxn id="75" idx="1"/>
+          </p:cNvCxnSpPr>
+          <p:nvPr/>
+        </p:nvCxnSpPr>
+        <p:spPr>
+          <a:xfrm rot="16200000" flipH="1">
+            <a:off x="1909738" y="2461747"/>
+            <a:ext cx="1494670" cy="173625"/>
+          </a:xfrm>
+          <a:prstGeom prst="bentConnector2">
+            <a:avLst/>
+          </a:prstGeom>
+          <a:ln w="19050">
+            <a:solidFill>
+              <a:schemeClr val="accent3"/>
+            </a:solidFill>
+            <a:headEnd type="none" w="med" len="med"/>
+            <a:tailEnd type="arrow" w="med" len="med"/>
+          </a:ln>
+          <a:effectLst/>
+        </p:spPr>
+        <p:style>
+          <a:lnRef idx="1">
+            <a:schemeClr val="accent2"/>
+          </a:lnRef>
+          <a:fillRef idx="2">
+            <a:schemeClr val="accent2"/>
+          </a:fillRef>
+          <a:effectRef idx="1">
+            <a:schemeClr val="accent2"/>
+          </a:effectRef>
+          <a:fontRef idx="minor">
+            <a:schemeClr val="dk1"/>
+          </a:fontRef>
+        </p:style>
+      </p:cxnSp>
+      <p:cxnSp>
+        <p:nvCxnSpPr>
+          <p:cNvPr id="85" name="Elbow Connector 63"/>
+          <p:cNvCxnSpPr>
+            <a:stCxn id="16" idx="3"/>
+            <a:endCxn id="71" idx="3"/>
+          </p:cNvCxnSpPr>
+          <p:nvPr/>
+        </p:nvCxnSpPr>
+        <p:spPr>
+          <a:xfrm rot="5400000">
+            <a:off x="4535221" y="1853145"/>
+            <a:ext cx="1782829" cy="514939"/>
+          </a:xfrm>
+          <a:prstGeom prst="bentConnector2">
+            <a:avLst/>
+          </a:prstGeom>
+          <a:ln w="6350">
+            <a:solidFill>
+              <a:schemeClr val="accent3"/>
+            </a:solidFill>
+            <a:headEnd type="none" w="med" len="med"/>
+            <a:tailEnd type="none" w="med" len="med"/>
+          </a:ln>
+          <a:effectLst/>
+        </p:spPr>
+        <p:style>
+          <a:lnRef idx="1">
+            <a:schemeClr val="accent2"/>
+          </a:lnRef>
+          <a:fillRef idx="2">
+            <a:schemeClr val="accent2"/>
+          </a:fillRef>
+          <a:effectRef idx="1">
+            <a:schemeClr val="accent2"/>
+          </a:effectRef>
+          <a:fontRef idx="minor">
+            <a:schemeClr val="dk1"/>
+          </a:fontRef>
+        </p:style>
+      </p:cxnSp>
+      <p:cxnSp>
+        <p:nvCxnSpPr>
+          <p:cNvPr id="89" name="Elbow Connector 88"/>
+          <p:cNvCxnSpPr>
+            <a:stCxn id="75" idx="3"/>
+            <a:endCxn id="71" idx="2"/>
+          </p:cNvCxnSpPr>
+          <p:nvPr/>
+        </p:nvCxnSpPr>
+        <p:spPr>
+          <a:xfrm flipV="1">
+            <a:off x="3911051" y="3120449"/>
+            <a:ext cx="737661" cy="175446"/>
+          </a:xfrm>
+          <a:prstGeom prst="bentConnector2">
+            <a:avLst/>
+          </a:prstGeom>
+          <a:ln w="19050">
+            <a:solidFill>
+              <a:schemeClr val="accent3"/>
+            </a:solidFill>
+            <a:headEnd type="none" w="med" len="med"/>
+            <a:tailEnd type="arrow" w="med" len="med"/>
+          </a:ln>
+          <a:effectLst/>
+        </p:spPr>
+        <p:style>
+          <a:lnRef idx="1">
+            <a:schemeClr val="accent2"/>
+          </a:lnRef>
+          <a:fillRef idx="2">
+            <a:schemeClr val="accent2"/>
+          </a:fillRef>
+          <a:effectRef idx="1">
+            <a:schemeClr val="accent2"/>
+          </a:effectRef>
+          <a:fontRef idx="minor">
+            <a:schemeClr val="dk1"/>
+          </a:fontRef>
+        </p:style>
+      </p:cxnSp>
+      <p:sp>
+        <p:nvSpPr>
+          <p:cNvPr id="92" name="Freeform 91"/>
+          <p:cNvSpPr/>
+          <p:nvPr/>
+        </p:nvSpPr>
+        <p:spPr>
+          <a:xfrm flipV="1">
+            <a:off x="4834419" y="3123074"/>
+            <a:ext cx="2055232" cy="412852"/>
+          </a:xfrm>
+          <a:custGeom>
+            <a:avLst/>
+            <a:gdLst>
+              <a:gd name="connsiteX0" fmla="*/ 0 w 3048000"/>
+              <a:gd name="connsiteY0" fmla="*/ 203200 h 203200"/>
+              <a:gd name="connsiteX1" fmla="*/ 221673 w 3048000"/>
+              <a:gd name="connsiteY1" fmla="*/ 0 h 203200"/>
+              <a:gd name="connsiteX2" fmla="*/ 3048000 w 3048000"/>
+              <a:gd name="connsiteY2" fmla="*/ 0 h 203200"/>
+            </a:gdLst>
+            <a:ahLst/>
+            <a:cxnLst>
+              <a:cxn ang="0">
+                <a:pos x="connsiteX0" y="connsiteY0"/>
+              </a:cxn>
+              <a:cxn ang="0">
+                <a:pos x="connsiteX1" y="connsiteY1"/>
+              </a:cxn>
+              <a:cxn ang="0">
+                <a:pos x="connsiteX2" y="connsiteY2"/>
+              </a:cxn>
+            </a:cxnLst>
+            <a:rect l="l" t="t" r="r" b="b"/>
+            <a:pathLst>
+              <a:path w="3048000" h="203200">
+                <a:moveTo>
+                  <a:pt x="0" y="203200"/>
+                </a:moveTo>
+                <a:lnTo>
+                  <a:pt x="221673" y="0"/>
+                </a:lnTo>
+                <a:lnTo>
+                  <a:pt x="3048000" y="0"/>
+                </a:lnTo>
+              </a:path>
+            </a:pathLst>
+          </a:custGeom>
+          <a:noFill/>
+          <a:ln w="19050">
+            <a:solidFill>
+              <a:schemeClr val="accent3"/>
+            </a:solidFill>
+            <a:prstDash val="sysDot"/>
+            <a:headEnd type="none" w="med" len="med"/>
+            <a:tailEnd type="arrow" w="med" len="med"/>
+          </a:ln>
+          <a:effectLst/>
+        </p:spPr>
+        <p:style>
+          <a:lnRef idx="1">
+            <a:schemeClr val="accent2"/>
+          </a:lnRef>
+          <a:fillRef idx="2">
+            <a:schemeClr val="accent2"/>
+          </a:fillRef>
+          <a:effectRef idx="1">
+            <a:schemeClr val="accent2"/>
+          </a:effectRef>
+          <a:fontRef idx="minor">
+            <a:schemeClr val="dk1"/>
+          </a:fontRef>
+        </p:style>
+        <p:txBody>
+          <a:bodyPr rtlCol="0" anchor="ctr"/>
+          <a:lstStyle/>
+          <a:p>
+            <a:pPr algn="ctr"/>
+            <a:endParaRPr lang="en-SG"/>
+          </a:p>
+        </p:txBody>
+      </p:sp>
+      <p:sp>
+        <p:nvSpPr>
+          <p:cNvPr id="108" name="Rectangle 11"/>
+          <p:cNvSpPr/>
+          <p:nvPr/>
+        </p:nvSpPr>
+        <p:spPr>
+          <a:xfrm>
+            <a:off x="3592712" y="4567971"/>
+            <a:ext cx="1199164" cy="218575"/>
+          </a:xfrm>
+          <a:prstGeom prst="rect">
+            <a:avLst/>
+          </a:prstGeom>
+          <a:ln w="19050">
+            <a:solidFill>
+              <a:schemeClr val="accent3"/>
+            </a:solidFill>
+          </a:ln>
+          <a:effectLst/>
+        </p:spPr>
+        <p:style>
+          <a:lnRef idx="1">
+            <a:schemeClr val="accent3"/>
+          </a:lnRef>
+          <a:fillRef idx="2">
+            <a:schemeClr val="accent3"/>
+          </a:fillRef>
+          <a:effectRef idx="1">
+            <a:schemeClr val="accent3"/>
+          </a:effectRef>
+          <a:fontRef idx="minor">
+            <a:schemeClr val="dk1"/>
+          </a:fontRef>
+        </p:style>
+        <p:txBody>
+          <a:bodyPr rtlCol="0" anchor="ctr"/>
+          <a:lstStyle/>
+          <a:p>
+            <a:pPr algn="ctr"/>
+            <a:r>
+              <a:rPr lang="en-US" altLang="zh-CN" sz="1050" b="1" dirty="0" err="1" smtClean="0">
+                <a:solidFill>
+                  <a:schemeClr val="accent3">
+                    <a:lumMod val="75000"/>
+                  </a:schemeClr>
+                </a:solidFill>
+              </a:rPr>
+              <a:t>TaskListSection</a:t>
+            </a:r>
+            <a:endParaRPr lang="en-SG" sz="1050" b="1" dirty="0">
+              <a:solidFill>
+                <a:schemeClr val="accent3">
+                  <a:lumMod val="75000"/>
+                </a:schemeClr>
+              </a:solidFill>
+            </a:endParaRPr>
+          </a:p>
+        </p:txBody>
+      </p:sp>
+      <p:cxnSp>
+        <p:nvCxnSpPr>
+          <p:cNvPr id="109" name="Elbow Connector 108"/>
+          <p:cNvCxnSpPr>
+            <a:stCxn id="36" idx="2"/>
+            <a:endCxn id="108" idx="1"/>
+          </p:cNvCxnSpPr>
+          <p:nvPr/>
+        </p:nvCxnSpPr>
+        <p:spPr>
+          <a:xfrm rot="16200000" flipH="1">
+            <a:off x="3114033" y="4198580"/>
+            <a:ext cx="686162" cy="271195"/>
+          </a:xfrm>
+          <a:prstGeom prst="bentConnector2">
+            <a:avLst/>
+          </a:prstGeom>
+          <a:ln w="19050">
+            <a:solidFill>
+              <a:schemeClr val="accent3"/>
+            </a:solidFill>
+            <a:headEnd type="none" w="med" len="med"/>
+            <a:tailEnd type="arrow" w="med" len="med"/>
+          </a:ln>
+          <a:effectLst/>
+        </p:spPr>
+        <p:style>
+          <a:lnRef idx="1">
+            <a:schemeClr val="accent2"/>
+          </a:lnRef>
+          <a:fillRef idx="2">
+            <a:schemeClr val="accent2"/>
+          </a:fillRef>
+          <a:effectRef idx="1">
+            <a:schemeClr val="accent2"/>
+          </a:effectRef>
+          <a:fontRef idx="minor">
+            <a:schemeClr val="dk1"/>
+          </a:fontRef>
+        </p:style>
+      </p:cxnSp>
+      <p:cxnSp>
+        <p:nvCxnSpPr>
+          <p:cNvPr id="113" name="Elbow Connector 63"/>
+          <p:cNvCxnSpPr>
+            <a:stCxn id="16" idx="3"/>
+            <a:endCxn id="108" idx="3"/>
+          </p:cNvCxnSpPr>
+          <p:nvPr/>
+        </p:nvCxnSpPr>
+        <p:spPr>
+          <a:xfrm rot="5400000">
+            <a:off x="3508961" y="2502115"/>
+            <a:ext cx="3458059" cy="892228"/>
+          </a:xfrm>
+          <a:prstGeom prst="bentConnector2">
+            <a:avLst/>
+          </a:prstGeom>
+          <a:ln w="6350">
+            <a:solidFill>
+              <a:schemeClr val="accent3"/>
+            </a:solidFill>
+            <a:headEnd type="none" w="med" len="med"/>
+            <a:tailEnd type="none" w="med" len="med"/>
+          </a:ln>
+          <a:effectLst/>
+        </p:spPr>
+        <p:style>
+          <a:lnRef idx="1">
+            <a:schemeClr val="accent2"/>
+          </a:lnRef>
+          <a:fillRef idx="2">
+            <a:schemeClr val="accent2"/>
+          </a:fillRef>
+          <a:effectRef idx="1">
+            <a:schemeClr val="accent2"/>
+          </a:effectRef>
+          <a:fontRef idx="minor">
+            <a:schemeClr val="dk1"/>
+          </a:fontRef>
+        </p:style>
+      </p:cxnSp>
+      <p:cxnSp>
+        <p:nvCxnSpPr>
+          <p:cNvPr id="122" name="Elbow Connector 121"/>
+          <p:cNvCxnSpPr>
+            <a:stCxn id="108" idx="0"/>
+            <a:endCxn id="37" idx="2"/>
+          </p:cNvCxnSpPr>
+          <p:nvPr/>
+        </p:nvCxnSpPr>
+        <p:spPr>
+          <a:xfrm rot="5400000" flipH="1" flipV="1">
+            <a:off x="4276219" y="4224818"/>
+            <a:ext cx="259228" cy="427079"/>
+          </a:xfrm>
+          <a:prstGeom prst="bentConnector3">
+            <a:avLst>
+              <a:gd name="adj1" fmla="val -848"/>
+            </a:avLst>
+          </a:prstGeom>
+          <a:ln w="19050">
+            <a:solidFill>
+              <a:schemeClr val="accent3"/>
+            </a:solidFill>
+            <a:headEnd type="none" w="med" len="med"/>
+            <a:tailEnd type="arrow" w="med" len="med"/>
+          </a:ln>
+          <a:effectLst/>
+        </p:spPr>
+        <p:style>
+          <a:lnRef idx="1">
+            <a:schemeClr val="accent2"/>
+          </a:lnRef>
+          <a:fillRef idx="2">
+            <a:schemeClr val="accent2"/>
+          </a:fillRef>
+          <a:effectRef idx="1">
+            <a:schemeClr val="accent2"/>
+          </a:effectRef>
+          <a:fontRef idx="minor">
+            <a:schemeClr val="dk1"/>
+          </a:fontRef>
+        </p:style>
+      </p:cxnSp>
+      <p:sp>
+        <p:nvSpPr>
+          <p:cNvPr id="134" name="Rectangle 11"/>
+          <p:cNvSpPr/>
+          <p:nvPr/>
+        </p:nvSpPr>
+        <p:spPr>
+          <a:xfrm>
+            <a:off x="3970001" y="5016647"/>
+            <a:ext cx="864418" cy="178438"/>
+          </a:xfrm>
+          <a:prstGeom prst="rect">
+            <a:avLst/>
+          </a:prstGeom>
+          <a:ln w="19050">
+            <a:solidFill>
+              <a:schemeClr val="accent3"/>
+            </a:solidFill>
+          </a:ln>
+          <a:effectLst/>
+        </p:spPr>
+        <p:style>
+          <a:lnRef idx="1">
+            <a:schemeClr val="accent3"/>
+          </a:lnRef>
+          <a:fillRef idx="2">
+            <a:schemeClr val="accent3"/>
+          </a:fillRef>
+          <a:effectRef idx="1">
+            <a:schemeClr val="accent3"/>
+          </a:effectRef>
+          <a:fontRef idx="minor">
+            <a:schemeClr val="dk1"/>
+          </a:fontRef>
+        </p:style>
+        <p:txBody>
+          <a:bodyPr rtlCol="0" anchor="ctr"/>
+          <a:lstStyle/>
+          <a:p>
+            <a:pPr algn="ctr"/>
+            <a:r>
+              <a:rPr lang="en-US" altLang="zh-CN" sz="1050" b="1" smtClean="0">
+                <a:solidFill>
+                  <a:schemeClr val="accent3">
+                    <a:lumMod val="75000"/>
+                  </a:schemeClr>
+                </a:solidFill>
+              </a:rPr>
+              <a:t>TaskCard</a:t>
+            </a:r>
+            <a:endParaRPr lang="en-SG" sz="1050" b="1" dirty="0">
+              <a:solidFill>
+                <a:schemeClr val="accent3">
+                  <a:lumMod val="75000"/>
+                </a:schemeClr>
+              </a:solidFill>
+            </a:endParaRPr>
+          </a:p>
+        </p:txBody>
+      </p:sp>
+      <p:cxnSp>
+        <p:nvCxnSpPr>
+          <p:cNvPr id="135" name="Elbow Connector 134"/>
+          <p:cNvCxnSpPr>
+            <a:stCxn id="108" idx="2"/>
+            <a:endCxn id="134" idx="1"/>
+          </p:cNvCxnSpPr>
+          <p:nvPr/>
+        </p:nvCxnSpPr>
+        <p:spPr>
+          <a:xfrm rot="5400000">
+            <a:off x="3921488" y="4835060"/>
+            <a:ext cx="319320" cy="222293"/>
+          </a:xfrm>
+          <a:prstGeom prst="bentConnector4">
+            <a:avLst>
+              <a:gd name="adj1" fmla="val 1108"/>
+              <a:gd name="adj2" fmla="val 202837"/>
+            </a:avLst>
+          </a:prstGeom>
+          <a:ln w="19050">
+            <a:solidFill>
+              <a:schemeClr val="accent3"/>
+            </a:solidFill>
+            <a:headEnd type="none" w="med" len="med"/>
+            <a:tailEnd type="arrow" w="med" len="med"/>
+          </a:ln>
+          <a:effectLst/>
+        </p:spPr>
+        <p:style>
+          <a:lnRef idx="1">
+            <a:schemeClr val="accent2"/>
+          </a:lnRef>
+          <a:fillRef idx="2">
+            <a:schemeClr val="accent2"/>
+          </a:fillRef>
+          <a:effectRef idx="1">
+            <a:schemeClr val="accent2"/>
+          </a:effectRef>
+          <a:fontRef idx="minor">
+            <a:schemeClr val="dk1"/>
+          </a:fontRef>
+        </p:style>
+      </p:cxnSp>
+      <p:cxnSp>
+        <p:nvCxnSpPr>
+          <p:cNvPr id="145" name="Elbow Connector 63"/>
+          <p:cNvCxnSpPr>
+            <a:endCxn id="134" idx="3"/>
+          </p:cNvCxnSpPr>
+          <p:nvPr/>
+        </p:nvCxnSpPr>
+        <p:spPr>
+          <a:xfrm rot="5400000">
+            <a:off x="3333164" y="2769105"/>
+            <a:ext cx="3838017" cy="835505"/>
+          </a:xfrm>
+          <a:prstGeom prst="bentConnector2">
+            <a:avLst/>
+          </a:prstGeom>
+          <a:ln w="6350">
+            <a:solidFill>
+              <a:schemeClr val="accent3"/>
+            </a:solidFill>
+            <a:headEnd type="none" w="med" len="med"/>
+            <a:tailEnd type="none" w="med" len="med"/>
+          </a:ln>
+          <a:effectLst/>
+        </p:spPr>
+        <p:style>
+          <a:lnRef idx="1">
+            <a:schemeClr val="accent2"/>
+          </a:lnRef>
+          <a:fillRef idx="2">
+            <a:schemeClr val="accent2"/>
+          </a:fillRef>
+          <a:effectRef idx="1">
+            <a:schemeClr val="accent2"/>
+          </a:effectRef>
+          <a:fontRef idx="minor">
+            <a:schemeClr val="dk1"/>
+          </a:fontRef>
+        </p:style>
+      </p:cxnSp>
     </p:spTree>
     <p:extLst>
       <p:ext uri="{BB962C8B-B14F-4D97-AF65-F5344CB8AC3E}">
@@ -12280,7 +13102,6 @@
               <a:rPr lang="en-US" dirty="0"/>
               <a:t>execute()</a:t>
             </a:r>
-            <a:endParaRPr lang="en-US" dirty="0"/>
           </a:p>
         </p:txBody>
       </p:sp>

--- a/docs/diagrams/Diagrams.pptx
+++ b/docs/diagrams/Diagrams.pptx
@@ -216,7 +216,7 @@
           <a:p>
             <a:fld id="{F5CC4B3F-88C1-4FFA-B1B6-F41C21DC6924}" type="datetimeFigureOut">
               <a:rPr lang="en-US" smtClean="0"/>
-              <a:t>10/7/16</a:t>
+              <a:t>11/2/2016</a:t>
             </a:fld>
             <a:endParaRPr lang="en-US"/>
           </a:p>
@@ -280,38 +280,37 @@
           <a:p>
             <a:pPr lvl="0"/>
             <a:r>
-              <a:rPr lang="en-US" smtClean="0"/>
+              <a:rPr lang="en-US"/>
               <a:t>Click to edit Master text styles</a:t>
             </a:r>
           </a:p>
           <a:p>
             <a:pPr lvl="1"/>
             <a:r>
-              <a:rPr lang="en-US" smtClean="0"/>
+              <a:rPr lang="en-US"/>
               <a:t>Second level</a:t>
             </a:r>
           </a:p>
           <a:p>
             <a:pPr lvl="2"/>
             <a:r>
-              <a:rPr lang="en-US" smtClean="0"/>
+              <a:rPr lang="en-US"/>
               <a:t>Third level</a:t>
             </a:r>
           </a:p>
           <a:p>
             <a:pPr lvl="3"/>
             <a:r>
-              <a:rPr lang="en-US" smtClean="0"/>
+              <a:rPr lang="en-US"/>
               <a:t>Fourth level</a:t>
             </a:r>
           </a:p>
           <a:p>
             <a:pPr lvl="4"/>
             <a:r>
-              <a:rPr lang="en-US" smtClean="0"/>
+              <a:rPr lang="en-US"/>
               <a:t>Fifth level</a:t>
             </a:r>
-            <a:endParaRPr lang="en-US"/>
           </a:p>
         </p:txBody>
       </p:sp>
@@ -606,10 +605,9 @@
           <a:lstStyle/>
           <a:p>
             <a:r>
-              <a:rPr lang="en-US" smtClean="0"/>
+              <a:rPr lang="en-US"/>
               <a:t>Click to edit Master title style</a:t>
             </a:r>
-            <a:endParaRPr lang="en-US"/>
           </a:p>
         </p:txBody>
       </p:sp>
@@ -725,10 +723,9 @@
           </a:lstStyle>
           <a:p>
             <a:r>
-              <a:rPr lang="en-US" smtClean="0"/>
+              <a:rPr lang="en-US"/>
               <a:t>Click to edit Master subtitle style</a:t>
             </a:r>
-            <a:endParaRPr lang="en-US"/>
           </a:p>
         </p:txBody>
       </p:sp>
@@ -749,7 +746,7 @@
           <a:p>
             <a:fld id="{78C97017-6FC3-485B-9764-EAC9E56C1D49}" type="datetimeFigureOut">
               <a:rPr lang="en-US" smtClean="0"/>
-              <a:t>10/7/16</a:t>
+              <a:t>11/2/2016</a:t>
             </a:fld>
             <a:endParaRPr lang="en-US"/>
           </a:p>
@@ -843,10 +840,9 @@
           <a:lstStyle/>
           <a:p>
             <a:r>
-              <a:rPr lang="en-US" smtClean="0"/>
+              <a:rPr lang="en-US"/>
               <a:t>Click to edit Master title style</a:t>
             </a:r>
-            <a:endParaRPr lang="en-US"/>
           </a:p>
         </p:txBody>
       </p:sp>
@@ -867,38 +863,37 @@
           <a:p>
             <a:pPr lvl="0"/>
             <a:r>
-              <a:rPr lang="en-US" smtClean="0"/>
+              <a:rPr lang="en-US"/>
               <a:t>Click to edit Master text styles</a:t>
             </a:r>
           </a:p>
           <a:p>
             <a:pPr lvl="1"/>
             <a:r>
-              <a:rPr lang="en-US" smtClean="0"/>
+              <a:rPr lang="en-US"/>
               <a:t>Second level</a:t>
             </a:r>
           </a:p>
           <a:p>
             <a:pPr lvl="2"/>
             <a:r>
-              <a:rPr lang="en-US" smtClean="0"/>
+              <a:rPr lang="en-US"/>
               <a:t>Third level</a:t>
             </a:r>
           </a:p>
           <a:p>
             <a:pPr lvl="3"/>
             <a:r>
-              <a:rPr lang="en-US" smtClean="0"/>
+              <a:rPr lang="en-US"/>
               <a:t>Fourth level</a:t>
             </a:r>
           </a:p>
           <a:p>
             <a:pPr lvl="4"/>
             <a:r>
-              <a:rPr lang="en-US" smtClean="0"/>
+              <a:rPr lang="en-US"/>
               <a:t>Fifth level</a:t>
             </a:r>
-            <a:endParaRPr lang="en-US"/>
           </a:p>
         </p:txBody>
       </p:sp>
@@ -919,7 +914,7 @@
           <a:p>
             <a:fld id="{78C97017-6FC3-485B-9764-EAC9E56C1D49}" type="datetimeFigureOut">
               <a:rPr lang="en-US" smtClean="0"/>
-              <a:t>10/7/16</a:t>
+              <a:t>11/2/2016</a:t>
             </a:fld>
             <a:endParaRPr lang="en-US"/>
           </a:p>
@@ -1018,10 +1013,9 @@
           <a:lstStyle/>
           <a:p>
             <a:r>
-              <a:rPr lang="en-US" smtClean="0"/>
+              <a:rPr lang="en-US"/>
               <a:t>Click to edit Master title style</a:t>
             </a:r>
-            <a:endParaRPr lang="en-US"/>
           </a:p>
         </p:txBody>
       </p:sp>
@@ -1047,38 +1041,37 @@
           <a:p>
             <a:pPr lvl="0"/>
             <a:r>
-              <a:rPr lang="en-US" smtClean="0"/>
+              <a:rPr lang="en-US"/>
               <a:t>Click to edit Master text styles</a:t>
             </a:r>
           </a:p>
           <a:p>
             <a:pPr lvl="1"/>
             <a:r>
-              <a:rPr lang="en-US" smtClean="0"/>
+              <a:rPr lang="en-US"/>
               <a:t>Second level</a:t>
             </a:r>
           </a:p>
           <a:p>
             <a:pPr lvl="2"/>
             <a:r>
-              <a:rPr lang="en-US" smtClean="0"/>
+              <a:rPr lang="en-US"/>
               <a:t>Third level</a:t>
             </a:r>
           </a:p>
           <a:p>
             <a:pPr lvl="3"/>
             <a:r>
-              <a:rPr lang="en-US" smtClean="0"/>
+              <a:rPr lang="en-US"/>
               <a:t>Fourth level</a:t>
             </a:r>
           </a:p>
           <a:p>
             <a:pPr lvl="4"/>
             <a:r>
-              <a:rPr lang="en-US" smtClean="0"/>
+              <a:rPr lang="en-US"/>
               <a:t>Fifth level</a:t>
             </a:r>
-            <a:endParaRPr lang="en-US"/>
           </a:p>
         </p:txBody>
       </p:sp>
@@ -1099,7 +1092,7 @@
           <a:p>
             <a:fld id="{78C97017-6FC3-485B-9764-EAC9E56C1D49}" type="datetimeFigureOut">
               <a:rPr lang="en-US" smtClean="0"/>
-              <a:t>10/7/16</a:t>
+              <a:t>11/2/2016</a:t>
             </a:fld>
             <a:endParaRPr lang="en-US"/>
           </a:p>
@@ -1193,10 +1186,9 @@
           <a:lstStyle/>
           <a:p>
             <a:r>
-              <a:rPr lang="en-US" smtClean="0"/>
+              <a:rPr lang="en-US"/>
               <a:t>Click to edit Master title style</a:t>
             </a:r>
-            <a:endParaRPr lang="en-US"/>
           </a:p>
         </p:txBody>
       </p:sp>
@@ -1217,38 +1209,37 @@
           <a:p>
             <a:pPr lvl="0"/>
             <a:r>
-              <a:rPr lang="en-US" smtClean="0"/>
+              <a:rPr lang="en-US"/>
               <a:t>Click to edit Master text styles</a:t>
             </a:r>
           </a:p>
           <a:p>
             <a:pPr lvl="1"/>
             <a:r>
-              <a:rPr lang="en-US" smtClean="0"/>
+              <a:rPr lang="en-US"/>
               <a:t>Second level</a:t>
             </a:r>
           </a:p>
           <a:p>
             <a:pPr lvl="2"/>
             <a:r>
-              <a:rPr lang="en-US" smtClean="0"/>
+              <a:rPr lang="en-US"/>
               <a:t>Third level</a:t>
             </a:r>
           </a:p>
           <a:p>
             <a:pPr lvl="3"/>
             <a:r>
-              <a:rPr lang="en-US" smtClean="0"/>
+              <a:rPr lang="en-US"/>
               <a:t>Fourth level</a:t>
             </a:r>
           </a:p>
           <a:p>
             <a:pPr lvl="4"/>
             <a:r>
-              <a:rPr lang="en-US" smtClean="0"/>
+              <a:rPr lang="en-US"/>
               <a:t>Fifth level</a:t>
             </a:r>
-            <a:endParaRPr lang="en-US"/>
           </a:p>
         </p:txBody>
       </p:sp>
@@ -1269,7 +1260,7 @@
           <a:p>
             <a:fld id="{78C97017-6FC3-485B-9764-EAC9E56C1D49}" type="datetimeFigureOut">
               <a:rPr lang="en-US" smtClean="0"/>
-              <a:t>10/7/16</a:t>
+              <a:t>11/2/2016</a:t>
             </a:fld>
             <a:endParaRPr lang="en-US"/>
           </a:p>
@@ -1372,10 +1363,9 @@
           </a:lstStyle>
           <a:p>
             <a:r>
-              <a:rPr lang="en-US" smtClean="0"/>
+              <a:rPr lang="en-US"/>
               <a:t>Click to edit Master title style</a:t>
             </a:r>
-            <a:endParaRPr lang="en-US"/>
           </a:p>
         </p:txBody>
       </p:sp>
@@ -1492,7 +1482,7 @@
           <a:p>
             <a:pPr lvl="0"/>
             <a:r>
-              <a:rPr lang="en-US" smtClean="0"/>
+              <a:rPr lang="en-US"/>
               <a:t>Click to edit Master text styles</a:t>
             </a:r>
           </a:p>
@@ -1515,7 +1505,7 @@
           <a:p>
             <a:fld id="{78C97017-6FC3-485B-9764-EAC9E56C1D49}" type="datetimeFigureOut">
               <a:rPr lang="en-US" smtClean="0"/>
-              <a:t>10/7/16</a:t>
+              <a:t>11/2/2016</a:t>
             </a:fld>
             <a:endParaRPr lang="en-US"/>
           </a:p>
@@ -1609,10 +1599,9 @@
           <a:lstStyle/>
           <a:p>
             <a:r>
-              <a:rPr lang="en-US" smtClean="0"/>
+              <a:rPr lang="en-US"/>
               <a:t>Click to edit Master title style</a:t>
             </a:r>
-            <a:endParaRPr lang="en-US"/>
           </a:p>
         </p:txBody>
       </p:sp>
@@ -1666,38 +1655,37 @@
           <a:p>
             <a:pPr lvl="0"/>
             <a:r>
-              <a:rPr lang="en-US" smtClean="0"/>
+              <a:rPr lang="en-US"/>
               <a:t>Click to edit Master text styles</a:t>
             </a:r>
           </a:p>
           <a:p>
             <a:pPr lvl="1"/>
             <a:r>
-              <a:rPr lang="en-US" smtClean="0"/>
+              <a:rPr lang="en-US"/>
               <a:t>Second level</a:t>
             </a:r>
           </a:p>
           <a:p>
             <a:pPr lvl="2"/>
             <a:r>
-              <a:rPr lang="en-US" smtClean="0"/>
+              <a:rPr lang="en-US"/>
               <a:t>Third level</a:t>
             </a:r>
           </a:p>
           <a:p>
             <a:pPr lvl="3"/>
             <a:r>
-              <a:rPr lang="en-US" smtClean="0"/>
+              <a:rPr lang="en-US"/>
               <a:t>Fourth level</a:t>
             </a:r>
           </a:p>
           <a:p>
             <a:pPr lvl="4"/>
             <a:r>
-              <a:rPr lang="en-US" smtClean="0"/>
+              <a:rPr lang="en-US"/>
               <a:t>Fifth level</a:t>
             </a:r>
-            <a:endParaRPr lang="en-US"/>
           </a:p>
         </p:txBody>
       </p:sp>
@@ -1751,38 +1739,37 @@
           <a:p>
             <a:pPr lvl="0"/>
             <a:r>
-              <a:rPr lang="en-US" smtClean="0"/>
+              <a:rPr lang="en-US"/>
               <a:t>Click to edit Master text styles</a:t>
             </a:r>
           </a:p>
           <a:p>
             <a:pPr lvl="1"/>
             <a:r>
-              <a:rPr lang="en-US" smtClean="0"/>
+              <a:rPr lang="en-US"/>
               <a:t>Second level</a:t>
             </a:r>
           </a:p>
           <a:p>
             <a:pPr lvl="2"/>
             <a:r>
-              <a:rPr lang="en-US" smtClean="0"/>
+              <a:rPr lang="en-US"/>
               <a:t>Third level</a:t>
             </a:r>
           </a:p>
           <a:p>
             <a:pPr lvl="3"/>
             <a:r>
-              <a:rPr lang="en-US" smtClean="0"/>
+              <a:rPr lang="en-US"/>
               <a:t>Fourth level</a:t>
             </a:r>
           </a:p>
           <a:p>
             <a:pPr lvl="4"/>
             <a:r>
-              <a:rPr lang="en-US" smtClean="0"/>
+              <a:rPr lang="en-US"/>
               <a:t>Fifth level</a:t>
             </a:r>
-            <a:endParaRPr lang="en-US"/>
           </a:p>
         </p:txBody>
       </p:sp>
@@ -1803,7 +1790,7 @@
           <a:p>
             <a:fld id="{78C97017-6FC3-485B-9764-EAC9E56C1D49}" type="datetimeFigureOut">
               <a:rPr lang="en-US" smtClean="0"/>
-              <a:t>10/7/16</a:t>
+              <a:t>11/2/2016</a:t>
             </a:fld>
             <a:endParaRPr lang="en-US"/>
           </a:p>
@@ -1901,10 +1888,9 @@
           </a:lstStyle>
           <a:p>
             <a:r>
-              <a:rPr lang="en-US" smtClean="0"/>
+              <a:rPr lang="en-US"/>
               <a:t>Click to edit Master title style</a:t>
             </a:r>
-            <a:endParaRPr lang="en-US"/>
           </a:p>
         </p:txBody>
       </p:sp>
@@ -1967,7 +1953,7 @@
           <a:p>
             <a:pPr lvl="0"/>
             <a:r>
-              <a:rPr lang="en-US" smtClean="0"/>
+              <a:rPr lang="en-US"/>
               <a:t>Click to edit Master text styles</a:t>
             </a:r>
           </a:p>
@@ -2023,38 +2009,37 @@
           <a:p>
             <a:pPr lvl="0"/>
             <a:r>
-              <a:rPr lang="en-US" smtClean="0"/>
+              <a:rPr lang="en-US"/>
               <a:t>Click to edit Master text styles</a:t>
             </a:r>
           </a:p>
           <a:p>
             <a:pPr lvl="1"/>
             <a:r>
-              <a:rPr lang="en-US" smtClean="0"/>
+              <a:rPr lang="en-US"/>
               <a:t>Second level</a:t>
             </a:r>
           </a:p>
           <a:p>
             <a:pPr lvl="2"/>
             <a:r>
-              <a:rPr lang="en-US" smtClean="0"/>
+              <a:rPr lang="en-US"/>
               <a:t>Third level</a:t>
             </a:r>
           </a:p>
           <a:p>
             <a:pPr lvl="3"/>
             <a:r>
-              <a:rPr lang="en-US" smtClean="0"/>
+              <a:rPr lang="en-US"/>
               <a:t>Fourth level</a:t>
             </a:r>
           </a:p>
           <a:p>
             <a:pPr lvl="4"/>
             <a:r>
-              <a:rPr lang="en-US" smtClean="0"/>
+              <a:rPr lang="en-US"/>
               <a:t>Fifth level</a:t>
             </a:r>
-            <a:endParaRPr lang="en-US"/>
           </a:p>
         </p:txBody>
       </p:sp>
@@ -2117,7 +2102,7 @@
           <a:p>
             <a:pPr lvl="0"/>
             <a:r>
-              <a:rPr lang="en-US" smtClean="0"/>
+              <a:rPr lang="en-US"/>
               <a:t>Click to edit Master text styles</a:t>
             </a:r>
           </a:p>
@@ -2173,38 +2158,37 @@
           <a:p>
             <a:pPr lvl="0"/>
             <a:r>
-              <a:rPr lang="en-US" smtClean="0"/>
+              <a:rPr lang="en-US"/>
               <a:t>Click to edit Master text styles</a:t>
             </a:r>
           </a:p>
           <a:p>
             <a:pPr lvl="1"/>
             <a:r>
-              <a:rPr lang="en-US" smtClean="0"/>
+              <a:rPr lang="en-US"/>
               <a:t>Second level</a:t>
             </a:r>
           </a:p>
           <a:p>
             <a:pPr lvl="2"/>
             <a:r>
-              <a:rPr lang="en-US" smtClean="0"/>
+              <a:rPr lang="en-US"/>
               <a:t>Third level</a:t>
             </a:r>
           </a:p>
           <a:p>
             <a:pPr lvl="3"/>
             <a:r>
-              <a:rPr lang="en-US" smtClean="0"/>
+              <a:rPr lang="en-US"/>
               <a:t>Fourth level</a:t>
             </a:r>
           </a:p>
           <a:p>
             <a:pPr lvl="4"/>
             <a:r>
-              <a:rPr lang="en-US" smtClean="0"/>
+              <a:rPr lang="en-US"/>
               <a:t>Fifth level</a:t>
             </a:r>
-            <a:endParaRPr lang="en-US"/>
           </a:p>
         </p:txBody>
       </p:sp>
@@ -2225,7 +2209,7 @@
           <a:p>
             <a:fld id="{78C97017-6FC3-485B-9764-EAC9E56C1D49}" type="datetimeFigureOut">
               <a:rPr lang="en-US" smtClean="0"/>
-              <a:t>10/7/16</a:t>
+              <a:t>11/2/2016</a:t>
             </a:fld>
             <a:endParaRPr lang="en-US"/>
           </a:p>
@@ -2319,10 +2303,9 @@
           <a:lstStyle/>
           <a:p>
             <a:r>
-              <a:rPr lang="en-US" smtClean="0"/>
+              <a:rPr lang="en-US"/>
               <a:t>Click to edit Master title style</a:t>
             </a:r>
-            <a:endParaRPr lang="en-US"/>
           </a:p>
         </p:txBody>
       </p:sp>
@@ -2343,7 +2326,7 @@
           <a:p>
             <a:fld id="{78C97017-6FC3-485B-9764-EAC9E56C1D49}" type="datetimeFigureOut">
               <a:rPr lang="en-US" smtClean="0"/>
-              <a:t>10/7/16</a:t>
+              <a:t>11/2/2016</a:t>
             </a:fld>
             <a:endParaRPr lang="en-US"/>
           </a:p>
@@ -2438,7 +2421,7 @@
           <a:p>
             <a:fld id="{78C97017-6FC3-485B-9764-EAC9E56C1D49}" type="datetimeFigureOut">
               <a:rPr lang="en-US" smtClean="0"/>
-              <a:t>10/7/16</a:t>
+              <a:t>11/2/2016</a:t>
             </a:fld>
             <a:endParaRPr lang="en-US"/>
           </a:p>
@@ -2541,10 +2524,9 @@
           </a:lstStyle>
           <a:p>
             <a:r>
-              <a:rPr lang="en-US" smtClean="0"/>
+              <a:rPr lang="en-US"/>
               <a:t>Click to edit Master title style</a:t>
             </a:r>
-            <a:endParaRPr lang="en-US"/>
           </a:p>
         </p:txBody>
       </p:sp>
@@ -2598,38 +2580,37 @@
           <a:p>
             <a:pPr lvl="0"/>
             <a:r>
-              <a:rPr lang="en-US" smtClean="0"/>
+              <a:rPr lang="en-US"/>
               <a:t>Click to edit Master text styles</a:t>
             </a:r>
           </a:p>
           <a:p>
             <a:pPr lvl="1"/>
             <a:r>
-              <a:rPr lang="en-US" smtClean="0"/>
+              <a:rPr lang="en-US"/>
               <a:t>Second level</a:t>
             </a:r>
           </a:p>
           <a:p>
             <a:pPr lvl="2"/>
             <a:r>
-              <a:rPr lang="en-US" smtClean="0"/>
+              <a:rPr lang="en-US"/>
               <a:t>Third level</a:t>
             </a:r>
           </a:p>
           <a:p>
             <a:pPr lvl="3"/>
             <a:r>
-              <a:rPr lang="en-US" smtClean="0"/>
+              <a:rPr lang="en-US"/>
               <a:t>Fourth level</a:t>
             </a:r>
           </a:p>
           <a:p>
             <a:pPr lvl="4"/>
             <a:r>
-              <a:rPr lang="en-US" smtClean="0"/>
+              <a:rPr lang="en-US"/>
               <a:t>Fifth level</a:t>
             </a:r>
-            <a:endParaRPr lang="en-US"/>
           </a:p>
         </p:txBody>
       </p:sp>
@@ -2692,7 +2673,7 @@
           <a:p>
             <a:pPr lvl="0"/>
             <a:r>
-              <a:rPr lang="en-US" smtClean="0"/>
+              <a:rPr lang="en-US"/>
               <a:t>Click to edit Master text styles</a:t>
             </a:r>
           </a:p>
@@ -2715,7 +2696,7 @@
           <a:p>
             <a:fld id="{78C97017-6FC3-485B-9764-EAC9E56C1D49}" type="datetimeFigureOut">
               <a:rPr lang="en-US" smtClean="0"/>
-              <a:t>10/7/16</a:t>
+              <a:t>11/2/2016</a:t>
             </a:fld>
             <a:endParaRPr lang="en-US"/>
           </a:p>
@@ -2818,10 +2799,9 @@
           </a:lstStyle>
           <a:p>
             <a:r>
-              <a:rPr lang="en-US" smtClean="0"/>
+              <a:rPr lang="en-US"/>
               <a:t>Click to edit Master title style</a:t>
             </a:r>
-            <a:endParaRPr lang="en-US"/>
           </a:p>
         </p:txBody>
       </p:sp>
@@ -2945,7 +2925,7 @@
           <a:p>
             <a:pPr lvl="0"/>
             <a:r>
-              <a:rPr lang="en-US" smtClean="0"/>
+              <a:rPr lang="en-US"/>
               <a:t>Click to edit Master text styles</a:t>
             </a:r>
           </a:p>
@@ -2968,7 +2948,7 @@
           <a:p>
             <a:fld id="{78C97017-6FC3-485B-9764-EAC9E56C1D49}" type="datetimeFigureOut">
               <a:rPr lang="en-US" smtClean="0"/>
-              <a:t>10/7/16</a:t>
+              <a:t>11/2/2016</a:t>
             </a:fld>
             <a:endParaRPr lang="en-US"/>
           </a:p>
@@ -3077,10 +3057,9 @@
           <a:lstStyle/>
           <a:p>
             <a:r>
-              <a:rPr lang="en-US" smtClean="0"/>
+              <a:rPr lang="en-US"/>
               <a:t>Click to edit Master title style</a:t>
             </a:r>
-            <a:endParaRPr lang="en-US"/>
           </a:p>
         </p:txBody>
       </p:sp>
@@ -3111,38 +3090,37 @@
           <a:p>
             <a:pPr lvl="0"/>
             <a:r>
-              <a:rPr lang="en-US" smtClean="0"/>
+              <a:rPr lang="en-US"/>
               <a:t>Click to edit Master text styles</a:t>
             </a:r>
           </a:p>
           <a:p>
             <a:pPr lvl="1"/>
             <a:r>
-              <a:rPr lang="en-US" smtClean="0"/>
+              <a:rPr lang="en-US"/>
               <a:t>Second level</a:t>
             </a:r>
           </a:p>
           <a:p>
             <a:pPr lvl="2"/>
             <a:r>
-              <a:rPr lang="en-US" smtClean="0"/>
+              <a:rPr lang="en-US"/>
               <a:t>Third level</a:t>
             </a:r>
           </a:p>
           <a:p>
             <a:pPr lvl="3"/>
             <a:r>
-              <a:rPr lang="en-US" smtClean="0"/>
+              <a:rPr lang="en-US"/>
               <a:t>Fourth level</a:t>
             </a:r>
           </a:p>
           <a:p>
             <a:pPr lvl="4"/>
             <a:r>
-              <a:rPr lang="en-US" smtClean="0"/>
+              <a:rPr lang="en-US"/>
               <a:t>Fifth level</a:t>
             </a:r>
-            <a:endParaRPr lang="en-US"/>
           </a:p>
         </p:txBody>
       </p:sp>
@@ -3181,7 +3159,7 @@
           <a:p>
             <a:fld id="{78C97017-6FC3-485B-9764-EAC9E56C1D49}" type="datetimeFigureOut">
               <a:rPr lang="en-US" smtClean="0"/>
-              <a:t>10/7/16</a:t>
+              <a:t>11/2/2016</a:t>
             </a:fld>
             <a:endParaRPr lang="en-US"/>
           </a:p>
@@ -3572,14 +3550,13 @@
           <a:lstStyle/>
           <a:p>
             <a:r>
-              <a:rPr lang="en-US" dirty="0" err="1" smtClean="0"/>
+              <a:rPr lang="en-US" dirty="0" err="1"/>
               <a:t>AddressBook</a:t>
             </a:r>
             <a:r>
-              <a:rPr lang="en-US" dirty="0" smtClean="0"/>
+              <a:rPr lang="en-US" dirty="0"/>
               <a:t> – Level 4</a:t>
             </a:r>
-            <a:endParaRPr lang="en-US" dirty="0"/>
           </a:p>
         </p:txBody>
       </p:sp>
@@ -3599,10 +3576,9 @@
           <a:lstStyle/>
           <a:p>
             <a:r>
-              <a:rPr lang="en-US" dirty="0" smtClean="0"/>
+              <a:rPr lang="en-US" dirty="0"/>
               <a:t>Diagrams</a:t>
             </a:r>
-            <a:endParaRPr lang="en-US" dirty="0"/>
           </a:p>
         </p:txBody>
       </p:sp>
@@ -3734,7 +3710,7 @@
           <a:p>
             <a:pPr algn="ctr"/>
             <a:r>
-              <a:rPr lang="en-US" sz="1600" dirty="0" smtClean="0">
+              <a:rPr lang="en-US" sz="1600" dirty="0">
                 <a:solidFill>
                   <a:schemeClr val="bg1"/>
                 </a:solidFill>
@@ -3793,7 +3769,7 @@
           <a:p>
             <a:pPr algn="ctr"/>
             <a:r>
-              <a:rPr lang="en-US" sz="1600" dirty="0" smtClean="0">
+              <a:rPr lang="en-US" sz="1600" dirty="0">
                 <a:solidFill>
                   <a:schemeClr val="bg1"/>
                 </a:solidFill>
@@ -3856,7 +3832,7 @@
           <a:p>
             <a:pPr algn="ctr"/>
             <a:r>
-              <a:rPr lang="en-US" sz="1600" dirty="0" smtClean="0">
+              <a:rPr lang="en-US" sz="1600" dirty="0">
                 <a:solidFill>
                   <a:schemeClr val="bg1"/>
                 </a:solidFill>
@@ -3915,7 +3891,7 @@
           <a:p>
             <a:pPr algn="ctr"/>
             <a:r>
-              <a:rPr lang="en-US" sz="1600" dirty="0" smtClean="0">
+              <a:rPr lang="en-US" sz="1600" dirty="0">
                 <a:solidFill>
                   <a:schemeClr val="bg1"/>
                 </a:solidFill>
@@ -4501,7 +4477,7 @@
           <a:p>
             <a:pPr algn="ctr"/>
             <a:r>
-              <a:rPr lang="en-US" sz="1600" dirty="0" smtClean="0">
+              <a:rPr lang="en-US" sz="1600" dirty="0">
                 <a:solidFill>
                   <a:schemeClr val="bg1"/>
                 </a:solidFill>
@@ -4852,7 +4828,7 @@
           <a:p>
             <a:pPr algn="ctr"/>
             <a:r>
-              <a:rPr lang="en-US" sz="1600" dirty="0" smtClean="0">
+              <a:rPr lang="en-US" sz="1600" dirty="0">
                 <a:solidFill>
                   <a:schemeClr val="bg1"/>
                 </a:solidFill>
@@ -4860,25 +4836,20 @@
               <a:t>Logs</a:t>
             </a:r>
             <a:br>
-              <a:rPr lang="en-US" sz="1600" dirty="0" smtClean="0">
+              <a:rPr lang="en-US" sz="1600" dirty="0">
                 <a:solidFill>
                   <a:schemeClr val="bg1"/>
                 </a:solidFill>
               </a:rPr>
             </a:br>
             <a:r>
-              <a:rPr lang="en-US" sz="1600" dirty="0" smtClean="0">
+              <a:rPr lang="en-US" sz="1600" dirty="0">
                 <a:solidFill>
                   <a:schemeClr val="bg1"/>
                 </a:solidFill>
               </a:rPr>
               <a:t>Center</a:t>
             </a:r>
-            <a:endParaRPr lang="en-US" sz="1600" dirty="0">
-              <a:solidFill>
-                <a:schemeClr val="bg1"/>
-              </a:solidFill>
-            </a:endParaRPr>
           </a:p>
         </p:txBody>
       </p:sp>
@@ -5035,7 +5006,7 @@
           <a:p>
             <a:pPr algn="ctr"/>
             <a:r>
-              <a:rPr lang="en-US" sz="1600" dirty="0" smtClean="0">
+              <a:rPr lang="en-US" sz="1600" dirty="0">
                 <a:solidFill>
                   <a:schemeClr val="bg1"/>
                 </a:solidFill>
@@ -5399,7 +5370,7 @@
           <a:p>
             <a:pPr algn="ctr"/>
             <a:r>
-              <a:rPr lang="en-US" sz="1600" dirty="0" smtClean="0">
+              <a:rPr lang="en-US" sz="1600" dirty="0">
                 <a:solidFill>
                   <a:schemeClr val="bg1"/>
                 </a:solidFill>
@@ -5546,7 +5517,7 @@
           <a:p>
             <a:pPr algn="ctr"/>
             <a:r>
-              <a:rPr lang="en-US" sz="1600" dirty="0" smtClean="0">
+              <a:rPr lang="en-US" sz="1600" dirty="0">
                 <a:solidFill>
                   <a:schemeClr val="bg1"/>
                 </a:solidFill>
@@ -5708,10 +5679,9 @@
           <a:lstStyle/>
           <a:p>
             <a:r>
-              <a:rPr lang="en-US" sz="1400" dirty="0" smtClean="0"/>
+              <a:rPr lang="en-US" sz="1400" dirty="0"/>
               <a:t>delete 1</a:t>
             </a:r>
-            <a:endParaRPr lang="en-US" sz="1400" dirty="0"/>
           </a:p>
         </p:txBody>
       </p:sp>
@@ -5774,18 +5744,13 @@
           <a:lstStyle/>
           <a:p>
             <a:r>
-              <a:rPr lang="en-US" sz="1400" dirty="0" smtClean="0">
+              <a:rPr lang="en-US" sz="1400" dirty="0">
                 <a:solidFill>
                   <a:srgbClr val="0070C0"/>
                 </a:solidFill>
               </a:rPr>
               <a:t>execute(“delete 1”)</a:t>
             </a:r>
-            <a:endParaRPr lang="en-US" sz="1400" dirty="0">
-              <a:solidFill>
-                <a:srgbClr val="0070C0"/>
-              </a:solidFill>
-            </a:endParaRPr>
           </a:p>
         </p:txBody>
       </p:sp>
@@ -5848,7 +5813,7 @@
           <a:lstStyle/>
           <a:p>
             <a:r>
-              <a:rPr lang="en-US" sz="1400" dirty="0" err="1" smtClean="0">
+              <a:rPr lang="en-US" sz="1400" dirty="0" err="1">
                 <a:solidFill>
                   <a:srgbClr val="7030A0"/>
                 </a:solidFill>
@@ -5856,18 +5821,13 @@
               <a:t>deletePerson</a:t>
             </a:r>
             <a:r>
-              <a:rPr lang="en-US" sz="1400" dirty="0" smtClean="0">
+              <a:rPr lang="en-US" sz="1400" dirty="0">
                 <a:solidFill>
                   <a:srgbClr val="7030A0"/>
                 </a:solidFill>
               </a:rPr>
               <a:t>(p)</a:t>
             </a:r>
-            <a:endParaRPr lang="en-US" sz="1400" dirty="0">
-              <a:solidFill>
-                <a:srgbClr val="7030A0"/>
-              </a:solidFill>
-            </a:endParaRPr>
           </a:p>
         </p:txBody>
       </p:sp>
@@ -5894,7 +5854,7 @@
           <a:lstStyle/>
           <a:p>
             <a:r>
-              <a:rPr lang="en-US" sz="1400" dirty="0" smtClean="0">
+              <a:rPr lang="en-US" sz="1400" dirty="0">
                 <a:solidFill>
                   <a:schemeClr val="accent5">
                     <a:lumMod val="75000"/>
@@ -5904,7 +5864,7 @@
               <a:t>post(</a:t>
             </a:r>
             <a:r>
-              <a:rPr lang="en-US" sz="1400" dirty="0" err="1" smtClean="0">
+              <a:rPr lang="en-US" sz="1400" dirty="0" err="1">
                 <a:solidFill>
                   <a:schemeClr val="accent5">
                     <a:lumMod val="75000"/>
@@ -5914,7 +5874,7 @@
               <a:t>AddressBookChangedEvent</a:t>
             </a:r>
             <a:r>
-              <a:rPr lang="en-US" sz="1400" dirty="0" smtClean="0">
+              <a:rPr lang="en-US" sz="1400" dirty="0">
                 <a:solidFill>
                   <a:schemeClr val="accent5">
                     <a:lumMod val="75000"/>
@@ -5923,13 +5883,6 @@
               </a:rPr>
               <a:t>)</a:t>
             </a:r>
-            <a:endParaRPr lang="en-US" sz="1400" dirty="0">
-              <a:solidFill>
-                <a:schemeClr val="accent5">
-                  <a:lumMod val="75000"/>
-                </a:schemeClr>
-              </a:solidFill>
-            </a:endParaRPr>
           </a:p>
         </p:txBody>
       </p:sp>
@@ -6095,7 +6048,7 @@
           <a:p>
             <a:pPr algn="ctr"/>
             <a:r>
-              <a:rPr lang="en-US" sz="1600" dirty="0" smtClean="0">
+              <a:rPr lang="en-US" sz="1600" dirty="0">
                 <a:solidFill>
                   <a:schemeClr val="bg1"/>
                 </a:solidFill>
@@ -6103,7 +6056,7 @@
               <a:t>:</a:t>
             </a:r>
             <a:r>
-              <a:rPr lang="en-US" sz="1600" dirty="0" err="1" smtClean="0">
+              <a:rPr lang="en-US" sz="1600" dirty="0" err="1">
                 <a:solidFill>
                   <a:schemeClr val="bg1"/>
                 </a:solidFill>
@@ -6336,7 +6289,7 @@
           <a:p>
             <a:pPr algn="ctr"/>
             <a:r>
-              <a:rPr lang="en-US" sz="1600" dirty="0" smtClean="0">
+              <a:rPr lang="en-US" sz="1600" dirty="0">
                 <a:solidFill>
                   <a:schemeClr val="bg1"/>
                 </a:solidFill>
@@ -6468,7 +6421,7 @@
           <a:lstStyle/>
           <a:p>
             <a:r>
-              <a:rPr lang="en-US" sz="1400" dirty="0" smtClean="0">
+              <a:rPr lang="en-US" sz="1400" dirty="0">
                 <a:solidFill>
                   <a:schemeClr val="accent5">
                     <a:lumMod val="75000"/>
@@ -6478,7 +6431,7 @@
               <a:t>post(</a:t>
             </a:r>
             <a:r>
-              <a:rPr lang="en-US" sz="1400" dirty="0" err="1" smtClean="0">
+              <a:rPr lang="en-US" sz="1400" dirty="0" err="1">
                 <a:solidFill>
                   <a:schemeClr val="accent5">
                     <a:lumMod val="75000"/>
@@ -6488,7 +6441,7 @@
               <a:t>AddressBookChangedEvent</a:t>
             </a:r>
             <a:r>
-              <a:rPr lang="en-US" sz="1400" dirty="0" smtClean="0">
+              <a:rPr lang="en-US" sz="1400" dirty="0">
                 <a:solidFill>
                   <a:schemeClr val="accent5">
                     <a:lumMod val="75000"/>
@@ -6497,13 +6450,6 @@
               </a:rPr>
               <a:t>)</a:t>
             </a:r>
-            <a:endParaRPr lang="en-US" sz="1400" dirty="0">
-              <a:solidFill>
-                <a:schemeClr val="accent5">
-                  <a:lumMod val="75000"/>
-                </a:schemeClr>
-              </a:solidFill>
-            </a:endParaRPr>
           </a:p>
         </p:txBody>
       </p:sp>
@@ -6595,7 +6541,7 @@
           <a:p>
             <a:pPr algn="ctr"/>
             <a:r>
-              <a:rPr lang="en-US" sz="1600" dirty="0" smtClean="0">
+              <a:rPr lang="en-US" sz="1600" dirty="0">
                 <a:solidFill>
                   <a:schemeClr val="bg1"/>
                 </a:solidFill>
@@ -6603,7 +6549,7 @@
               <a:t>:</a:t>
             </a:r>
             <a:r>
-              <a:rPr lang="en-US" sz="1600" dirty="0" err="1" smtClean="0">
+              <a:rPr lang="en-US" sz="1600" dirty="0" err="1">
                 <a:solidFill>
                   <a:schemeClr val="bg1"/>
                 </a:solidFill>
@@ -6850,7 +6796,7 @@
           <a:lstStyle/>
           <a:p>
             <a:r>
-              <a:rPr lang="en-US" sz="1400" dirty="0" err="1" smtClean="0">
+              <a:rPr lang="en-US" sz="1400" dirty="0" err="1">
                 <a:solidFill>
                   <a:schemeClr val="accent6">
                     <a:lumMod val="75000"/>
@@ -6860,7 +6806,7 @@
               <a:t>handleAddresssBookChangedEvent</a:t>
             </a:r>
             <a:r>
-              <a:rPr lang="en-US" sz="1400" dirty="0" smtClean="0">
+              <a:rPr lang="en-US" sz="1400" dirty="0">
                 <a:solidFill>
                   <a:schemeClr val="accent6">
                     <a:lumMod val="75000"/>
@@ -6869,13 +6815,6 @@
               </a:rPr>
               <a:t>()</a:t>
             </a:r>
-            <a:endParaRPr lang="en-US" sz="1400" dirty="0">
-              <a:solidFill>
-                <a:schemeClr val="accent6">
-                  <a:lumMod val="75000"/>
-                </a:schemeClr>
-              </a:solidFill>
-            </a:endParaRPr>
           </a:p>
         </p:txBody>
       </p:sp>
@@ -6960,7 +6899,7 @@
           <a:p>
             <a:pPr algn="ctr"/>
             <a:r>
-              <a:rPr lang="en-US" sz="1600" dirty="0" smtClean="0">
+              <a:rPr lang="en-US" sz="1600" dirty="0">
                 <a:solidFill>
                   <a:schemeClr val="bg1"/>
                 </a:solidFill>
@@ -7163,7 +7102,7 @@
           <a:lstStyle/>
           <a:p>
             <a:r>
-              <a:rPr lang="en-US" sz="1400" dirty="0" err="1" smtClean="0">
+              <a:rPr lang="en-US" sz="1400" dirty="0" err="1">
                 <a:solidFill>
                   <a:srgbClr val="00B050"/>
                 </a:solidFill>
@@ -7171,18 +7110,13 @@
               <a:t>handleAddresssBookChangedEvent</a:t>
             </a:r>
             <a:r>
-              <a:rPr lang="en-US" sz="1400" dirty="0" smtClean="0">
+              <a:rPr lang="en-US" sz="1400" dirty="0">
                 <a:solidFill>
                   <a:srgbClr val="00B050"/>
                 </a:solidFill>
               </a:rPr>
               <a:t>()</a:t>
             </a:r>
-            <a:endParaRPr lang="en-US" sz="1400" dirty="0">
-              <a:solidFill>
-                <a:srgbClr val="00B050"/>
-              </a:solidFill>
-            </a:endParaRPr>
           </a:p>
         </p:txBody>
       </p:sp>
@@ -7369,18 +7303,13 @@
           <a:p>
             <a:pPr algn="r"/>
             <a:r>
-              <a:rPr lang="en-US" sz="1400" dirty="0" smtClean="0">
+              <a:rPr lang="en-US" sz="1400" dirty="0">
                 <a:solidFill>
                   <a:srgbClr val="00B050"/>
                 </a:solidFill>
               </a:rPr>
               <a:t>Update status bar</a:t>
             </a:r>
-            <a:endParaRPr lang="en-US" sz="1400" dirty="0">
-              <a:solidFill>
-                <a:srgbClr val="00B050"/>
-              </a:solidFill>
-            </a:endParaRPr>
           </a:p>
         </p:txBody>
       </p:sp>
@@ -7570,7 +7499,7 @@
           <a:lstStyle/>
           <a:p>
             <a:r>
-              <a:rPr lang="en-US" sz="1400" dirty="0" smtClean="0">
+              <a:rPr lang="en-US" sz="1400" dirty="0">
                 <a:solidFill>
                   <a:schemeClr val="accent6">
                     <a:lumMod val="75000"/>
@@ -7580,7 +7509,7 @@
               <a:t>Save </a:t>
             </a:r>
             <a:br>
-              <a:rPr lang="en-US" sz="1400" dirty="0" smtClean="0">
+              <a:rPr lang="en-US" sz="1400" dirty="0">
                 <a:solidFill>
                   <a:schemeClr val="accent6">
                     <a:lumMod val="75000"/>
@@ -7589,7 +7518,7 @@
               </a:rPr>
             </a:br>
             <a:r>
-              <a:rPr lang="en-US" sz="1400" dirty="0" smtClean="0">
+              <a:rPr lang="en-US" sz="1400" dirty="0">
                 <a:solidFill>
                   <a:schemeClr val="accent6">
                     <a:lumMod val="75000"/>
@@ -7598,13 +7527,6 @@
               </a:rPr>
               <a:t>to file</a:t>
             </a:r>
-            <a:endParaRPr lang="en-US" sz="1400" dirty="0">
-              <a:solidFill>
-                <a:schemeClr val="accent6">
-                  <a:lumMod val="75000"/>
-                </a:schemeClr>
-              </a:solidFill>
-            </a:endParaRPr>
           </a:p>
         </p:txBody>
       </p:sp>
@@ -7681,7 +7603,7 @@
           <a:lstStyle/>
           <a:p>
             <a:r>
-              <a:rPr lang="en-US" sz="1200" b="1" dirty="0" smtClean="0">
+              <a:rPr lang="en-US" sz="1200" b="1" dirty="0">
                 <a:solidFill>
                   <a:schemeClr val="accent3">
                     <a:lumMod val="75000"/>
@@ -7864,7 +7786,7 @@
           <a:p>
             <a:pPr algn="ctr"/>
             <a:r>
-              <a:rPr lang="en-US" sz="1050" dirty="0" err="1" smtClean="0">
+              <a:rPr lang="en-US" sz="1050" dirty="0" err="1">
                 <a:solidFill>
                   <a:schemeClr val="bg1"/>
                 </a:solidFill>
@@ -8114,7 +8036,7 @@
           <a:p>
             <a:pPr algn="ctr"/>
             <a:r>
-              <a:rPr lang="en-US" sz="1050" b="1" smtClean="0">
+              <a:rPr lang="en-US" sz="1050" b="1">
                 <a:solidFill>
                   <a:schemeClr val="accent3">
                     <a:lumMod val="75000"/>
@@ -8124,7 +8046,7 @@
               <a:t>TimeCategory</a:t>
             </a:r>
             <a:r>
-              <a:rPr lang="en-US" altLang="zh-CN" sz="1050" b="1" smtClean="0">
+              <a:rPr lang="en-US" altLang="zh-CN" sz="1050" b="1">
                 <a:solidFill>
                   <a:schemeClr val="accent3">
                     <a:lumMod val="75000"/>
@@ -8244,7 +8166,7 @@
           <a:p>
             <a:pPr algn="ctr"/>
             <a:r>
-              <a:rPr lang="en-US" altLang="zh-CN" sz="1050" b="1" dirty="0" err="1" smtClean="0">
+              <a:rPr lang="en-US" altLang="zh-CN" sz="1050" b="1" dirty="0" err="1">
                 <a:solidFill>
                   <a:schemeClr val="accent3">
                     <a:lumMod val="75000"/>
@@ -8254,7 +8176,7 @@
               <a:t>Task</a:t>
             </a:r>
             <a:r>
-              <a:rPr lang="en-US" sz="1050" b="1" dirty="0" err="1" smtClean="0">
+              <a:rPr lang="en-US" sz="1050" b="1" dirty="0" err="1">
                 <a:solidFill>
                   <a:schemeClr val="accent3">
                     <a:lumMod val="75000"/>
@@ -8314,7 +8236,7 @@
           <a:p>
             <a:pPr algn="ctr"/>
             <a:r>
-              <a:rPr lang="en-US" altLang="zh-CN" sz="1050" b="1" dirty="0" err="1" smtClean="0">
+              <a:rPr lang="en-US" altLang="zh-CN" sz="1050" b="1" dirty="0" err="1">
                 <a:solidFill>
                   <a:schemeClr val="accent3">
                     <a:lumMod val="75000"/>
@@ -8746,7 +8668,7 @@
           <a:p>
             <a:pPr algn="ctr"/>
             <a:r>
-              <a:rPr lang="en-US" sz="1050" b="1" dirty="0" smtClean="0">
+              <a:rPr lang="en-US" sz="1050" b="1" dirty="0">
                 <a:solidFill>
                   <a:schemeClr val="accent3">
                     <a:lumMod val="75000"/>
@@ -8756,7 +8678,7 @@
               <a:t>{abstract}</a:t>
             </a:r>
             <a:br>
-              <a:rPr lang="en-US" sz="1050" b="1" dirty="0" smtClean="0">
+              <a:rPr lang="en-US" sz="1050" b="1" dirty="0">
                 <a:solidFill>
                   <a:schemeClr val="accent3">
                     <a:lumMod val="75000"/>
@@ -8765,7 +8687,7 @@
               </a:rPr>
             </a:br>
             <a:r>
-              <a:rPr lang="en-US" sz="1050" b="1" dirty="0" err="1" smtClean="0">
+              <a:rPr lang="en-US" sz="1050" b="1" dirty="0" err="1">
                 <a:solidFill>
                   <a:schemeClr val="accent3">
                     <a:lumMod val="75000"/>
@@ -9252,7 +9174,7 @@
           <a:p>
             <a:pPr algn="ctr"/>
             <a:r>
-              <a:rPr lang="en-US" sz="1100" b="1" dirty="0" smtClean="0">
+              <a:rPr lang="en-US" sz="1100" b="1" dirty="0">
                 <a:solidFill>
                   <a:schemeClr val="bg1"/>
                 </a:solidFill>
@@ -9311,7 +9233,7 @@
           <a:p>
             <a:pPr algn="ctr"/>
             <a:r>
-              <a:rPr lang="en-US" sz="1050" dirty="0" smtClean="0">
+              <a:rPr lang="en-US" sz="1050" dirty="0">
                 <a:solidFill>
                   <a:schemeClr val="bg1"/>
                 </a:solidFill>
@@ -9322,7 +9244,7 @@
           <a:p>
             <a:pPr algn="ctr"/>
             <a:r>
-              <a:rPr lang="en-US" sz="1050" dirty="0" err="1" smtClean="0">
+              <a:rPr lang="en-US" sz="1050" dirty="0" err="1">
                 <a:solidFill>
                   <a:schemeClr val="bg1"/>
                 </a:solidFill>
@@ -9901,7 +9823,7 @@
           <a:p>
             <a:pPr algn="ctr"/>
             <a:r>
-              <a:rPr lang="en-US" altLang="zh-CN" sz="1050" b="1" dirty="0" err="1" smtClean="0">
+              <a:rPr lang="en-US" altLang="zh-CN" sz="1050" b="1" dirty="0" err="1">
                 <a:solidFill>
                   <a:schemeClr val="accent3">
                     <a:lumMod val="75000"/>
@@ -10002,7 +9924,7 @@
           <a:p>
             <a:pPr algn="ctr"/>
             <a:r>
-              <a:rPr lang="en-US" sz="1050" b="1" dirty="0" err="1" smtClean="0">
+              <a:rPr lang="en-US" sz="1050" b="1" dirty="0" err="1">
                 <a:solidFill>
                   <a:schemeClr val="accent3">
                     <a:lumMod val="75000"/>
@@ -10012,7 +9934,7 @@
               <a:t>Category</a:t>
             </a:r>
             <a:r>
-              <a:rPr lang="en-US" altLang="zh-CN" sz="1050" b="1" dirty="0" err="1" smtClean="0">
+              <a:rPr lang="en-US" altLang="zh-CN" sz="1050" b="1" dirty="0" err="1">
                 <a:solidFill>
                   <a:schemeClr val="accent3">
                     <a:lumMod val="75000"/>
@@ -10277,7 +10199,7 @@
           <a:p>
             <a:pPr algn="ctr"/>
             <a:r>
-              <a:rPr lang="en-US" altLang="zh-CN" sz="1050" b="1" dirty="0" err="1" smtClean="0">
+              <a:rPr lang="en-US" altLang="zh-CN" sz="1050" b="1" dirty="0" err="1">
                 <a:solidFill>
                   <a:schemeClr val="accent3">
                     <a:lumMod val="75000"/>
@@ -10462,7 +10384,7 @@
           <a:p>
             <a:pPr algn="ctr"/>
             <a:r>
-              <a:rPr lang="en-US" altLang="zh-CN" sz="1050" b="1" smtClean="0">
+              <a:rPr lang="en-US" altLang="zh-CN" sz="1050" b="1">
                 <a:solidFill>
                   <a:schemeClr val="accent3">
                     <a:lumMod val="75000"/>
@@ -10575,13 +10497,6 @@
   <p:clrMapOvr>
     <a:masterClrMapping/>
   </p:clrMapOvr>
-  <p:timing>
-    <p:tnLst>
-      <p:par>
-        <p:cTn id="1" dur="indefinite" restart="never" nodeType="tmRoot"/>
-      </p:par>
-    </p:tnLst>
-  </p:timing>
 </p:sld>
 </file>
 
@@ -10648,7 +10563,7 @@
           <a:lstStyle/>
           <a:p>
             <a:r>
-              <a:rPr lang="en-US" sz="1200" b="1" dirty="0" smtClean="0">
+              <a:rPr lang="en-US" sz="1200" b="1" dirty="0">
                 <a:solidFill>
                   <a:srgbClr val="0070C0"/>
                 </a:solidFill>
@@ -10822,7 +10737,7 @@
           <a:p>
             <a:pPr algn="ctr"/>
             <a:r>
-              <a:rPr lang="en-US" sz="1050" dirty="0" err="1" smtClean="0">
+              <a:rPr lang="en-US" sz="1050" dirty="0" err="1">
                 <a:solidFill>
                   <a:schemeClr val="bg1"/>
                 </a:solidFill>
@@ -11184,7 +11099,7 @@
           <a:p>
             <a:pPr algn="ctr"/>
             <a:r>
-              <a:rPr lang="en-US" sz="1050" b="1" dirty="0" smtClean="0">
+              <a:rPr lang="en-US" sz="1050" b="1" dirty="0">
                 <a:solidFill>
                   <a:srgbClr val="0070C0"/>
                 </a:solidFill>
@@ -11192,14 +11107,14 @@
               <a:t>{abstract}</a:t>
             </a:r>
             <a:br>
-              <a:rPr lang="en-US" sz="1050" b="1" dirty="0" smtClean="0">
+              <a:rPr lang="en-US" sz="1050" b="1" dirty="0">
                 <a:solidFill>
                   <a:srgbClr val="0070C0"/>
                 </a:solidFill>
               </a:rPr>
             </a:br>
             <a:r>
-              <a:rPr lang="en-US" sz="1050" b="1" dirty="0" smtClean="0">
+              <a:rPr lang="en-US" sz="1050" b="1" dirty="0">
                 <a:solidFill>
                   <a:srgbClr val="0070C0"/>
                 </a:solidFill>
@@ -11860,7 +11775,7 @@
             <a:p>
               <a:pPr algn="r"/>
               <a:r>
-                <a:rPr lang="en-US" sz="1100" dirty="0" smtClean="0">
+                <a:rPr lang="en-US" sz="1100" dirty="0">
                   <a:solidFill>
                     <a:srgbClr val="0070C0"/>
                   </a:solidFill>
@@ -11959,7 +11874,7 @@
             <a:lstStyle/>
             <a:p>
               <a:r>
-                <a:rPr lang="en-US" sz="1100" dirty="0" smtClean="0">
+                <a:rPr lang="en-US" sz="1100" dirty="0">
                   <a:solidFill>
                     <a:srgbClr val="0070C0"/>
                   </a:solidFill>
@@ -12045,7 +11960,7 @@
           <a:p>
             <a:pPr algn="r"/>
             <a:r>
-              <a:rPr lang="en-US" sz="1100" dirty="0" smtClean="0">
+              <a:rPr lang="en-US" sz="1100" dirty="0">
                 <a:solidFill>
                   <a:srgbClr val="0070C0"/>
                 </a:solidFill>
@@ -12084,7 +11999,7 @@
           <a:p>
             <a:pPr algn="r"/>
             <a:r>
-              <a:rPr lang="en-US" sz="1100" dirty="0" smtClean="0">
+              <a:rPr lang="en-US" sz="1100" dirty="0">
                 <a:solidFill>
                   <a:srgbClr val="0070C0"/>
                 </a:solidFill>
@@ -12137,7 +12052,7 @@
             <a:p>
               <a:pPr algn="r"/>
               <a:r>
-                <a:rPr lang="en-US" sz="1100" dirty="0" smtClean="0">
+                <a:rPr lang="en-US" sz="1100" dirty="0">
                   <a:solidFill>
                     <a:srgbClr val="0070C0"/>
                   </a:solidFill>
@@ -12240,7 +12155,7 @@
           <a:p>
             <a:pPr algn="ctr"/>
             <a:r>
-              <a:rPr lang="en-US" sz="1050" b="1" dirty="0" smtClean="0">
+              <a:rPr lang="en-US" sz="1050" b="1" dirty="0">
                 <a:solidFill>
                   <a:srgbClr val="0070C0"/>
                 </a:solidFill>
@@ -12248,14 +12163,14 @@
               <a:t>Incorrect</a:t>
             </a:r>
             <a:br>
-              <a:rPr lang="en-US" sz="1050" b="1" dirty="0" smtClean="0">
+              <a:rPr lang="en-US" sz="1050" b="1" dirty="0">
                 <a:solidFill>
                   <a:srgbClr val="0070C0"/>
                 </a:solidFill>
               </a:rPr>
             </a:br>
             <a:r>
-              <a:rPr lang="en-US" sz="1050" b="1" dirty="0" smtClean="0">
+              <a:rPr lang="en-US" sz="1050" b="1" dirty="0">
                 <a:solidFill>
                   <a:srgbClr val="0070C0"/>
                 </a:solidFill>
@@ -12364,13 +12279,6 @@
   <p:clrMapOvr>
     <a:masterClrMapping/>
   </p:clrMapOvr>
-  <p:timing>
-    <p:tnLst>
-      <p:par>
-        <p:cTn id="1" dur="indefinite" restart="never" nodeType="tmRoot"/>
-      </p:par>
-    </p:tnLst>
-  </p:timing>
 </p:sld>
 </file>
 
@@ -12437,7 +12345,7 @@
           <a:lstStyle/>
           <a:p>
             <a:r>
-              <a:rPr lang="en-US" sz="1200" b="1" dirty="0" smtClean="0">
+              <a:rPr lang="en-US" sz="1200" b="1" dirty="0">
                 <a:solidFill>
                   <a:srgbClr val="0070C0"/>
                 </a:solidFill>
@@ -12647,7 +12555,7 @@
           <a:p>
             <a:pPr algn="ctr"/>
             <a:r>
-              <a:rPr lang="en-US" sz="1600" dirty="0" smtClean="0">
+              <a:rPr lang="en-US" sz="1600" dirty="0">
                 <a:solidFill>
                   <a:schemeClr val="bg1"/>
                 </a:solidFill>
@@ -12794,20 +12702,12 @@
           <a:p>
             <a:pPr algn="ctr"/>
             <a:r>
-              <a:rPr lang="en-US" sz="1600" dirty="0" smtClean="0">
+              <a:rPr lang="en-US" sz="1600" dirty="0">
                 <a:solidFill>
                   <a:schemeClr val="bg1"/>
                 </a:solidFill>
               </a:rPr>
               <a:t>d:Delete</a:t>
-            </a:r>
-            <a:r>
-              <a:rPr lang="en-US" sz="1600" dirty="0">
-                <a:solidFill>
-                  <a:schemeClr val="bg1"/>
-                </a:solidFill>
-              </a:rPr>
-              <a:t/>
             </a:r>
             <a:br>
               <a:rPr lang="en-US" sz="1600" dirty="0">
@@ -13012,18 +12912,13 @@
           <a:p>
             <a:pPr algn="r"/>
             <a:r>
-              <a:rPr lang="en-US" sz="1400" dirty="0" smtClean="0">
+              <a:rPr lang="en-US" sz="1400" dirty="0">
                 <a:solidFill>
                   <a:srgbClr val="0070C0"/>
                 </a:solidFill>
               </a:rPr>
               <a:t>execute(“delete 1”)</a:t>
             </a:r>
-            <a:endParaRPr lang="en-US" sz="1400" dirty="0">
-              <a:solidFill>
-                <a:srgbClr val="0070C0"/>
-              </a:solidFill>
-            </a:endParaRPr>
           </a:p>
         </p:txBody>
       </p:sp>
@@ -13613,26 +13508,21 @@
           </a:lstStyle>
           <a:p>
             <a:r>
-              <a:rPr lang="en-US" dirty="0" err="1" smtClean="0">
+              <a:rPr lang="en-US" dirty="0" err="1">
                 <a:solidFill>
                   <a:srgbClr val="7030A0"/>
                 </a:solidFill>
               </a:rPr>
-              <a:t>deletePerson</a:t>
-            </a:r>
-            <a:r>
-              <a:rPr lang="en-US" dirty="0" smtClean="0">
+              <a:t>deleteTask</a:t>
+            </a:r>
+            <a:r>
+              <a:rPr lang="en-US" dirty="0">
                 <a:solidFill>
                   <a:srgbClr val="7030A0"/>
                 </a:solidFill>
               </a:rPr>
               <a:t>(p)</a:t>
             </a:r>
-            <a:endParaRPr lang="en-US" dirty="0">
-              <a:solidFill>
-                <a:srgbClr val="7030A0"/>
-              </a:solidFill>
-            </a:endParaRPr>
           </a:p>
         </p:txBody>
       </p:sp>
@@ -13670,10 +13560,9 @@
           </a:lstStyle>
           <a:p>
             <a:r>
-              <a:rPr lang="en-US" dirty="0" smtClean="0"/>
+              <a:rPr lang="en-US" dirty="0"/>
               <a:t>create()</a:t>
             </a:r>
-            <a:endParaRPr lang="en-US" dirty="0"/>
           </a:p>
         </p:txBody>
       </p:sp>
@@ -13711,10 +13600,9 @@
           </a:lstStyle>
           <a:p>
             <a:r>
-              <a:rPr lang="en-US" dirty="0" smtClean="0"/>
+              <a:rPr lang="en-US" dirty="0"/>
               <a:t>parse(“delete 1”)</a:t>
             </a:r>
-            <a:endParaRPr lang="en-US" dirty="0"/>
           </a:p>
         </p:txBody>
       </p:sp>
@@ -13752,10 +13640,9 @@
           </a:lstStyle>
           <a:p>
             <a:r>
-              <a:rPr lang="en-US" dirty="0" smtClean="0"/>
+              <a:rPr lang="en-US" dirty="0"/>
               <a:t>result</a:t>
             </a:r>
-            <a:endParaRPr lang="en-US" dirty="0"/>
           </a:p>
         </p:txBody>
       </p:sp>
@@ -13793,10 +13680,9 @@
           </a:lstStyle>
           <a:p>
             <a:r>
-              <a:rPr lang="en-US" dirty="0" smtClean="0"/>
+              <a:rPr lang="en-US" dirty="0"/>
               <a:t>result</a:t>
             </a:r>
-            <a:endParaRPr lang="en-US" dirty="0"/>
           </a:p>
         </p:txBody>
       </p:sp>
@@ -13844,7 +13730,7 @@
           <a:p>
             <a:pPr algn="ctr"/>
             <a:r>
-              <a:rPr lang="en-US" sz="1600" dirty="0" smtClean="0">
+              <a:rPr lang="en-US" sz="1600" dirty="0">
                 <a:solidFill>
                   <a:schemeClr val="bg1"/>
                 </a:solidFill>
@@ -13852,14 +13738,14 @@
               <a:t>result:</a:t>
             </a:r>
             <a:br>
-              <a:rPr lang="en-US" sz="1600" dirty="0" smtClean="0">
+              <a:rPr lang="en-US" sz="1600" dirty="0">
                 <a:solidFill>
                   <a:schemeClr val="bg1"/>
                 </a:solidFill>
               </a:rPr>
             </a:br>
             <a:r>
-              <a:rPr lang="en-US" sz="1600" dirty="0" err="1" smtClean="0">
+              <a:rPr lang="en-US" sz="1600" dirty="0" err="1">
                 <a:solidFill>
                   <a:schemeClr val="bg1"/>
                 </a:solidFill>
@@ -14029,10 +13915,9 @@
           </a:lstStyle>
           <a:p>
             <a:r>
-              <a:rPr lang="en-US" dirty="0" smtClean="0"/>
+              <a:rPr lang="en-US" dirty="0"/>
               <a:t>d</a:t>
             </a:r>
-            <a:endParaRPr lang="en-US" dirty="0"/>
           </a:p>
         </p:txBody>
       </p:sp>
@@ -14112,7 +13997,7 @@
           <a:lstStyle/>
           <a:p>
             <a:r>
-              <a:rPr lang="en-US" sz="1200" b="1" dirty="0" smtClean="0">
+              <a:rPr lang="en-US" sz="1200" b="1" dirty="0">
                 <a:solidFill>
                   <a:srgbClr val="7030A0"/>
                 </a:solidFill>
@@ -14171,7 +14056,7 @@
           <a:p>
             <a:pPr algn="ctr"/>
             <a:r>
-              <a:rPr lang="en-US" sz="1050" dirty="0" err="1" smtClean="0">
+              <a:rPr lang="en-US" sz="1050" dirty="0" err="1">
                 <a:solidFill>
                   <a:schemeClr val="bg1"/>
                 </a:solidFill>
@@ -14230,7 +14115,7 @@
           <a:p>
             <a:pPr algn="ctr"/>
             <a:r>
-              <a:rPr lang="en-US" sz="1050" dirty="0" err="1" smtClean="0">
+              <a:rPr lang="en-US" sz="1050" dirty="0" err="1">
                 <a:solidFill>
                   <a:schemeClr val="bg1"/>
                 </a:solidFill>
@@ -14386,7 +14271,7 @@
           <a:p>
             <a:pPr algn="ctr"/>
             <a:r>
-              <a:rPr lang="en-US" sz="1050" dirty="0" smtClean="0">
+              <a:rPr lang="en-US" sz="1050" dirty="0">
                 <a:solidFill>
                   <a:schemeClr val="bg1"/>
                 </a:solidFill>
@@ -14752,7 +14637,7 @@
           <a:p>
             <a:pPr algn="ctr"/>
             <a:r>
-              <a:rPr lang="en-US" sz="1050" dirty="0" err="1" smtClean="0">
+              <a:rPr lang="en-US" sz="1050" dirty="0" err="1">
                 <a:solidFill>
                   <a:srgbClr val="7030A0"/>
                 </a:solidFill>
@@ -14894,7 +14779,7 @@
           <a:p>
             <a:pPr algn="ctr"/>
             <a:r>
-              <a:rPr lang="en-US" sz="1050" dirty="0" err="1" smtClean="0">
+              <a:rPr lang="en-US" sz="1050" dirty="0" err="1">
                 <a:solidFill>
                   <a:srgbClr val="7030A0"/>
                 </a:solidFill>
@@ -15038,7 +14923,7 @@
           <a:p>
             <a:pPr algn="ctr"/>
             <a:r>
-              <a:rPr lang="en-US" sz="1050" dirty="0" err="1" smtClean="0">
+              <a:rPr lang="en-US" sz="1050" dirty="0" err="1">
                 <a:solidFill>
                   <a:srgbClr val="7030A0"/>
                 </a:solidFill>
@@ -15137,7 +15022,7 @@
           <a:p>
             <a:pPr algn="ctr"/>
             <a:r>
-              <a:rPr lang="en-US" sz="1050" dirty="0" smtClean="0">
+              <a:rPr lang="en-US" sz="1050" dirty="0">
                 <a:solidFill>
                   <a:srgbClr val="7030A0"/>
                 </a:solidFill>
@@ -15279,7 +15164,7 @@
           <a:p>
             <a:pPr algn="ctr"/>
             <a:r>
-              <a:rPr lang="en-US" sz="1050" dirty="0" smtClean="0">
+              <a:rPr lang="en-US" sz="1050" dirty="0">
                 <a:solidFill>
                   <a:srgbClr val="7030A0"/>
                 </a:solidFill>
@@ -15421,7 +15306,7 @@
           <a:p>
             <a:pPr algn="ctr"/>
             <a:r>
-              <a:rPr lang="en-US" sz="1050" dirty="0" smtClean="0">
+              <a:rPr lang="en-US" sz="1050" dirty="0">
                 <a:solidFill>
                   <a:srgbClr val="7030A0"/>
                 </a:solidFill>
@@ -15429,14 +15314,14 @@
               <a:t>&lt;&lt;interface&gt;&gt;</a:t>
             </a:r>
             <a:br>
-              <a:rPr lang="en-US" sz="1050" dirty="0" smtClean="0">
+              <a:rPr lang="en-US" sz="1050" dirty="0">
                 <a:solidFill>
                   <a:srgbClr val="7030A0"/>
                 </a:solidFill>
               </a:rPr>
             </a:br>
             <a:r>
-              <a:rPr lang="en-US" sz="1050" dirty="0" err="1" smtClean="0">
+              <a:rPr lang="en-US" sz="1050" dirty="0" err="1">
                 <a:solidFill>
                   <a:srgbClr val="7030A0"/>
                 </a:solidFill>
@@ -15492,7 +15377,7 @@
           <a:p>
             <a:pPr algn="ctr"/>
             <a:r>
-              <a:rPr lang="en-US" sz="1050" dirty="0" smtClean="0">
+              <a:rPr lang="en-US" sz="1050" dirty="0">
                 <a:solidFill>
                   <a:srgbClr val="7030A0"/>
                 </a:solidFill>
@@ -15636,7 +15521,7 @@
           <a:p>
             <a:pPr algn="ctr"/>
             <a:r>
-              <a:rPr lang="en-US" sz="1050" dirty="0" smtClean="0">
+              <a:rPr lang="en-US" sz="1050" dirty="0">
                 <a:solidFill>
                   <a:srgbClr val="7030A0"/>
                 </a:solidFill>
@@ -15733,7 +15618,7 @@
           <a:p>
             <a:pPr algn="ctr"/>
             <a:r>
-              <a:rPr lang="en-US" sz="1050" dirty="0" smtClean="0">
+              <a:rPr lang="en-US" sz="1050" dirty="0">
                 <a:solidFill>
                   <a:srgbClr val="7030A0"/>
                 </a:solidFill>
@@ -15830,7 +15715,7 @@
           <a:p>
             <a:pPr algn="ctr"/>
             <a:r>
-              <a:rPr lang="en-US" sz="1050" dirty="0" smtClean="0">
+              <a:rPr lang="en-US" sz="1050" dirty="0">
                 <a:solidFill>
                   <a:srgbClr val="7030A0"/>
                 </a:solidFill>
@@ -16018,130 +15903,12 @@
           <a:p>
             <a:pPr algn="ctr"/>
             <a:r>
-              <a:rPr lang="en-US" sz="1050" dirty="0" smtClean="0">
+              <a:rPr lang="en-US" sz="1050" dirty="0">
                 <a:solidFill>
                   <a:srgbClr val="7030A0"/>
                 </a:solidFill>
               </a:rPr>
               <a:t>&lt;&lt;interface&gt;&gt;</a:t>
-            </a:r>
-            <a:br>
-              <a:rPr lang="en-US" sz="1050" dirty="0" smtClean="0">
-                <a:solidFill>
-                  <a:srgbClr val="7030A0"/>
-                </a:solidFill>
-              </a:rPr>
-            </a:br>
-            <a:r>
-              <a:rPr lang="en-US" sz="1050" dirty="0" err="1" smtClean="0">
-                <a:solidFill>
-                  <a:srgbClr val="7030A0"/>
-                </a:solidFill>
-              </a:rPr>
-              <a:t>ReadOnlyAddressBook</a:t>
-            </a:r>
-            <a:endParaRPr lang="en-SG" sz="1050" dirty="0">
-              <a:solidFill>
-                <a:srgbClr val="7030A0"/>
-              </a:solidFill>
-            </a:endParaRPr>
-          </a:p>
-        </p:txBody>
-      </p:sp>
-      <p:sp>
-        <p:nvSpPr>
-          <p:cNvPr id="114" name="TextBox 113"/>
-          <p:cNvSpPr txBox="1"/>
-          <p:nvPr/>
-        </p:nvSpPr>
-        <p:spPr>
-          <a:xfrm rot="16200000">
-            <a:off x="6581354" y="3514530"/>
-            <a:ext cx="881018" cy="261610"/>
-          </a:xfrm>
-          <a:prstGeom prst="rect">
-            <a:avLst/>
-          </a:prstGeom>
-          <a:noFill/>
-        </p:spPr>
-        <p:txBody>
-          <a:bodyPr wrap="square" rtlCol="0">
-            <a:spAutoFit/>
-          </a:bodyPr>
-          <a:lstStyle/>
-          <a:p>
-            <a:pPr algn="r"/>
-            <a:r>
-              <a:rPr lang="en-US" sz="1100" dirty="0" smtClean="0">
-                <a:solidFill>
-                  <a:srgbClr val="7030A0"/>
-                </a:solidFill>
-              </a:rPr>
-              <a:t>filtered list</a:t>
-            </a:r>
-            <a:endParaRPr lang="en-SG" sz="1100" dirty="0">
-              <a:solidFill>
-                <a:srgbClr val="7030A0"/>
-              </a:solidFill>
-            </a:endParaRPr>
-          </a:p>
-        </p:txBody>
-      </p:sp>
-      <p:sp>
-        <p:nvSpPr>
-          <p:cNvPr id="122" name="Rectangle 8"/>
-          <p:cNvSpPr/>
-          <p:nvPr/>
-        </p:nvSpPr>
-        <p:spPr>
-          <a:xfrm>
-            <a:off x="2057400" y="4239491"/>
-            <a:ext cx="1775949" cy="346760"/>
-          </a:xfrm>
-          <a:prstGeom prst="rect">
-            <a:avLst/>
-          </a:prstGeom>
-          <a:ln w="19050">
-            <a:solidFill>
-              <a:srgbClr val="7030A0"/>
-            </a:solidFill>
-          </a:ln>
-          <a:effectLst/>
-        </p:spPr>
-        <p:style>
-          <a:lnRef idx="1">
-            <a:schemeClr val="accent4"/>
-          </a:lnRef>
-          <a:fillRef idx="2">
-            <a:schemeClr val="accent4"/>
-          </a:fillRef>
-          <a:effectRef idx="1">
-            <a:schemeClr val="accent4"/>
-          </a:effectRef>
-          <a:fontRef idx="minor">
-            <a:schemeClr val="dk1"/>
-          </a:fontRef>
-        </p:style>
-        <p:txBody>
-          <a:bodyPr rtlCol="0" anchor="ctr"/>
-          <a:lstStyle/>
-          <a:p>
-            <a:pPr algn="ctr"/>
-            <a:r>
-              <a:rPr lang="en-US" sz="1050" dirty="0" smtClean="0">
-                <a:solidFill>
-                  <a:srgbClr val="7030A0"/>
-                </a:solidFill>
-              </a:rPr>
-              <a:t>&lt;&lt;interface&gt;&gt;</a:t>
-            </a:r>
-            <a:r>
-              <a:rPr lang="en-US" sz="1050" dirty="0">
-                <a:solidFill>
-                  <a:srgbClr val="7030A0"/>
-                </a:solidFill>
-              </a:rPr>
-              <a:t/>
             </a:r>
             <a:br>
               <a:rPr lang="en-US" sz="1050" dirty="0">
@@ -16151,7 +15918,117 @@
               </a:rPr>
             </a:br>
             <a:r>
-              <a:rPr lang="en-US" sz="1050" dirty="0" err="1" smtClean="0">
+              <a:rPr lang="en-US" sz="1050" dirty="0" err="1">
+                <a:solidFill>
+                  <a:srgbClr val="7030A0"/>
+                </a:solidFill>
+              </a:rPr>
+              <a:t>ReadOnlyAddressBook</a:t>
+            </a:r>
+            <a:endParaRPr lang="en-SG" sz="1050" dirty="0">
+              <a:solidFill>
+                <a:srgbClr val="7030A0"/>
+              </a:solidFill>
+            </a:endParaRPr>
+          </a:p>
+        </p:txBody>
+      </p:sp>
+      <p:sp>
+        <p:nvSpPr>
+          <p:cNvPr id="114" name="TextBox 113"/>
+          <p:cNvSpPr txBox="1"/>
+          <p:nvPr/>
+        </p:nvSpPr>
+        <p:spPr>
+          <a:xfrm rot="16200000">
+            <a:off x="6581354" y="3514530"/>
+            <a:ext cx="881018" cy="261610"/>
+          </a:xfrm>
+          <a:prstGeom prst="rect">
+            <a:avLst/>
+          </a:prstGeom>
+          <a:noFill/>
+        </p:spPr>
+        <p:txBody>
+          <a:bodyPr wrap="square" rtlCol="0">
+            <a:spAutoFit/>
+          </a:bodyPr>
+          <a:lstStyle/>
+          <a:p>
+            <a:pPr algn="r"/>
+            <a:r>
+              <a:rPr lang="en-US" sz="1100" dirty="0">
+                <a:solidFill>
+                  <a:srgbClr val="7030A0"/>
+                </a:solidFill>
+              </a:rPr>
+              <a:t>filtered list</a:t>
+            </a:r>
+            <a:endParaRPr lang="en-SG" sz="1100" dirty="0">
+              <a:solidFill>
+                <a:srgbClr val="7030A0"/>
+              </a:solidFill>
+            </a:endParaRPr>
+          </a:p>
+        </p:txBody>
+      </p:sp>
+      <p:sp>
+        <p:nvSpPr>
+          <p:cNvPr id="122" name="Rectangle 8"/>
+          <p:cNvSpPr/>
+          <p:nvPr/>
+        </p:nvSpPr>
+        <p:spPr>
+          <a:xfrm>
+            <a:off x="2057400" y="4239491"/>
+            <a:ext cx="1775949" cy="346760"/>
+          </a:xfrm>
+          <a:prstGeom prst="rect">
+            <a:avLst/>
+          </a:prstGeom>
+          <a:ln w="19050">
+            <a:solidFill>
+              <a:srgbClr val="7030A0"/>
+            </a:solidFill>
+          </a:ln>
+          <a:effectLst/>
+        </p:spPr>
+        <p:style>
+          <a:lnRef idx="1">
+            <a:schemeClr val="accent4"/>
+          </a:lnRef>
+          <a:fillRef idx="2">
+            <a:schemeClr val="accent4"/>
+          </a:fillRef>
+          <a:effectRef idx="1">
+            <a:schemeClr val="accent4"/>
+          </a:effectRef>
+          <a:fontRef idx="minor">
+            <a:schemeClr val="dk1"/>
+          </a:fontRef>
+        </p:style>
+        <p:txBody>
+          <a:bodyPr rtlCol="0" anchor="ctr"/>
+          <a:lstStyle/>
+          <a:p>
+            <a:pPr algn="ctr"/>
+            <a:r>
+              <a:rPr lang="en-US" sz="1050" dirty="0">
+                <a:solidFill>
+                  <a:srgbClr val="7030A0"/>
+                </a:solidFill>
+              </a:rPr>
+              <a:t>&lt;&lt;interface&gt;&gt;</a:t>
+            </a:r>
+            <a:br>
+              <a:rPr lang="en-US" sz="1050" dirty="0">
+                <a:solidFill>
+                  <a:srgbClr val="7030A0"/>
+                </a:solidFill>
+              </a:rPr>
+            </a:br>
+            <a:r>
+              <a:rPr lang="en-US" sz="1050" dirty="0" err="1">
                 <a:solidFill>
                   <a:srgbClr val="7030A0"/>
                 </a:solidFill>
@@ -16218,13 +16095,6 @@
   <p:clrMapOvr>
     <a:masterClrMapping/>
   </p:clrMapOvr>
-  <p:timing>
-    <p:tnLst>
-      <p:par>
-        <p:cTn id="1" dur="indefinite" restart="never" nodeType="tmRoot"/>
-      </p:par>
-    </p:tnLst>
-  </p:timing>
 </p:sld>
 </file>
 
@@ -16291,7 +16161,7 @@
           <a:lstStyle/>
           <a:p>
             <a:r>
-              <a:rPr lang="en-US" sz="1200" b="1" dirty="0" smtClean="0">
+              <a:rPr lang="en-US" sz="1200" b="1" dirty="0">
                 <a:solidFill>
                   <a:schemeClr val="accent6">
                     <a:lumMod val="75000"/>
@@ -16358,147 +16228,6 @@
           <a:p>
             <a:pPr algn="ctr"/>
             <a:r>
-              <a:rPr lang="en-US" sz="1050" dirty="0" smtClean="0">
-                <a:solidFill>
-                  <a:schemeClr val="bg1"/>
-                </a:solidFill>
-              </a:rPr>
-              <a:t>&lt;&lt;interface&gt;&gt;</a:t>
-            </a:r>
-            <a:br>
-              <a:rPr lang="en-US" sz="1050" dirty="0" smtClean="0">
-                <a:solidFill>
-                  <a:schemeClr val="bg1"/>
-                </a:solidFill>
-              </a:rPr>
-            </a:br>
-            <a:r>
-              <a:rPr lang="en-US" sz="1050" dirty="0" err="1" smtClean="0">
-                <a:solidFill>
-                  <a:schemeClr val="bg1"/>
-                </a:solidFill>
-              </a:rPr>
-              <a:t>AddressBookStorage</a:t>
-            </a:r>
-            <a:endParaRPr lang="en-SG" sz="1050" dirty="0">
-              <a:solidFill>
-                <a:schemeClr val="bg1"/>
-              </a:solidFill>
-            </a:endParaRPr>
-          </a:p>
-        </p:txBody>
-      </p:sp>
-      <p:sp>
-        <p:nvSpPr>
-          <p:cNvPr id="9" name="Rectangle 62"/>
-          <p:cNvSpPr/>
-          <p:nvPr/>
-        </p:nvSpPr>
-        <p:spPr>
-          <a:xfrm rot="16200000">
-            <a:off x="1683963" y="2868687"/>
-            <a:ext cx="1093635" cy="346760"/>
-          </a:xfrm>
-          <a:prstGeom prst="rect">
-            <a:avLst/>
-          </a:prstGeom>
-          <a:solidFill>
-            <a:schemeClr val="accent6">
-              <a:lumMod val="75000"/>
-            </a:schemeClr>
-          </a:solidFill>
-          <a:ln w="19050">
-            <a:solidFill>
-              <a:schemeClr val="accent6">
-                <a:lumMod val="75000"/>
-              </a:schemeClr>
-            </a:solidFill>
-          </a:ln>
-          <a:effectLst/>
-        </p:spPr>
-        <p:style>
-          <a:lnRef idx="1">
-            <a:schemeClr val="accent2"/>
-          </a:lnRef>
-          <a:fillRef idx="2">
-            <a:schemeClr val="accent2"/>
-          </a:fillRef>
-          <a:effectRef idx="1">
-            <a:schemeClr val="accent2"/>
-          </a:effectRef>
-          <a:fontRef idx="minor">
-            <a:schemeClr val="dk1"/>
-          </a:fontRef>
-        </p:style>
-        <p:txBody>
-          <a:bodyPr rtlCol="0" anchor="ctr"/>
-          <a:lstStyle/>
-          <a:p>
-            <a:pPr algn="ctr"/>
-            <a:r>
-              <a:rPr lang="en-US" sz="1050" dirty="0" err="1" smtClean="0">
-                <a:solidFill>
-                  <a:schemeClr val="bg1"/>
-                </a:solidFill>
-              </a:rPr>
-              <a:t>StorageManager</a:t>
-            </a:r>
-            <a:endParaRPr lang="en-SG" sz="1050" dirty="0">
-              <a:solidFill>
-                <a:schemeClr val="bg1"/>
-              </a:solidFill>
-            </a:endParaRPr>
-          </a:p>
-        </p:txBody>
-      </p:sp>
-      <p:sp>
-        <p:nvSpPr>
-          <p:cNvPr id="119" name="Rectangle 62"/>
-          <p:cNvSpPr/>
-          <p:nvPr/>
-        </p:nvSpPr>
-        <p:spPr>
-          <a:xfrm rot="16200000">
-            <a:off x="956202" y="2861202"/>
-            <a:ext cx="1093635" cy="346760"/>
-          </a:xfrm>
-          <a:prstGeom prst="rect">
-            <a:avLst/>
-          </a:prstGeom>
-          <a:solidFill>
-            <a:schemeClr val="accent6">
-              <a:lumMod val="75000"/>
-            </a:schemeClr>
-          </a:solidFill>
-          <a:ln w="19050">
-            <a:solidFill>
-              <a:schemeClr val="accent6">
-                <a:lumMod val="75000"/>
-              </a:schemeClr>
-            </a:solidFill>
-          </a:ln>
-          <a:effectLst/>
-        </p:spPr>
-        <p:style>
-          <a:lnRef idx="1">
-            <a:schemeClr val="accent2"/>
-          </a:lnRef>
-          <a:fillRef idx="2">
-            <a:schemeClr val="accent2"/>
-          </a:fillRef>
-          <a:effectRef idx="1">
-            <a:schemeClr val="accent2"/>
-          </a:effectRef>
-          <a:fontRef idx="minor">
-            <a:schemeClr val="dk1"/>
-          </a:fontRef>
-        </p:style>
-        <p:txBody>
-          <a:bodyPr rtlCol="0" anchor="ctr"/>
-          <a:lstStyle/>
-          <a:p>
-            <a:pPr algn="ctr"/>
-            <a:r>
               <a:rPr lang="en-US" sz="1050" dirty="0">
                 <a:solidFill>
                   <a:schemeClr val="bg1"/>
@@ -16506,11 +16235,152 @@
               </a:rPr>
               <a:t>&lt;&lt;interface&gt;&gt;</a:t>
             </a:r>
-          </a:p>
+            <a:br>
+              <a:rPr lang="en-US" sz="1050" dirty="0">
+                <a:solidFill>
+                  <a:schemeClr val="bg1"/>
+                </a:solidFill>
+              </a:rPr>
+            </a:br>
+            <a:r>
+              <a:rPr lang="en-US" sz="1050" dirty="0" err="1">
+                <a:solidFill>
+                  <a:schemeClr val="bg1"/>
+                </a:solidFill>
+              </a:rPr>
+              <a:t>AddressBookStorage</a:t>
+            </a:r>
+            <a:endParaRPr lang="en-SG" sz="1050" dirty="0">
+              <a:solidFill>
+                <a:schemeClr val="bg1"/>
+              </a:solidFill>
+            </a:endParaRPr>
+          </a:p>
+        </p:txBody>
+      </p:sp>
+      <p:sp>
+        <p:nvSpPr>
+          <p:cNvPr id="9" name="Rectangle 62"/>
+          <p:cNvSpPr/>
+          <p:nvPr/>
+        </p:nvSpPr>
+        <p:spPr>
+          <a:xfrm rot="16200000">
+            <a:off x="1683963" y="2868687"/>
+            <a:ext cx="1093635" cy="346760"/>
+          </a:xfrm>
+          <a:prstGeom prst="rect">
+            <a:avLst/>
+          </a:prstGeom>
+          <a:solidFill>
+            <a:schemeClr val="accent6">
+              <a:lumMod val="75000"/>
+            </a:schemeClr>
+          </a:solidFill>
+          <a:ln w="19050">
+            <a:solidFill>
+              <a:schemeClr val="accent6">
+                <a:lumMod val="75000"/>
+              </a:schemeClr>
+            </a:solidFill>
+          </a:ln>
+          <a:effectLst/>
+        </p:spPr>
+        <p:style>
+          <a:lnRef idx="1">
+            <a:schemeClr val="accent2"/>
+          </a:lnRef>
+          <a:fillRef idx="2">
+            <a:schemeClr val="accent2"/>
+          </a:fillRef>
+          <a:effectRef idx="1">
+            <a:schemeClr val="accent2"/>
+          </a:effectRef>
+          <a:fontRef idx="minor">
+            <a:schemeClr val="dk1"/>
+          </a:fontRef>
+        </p:style>
+        <p:txBody>
+          <a:bodyPr rtlCol="0" anchor="ctr"/>
+          <a:lstStyle/>
           <a:p>
             <a:pPr algn="ctr"/>
             <a:r>
-              <a:rPr lang="en-US" sz="1050" dirty="0" smtClean="0">
+              <a:rPr lang="en-US" sz="1050" dirty="0" err="1">
+                <a:solidFill>
+                  <a:schemeClr val="bg1"/>
+                </a:solidFill>
+              </a:rPr>
+              <a:t>StorageManager</a:t>
+            </a:r>
+            <a:endParaRPr lang="en-SG" sz="1050" dirty="0">
+              <a:solidFill>
+                <a:schemeClr val="bg1"/>
+              </a:solidFill>
+            </a:endParaRPr>
+          </a:p>
+        </p:txBody>
+      </p:sp>
+      <p:sp>
+        <p:nvSpPr>
+          <p:cNvPr id="119" name="Rectangle 62"/>
+          <p:cNvSpPr/>
+          <p:nvPr/>
+        </p:nvSpPr>
+        <p:spPr>
+          <a:xfrm rot="16200000">
+            <a:off x="956202" y="2861202"/>
+            <a:ext cx="1093635" cy="346760"/>
+          </a:xfrm>
+          <a:prstGeom prst="rect">
+            <a:avLst/>
+          </a:prstGeom>
+          <a:solidFill>
+            <a:schemeClr val="accent6">
+              <a:lumMod val="75000"/>
+            </a:schemeClr>
+          </a:solidFill>
+          <a:ln w="19050">
+            <a:solidFill>
+              <a:schemeClr val="accent6">
+                <a:lumMod val="75000"/>
+              </a:schemeClr>
+            </a:solidFill>
+          </a:ln>
+          <a:effectLst/>
+        </p:spPr>
+        <p:style>
+          <a:lnRef idx="1">
+            <a:schemeClr val="accent2"/>
+          </a:lnRef>
+          <a:fillRef idx="2">
+            <a:schemeClr val="accent2"/>
+          </a:fillRef>
+          <a:effectRef idx="1">
+            <a:schemeClr val="accent2"/>
+          </a:effectRef>
+          <a:fontRef idx="minor">
+            <a:schemeClr val="dk1"/>
+          </a:fontRef>
+        </p:style>
+        <p:txBody>
+          <a:bodyPr rtlCol="0" anchor="ctr"/>
+          <a:lstStyle/>
+          <a:p>
+            <a:pPr algn="ctr"/>
+            <a:r>
+              <a:rPr lang="en-US" sz="1050" dirty="0">
+                <a:solidFill>
+                  <a:schemeClr val="bg1"/>
+                </a:solidFill>
+              </a:rPr>
+              <a:t>&lt;&lt;interface&gt;&gt;</a:t>
+            </a:r>
+          </a:p>
+          <a:p>
+            <a:pPr algn="ctr"/>
+            <a:r>
+              <a:rPr lang="en-US" sz="1050" dirty="0">
                 <a:solidFill>
                   <a:schemeClr val="bg1"/>
                 </a:solidFill>
@@ -16944,7 +16814,7 @@
           <a:p>
             <a:pPr algn="ctr"/>
             <a:r>
-              <a:rPr lang="en-US" sz="1050" b="1" dirty="0" err="1" smtClean="0">
+              <a:rPr lang="en-US" sz="1050" b="1" dirty="0" err="1">
                 <a:solidFill>
                   <a:schemeClr val="accent6">
                     <a:lumMod val="75000"/>
@@ -16953,18 +16823,8 @@
               </a:rPr>
               <a:t>XmlAddressBook</a:t>
             </a:r>
-            <a:r>
-              <a:rPr lang="en-US" sz="1050" b="1" dirty="0" smtClean="0">
-                <a:solidFill>
-                  <a:schemeClr val="accent6">
-                    <a:lumMod val="75000"/>
-                  </a:schemeClr>
-                </a:solidFill>
-              </a:rPr>
-              <a:t/>
-            </a:r>
             <a:br>
-              <a:rPr lang="en-US" sz="1050" b="1" dirty="0" smtClean="0">
+              <a:rPr lang="en-US" sz="1050" b="1" dirty="0">
                 <a:solidFill>
                   <a:schemeClr val="accent6">
                     <a:lumMod val="75000"/>
@@ -16973,7 +16833,7 @@
               </a:rPr>
             </a:br>
             <a:r>
-              <a:rPr lang="en-US" sz="1050" b="1" dirty="0" smtClean="0">
+              <a:rPr lang="en-US" sz="1050" b="1" dirty="0">
                 <a:solidFill>
                   <a:schemeClr val="accent6">
                     <a:lumMod val="75000"/>
@@ -17040,7 +16900,7 @@
           <a:p>
             <a:pPr algn="ctr"/>
             <a:r>
-              <a:rPr lang="en-US" sz="1050" dirty="0" smtClean="0">
+              <a:rPr lang="en-US" sz="1050" dirty="0">
                 <a:solidFill>
                   <a:schemeClr val="bg1"/>
                 </a:solidFill>
@@ -17048,14 +16908,14 @@
               <a:t>&lt;&lt;interface&gt;&gt;</a:t>
             </a:r>
             <a:br>
-              <a:rPr lang="en-US" sz="1050" dirty="0" smtClean="0">
+              <a:rPr lang="en-US" sz="1050" dirty="0">
                 <a:solidFill>
                   <a:schemeClr val="bg1"/>
                 </a:solidFill>
               </a:rPr>
             </a:br>
             <a:r>
-              <a:rPr lang="en-US" sz="1050" dirty="0" err="1" smtClean="0">
+              <a:rPr lang="en-US" sz="1050" dirty="0" err="1">
                 <a:solidFill>
                   <a:schemeClr val="bg1"/>
                 </a:solidFill>
@@ -17313,30 +17173,22 @@
           <a:p>
             <a:pPr algn="ctr"/>
             <a:r>
-              <a:rPr lang="en-US" sz="1050" dirty="0" err="1" smtClean="0">
+              <a:rPr lang="en-US" sz="1050" dirty="0" err="1">
                 <a:solidFill>
                   <a:schemeClr val="bg1"/>
                 </a:solidFill>
               </a:rPr>
               <a:t>JsonUserPrefs</a:t>
             </a:r>
-            <a:r>
-              <a:rPr lang="en-US" sz="1050" dirty="0" smtClean="0">
-                <a:solidFill>
-                  <a:schemeClr val="bg1"/>
-                </a:solidFill>
-              </a:rPr>
-              <a:t/>
-            </a:r>
             <a:br>
-              <a:rPr lang="en-US" sz="1050" dirty="0" smtClean="0">
+              <a:rPr lang="en-US" sz="1050" dirty="0">
                 <a:solidFill>
                   <a:schemeClr val="bg1"/>
                 </a:solidFill>
               </a:rPr>
             </a:br>
             <a:r>
-              <a:rPr lang="en-US" sz="1050" dirty="0" smtClean="0">
+              <a:rPr lang="en-US" sz="1050" dirty="0">
                 <a:solidFill>
                   <a:schemeClr val="bg1"/>
                 </a:solidFill>
@@ -17388,7 +17240,7 @@
           <a:p>
             <a:pPr algn="ctr"/>
             <a:r>
-              <a:rPr lang="en-US" sz="1050" b="1" dirty="0" err="1" smtClean="0">
+              <a:rPr lang="en-US" sz="1050" b="1" dirty="0" err="1">
                 <a:solidFill>
                   <a:schemeClr val="accent6">
                     <a:lumMod val="75000"/>
@@ -17397,18 +17249,8 @@
               </a:rPr>
               <a:t>XmlSerializable</a:t>
             </a:r>
-            <a:r>
-              <a:rPr lang="en-US" sz="1050" b="1" dirty="0" smtClean="0">
-                <a:solidFill>
-                  <a:schemeClr val="accent6">
-                    <a:lumMod val="75000"/>
-                  </a:schemeClr>
-                </a:solidFill>
-              </a:rPr>
-              <a:t/>
-            </a:r>
             <a:br>
-              <a:rPr lang="en-US" sz="1050" b="1" dirty="0" smtClean="0">
+              <a:rPr lang="en-US" sz="1050" b="1" dirty="0">
                 <a:solidFill>
                   <a:schemeClr val="accent6">
                     <a:lumMod val="75000"/>
@@ -17417,7 +17259,7 @@
               </a:rPr>
             </a:br>
             <a:r>
-              <a:rPr lang="en-US" sz="1050" b="1" dirty="0" err="1" smtClean="0">
+              <a:rPr lang="en-US" sz="1050" b="1" dirty="0" err="1">
                 <a:solidFill>
                   <a:schemeClr val="accent6">
                     <a:lumMod val="75000"/>
@@ -17514,7 +17356,7 @@
           <a:p>
             <a:pPr algn="ctr"/>
             <a:r>
-              <a:rPr lang="en-US" sz="1050" b="1" dirty="0" err="1" smtClean="0">
+              <a:rPr lang="en-US" sz="1050" b="1" dirty="0" err="1">
                 <a:solidFill>
                   <a:schemeClr val="accent6">
                     <a:lumMod val="75000"/>
@@ -17570,7 +17412,7 @@
           <a:p>
             <a:pPr algn="ctr"/>
             <a:r>
-              <a:rPr lang="en-US" sz="1050" b="1" dirty="0" err="1" smtClean="0">
+              <a:rPr lang="en-US" sz="1050" b="1" dirty="0" err="1">
                 <a:solidFill>
                   <a:schemeClr val="accent6">
                     <a:lumMod val="75000"/>
@@ -17640,13 +17482,6 @@
   <p:clrMapOvr>
     <a:masterClrMapping/>
   </p:clrMapOvr>
-  <p:timing>
-    <p:tnLst>
-      <p:par>
-        <p:cTn id="1" dur="indefinite" restart="never" nodeType="tmRoot"/>
-      </p:par>
-    </p:tnLst>
-  </p:timing>
 </p:sld>
 </file>
 

--- a/docs/diagrams/Diagrams.pptx
+++ b/docs/diagrams/Diagrams.pptx
@@ -5,7 +5,7 @@
     <p:sldMasterId id="2147483648" r:id="rId1"/>
   </p:sldMasterIdLst>
   <p:notesMasterIdLst>
-    <p:notesMasterId r:id="rId11"/>
+    <p:notesMasterId r:id="rId10"/>
   </p:notesMasterIdLst>
   <p:sldIdLst>
     <p:sldId id="256" r:id="rId2"/>
@@ -16,7 +16,6 @@
     <p:sldId id="267" r:id="rId7"/>
     <p:sldId id="263" r:id="rId8"/>
     <p:sldId id="264" r:id="rId9"/>
-    <p:sldId id="265" r:id="rId10"/>
   </p:sldIdLst>
   <p:sldSz cx="9144000" cy="6858000" type="screen4x3"/>
   <p:notesSz cx="6858000" cy="9144000"/>
@@ -3550,12 +3549,8 @@
           <a:lstStyle/>
           <a:p>
             <a:r>
-              <a:rPr lang="en-US" dirty="0" err="1"/>
-              <a:t>AddressBook</a:t>
-            </a:r>
-            <a:r>
               <a:rPr lang="en-US" dirty="0"/>
-              <a:t> – Level 4</a:t>
+              <a:t>Doer List</a:t>
             </a:r>
           </a:p>
         </p:txBody>
@@ -17476,36 +17471,6 @@
     <p:extLst>
       <p:ext uri="{BB962C8B-B14F-4D97-AF65-F5344CB8AC3E}">
         <p14:creationId xmlns:p14="http://schemas.microsoft.com/office/powerpoint/2010/main" val="1478832369"/>
-      </p:ext>
-    </p:extLst>
-  </p:cSld>
-  <p:clrMapOvr>
-    <a:masterClrMapping/>
-  </p:clrMapOvr>
-</p:sld>
-</file>
-
-<file path=ppt/slides/slide9.xml><?xml version="1.0" encoding="utf-8"?>
-<p:sld xmlns:a="http://schemas.openxmlformats.org/drawingml/2006/main" xmlns:r="http://schemas.openxmlformats.org/officeDocument/2006/relationships" xmlns:p="http://schemas.openxmlformats.org/presentationml/2006/main">
-  <p:cSld>
-    <p:spTree>
-      <p:nvGrpSpPr>
-        <p:cNvPr id="1" name=""/>
-        <p:cNvGrpSpPr/>
-        <p:nvPr/>
-      </p:nvGrpSpPr>
-      <p:grpSpPr>
-        <a:xfrm>
-          <a:off x="0" y="0"/>
-          <a:ext cx="0" cy="0"/>
-          <a:chOff x="0" y="0"/>
-          <a:chExt cx="0" cy="0"/>
-        </a:xfrm>
-      </p:grpSpPr>
-    </p:spTree>
-    <p:extLst>
-      <p:ext uri="{BB962C8B-B14F-4D97-AF65-F5344CB8AC3E}">
-        <p14:creationId xmlns:p14="http://schemas.microsoft.com/office/powerpoint/2010/main" val="2978036214"/>
       </p:ext>
     </p:extLst>
   </p:cSld>

--- a/docs/diagrams/Diagrams.pptx
+++ b/docs/diagrams/Diagrams.pptx
@@ -5,7 +5,7 @@
     <p:sldMasterId id="2147483648" r:id="rId1"/>
   </p:sldMasterIdLst>
   <p:notesMasterIdLst>
-    <p:notesMasterId r:id="rId10"/>
+    <p:notesMasterId r:id="rId11"/>
   </p:notesMasterIdLst>
   <p:sldIdLst>
     <p:sldId id="256" r:id="rId2"/>
@@ -16,6 +16,7 @@
     <p:sldId id="267" r:id="rId7"/>
     <p:sldId id="263" r:id="rId8"/>
     <p:sldId id="264" r:id="rId9"/>
+    <p:sldId id="265" r:id="rId10"/>
   </p:sldIdLst>
   <p:sldSz cx="9144000" cy="6858000" type="screen4x3"/>
   <p:notesSz cx="6858000" cy="9144000"/>
@@ -3549,8 +3550,12 @@
           <a:lstStyle/>
           <a:p>
             <a:r>
+              <a:rPr lang="en-US" dirty="0" err="1"/>
+              <a:t>AddressBook</a:t>
+            </a:r>
+            <a:r>
               <a:rPr lang="en-US" dirty="0"/>
-              <a:t>Doer List</a:t>
+              <a:t> – Level 4</a:t>
             </a:r>
           </a:p>
         </p:txBody>
@@ -17471,6 +17476,36 @@
     <p:extLst>
       <p:ext uri="{BB962C8B-B14F-4D97-AF65-F5344CB8AC3E}">
         <p14:creationId xmlns:p14="http://schemas.microsoft.com/office/powerpoint/2010/main" val="1478832369"/>
+      </p:ext>
+    </p:extLst>
+  </p:cSld>
+  <p:clrMapOvr>
+    <a:masterClrMapping/>
+  </p:clrMapOvr>
+</p:sld>
+</file>
+
+<file path=ppt/slides/slide9.xml><?xml version="1.0" encoding="utf-8"?>
+<p:sld xmlns:a="http://schemas.openxmlformats.org/drawingml/2006/main" xmlns:r="http://schemas.openxmlformats.org/officeDocument/2006/relationships" xmlns:p="http://schemas.openxmlformats.org/presentationml/2006/main">
+  <p:cSld>
+    <p:spTree>
+      <p:nvGrpSpPr>
+        <p:cNvPr id="1" name=""/>
+        <p:cNvGrpSpPr/>
+        <p:nvPr/>
+      </p:nvGrpSpPr>
+      <p:grpSpPr>
+        <a:xfrm>
+          <a:off x="0" y="0"/>
+          <a:ext cx="0" cy="0"/>
+          <a:chOff x="0" y="0"/>
+          <a:chExt cx="0" cy="0"/>
+        </a:xfrm>
+      </p:grpSpPr>
+    </p:spTree>
+    <p:extLst>
+      <p:ext uri="{BB962C8B-B14F-4D97-AF65-F5344CB8AC3E}">
+        <p14:creationId xmlns:p14="http://schemas.microsoft.com/office/powerpoint/2010/main" val="2978036214"/>
       </p:ext>
     </p:extLst>
   </p:cSld>

--- a/docs/diagrams/Diagrams.pptx
+++ b/docs/diagrams/Diagrams.pptx
@@ -5,18 +5,16 @@
     <p:sldMasterId id="2147483648" r:id="rId1"/>
   </p:sldMasterIdLst>
   <p:notesMasterIdLst>
-    <p:notesMasterId r:id="rId11"/>
+    <p:notesMasterId r:id="rId9"/>
   </p:notesMasterIdLst>
   <p:sldIdLst>
     <p:sldId id="256" r:id="rId2"/>
     <p:sldId id="259" r:id="rId3"/>
     <p:sldId id="266" r:id="rId4"/>
-    <p:sldId id="260" r:id="rId5"/>
-    <p:sldId id="261" r:id="rId6"/>
-    <p:sldId id="267" r:id="rId7"/>
-    <p:sldId id="263" r:id="rId8"/>
-    <p:sldId id="264" r:id="rId9"/>
-    <p:sldId id="265" r:id="rId10"/>
+    <p:sldId id="261" r:id="rId5"/>
+    <p:sldId id="267" r:id="rId6"/>
+    <p:sldId id="264" r:id="rId7"/>
+    <p:sldId id="265" r:id="rId8"/>
   </p:sldIdLst>
   <p:sldSz cx="9144000" cy="6858000" type="screen4x3"/>
   <p:notesSz cx="6858000" cy="9144000"/>
@@ -216,7 +214,7 @@
           <a:p>
             <a:fld id="{F5CC4B3F-88C1-4FFA-B1B6-F41C21DC6924}" type="datetimeFigureOut">
               <a:rPr lang="en-US" smtClean="0"/>
-              <a:t>11/2/2016</a:t>
+              <a:t>11/6/16</a:t>
             </a:fld>
             <a:endParaRPr lang="en-US"/>
           </a:p>
@@ -483,90 +481,6 @@
 </p:notesMaster>
 </file>
 
-<file path=ppt/notesSlides/notesSlide1.xml><?xml version="1.0" encoding="utf-8"?>
-<p:notes xmlns:a="http://schemas.openxmlformats.org/drawingml/2006/main" xmlns:r="http://schemas.openxmlformats.org/officeDocument/2006/relationships" xmlns:p="http://schemas.openxmlformats.org/presentationml/2006/main">
-  <p:cSld>
-    <p:spTree>
-      <p:nvGrpSpPr>
-        <p:cNvPr id="1" name=""/>
-        <p:cNvGrpSpPr/>
-        <p:nvPr/>
-      </p:nvGrpSpPr>
-      <p:grpSpPr>
-        <a:xfrm>
-          <a:off x="0" y="0"/>
-          <a:ext cx="0" cy="0"/>
-          <a:chOff x="0" y="0"/>
-          <a:chExt cx="0" cy="0"/>
-        </a:xfrm>
-      </p:grpSpPr>
-      <p:sp>
-        <p:nvSpPr>
-          <p:cNvPr id="2" name="Slide Image Placeholder 1"/>
-          <p:cNvSpPr>
-            <a:spLocks noGrp="1" noRot="1" noChangeAspect="1"/>
-          </p:cNvSpPr>
-          <p:nvPr>
-            <p:ph type="sldImg"/>
-          </p:nvPr>
-        </p:nvSpPr>
-        <p:spPr/>
-      </p:sp>
-      <p:sp>
-        <p:nvSpPr>
-          <p:cNvPr id="3" name="Notes Placeholder 2"/>
-          <p:cNvSpPr>
-            <a:spLocks noGrp="1"/>
-          </p:cNvSpPr>
-          <p:nvPr>
-            <p:ph type="body" idx="1"/>
-          </p:nvPr>
-        </p:nvSpPr>
-        <p:spPr/>
-        <p:txBody>
-          <a:bodyPr/>
-          <a:lstStyle/>
-          <a:p>
-            <a:endParaRPr lang="en-US" dirty="0"/>
-          </a:p>
-        </p:txBody>
-      </p:sp>
-      <p:sp>
-        <p:nvSpPr>
-          <p:cNvPr id="4" name="Slide Number Placeholder 3"/>
-          <p:cNvSpPr>
-            <a:spLocks noGrp="1"/>
-          </p:cNvSpPr>
-          <p:nvPr>
-            <p:ph type="sldNum" sz="quarter" idx="10"/>
-          </p:nvPr>
-        </p:nvSpPr>
-        <p:spPr/>
-        <p:txBody>
-          <a:bodyPr/>
-          <a:lstStyle/>
-          <a:p>
-            <a:fld id="{5A7AB025-77E3-4BD1-A2FD-B3183DBA47A3}" type="slidenum">
-              <a:rPr lang="en-US" smtClean="0"/>
-              <a:t>4</a:t>
-            </a:fld>
-            <a:endParaRPr lang="en-US"/>
-          </a:p>
-        </p:txBody>
-      </p:sp>
-    </p:spTree>
-    <p:extLst>
-      <p:ext uri="{BB962C8B-B14F-4D97-AF65-F5344CB8AC3E}">
-        <p14:creationId xmlns:p14="http://schemas.microsoft.com/office/powerpoint/2010/main" val="475796926"/>
-      </p:ext>
-    </p:extLst>
-  </p:cSld>
-  <p:clrMapOvr>
-    <a:masterClrMapping/>
-  </p:clrMapOvr>
-</p:notes>
-</file>
-
 <file path=ppt/slideLayouts/slideLayout1.xml><?xml version="1.0" encoding="utf-8"?>
 <p:sldLayout xmlns:a="http://schemas.openxmlformats.org/drawingml/2006/main" xmlns:r="http://schemas.openxmlformats.org/officeDocument/2006/relationships" xmlns:p="http://schemas.openxmlformats.org/presentationml/2006/main" type="title" preserve="1">
   <p:cSld name="Title Slide">
@@ -746,7 +660,7 @@
           <a:p>
             <a:fld id="{78C97017-6FC3-485B-9764-EAC9E56C1D49}" type="datetimeFigureOut">
               <a:rPr lang="en-US" smtClean="0"/>
-              <a:t>11/2/2016</a:t>
+              <a:t>11/6/16</a:t>
             </a:fld>
             <a:endParaRPr lang="en-US"/>
           </a:p>
@@ -914,7 +828,7 @@
           <a:p>
             <a:fld id="{78C97017-6FC3-485B-9764-EAC9E56C1D49}" type="datetimeFigureOut">
               <a:rPr lang="en-US" smtClean="0"/>
-              <a:t>11/2/2016</a:t>
+              <a:t>11/6/16</a:t>
             </a:fld>
             <a:endParaRPr lang="en-US"/>
           </a:p>
@@ -1092,7 +1006,7 @@
           <a:p>
             <a:fld id="{78C97017-6FC3-485B-9764-EAC9E56C1D49}" type="datetimeFigureOut">
               <a:rPr lang="en-US" smtClean="0"/>
-              <a:t>11/2/2016</a:t>
+              <a:t>11/6/16</a:t>
             </a:fld>
             <a:endParaRPr lang="en-US"/>
           </a:p>
@@ -1260,7 +1174,7 @@
           <a:p>
             <a:fld id="{78C97017-6FC3-485B-9764-EAC9E56C1D49}" type="datetimeFigureOut">
               <a:rPr lang="en-US" smtClean="0"/>
-              <a:t>11/2/2016</a:t>
+              <a:t>11/6/16</a:t>
             </a:fld>
             <a:endParaRPr lang="en-US"/>
           </a:p>
@@ -1505,7 +1419,7 @@
           <a:p>
             <a:fld id="{78C97017-6FC3-485B-9764-EAC9E56C1D49}" type="datetimeFigureOut">
               <a:rPr lang="en-US" smtClean="0"/>
-              <a:t>11/2/2016</a:t>
+              <a:t>11/6/16</a:t>
             </a:fld>
             <a:endParaRPr lang="en-US"/>
           </a:p>
@@ -1790,7 +1704,7 @@
           <a:p>
             <a:fld id="{78C97017-6FC3-485B-9764-EAC9E56C1D49}" type="datetimeFigureOut">
               <a:rPr lang="en-US" smtClean="0"/>
-              <a:t>11/2/2016</a:t>
+              <a:t>11/6/16</a:t>
             </a:fld>
             <a:endParaRPr lang="en-US"/>
           </a:p>
@@ -2209,7 +2123,7 @@
           <a:p>
             <a:fld id="{78C97017-6FC3-485B-9764-EAC9E56C1D49}" type="datetimeFigureOut">
               <a:rPr lang="en-US" smtClean="0"/>
-              <a:t>11/2/2016</a:t>
+              <a:t>11/6/16</a:t>
             </a:fld>
             <a:endParaRPr lang="en-US"/>
           </a:p>
@@ -2326,7 +2240,7 @@
           <a:p>
             <a:fld id="{78C97017-6FC3-485B-9764-EAC9E56C1D49}" type="datetimeFigureOut">
               <a:rPr lang="en-US" smtClean="0"/>
-              <a:t>11/2/2016</a:t>
+              <a:t>11/6/16</a:t>
             </a:fld>
             <a:endParaRPr lang="en-US"/>
           </a:p>
@@ -2421,7 +2335,7 @@
           <a:p>
             <a:fld id="{78C97017-6FC3-485B-9764-EAC9E56C1D49}" type="datetimeFigureOut">
               <a:rPr lang="en-US" smtClean="0"/>
-              <a:t>11/2/2016</a:t>
+              <a:t>11/6/16</a:t>
             </a:fld>
             <a:endParaRPr lang="en-US"/>
           </a:p>
@@ -2696,7 +2610,7 @@
           <a:p>
             <a:fld id="{78C97017-6FC3-485B-9764-EAC9E56C1D49}" type="datetimeFigureOut">
               <a:rPr lang="en-US" smtClean="0"/>
-              <a:t>11/2/2016</a:t>
+              <a:t>11/6/16</a:t>
             </a:fld>
             <a:endParaRPr lang="en-US"/>
           </a:p>
@@ -2948,7 +2862,7 @@
           <a:p>
             <a:fld id="{78C97017-6FC3-485B-9764-EAC9E56C1D49}" type="datetimeFigureOut">
               <a:rPr lang="en-US" smtClean="0"/>
-              <a:t>11/2/2016</a:t>
+              <a:t>11/6/16</a:t>
             </a:fld>
             <a:endParaRPr lang="en-US"/>
           </a:p>
@@ -3159,7 +3073,7 @@
           <a:p>
             <a:fld id="{78C97017-6FC3-485B-9764-EAC9E56C1D49}" type="datetimeFigureOut">
               <a:rPr lang="en-US" smtClean="0"/>
-              <a:t>11/2/2016</a:t>
+              <a:t>11/6/16</a:t>
             </a:fld>
             <a:endParaRPr lang="en-US"/>
           </a:p>
@@ -7562,2963 +7476,6 @@
       </p:grpSpPr>
       <p:sp>
         <p:nvSpPr>
-          <p:cNvPr id="23" name="Rectangle 65"/>
-          <p:cNvSpPr/>
-          <p:nvPr/>
-        </p:nvSpPr>
-        <p:spPr>
-          <a:xfrm>
-            <a:off x="1371600" y="381000"/>
-            <a:ext cx="4917083" cy="5943600"/>
-          </a:xfrm>
-          <a:prstGeom prst="roundRect">
-            <a:avLst>
-              <a:gd name="adj" fmla="val 3484"/>
-            </a:avLst>
-          </a:prstGeom>
-          <a:solidFill>
-            <a:srgbClr val="F1F5E9"/>
-          </a:solidFill>
-          <a:ln w="19050">
-            <a:noFill/>
-          </a:ln>
-          <a:effectLst/>
-        </p:spPr>
-        <p:style>
-          <a:lnRef idx="1">
-            <a:schemeClr val="accent2"/>
-          </a:lnRef>
-          <a:fillRef idx="2">
-            <a:schemeClr val="accent2"/>
-          </a:fillRef>
-          <a:effectRef idx="1">
-            <a:schemeClr val="accent2"/>
-          </a:effectRef>
-          <a:fontRef idx="minor">
-            <a:schemeClr val="dk1"/>
-          </a:fontRef>
-        </p:style>
-        <p:txBody>
-          <a:bodyPr rtlCol="0" anchor="t"/>
-          <a:lstStyle/>
-          <a:p>
-            <a:r>
-              <a:rPr lang="en-US" sz="1200" b="1" dirty="0">
-                <a:solidFill>
-                  <a:schemeClr val="accent3">
-                    <a:lumMod val="75000"/>
-                  </a:schemeClr>
-                </a:solidFill>
-              </a:rPr>
-              <a:t>UI</a:t>
-            </a:r>
-            <a:endParaRPr lang="en-SG" sz="1200" b="1" dirty="0">
-              <a:solidFill>
-                <a:schemeClr val="accent3">
-                  <a:lumMod val="75000"/>
-                </a:schemeClr>
-              </a:solidFill>
-            </a:endParaRPr>
-          </a:p>
-        </p:txBody>
-      </p:sp>
-      <p:sp>
-        <p:nvSpPr>
-          <p:cNvPr id="2" name="Rectangle 8"/>
-          <p:cNvSpPr/>
-          <p:nvPr/>
-        </p:nvSpPr>
-        <p:spPr>
-          <a:xfrm>
-            <a:off x="2250083" y="1274420"/>
-            <a:ext cx="1093635" cy="346760"/>
-          </a:xfrm>
-          <a:prstGeom prst="rect">
-            <a:avLst/>
-          </a:prstGeom>
-          <a:ln w="19050">
-            <a:solidFill>
-              <a:schemeClr val="accent3"/>
-            </a:solidFill>
-          </a:ln>
-          <a:effectLst/>
-        </p:spPr>
-        <p:style>
-          <a:lnRef idx="1">
-            <a:schemeClr val="accent3"/>
-          </a:lnRef>
-          <a:fillRef idx="2">
-            <a:schemeClr val="accent3"/>
-          </a:fillRef>
-          <a:effectRef idx="1">
-            <a:schemeClr val="accent3"/>
-          </a:effectRef>
-          <a:fontRef idx="minor">
-            <a:schemeClr val="dk1"/>
-          </a:fontRef>
-        </p:style>
-        <p:txBody>
-          <a:bodyPr rtlCol="0" anchor="ctr"/>
-          <a:lstStyle/>
-          <a:p>
-            <a:pPr algn="ctr"/>
-            <a:r>
-              <a:rPr lang="en-US" sz="1050" b="1" dirty="0" err="1">
-                <a:solidFill>
-                  <a:schemeClr val="accent3">
-                    <a:lumMod val="75000"/>
-                  </a:schemeClr>
-                </a:solidFill>
-              </a:rPr>
-              <a:t>MainWindow</a:t>
-            </a:r>
-            <a:endParaRPr lang="en-SG" sz="1050" b="1" dirty="0">
-              <a:solidFill>
-                <a:schemeClr val="accent3">
-                  <a:lumMod val="75000"/>
-                </a:schemeClr>
-              </a:solidFill>
-            </a:endParaRPr>
-          </a:p>
-        </p:txBody>
-      </p:sp>
-      <p:sp>
-        <p:nvSpPr>
-          <p:cNvPr id="3" name="Rectangle 11"/>
-          <p:cNvSpPr/>
-          <p:nvPr/>
-        </p:nvSpPr>
-        <p:spPr>
-          <a:xfrm>
-            <a:off x="2746663" y="2112360"/>
-            <a:ext cx="1093635" cy="236841"/>
-          </a:xfrm>
-          <a:prstGeom prst="rect">
-            <a:avLst/>
-          </a:prstGeom>
-          <a:ln w="19050">
-            <a:solidFill>
-              <a:schemeClr val="accent3"/>
-            </a:solidFill>
-          </a:ln>
-          <a:effectLst/>
-        </p:spPr>
-        <p:style>
-          <a:lnRef idx="1">
-            <a:schemeClr val="accent3"/>
-          </a:lnRef>
-          <a:fillRef idx="2">
-            <a:schemeClr val="accent3"/>
-          </a:fillRef>
-          <a:effectRef idx="1">
-            <a:schemeClr val="accent3"/>
-          </a:effectRef>
-          <a:fontRef idx="minor">
-            <a:schemeClr val="dk1"/>
-          </a:fontRef>
-        </p:style>
-        <p:txBody>
-          <a:bodyPr rtlCol="0" anchor="ctr"/>
-          <a:lstStyle/>
-          <a:p>
-            <a:pPr algn="ctr"/>
-            <a:r>
-              <a:rPr lang="en-US" sz="1050" b="1" dirty="0" err="1">
-                <a:solidFill>
-                  <a:schemeClr val="accent3">
-                    <a:lumMod val="75000"/>
-                  </a:schemeClr>
-                </a:solidFill>
-              </a:rPr>
-              <a:t>CommandBox</a:t>
-            </a:r>
-            <a:endParaRPr lang="en-SG" sz="1050" b="1" dirty="0">
-              <a:solidFill>
-                <a:schemeClr val="accent3">
-                  <a:lumMod val="75000"/>
-                </a:schemeClr>
-              </a:solidFill>
-            </a:endParaRPr>
-          </a:p>
-        </p:txBody>
-      </p:sp>
-      <p:sp>
-        <p:nvSpPr>
-          <p:cNvPr id="9" name="Rectangle 62"/>
-          <p:cNvSpPr/>
-          <p:nvPr/>
-        </p:nvSpPr>
-        <p:spPr>
-          <a:xfrm>
-            <a:off x="2246977" y="704124"/>
-            <a:ext cx="1093635" cy="346760"/>
-          </a:xfrm>
-          <a:prstGeom prst="rect">
-            <a:avLst/>
-          </a:prstGeom>
-          <a:solidFill>
-            <a:srgbClr val="00B050"/>
-          </a:solidFill>
-          <a:ln w="19050">
-            <a:solidFill>
-              <a:srgbClr val="00B050"/>
-            </a:solidFill>
-          </a:ln>
-          <a:effectLst/>
-        </p:spPr>
-        <p:style>
-          <a:lnRef idx="1">
-            <a:schemeClr val="accent2"/>
-          </a:lnRef>
-          <a:fillRef idx="2">
-            <a:schemeClr val="accent2"/>
-          </a:fillRef>
-          <a:effectRef idx="1">
-            <a:schemeClr val="accent2"/>
-          </a:effectRef>
-          <a:fontRef idx="minor">
-            <a:schemeClr val="dk1"/>
-          </a:fontRef>
-        </p:style>
-        <p:txBody>
-          <a:bodyPr rtlCol="0" anchor="ctr"/>
-          <a:lstStyle/>
-          <a:p>
-            <a:pPr algn="ctr"/>
-            <a:r>
-              <a:rPr lang="en-US" sz="1050" dirty="0" err="1">
-                <a:solidFill>
-                  <a:schemeClr val="bg1"/>
-                </a:solidFill>
-              </a:rPr>
-              <a:t>UiManager</a:t>
-            </a:r>
-            <a:endParaRPr lang="en-SG" sz="1050" dirty="0">
-              <a:solidFill>
-                <a:schemeClr val="bg1"/>
-              </a:solidFill>
-            </a:endParaRPr>
-          </a:p>
-        </p:txBody>
-      </p:sp>
-      <p:cxnSp>
-        <p:nvCxnSpPr>
-          <p:cNvPr id="10" name="Elbow Connector 63"/>
-          <p:cNvCxnSpPr>
-            <a:stCxn id="9" idx="2"/>
-            <a:endCxn id="2" idx="0"/>
-          </p:cNvCxnSpPr>
-          <p:nvPr/>
-        </p:nvCxnSpPr>
-        <p:spPr>
-          <a:xfrm rot="16200000" flipH="1">
-            <a:off x="2683580" y="1161099"/>
-            <a:ext cx="223536" cy="3106"/>
-          </a:xfrm>
-          <a:prstGeom prst="bentConnector3">
-            <a:avLst>
-              <a:gd name="adj1" fmla="val 50000"/>
-            </a:avLst>
-          </a:prstGeom>
-          <a:ln w="19050">
-            <a:solidFill>
-              <a:srgbClr val="00B050"/>
-            </a:solidFill>
-            <a:headEnd type="none" w="med" len="med"/>
-            <a:tailEnd type="arrow" w="med" len="med"/>
-          </a:ln>
-          <a:effectLst/>
-        </p:spPr>
-        <p:style>
-          <a:lnRef idx="1">
-            <a:schemeClr val="accent2"/>
-          </a:lnRef>
-          <a:fillRef idx="2">
-            <a:schemeClr val="accent2"/>
-          </a:fillRef>
-          <a:effectRef idx="1">
-            <a:schemeClr val="accent2"/>
-          </a:effectRef>
-          <a:fontRef idx="minor">
-            <a:schemeClr val="dk1"/>
-          </a:fontRef>
-        </p:style>
-      </p:cxnSp>
-      <p:sp>
-        <p:nvSpPr>
-          <p:cNvPr id="16" name="Isosceles Triangle 102"/>
-          <p:cNvSpPr/>
-          <p:nvPr/>
-        </p:nvSpPr>
-        <p:spPr>
-          <a:xfrm rot="10800000" flipV="1">
-            <a:off x="5548852" y="1043677"/>
-            <a:ext cx="270504" cy="175523"/>
-          </a:xfrm>
-          <a:prstGeom prst="triangle">
-            <a:avLst/>
-          </a:prstGeom>
-          <a:ln w="6350">
-            <a:solidFill>
-              <a:schemeClr val="accent3"/>
-            </a:solidFill>
-          </a:ln>
-          <a:effectLst/>
-        </p:spPr>
-        <p:style>
-          <a:lnRef idx="1">
-            <a:schemeClr val="accent3"/>
-          </a:lnRef>
-          <a:fillRef idx="2">
-            <a:schemeClr val="accent3"/>
-          </a:fillRef>
-          <a:effectRef idx="1">
-            <a:schemeClr val="accent3"/>
-          </a:effectRef>
-          <a:fontRef idx="minor">
-            <a:schemeClr val="dk1"/>
-          </a:fontRef>
-        </p:style>
-        <p:txBody>
-          <a:bodyPr rtlCol="0" anchor="ctr"/>
-          <a:lstStyle/>
-          <a:p>
-            <a:pPr algn="ctr"/>
-            <a:endParaRPr lang="en-SG" sz="1050" b="1">
-              <a:solidFill>
-                <a:srgbClr val="92D050"/>
-              </a:solidFill>
-            </a:endParaRPr>
-          </a:p>
-        </p:txBody>
-      </p:sp>
-      <p:cxnSp>
-        <p:nvCxnSpPr>
-          <p:cNvPr id="19" name="Elbow Connector 122"/>
-          <p:cNvCxnSpPr/>
-          <p:nvPr/>
-        </p:nvCxnSpPr>
-        <p:spPr>
-          <a:xfrm flipV="1">
-            <a:off x="798870" y="1925137"/>
-            <a:ext cx="684904" cy="1"/>
-          </a:xfrm>
-          <a:prstGeom prst="bentConnector3">
-            <a:avLst>
-              <a:gd name="adj1" fmla="val 50000"/>
-            </a:avLst>
-          </a:prstGeom>
-          <a:ln w="19050">
-            <a:solidFill>
-              <a:schemeClr val="bg1">
-                <a:lumMod val="75000"/>
-              </a:schemeClr>
-            </a:solidFill>
-            <a:prstDash val="sysDot"/>
-            <a:headEnd type="none" w="med" len="med"/>
-            <a:tailEnd type="arrow" w="med" len="med"/>
-          </a:ln>
-          <a:effectLst/>
-        </p:spPr>
-        <p:style>
-          <a:lnRef idx="1">
-            <a:schemeClr val="accent2"/>
-          </a:lnRef>
-          <a:fillRef idx="2">
-            <a:schemeClr val="accent2"/>
-          </a:fillRef>
-          <a:effectRef idx="1">
-            <a:schemeClr val="accent2"/>
-          </a:effectRef>
-          <a:fontRef idx="minor">
-            <a:schemeClr val="dk1"/>
-          </a:fontRef>
-        </p:style>
-      </p:cxnSp>
-      <p:sp>
-        <p:nvSpPr>
-          <p:cNvPr id="22" name="Rectangle 65"/>
-          <p:cNvSpPr/>
-          <p:nvPr/>
-        </p:nvSpPr>
-        <p:spPr>
-          <a:xfrm rot="16200000">
-            <a:off x="5857964" y="1398077"/>
-            <a:ext cx="2362201" cy="328045"/>
-          </a:xfrm>
-          <a:prstGeom prst="roundRect">
-            <a:avLst/>
-          </a:prstGeom>
-          <a:solidFill>
-            <a:schemeClr val="accent1">
-              <a:lumMod val="20000"/>
-              <a:lumOff val="80000"/>
-            </a:schemeClr>
-          </a:solidFill>
-          <a:ln w="19050">
-            <a:noFill/>
-          </a:ln>
-          <a:effectLst/>
-        </p:spPr>
-        <p:style>
-          <a:lnRef idx="1">
-            <a:schemeClr val="accent2"/>
-          </a:lnRef>
-          <a:fillRef idx="2">
-            <a:schemeClr val="accent2"/>
-          </a:fillRef>
-          <a:effectRef idx="1">
-            <a:schemeClr val="accent2"/>
-          </a:effectRef>
-          <a:fontRef idx="minor">
-            <a:schemeClr val="dk1"/>
-          </a:fontRef>
-        </p:style>
-        <p:txBody>
-          <a:bodyPr rtlCol="0" anchor="ctr"/>
-          <a:lstStyle/>
-          <a:p>
-            <a:pPr algn="ctr"/>
-            <a:r>
-              <a:rPr lang="en-US" sz="1100" b="1" dirty="0">
-                <a:solidFill>
-                  <a:schemeClr val="bg1"/>
-                </a:solidFill>
-              </a:rPr>
-              <a:t>Logic</a:t>
-            </a:r>
-            <a:endParaRPr lang="en-SG" sz="1100" b="1" dirty="0">
-              <a:solidFill>
-                <a:schemeClr val="bg1"/>
-              </a:solidFill>
-            </a:endParaRPr>
-          </a:p>
-        </p:txBody>
-      </p:sp>
-      <p:sp>
-        <p:nvSpPr>
-          <p:cNvPr id="34" name="Rectangle 11"/>
-          <p:cNvSpPr/>
-          <p:nvPr/>
-        </p:nvSpPr>
-        <p:spPr>
-          <a:xfrm>
-            <a:off x="2746663" y="2582559"/>
-            <a:ext cx="1167165" cy="257822"/>
-          </a:xfrm>
-          <a:prstGeom prst="rect">
-            <a:avLst/>
-          </a:prstGeom>
-          <a:ln w="19050">
-            <a:solidFill>
-              <a:schemeClr val="accent3"/>
-            </a:solidFill>
-          </a:ln>
-          <a:effectLst/>
-        </p:spPr>
-        <p:style>
-          <a:lnRef idx="1">
-            <a:schemeClr val="accent3"/>
-          </a:lnRef>
-          <a:fillRef idx="2">
-            <a:schemeClr val="accent3"/>
-          </a:fillRef>
-          <a:effectRef idx="1">
-            <a:schemeClr val="accent3"/>
-          </a:effectRef>
-          <a:fontRef idx="minor">
-            <a:schemeClr val="dk1"/>
-          </a:fontRef>
-        </p:style>
-        <p:txBody>
-          <a:bodyPr rtlCol="0" anchor="ctr"/>
-          <a:lstStyle/>
-          <a:p>
-            <a:pPr algn="ctr"/>
-            <a:r>
-              <a:rPr lang="en-US" sz="1050" b="1">
-                <a:solidFill>
-                  <a:schemeClr val="accent3">
-                    <a:lumMod val="75000"/>
-                  </a:schemeClr>
-                </a:solidFill>
-              </a:rPr>
-              <a:t>TimeCategory</a:t>
-            </a:r>
-            <a:r>
-              <a:rPr lang="en-US" altLang="zh-CN" sz="1050" b="1">
-                <a:solidFill>
-                  <a:schemeClr val="accent3">
-                    <a:lumMod val="75000"/>
-                  </a:schemeClr>
-                </a:solidFill>
-              </a:rPr>
-              <a:t>List</a:t>
-            </a:r>
-            <a:endParaRPr lang="en-US" sz="1050" b="1" dirty="0">
-              <a:solidFill>
-                <a:schemeClr val="accent3">
-                  <a:lumMod val="75000"/>
-                </a:schemeClr>
-              </a:solidFill>
-            </a:endParaRPr>
-          </a:p>
-        </p:txBody>
-      </p:sp>
-      <p:sp>
-        <p:nvSpPr>
-          <p:cNvPr id="35" name="Rectangle 11"/>
-          <p:cNvSpPr/>
-          <p:nvPr/>
-        </p:nvSpPr>
-        <p:spPr>
-          <a:xfrm>
-            <a:off x="2746661" y="5560384"/>
-            <a:ext cx="1093635" cy="236841"/>
-          </a:xfrm>
-          <a:prstGeom prst="rect">
-            <a:avLst/>
-          </a:prstGeom>
-          <a:ln w="19050">
-            <a:solidFill>
-              <a:schemeClr val="accent3"/>
-            </a:solidFill>
-          </a:ln>
-          <a:effectLst/>
-        </p:spPr>
-        <p:style>
-          <a:lnRef idx="1">
-            <a:schemeClr val="accent3"/>
-          </a:lnRef>
-          <a:fillRef idx="2">
-            <a:schemeClr val="accent3"/>
-          </a:fillRef>
-          <a:effectRef idx="1">
-            <a:schemeClr val="accent3"/>
-          </a:effectRef>
-          <a:fontRef idx="minor">
-            <a:schemeClr val="dk1"/>
-          </a:fontRef>
-        </p:style>
-        <p:txBody>
-          <a:bodyPr rtlCol="0" anchor="ctr"/>
-          <a:lstStyle/>
-          <a:p>
-            <a:pPr algn="ctr"/>
-            <a:r>
-              <a:rPr lang="en-US" sz="1050" b="1" dirty="0" err="1">
-                <a:solidFill>
-                  <a:schemeClr val="accent3">
-                    <a:lumMod val="75000"/>
-                  </a:schemeClr>
-                </a:solidFill>
-              </a:rPr>
-              <a:t>StatusBarFooter</a:t>
-            </a:r>
-            <a:endParaRPr lang="en-SG" sz="1050" b="1" dirty="0">
-              <a:solidFill>
-                <a:schemeClr val="accent3">
-                  <a:lumMod val="75000"/>
-                </a:schemeClr>
-              </a:solidFill>
-            </a:endParaRPr>
-          </a:p>
-        </p:txBody>
-      </p:sp>
-      <p:sp>
-        <p:nvSpPr>
-          <p:cNvPr id="36" name="Rectangle 11"/>
-          <p:cNvSpPr/>
-          <p:nvPr/>
-        </p:nvSpPr>
-        <p:spPr>
-          <a:xfrm>
-            <a:off x="2731983" y="3790782"/>
-            <a:ext cx="1179068" cy="200315"/>
-          </a:xfrm>
-          <a:prstGeom prst="rect">
-            <a:avLst/>
-          </a:prstGeom>
-          <a:ln w="19050">
-            <a:solidFill>
-              <a:schemeClr val="accent3"/>
-            </a:solidFill>
-          </a:ln>
-          <a:effectLst/>
-        </p:spPr>
-        <p:style>
-          <a:lnRef idx="1">
-            <a:schemeClr val="accent3"/>
-          </a:lnRef>
-          <a:fillRef idx="2">
-            <a:schemeClr val="accent3"/>
-          </a:fillRef>
-          <a:effectRef idx="1">
-            <a:schemeClr val="accent3"/>
-          </a:effectRef>
-          <a:fontRef idx="minor">
-            <a:schemeClr val="dk1"/>
-          </a:fontRef>
-        </p:style>
-        <p:txBody>
-          <a:bodyPr rtlCol="0" anchor="ctr"/>
-          <a:lstStyle/>
-          <a:p>
-            <a:pPr algn="ctr"/>
-            <a:r>
-              <a:rPr lang="en-US" altLang="zh-CN" sz="1050" b="1" dirty="0" err="1">
-                <a:solidFill>
-                  <a:schemeClr val="accent3">
-                    <a:lumMod val="75000"/>
-                  </a:schemeClr>
-                </a:solidFill>
-              </a:rPr>
-              <a:t>Task</a:t>
-            </a:r>
-            <a:r>
-              <a:rPr lang="en-US" sz="1050" b="1" dirty="0" err="1">
-                <a:solidFill>
-                  <a:schemeClr val="accent3">
-                    <a:lumMod val="75000"/>
-                  </a:schemeClr>
-                </a:solidFill>
-              </a:rPr>
-              <a:t>ListPanel</a:t>
-            </a:r>
-            <a:endParaRPr lang="en-SG" sz="1050" b="1" dirty="0">
-              <a:solidFill>
-                <a:schemeClr val="accent3">
-                  <a:lumMod val="75000"/>
-                </a:schemeClr>
-              </a:solidFill>
-            </a:endParaRPr>
-          </a:p>
-        </p:txBody>
-      </p:sp>
-      <p:sp>
-        <p:nvSpPr>
-          <p:cNvPr id="37" name="Rectangle 11"/>
-          <p:cNvSpPr/>
-          <p:nvPr/>
-        </p:nvSpPr>
-        <p:spPr>
-          <a:xfrm>
-            <a:off x="4098920" y="4071902"/>
-            <a:ext cx="1040906" cy="236841"/>
-          </a:xfrm>
-          <a:prstGeom prst="rect">
-            <a:avLst/>
-          </a:prstGeom>
-          <a:ln w="19050">
-            <a:solidFill>
-              <a:schemeClr val="accent3"/>
-            </a:solidFill>
-          </a:ln>
-          <a:effectLst/>
-        </p:spPr>
-        <p:style>
-          <a:lnRef idx="1">
-            <a:schemeClr val="accent3"/>
-          </a:lnRef>
-          <a:fillRef idx="2">
-            <a:schemeClr val="accent3"/>
-          </a:fillRef>
-          <a:effectRef idx="1">
-            <a:schemeClr val="accent3"/>
-          </a:effectRef>
-          <a:fontRef idx="minor">
-            <a:schemeClr val="dk1"/>
-          </a:fontRef>
-        </p:style>
-        <p:txBody>
-          <a:bodyPr rtlCol="0" anchor="ctr"/>
-          <a:lstStyle/>
-          <a:p>
-            <a:pPr algn="ctr"/>
-            <a:r>
-              <a:rPr lang="en-US" altLang="zh-CN" sz="1050" b="1" dirty="0" err="1">
-                <a:solidFill>
-                  <a:schemeClr val="accent3">
-                    <a:lumMod val="75000"/>
-                  </a:schemeClr>
-                </a:solidFill>
-              </a:rPr>
-              <a:t>TaskListHeader</a:t>
-            </a:r>
-            <a:endParaRPr lang="en-SG" sz="1050" b="1" dirty="0">
-              <a:solidFill>
-                <a:schemeClr val="accent3">
-                  <a:lumMod val="75000"/>
-                </a:schemeClr>
-              </a:solidFill>
-            </a:endParaRPr>
-          </a:p>
-        </p:txBody>
-      </p:sp>
-      <p:sp>
-        <p:nvSpPr>
-          <p:cNvPr id="38" name="Rectangle 11"/>
-          <p:cNvSpPr/>
-          <p:nvPr/>
-        </p:nvSpPr>
-        <p:spPr>
-          <a:xfrm>
-            <a:off x="2735092" y="5915646"/>
-            <a:ext cx="1093635" cy="236841"/>
-          </a:xfrm>
-          <a:prstGeom prst="rect">
-            <a:avLst/>
-          </a:prstGeom>
-          <a:ln w="19050">
-            <a:solidFill>
-              <a:schemeClr val="accent3"/>
-            </a:solidFill>
-          </a:ln>
-          <a:effectLst/>
-        </p:spPr>
-        <p:style>
-          <a:lnRef idx="1">
-            <a:schemeClr val="accent3"/>
-          </a:lnRef>
-          <a:fillRef idx="2">
-            <a:schemeClr val="accent3"/>
-          </a:fillRef>
-          <a:effectRef idx="1">
-            <a:schemeClr val="accent3"/>
-          </a:effectRef>
-          <a:fontRef idx="minor">
-            <a:schemeClr val="dk1"/>
-          </a:fontRef>
-        </p:style>
-        <p:txBody>
-          <a:bodyPr rtlCol="0" anchor="ctr"/>
-          <a:lstStyle/>
-          <a:p>
-            <a:pPr algn="ctr"/>
-            <a:r>
-              <a:rPr lang="en-US" sz="1050" b="1" dirty="0" err="1">
-                <a:solidFill>
-                  <a:schemeClr val="accent3">
-                    <a:lumMod val="75000"/>
-                  </a:schemeClr>
-                </a:solidFill>
-              </a:rPr>
-              <a:t>HelpWindow</a:t>
-            </a:r>
-            <a:endParaRPr lang="en-SG" sz="1050" b="1" dirty="0">
-              <a:solidFill>
-                <a:schemeClr val="accent3">
-                  <a:lumMod val="75000"/>
-                </a:schemeClr>
-              </a:solidFill>
-            </a:endParaRPr>
-          </a:p>
-        </p:txBody>
-      </p:sp>
-      <p:sp>
-        <p:nvSpPr>
-          <p:cNvPr id="39" name="Flowchart: Decision 38"/>
-          <p:cNvSpPr/>
-          <p:nvPr/>
-        </p:nvSpPr>
-        <p:spPr>
-          <a:xfrm>
-            <a:off x="2478683" y="1639652"/>
-            <a:ext cx="183156" cy="161573"/>
-          </a:xfrm>
-          <a:prstGeom prst="flowChartDecision">
-            <a:avLst/>
-          </a:prstGeom>
-          <a:solidFill>
-            <a:schemeClr val="accent3"/>
-          </a:solidFill>
-          <a:ln>
-            <a:solidFill>
-              <a:schemeClr val="accent3"/>
-            </a:solidFill>
-          </a:ln>
-        </p:spPr>
-        <p:style>
-          <a:lnRef idx="2">
-            <a:schemeClr val="accent1">
-              <a:shade val="50000"/>
-            </a:schemeClr>
-          </a:lnRef>
-          <a:fillRef idx="1">
-            <a:schemeClr val="accent1"/>
-          </a:fillRef>
-          <a:effectRef idx="0">
-            <a:schemeClr val="accent1"/>
-          </a:effectRef>
-          <a:fontRef idx="minor">
-            <a:schemeClr val="lt1"/>
-          </a:fontRef>
-        </p:style>
-        <p:txBody>
-          <a:bodyPr rtlCol="0" anchor="ctr"/>
-          <a:lstStyle/>
-          <a:p>
-            <a:pPr algn="ctr"/>
-            <a:endParaRPr lang="en-SG"/>
-          </a:p>
-        </p:txBody>
-      </p:sp>
-      <p:cxnSp>
-        <p:nvCxnSpPr>
-          <p:cNvPr id="40" name="Elbow Connector 63"/>
-          <p:cNvCxnSpPr>
-            <a:stCxn id="39" idx="2"/>
-            <a:endCxn id="3" idx="1"/>
-          </p:cNvCxnSpPr>
-          <p:nvPr/>
-        </p:nvCxnSpPr>
-        <p:spPr>
-          <a:xfrm rot="16200000" flipH="1">
-            <a:off x="2443684" y="1927802"/>
-            <a:ext cx="429556" cy="176402"/>
-          </a:xfrm>
-          <a:prstGeom prst="bentConnector2">
-            <a:avLst/>
-          </a:prstGeom>
-          <a:ln w="19050">
-            <a:solidFill>
-              <a:schemeClr val="accent3"/>
-            </a:solidFill>
-            <a:headEnd type="none" w="med" len="med"/>
-            <a:tailEnd type="arrow" w="med" len="med"/>
-          </a:ln>
-          <a:effectLst/>
-        </p:spPr>
-        <p:style>
-          <a:lnRef idx="1">
-            <a:schemeClr val="accent2"/>
-          </a:lnRef>
-          <a:fillRef idx="2">
-            <a:schemeClr val="accent2"/>
-          </a:fillRef>
-          <a:effectRef idx="1">
-            <a:schemeClr val="accent2"/>
-          </a:effectRef>
-          <a:fontRef idx="minor">
-            <a:schemeClr val="dk1"/>
-          </a:fontRef>
-        </p:style>
-      </p:cxnSp>
-      <p:sp>
-        <p:nvSpPr>
-          <p:cNvPr id="43" name="Rectangle 11"/>
-          <p:cNvSpPr/>
-          <p:nvPr/>
-        </p:nvSpPr>
-        <p:spPr>
-          <a:xfrm>
-            <a:off x="4066229" y="2350161"/>
-            <a:ext cx="1040906" cy="236841"/>
-          </a:xfrm>
-          <a:prstGeom prst="rect">
-            <a:avLst/>
-          </a:prstGeom>
-          <a:ln w="19050">
-            <a:solidFill>
-              <a:schemeClr val="accent3"/>
-            </a:solidFill>
-          </a:ln>
-          <a:effectLst/>
-        </p:spPr>
-        <p:style>
-          <a:lnRef idx="1">
-            <a:schemeClr val="accent3"/>
-          </a:lnRef>
-          <a:fillRef idx="2">
-            <a:schemeClr val="accent3"/>
-          </a:fillRef>
-          <a:effectRef idx="1">
-            <a:schemeClr val="accent3"/>
-          </a:effectRef>
-          <a:fontRef idx="minor">
-            <a:schemeClr val="dk1"/>
-          </a:fontRef>
-        </p:style>
-        <p:txBody>
-          <a:bodyPr rtlCol="0" anchor="ctr"/>
-          <a:lstStyle/>
-          <a:p>
-            <a:pPr algn="ctr"/>
-            <a:r>
-              <a:rPr lang="en-US" sz="1050" b="1" dirty="0" err="1">
-                <a:solidFill>
-                  <a:schemeClr val="accent3">
-                    <a:lumMod val="75000"/>
-                  </a:schemeClr>
-                </a:solidFill>
-              </a:rPr>
-              <a:t>ResultsDisplay</a:t>
-            </a:r>
-            <a:endParaRPr lang="en-SG" sz="1050" b="1" dirty="0">
-              <a:solidFill>
-                <a:schemeClr val="accent3">
-                  <a:lumMod val="75000"/>
-                </a:schemeClr>
-              </a:solidFill>
-            </a:endParaRPr>
-          </a:p>
-        </p:txBody>
-      </p:sp>
-      <p:cxnSp>
-        <p:nvCxnSpPr>
-          <p:cNvPr id="44" name="Elbow Connector 63"/>
-          <p:cNvCxnSpPr>
-            <a:stCxn id="39" idx="2"/>
-            <a:endCxn id="34" idx="1"/>
-          </p:cNvCxnSpPr>
-          <p:nvPr/>
-        </p:nvCxnSpPr>
-        <p:spPr>
-          <a:xfrm rot="16200000" flipH="1">
-            <a:off x="2203340" y="2168146"/>
-            <a:ext cx="910245" cy="176402"/>
-          </a:xfrm>
-          <a:prstGeom prst="bentConnector2">
-            <a:avLst/>
-          </a:prstGeom>
-          <a:ln w="19050">
-            <a:solidFill>
-              <a:schemeClr val="accent3"/>
-            </a:solidFill>
-            <a:headEnd type="none" w="med" len="med"/>
-            <a:tailEnd type="arrow" w="med" len="med"/>
-          </a:ln>
-          <a:effectLst/>
-        </p:spPr>
-        <p:style>
-          <a:lnRef idx="1">
-            <a:schemeClr val="accent2"/>
-          </a:lnRef>
-          <a:fillRef idx="2">
-            <a:schemeClr val="accent2"/>
-          </a:fillRef>
-          <a:effectRef idx="1">
-            <a:schemeClr val="accent2"/>
-          </a:effectRef>
-          <a:fontRef idx="minor">
-            <a:schemeClr val="dk1"/>
-          </a:fontRef>
-        </p:style>
-      </p:cxnSp>
-      <p:cxnSp>
-        <p:nvCxnSpPr>
-          <p:cNvPr id="47" name="Elbow Connector 63"/>
-          <p:cNvCxnSpPr>
-            <a:stCxn id="39" idx="2"/>
-            <a:endCxn id="36" idx="1"/>
-          </p:cNvCxnSpPr>
-          <p:nvPr/>
-        </p:nvCxnSpPr>
-        <p:spPr>
-          <a:xfrm rot="16200000" flipH="1">
-            <a:off x="1606265" y="2765221"/>
-            <a:ext cx="2089715" cy="161722"/>
-          </a:xfrm>
-          <a:prstGeom prst="bentConnector2">
-            <a:avLst/>
-          </a:prstGeom>
-          <a:ln w="19050">
-            <a:solidFill>
-              <a:schemeClr val="accent3"/>
-            </a:solidFill>
-            <a:headEnd type="none" w="med" len="med"/>
-            <a:tailEnd type="arrow" w="med" len="med"/>
-          </a:ln>
-          <a:effectLst/>
-        </p:spPr>
-        <p:style>
-          <a:lnRef idx="1">
-            <a:schemeClr val="accent2"/>
-          </a:lnRef>
-          <a:fillRef idx="2">
-            <a:schemeClr val="accent2"/>
-          </a:fillRef>
-          <a:effectRef idx="1">
-            <a:schemeClr val="accent2"/>
-          </a:effectRef>
-          <a:fontRef idx="minor">
-            <a:schemeClr val="dk1"/>
-          </a:fontRef>
-        </p:style>
-      </p:cxnSp>
-      <p:cxnSp>
-        <p:nvCxnSpPr>
-          <p:cNvPr id="50" name="Elbow Connector 63"/>
-          <p:cNvCxnSpPr>
-            <a:stCxn id="39" idx="2"/>
-            <a:endCxn id="35" idx="1"/>
-          </p:cNvCxnSpPr>
-          <p:nvPr/>
-        </p:nvCxnSpPr>
-        <p:spPr>
-          <a:xfrm rot="16200000" flipH="1">
-            <a:off x="719671" y="3651815"/>
-            <a:ext cx="3877580" cy="176400"/>
-          </a:xfrm>
-          <a:prstGeom prst="bentConnector2">
-            <a:avLst/>
-          </a:prstGeom>
-          <a:ln w="19050">
-            <a:solidFill>
-              <a:schemeClr val="accent3"/>
-            </a:solidFill>
-            <a:headEnd type="none" w="med" len="med"/>
-            <a:tailEnd type="arrow" w="med" len="med"/>
-          </a:ln>
-          <a:effectLst/>
-        </p:spPr>
-        <p:style>
-          <a:lnRef idx="1">
-            <a:schemeClr val="accent2"/>
-          </a:lnRef>
-          <a:fillRef idx="2">
-            <a:schemeClr val="accent2"/>
-          </a:fillRef>
-          <a:effectRef idx="1">
-            <a:schemeClr val="accent2"/>
-          </a:effectRef>
-          <a:fontRef idx="minor">
-            <a:schemeClr val="dk1"/>
-          </a:fontRef>
-        </p:style>
-      </p:cxnSp>
-      <p:cxnSp>
-        <p:nvCxnSpPr>
-          <p:cNvPr id="53" name="Elbow Connector 63"/>
-          <p:cNvCxnSpPr>
-            <a:endCxn id="38" idx="1"/>
-          </p:cNvCxnSpPr>
-          <p:nvPr/>
-        </p:nvCxnSpPr>
-        <p:spPr>
-          <a:xfrm rot="16200000" flipH="1">
-            <a:off x="318240" y="3617215"/>
-            <a:ext cx="4420260" cy="413443"/>
-          </a:xfrm>
-          <a:prstGeom prst="bentConnector2">
-            <a:avLst/>
-          </a:prstGeom>
-          <a:ln w="19050">
-            <a:solidFill>
-              <a:schemeClr val="accent3"/>
-            </a:solidFill>
-            <a:headEnd type="none" w="med" len="med"/>
-            <a:tailEnd type="arrow" w="med" len="med"/>
-          </a:ln>
-          <a:effectLst/>
-        </p:spPr>
-        <p:style>
-          <a:lnRef idx="1">
-            <a:schemeClr val="accent2"/>
-          </a:lnRef>
-          <a:fillRef idx="2">
-            <a:schemeClr val="accent2"/>
-          </a:fillRef>
-          <a:effectRef idx="1">
-            <a:schemeClr val="accent2"/>
-          </a:effectRef>
-          <a:fontRef idx="minor">
-            <a:schemeClr val="dk1"/>
-          </a:fontRef>
-        </p:style>
-      </p:cxnSp>
-      <p:sp>
-        <p:nvSpPr>
-          <p:cNvPr id="73" name="Rectangle 62"/>
-          <p:cNvSpPr/>
-          <p:nvPr/>
-        </p:nvSpPr>
-        <p:spPr>
-          <a:xfrm>
-            <a:off x="5298083" y="704124"/>
-            <a:ext cx="772043" cy="346760"/>
-          </a:xfrm>
-          <a:prstGeom prst="rect">
-            <a:avLst/>
-          </a:prstGeom>
-          <a:ln w="6350">
-            <a:solidFill>
-              <a:schemeClr val="accent3"/>
-            </a:solidFill>
-          </a:ln>
-          <a:effectLst/>
-        </p:spPr>
-        <p:style>
-          <a:lnRef idx="1">
-            <a:schemeClr val="accent3"/>
-          </a:lnRef>
-          <a:fillRef idx="2">
-            <a:schemeClr val="accent3"/>
-          </a:fillRef>
-          <a:effectRef idx="1">
-            <a:schemeClr val="accent3"/>
-          </a:effectRef>
-          <a:fontRef idx="minor">
-            <a:schemeClr val="dk1"/>
-          </a:fontRef>
-        </p:style>
-        <p:txBody>
-          <a:bodyPr rtlCol="0" anchor="ctr"/>
-          <a:lstStyle/>
-          <a:p>
-            <a:pPr algn="ctr"/>
-            <a:r>
-              <a:rPr lang="en-US" sz="1050" b="1" dirty="0">
-                <a:solidFill>
-                  <a:schemeClr val="accent3">
-                    <a:lumMod val="75000"/>
-                  </a:schemeClr>
-                </a:solidFill>
-              </a:rPr>
-              <a:t>{abstract}</a:t>
-            </a:r>
-            <a:br>
-              <a:rPr lang="en-US" sz="1050" b="1" dirty="0">
-                <a:solidFill>
-                  <a:schemeClr val="accent3">
-                    <a:lumMod val="75000"/>
-                  </a:schemeClr>
-                </a:solidFill>
-              </a:rPr>
-            </a:br>
-            <a:r>
-              <a:rPr lang="en-US" sz="1050" b="1" dirty="0" err="1">
-                <a:solidFill>
-                  <a:schemeClr val="accent3">
-                    <a:lumMod val="75000"/>
-                  </a:schemeClr>
-                </a:solidFill>
-              </a:rPr>
-              <a:t>UiPart</a:t>
-            </a:r>
-            <a:endParaRPr lang="en-SG" sz="1050" b="1" dirty="0">
-              <a:solidFill>
-                <a:schemeClr val="accent3">
-                  <a:lumMod val="75000"/>
-                </a:schemeClr>
-              </a:solidFill>
-            </a:endParaRPr>
-          </a:p>
-        </p:txBody>
-      </p:sp>
-      <p:cxnSp>
-        <p:nvCxnSpPr>
-          <p:cNvPr id="74" name="Elbow Connector 63"/>
-          <p:cNvCxnSpPr>
-            <a:stCxn id="43" idx="3"/>
-            <a:endCxn id="16" idx="3"/>
-          </p:cNvCxnSpPr>
-          <p:nvPr/>
-        </p:nvCxnSpPr>
-        <p:spPr>
-          <a:xfrm flipV="1">
-            <a:off x="5107135" y="1219200"/>
-            <a:ext cx="576969" cy="1249382"/>
-          </a:xfrm>
-          <a:prstGeom prst="bentConnector2">
-            <a:avLst/>
-          </a:prstGeom>
-          <a:ln w="6350">
-            <a:solidFill>
-              <a:schemeClr val="accent3"/>
-            </a:solidFill>
-            <a:headEnd type="none" w="med" len="med"/>
-            <a:tailEnd type="none" w="med" len="med"/>
-          </a:ln>
-          <a:effectLst/>
-        </p:spPr>
-        <p:style>
-          <a:lnRef idx="1">
-            <a:schemeClr val="accent2"/>
-          </a:lnRef>
-          <a:fillRef idx="2">
-            <a:schemeClr val="accent2"/>
-          </a:fillRef>
-          <a:effectRef idx="1">
-            <a:schemeClr val="accent2"/>
-          </a:effectRef>
-          <a:fontRef idx="minor">
-            <a:schemeClr val="dk1"/>
-          </a:fontRef>
-        </p:style>
-      </p:cxnSp>
-      <p:cxnSp>
-        <p:nvCxnSpPr>
-          <p:cNvPr id="77" name="Elbow Connector 63"/>
-          <p:cNvCxnSpPr>
-            <a:stCxn id="16" idx="3"/>
-            <a:endCxn id="37" idx="3"/>
-          </p:cNvCxnSpPr>
-          <p:nvPr/>
-        </p:nvCxnSpPr>
-        <p:spPr>
-          <a:xfrm rot="5400000">
-            <a:off x="3926404" y="2432622"/>
-            <a:ext cx="2971123" cy="544278"/>
-          </a:xfrm>
-          <a:prstGeom prst="bentConnector2">
-            <a:avLst/>
-          </a:prstGeom>
-          <a:ln w="6350">
-            <a:solidFill>
-              <a:schemeClr val="accent3"/>
-            </a:solidFill>
-            <a:headEnd type="none" w="med" len="med"/>
-            <a:tailEnd type="none" w="med" len="med"/>
-          </a:ln>
-          <a:effectLst/>
-        </p:spPr>
-        <p:style>
-          <a:lnRef idx="1">
-            <a:schemeClr val="accent2"/>
-          </a:lnRef>
-          <a:fillRef idx="2">
-            <a:schemeClr val="accent2"/>
-          </a:fillRef>
-          <a:effectRef idx="1">
-            <a:schemeClr val="accent2"/>
-          </a:effectRef>
-          <a:fontRef idx="minor">
-            <a:schemeClr val="dk1"/>
-          </a:fontRef>
-        </p:style>
-      </p:cxnSp>
-      <p:cxnSp>
-        <p:nvCxnSpPr>
-          <p:cNvPr id="82" name="Elbow Connector 63"/>
-          <p:cNvCxnSpPr>
-            <a:stCxn id="16" idx="3"/>
-            <a:endCxn id="34" idx="3"/>
-          </p:cNvCxnSpPr>
-          <p:nvPr/>
-        </p:nvCxnSpPr>
-        <p:spPr>
-          <a:xfrm rot="5400000">
-            <a:off x="4052831" y="1080197"/>
-            <a:ext cx="1492270" cy="1770276"/>
-          </a:xfrm>
-          <a:prstGeom prst="bentConnector2">
-            <a:avLst/>
-          </a:prstGeom>
-          <a:ln w="6350">
-            <a:solidFill>
-              <a:schemeClr val="accent3"/>
-            </a:solidFill>
-            <a:headEnd type="none" w="med" len="med"/>
-            <a:tailEnd type="none" w="med" len="med"/>
-          </a:ln>
-          <a:effectLst/>
-        </p:spPr>
-        <p:style>
-          <a:lnRef idx="1">
-            <a:schemeClr val="accent2"/>
-          </a:lnRef>
-          <a:fillRef idx="2">
-            <a:schemeClr val="accent2"/>
-          </a:fillRef>
-          <a:effectRef idx="1">
-            <a:schemeClr val="accent2"/>
-          </a:effectRef>
-          <a:fontRef idx="minor">
-            <a:schemeClr val="dk1"/>
-          </a:fontRef>
-        </p:style>
-      </p:cxnSp>
-      <p:cxnSp>
-        <p:nvCxnSpPr>
-          <p:cNvPr id="88" name="Elbow Connector 63"/>
-          <p:cNvCxnSpPr>
-            <a:stCxn id="2" idx="3"/>
-            <a:endCxn id="16" idx="3"/>
-          </p:cNvCxnSpPr>
-          <p:nvPr/>
-        </p:nvCxnSpPr>
-        <p:spPr>
-          <a:xfrm flipV="1">
-            <a:off x="3343718" y="1219200"/>
-            <a:ext cx="2340386" cy="228600"/>
-          </a:xfrm>
-          <a:prstGeom prst="bentConnector2">
-            <a:avLst/>
-          </a:prstGeom>
-          <a:ln w="6350">
-            <a:solidFill>
-              <a:schemeClr val="accent3"/>
-            </a:solidFill>
-            <a:headEnd type="none" w="med" len="med"/>
-            <a:tailEnd type="none" w="med" len="med"/>
-          </a:ln>
-          <a:effectLst/>
-        </p:spPr>
-        <p:style>
-          <a:lnRef idx="1">
-            <a:schemeClr val="accent2"/>
-          </a:lnRef>
-          <a:fillRef idx="2">
-            <a:schemeClr val="accent2"/>
-          </a:fillRef>
-          <a:effectRef idx="1">
-            <a:schemeClr val="accent2"/>
-          </a:effectRef>
-          <a:fontRef idx="minor">
-            <a:schemeClr val="dk1"/>
-          </a:fontRef>
-        </p:style>
-      </p:cxnSp>
-      <p:cxnSp>
-        <p:nvCxnSpPr>
-          <p:cNvPr id="91" name="Elbow Connector 63"/>
-          <p:cNvCxnSpPr>
-            <a:endCxn id="35" idx="3"/>
-          </p:cNvCxnSpPr>
-          <p:nvPr/>
-        </p:nvCxnSpPr>
-        <p:spPr>
-          <a:xfrm rot="5400000">
-            <a:off x="2787528" y="2782228"/>
-            <a:ext cx="3949345" cy="1843808"/>
-          </a:xfrm>
-          <a:prstGeom prst="bentConnector2">
-            <a:avLst/>
-          </a:prstGeom>
-          <a:ln w="6350">
-            <a:solidFill>
-              <a:schemeClr val="accent3"/>
-            </a:solidFill>
-            <a:headEnd type="none" w="med" len="med"/>
-            <a:tailEnd type="none" w="med" len="med"/>
-          </a:ln>
-          <a:effectLst/>
-        </p:spPr>
-        <p:style>
-          <a:lnRef idx="1">
-            <a:schemeClr val="accent2"/>
-          </a:lnRef>
-          <a:fillRef idx="2">
-            <a:schemeClr val="accent2"/>
-          </a:fillRef>
-          <a:effectRef idx="1">
-            <a:schemeClr val="accent2"/>
-          </a:effectRef>
-          <a:fontRef idx="minor">
-            <a:schemeClr val="dk1"/>
-          </a:fontRef>
-        </p:style>
-      </p:cxnSp>
-      <p:cxnSp>
-        <p:nvCxnSpPr>
-          <p:cNvPr id="94" name="Elbow Connector 63"/>
-          <p:cNvCxnSpPr>
-            <a:endCxn id="38" idx="3"/>
-          </p:cNvCxnSpPr>
-          <p:nvPr/>
-        </p:nvCxnSpPr>
-        <p:spPr>
-          <a:xfrm rot="5400000">
-            <a:off x="2604111" y="2954075"/>
-            <a:ext cx="4304608" cy="1855376"/>
-          </a:xfrm>
-          <a:prstGeom prst="bentConnector2">
-            <a:avLst/>
-          </a:prstGeom>
-          <a:ln w="6350">
-            <a:solidFill>
-              <a:schemeClr val="accent3"/>
-            </a:solidFill>
-            <a:headEnd type="none" w="med" len="med"/>
-            <a:tailEnd type="none" w="med" len="med"/>
-          </a:ln>
-          <a:effectLst/>
-        </p:spPr>
-        <p:style>
-          <a:lnRef idx="1">
-            <a:schemeClr val="accent2"/>
-          </a:lnRef>
-          <a:fillRef idx="2">
-            <a:schemeClr val="accent2"/>
-          </a:fillRef>
-          <a:effectRef idx="1">
-            <a:schemeClr val="accent2"/>
-          </a:effectRef>
-          <a:fontRef idx="minor">
-            <a:schemeClr val="dk1"/>
-          </a:fontRef>
-        </p:style>
-      </p:cxnSp>
-      <p:sp>
-        <p:nvSpPr>
-          <p:cNvPr id="98" name="Rectangle 62"/>
-          <p:cNvSpPr/>
-          <p:nvPr/>
-        </p:nvSpPr>
-        <p:spPr>
-          <a:xfrm>
-            <a:off x="3811735" y="704124"/>
-            <a:ext cx="1031399" cy="346760"/>
-          </a:xfrm>
-          <a:prstGeom prst="rect">
-            <a:avLst/>
-          </a:prstGeom>
-          <a:solidFill>
-            <a:srgbClr val="00B050"/>
-          </a:solidFill>
-          <a:ln w="19050">
-            <a:solidFill>
-              <a:srgbClr val="00B050"/>
-            </a:solidFill>
-          </a:ln>
-          <a:effectLst/>
-        </p:spPr>
-        <p:style>
-          <a:lnRef idx="1">
-            <a:schemeClr val="accent2"/>
-          </a:lnRef>
-          <a:fillRef idx="2">
-            <a:schemeClr val="accent2"/>
-          </a:fillRef>
-          <a:effectRef idx="1">
-            <a:schemeClr val="accent2"/>
-          </a:effectRef>
-          <a:fontRef idx="minor">
-            <a:schemeClr val="dk1"/>
-          </a:fontRef>
-        </p:style>
-        <p:txBody>
-          <a:bodyPr rtlCol="0" anchor="ctr"/>
-          <a:lstStyle/>
-          <a:p>
-            <a:pPr algn="ctr"/>
-            <a:r>
-              <a:rPr lang="en-US" sz="1050" dirty="0" err="1">
-                <a:solidFill>
-                  <a:schemeClr val="bg1"/>
-                </a:solidFill>
-              </a:rPr>
-              <a:t>UiPartLoader</a:t>
-            </a:r>
-            <a:endParaRPr lang="en-SG" sz="1050" dirty="0">
-              <a:solidFill>
-                <a:schemeClr val="bg1"/>
-              </a:solidFill>
-            </a:endParaRPr>
-          </a:p>
-        </p:txBody>
-      </p:sp>
-      <p:cxnSp>
-        <p:nvCxnSpPr>
-          <p:cNvPr id="107" name="Elbow Connector 106"/>
-          <p:cNvCxnSpPr>
-            <a:stCxn id="9" idx="0"/>
-          </p:cNvCxnSpPr>
-          <p:nvPr/>
-        </p:nvCxnSpPr>
-        <p:spPr>
-          <a:xfrm rot="5400000" flipH="1" flipV="1">
-            <a:off x="4749056" y="-1421861"/>
-            <a:ext cx="170724" cy="4081246"/>
-          </a:xfrm>
-          <a:prstGeom prst="bentConnector2">
-            <a:avLst/>
-          </a:prstGeom>
-          <a:ln w="19050">
-            <a:solidFill>
-              <a:srgbClr val="00B050"/>
-            </a:solidFill>
-            <a:prstDash val="solid"/>
-            <a:headEnd type="none" w="med" len="med"/>
-            <a:tailEnd type="arrow" w="med" len="med"/>
-          </a:ln>
-          <a:effectLst/>
-        </p:spPr>
-        <p:style>
-          <a:lnRef idx="1">
-            <a:schemeClr val="accent2"/>
-          </a:lnRef>
-          <a:fillRef idx="2">
-            <a:schemeClr val="accent2"/>
-          </a:fillRef>
-          <a:effectRef idx="1">
-            <a:schemeClr val="accent2"/>
-          </a:effectRef>
-          <a:fontRef idx="minor">
-            <a:schemeClr val="dk1"/>
-          </a:fontRef>
-        </p:style>
-      </p:cxnSp>
-      <p:cxnSp>
-        <p:nvCxnSpPr>
-          <p:cNvPr id="110" name="Straight Arrow Connector 109"/>
-          <p:cNvCxnSpPr/>
-          <p:nvPr/>
-        </p:nvCxnSpPr>
-        <p:spPr>
-          <a:xfrm flipV="1">
-            <a:off x="3352744" y="877504"/>
-            <a:ext cx="484448" cy="2308"/>
-          </a:xfrm>
-          <a:prstGeom prst="straightConnector1">
-            <a:avLst/>
-          </a:prstGeom>
-          <a:ln w="19050">
-            <a:solidFill>
-              <a:srgbClr val="00B050"/>
-            </a:solidFill>
-            <a:headEnd type="none" w="med" len="med"/>
-            <a:tailEnd type="arrow" w="med" len="med"/>
-          </a:ln>
-          <a:effectLst/>
-        </p:spPr>
-        <p:style>
-          <a:lnRef idx="1">
-            <a:schemeClr val="accent2"/>
-          </a:lnRef>
-          <a:fillRef idx="2">
-            <a:schemeClr val="accent2"/>
-          </a:fillRef>
-          <a:effectRef idx="1">
-            <a:schemeClr val="accent2"/>
-          </a:effectRef>
-          <a:fontRef idx="minor">
-            <a:schemeClr val="dk1"/>
-          </a:fontRef>
-        </p:style>
-      </p:cxnSp>
-      <p:cxnSp>
-        <p:nvCxnSpPr>
-          <p:cNvPr id="111" name="Straight Arrow Connector 110"/>
-          <p:cNvCxnSpPr>
-            <a:endCxn id="73" idx="1"/>
-          </p:cNvCxnSpPr>
-          <p:nvPr/>
-        </p:nvCxnSpPr>
-        <p:spPr>
-          <a:xfrm flipV="1">
-            <a:off x="4868591" y="877504"/>
-            <a:ext cx="429492" cy="2308"/>
-          </a:xfrm>
-          <a:prstGeom prst="straightConnector1">
-            <a:avLst/>
-          </a:prstGeom>
-          <a:ln w="19050">
-            <a:solidFill>
-              <a:schemeClr val="accent3"/>
-            </a:solidFill>
-            <a:prstDash val="sysDot"/>
-            <a:headEnd type="none" w="med" len="med"/>
-            <a:tailEnd type="arrow" w="med" len="med"/>
-          </a:ln>
-          <a:effectLst/>
-        </p:spPr>
-        <p:style>
-          <a:lnRef idx="1">
-            <a:schemeClr val="accent2"/>
-          </a:lnRef>
-          <a:fillRef idx="2">
-            <a:schemeClr val="accent2"/>
-          </a:fillRef>
-          <a:effectRef idx="1">
-            <a:schemeClr val="accent2"/>
-          </a:effectRef>
-          <a:fontRef idx="minor">
-            <a:schemeClr val="dk1"/>
-          </a:fontRef>
-        </p:style>
-      </p:cxnSp>
-      <p:sp>
-        <p:nvSpPr>
-          <p:cNvPr id="117" name="Rectangle 65"/>
-          <p:cNvSpPr/>
-          <p:nvPr/>
-        </p:nvSpPr>
-        <p:spPr>
-          <a:xfrm rot="16200000">
-            <a:off x="5969012" y="4299166"/>
-            <a:ext cx="2194390" cy="328045"/>
-          </a:xfrm>
-          <a:prstGeom prst="roundRect">
-            <a:avLst/>
-          </a:prstGeom>
-          <a:solidFill>
-            <a:schemeClr val="accent4">
-              <a:lumMod val="20000"/>
-              <a:lumOff val="80000"/>
-            </a:schemeClr>
-          </a:solidFill>
-          <a:ln w="19050">
-            <a:noFill/>
-          </a:ln>
-          <a:effectLst/>
-        </p:spPr>
-        <p:style>
-          <a:lnRef idx="1">
-            <a:schemeClr val="accent2"/>
-          </a:lnRef>
-          <a:fillRef idx="2">
-            <a:schemeClr val="accent2"/>
-          </a:fillRef>
-          <a:effectRef idx="1">
-            <a:schemeClr val="accent2"/>
-          </a:effectRef>
-          <a:fontRef idx="minor">
-            <a:schemeClr val="dk1"/>
-          </a:fontRef>
-        </p:style>
-        <p:txBody>
-          <a:bodyPr rtlCol="0" anchor="ctr"/>
-          <a:lstStyle/>
-          <a:p>
-            <a:pPr algn="ctr"/>
-            <a:r>
-              <a:rPr lang="en-US" sz="1100" b="1" dirty="0">
-                <a:solidFill>
-                  <a:schemeClr val="bg1"/>
-                </a:solidFill>
-              </a:rPr>
-              <a:t>Model</a:t>
-            </a:r>
-            <a:endParaRPr lang="en-SG" sz="1100" b="1" dirty="0">
-              <a:solidFill>
-                <a:schemeClr val="bg1"/>
-              </a:solidFill>
-            </a:endParaRPr>
-          </a:p>
-        </p:txBody>
-      </p:sp>
-      <p:sp>
-        <p:nvSpPr>
-          <p:cNvPr id="119" name="Rectangle 62"/>
-          <p:cNvSpPr/>
-          <p:nvPr/>
-        </p:nvSpPr>
-        <p:spPr>
-          <a:xfrm rot="16200000">
-            <a:off x="1110337" y="1794402"/>
-            <a:ext cx="1093635" cy="346760"/>
-          </a:xfrm>
-          <a:prstGeom prst="rect">
-            <a:avLst/>
-          </a:prstGeom>
-          <a:solidFill>
-            <a:srgbClr val="00B050"/>
-          </a:solidFill>
-          <a:ln w="19050">
-            <a:solidFill>
-              <a:srgbClr val="00B050"/>
-            </a:solidFill>
-          </a:ln>
-          <a:effectLst/>
-        </p:spPr>
-        <p:style>
-          <a:lnRef idx="1">
-            <a:schemeClr val="accent2"/>
-          </a:lnRef>
-          <a:fillRef idx="2">
-            <a:schemeClr val="accent2"/>
-          </a:fillRef>
-          <a:effectRef idx="1">
-            <a:schemeClr val="accent2"/>
-          </a:effectRef>
-          <a:fontRef idx="minor">
-            <a:schemeClr val="dk1"/>
-          </a:fontRef>
-        </p:style>
-        <p:txBody>
-          <a:bodyPr rtlCol="0" anchor="ctr"/>
-          <a:lstStyle/>
-          <a:p>
-            <a:pPr algn="ctr"/>
-            <a:r>
-              <a:rPr lang="en-US" sz="1050" dirty="0">
-                <a:solidFill>
-                  <a:schemeClr val="bg1"/>
-                </a:solidFill>
-              </a:rPr>
-              <a:t>&lt;&lt;interface&gt;&gt;</a:t>
-            </a:r>
-          </a:p>
-          <a:p>
-            <a:pPr algn="ctr"/>
-            <a:r>
-              <a:rPr lang="en-US" sz="1050" dirty="0" err="1">
-                <a:solidFill>
-                  <a:schemeClr val="bg1"/>
-                </a:solidFill>
-              </a:rPr>
-              <a:t>Ui</a:t>
-            </a:r>
-            <a:endParaRPr lang="en-SG" sz="1050" dirty="0">
-              <a:solidFill>
-                <a:schemeClr val="bg1"/>
-              </a:solidFill>
-            </a:endParaRPr>
-          </a:p>
-        </p:txBody>
-      </p:sp>
-      <p:sp>
-        <p:nvSpPr>
-          <p:cNvPr id="120" name="Isosceles Triangle 102"/>
-          <p:cNvSpPr/>
-          <p:nvPr/>
-        </p:nvSpPr>
-        <p:spPr>
-          <a:xfrm flipV="1">
-            <a:off x="1521902" y="1219201"/>
-            <a:ext cx="270504" cy="175523"/>
-          </a:xfrm>
-          <a:prstGeom prst="triangle">
-            <a:avLst/>
-          </a:prstGeom>
-          <a:ln w="19050">
-            <a:solidFill>
-              <a:srgbClr val="00B050"/>
-            </a:solidFill>
-          </a:ln>
-          <a:effectLst/>
-        </p:spPr>
-        <p:style>
-          <a:lnRef idx="1">
-            <a:schemeClr val="accent3"/>
-          </a:lnRef>
-          <a:fillRef idx="2">
-            <a:schemeClr val="accent3"/>
-          </a:fillRef>
-          <a:effectRef idx="1">
-            <a:schemeClr val="accent3"/>
-          </a:effectRef>
-          <a:fontRef idx="minor">
-            <a:schemeClr val="dk1"/>
-          </a:fontRef>
-        </p:style>
-        <p:txBody>
-          <a:bodyPr rtlCol="0" anchor="ctr"/>
-          <a:lstStyle/>
-          <a:p>
-            <a:pPr algn="ctr"/>
-            <a:endParaRPr lang="en-SG" sz="1050" b="1">
-              <a:solidFill>
-                <a:srgbClr val="92D050"/>
-              </a:solidFill>
-            </a:endParaRPr>
-          </a:p>
-        </p:txBody>
-      </p:sp>
-      <p:cxnSp>
-        <p:nvCxnSpPr>
-          <p:cNvPr id="121" name="Elbow Connector 63"/>
-          <p:cNvCxnSpPr>
-            <a:stCxn id="9" idx="1"/>
-            <a:endCxn id="120" idx="3"/>
-          </p:cNvCxnSpPr>
-          <p:nvPr/>
-        </p:nvCxnSpPr>
-        <p:spPr>
-          <a:xfrm rot="10800000" flipV="1">
-            <a:off x="1657155" y="877503"/>
-            <a:ext cx="589823" cy="341697"/>
-          </a:xfrm>
-          <a:prstGeom prst="bentConnector2">
-            <a:avLst/>
-          </a:prstGeom>
-          <a:ln w="19050">
-            <a:solidFill>
-              <a:srgbClr val="00B050"/>
-            </a:solidFill>
-            <a:prstDash val="sysDot"/>
-            <a:headEnd type="none" w="med" len="med"/>
-            <a:tailEnd type="none" w="med" len="med"/>
-          </a:ln>
-          <a:effectLst/>
-        </p:spPr>
-        <p:style>
-          <a:lnRef idx="1">
-            <a:schemeClr val="accent2"/>
-          </a:lnRef>
-          <a:fillRef idx="2">
-            <a:schemeClr val="accent2"/>
-          </a:fillRef>
-          <a:effectRef idx="1">
-            <a:schemeClr val="accent2"/>
-          </a:effectRef>
-          <a:fontRef idx="minor">
-            <a:schemeClr val="dk1"/>
-          </a:fontRef>
-        </p:style>
-      </p:cxnSp>
-      <p:cxnSp>
-        <p:nvCxnSpPr>
-          <p:cNvPr id="131" name="Elbow Connector 130"/>
-          <p:cNvCxnSpPr>
-            <a:stCxn id="3" idx="2"/>
-            <a:endCxn id="43" idx="1"/>
-          </p:cNvCxnSpPr>
-          <p:nvPr/>
-        </p:nvCxnSpPr>
-        <p:spPr>
-          <a:xfrm rot="16200000" flipH="1">
-            <a:off x="3620165" y="2022517"/>
-            <a:ext cx="119381" cy="772748"/>
-          </a:xfrm>
-          <a:prstGeom prst="bentConnector2">
-            <a:avLst/>
-          </a:prstGeom>
-          <a:ln w="19050">
-            <a:solidFill>
-              <a:schemeClr val="accent3"/>
-            </a:solidFill>
-            <a:headEnd type="none" w="med" len="med"/>
-            <a:tailEnd type="arrow" w="med" len="med"/>
-          </a:ln>
-          <a:effectLst/>
-        </p:spPr>
-        <p:style>
-          <a:lnRef idx="1">
-            <a:schemeClr val="accent2"/>
-          </a:lnRef>
-          <a:fillRef idx="2">
-            <a:schemeClr val="accent2"/>
-          </a:fillRef>
-          <a:effectRef idx="1">
-            <a:schemeClr val="accent2"/>
-          </a:effectRef>
-          <a:fontRef idx="minor">
-            <a:schemeClr val="dk1"/>
-          </a:fontRef>
-        </p:style>
-      </p:cxnSp>
-      <p:cxnSp>
-        <p:nvCxnSpPr>
-          <p:cNvPr id="132" name="Elbow Connector 63"/>
-          <p:cNvCxnSpPr>
-            <a:stCxn id="16" idx="3"/>
-            <a:endCxn id="3" idx="3"/>
-          </p:cNvCxnSpPr>
-          <p:nvPr/>
-        </p:nvCxnSpPr>
-        <p:spPr>
-          <a:xfrm rot="5400000">
-            <a:off x="4256411" y="803087"/>
-            <a:ext cx="1011581" cy="1843806"/>
-          </a:xfrm>
-          <a:prstGeom prst="bentConnector2">
-            <a:avLst/>
-          </a:prstGeom>
-          <a:ln w="6350">
-            <a:solidFill>
-              <a:schemeClr val="accent3"/>
-            </a:solidFill>
-            <a:headEnd type="none" w="med" len="med"/>
-            <a:tailEnd type="none" w="med" len="med"/>
-          </a:ln>
-          <a:effectLst/>
-        </p:spPr>
-        <p:style>
-          <a:lnRef idx="1">
-            <a:schemeClr val="accent2"/>
-          </a:lnRef>
-          <a:fillRef idx="2">
-            <a:schemeClr val="accent2"/>
-          </a:fillRef>
-          <a:effectRef idx="1">
-            <a:schemeClr val="accent2"/>
-          </a:effectRef>
-          <a:fontRef idx="minor">
-            <a:schemeClr val="dk1"/>
-          </a:fontRef>
-        </p:style>
-      </p:cxnSp>
-      <p:cxnSp>
-        <p:nvCxnSpPr>
-          <p:cNvPr id="137" name="Elbow Connector 136"/>
-          <p:cNvCxnSpPr>
-            <a:stCxn id="36" idx="2"/>
-            <a:endCxn id="37" idx="1"/>
-          </p:cNvCxnSpPr>
-          <p:nvPr/>
-        </p:nvCxnSpPr>
-        <p:spPr>
-          <a:xfrm rot="16200000" flipH="1">
-            <a:off x="3610605" y="3702008"/>
-            <a:ext cx="199226" cy="777403"/>
-          </a:xfrm>
-          <a:prstGeom prst="bentConnector2">
-            <a:avLst/>
-          </a:prstGeom>
-          <a:ln w="19050">
-            <a:solidFill>
-              <a:schemeClr val="accent3"/>
-            </a:solidFill>
-            <a:headEnd type="none" w="med" len="med"/>
-            <a:tailEnd type="arrow" w="med" len="med"/>
-          </a:ln>
-          <a:effectLst/>
-        </p:spPr>
-        <p:style>
-          <a:lnRef idx="1">
-            <a:schemeClr val="accent2"/>
-          </a:lnRef>
-          <a:fillRef idx="2">
-            <a:schemeClr val="accent2"/>
-          </a:fillRef>
-          <a:effectRef idx="1">
-            <a:schemeClr val="accent2"/>
-          </a:effectRef>
-          <a:fontRef idx="minor">
-            <a:schemeClr val="dk1"/>
-          </a:fontRef>
-        </p:style>
-      </p:cxnSp>
-      <p:cxnSp>
-        <p:nvCxnSpPr>
-          <p:cNvPr id="140" name="Elbow Connector 63"/>
-          <p:cNvCxnSpPr>
-            <a:endCxn id="36" idx="3"/>
-          </p:cNvCxnSpPr>
-          <p:nvPr/>
-        </p:nvCxnSpPr>
-        <p:spPr>
-          <a:xfrm rot="5400000">
-            <a:off x="3259763" y="1478002"/>
-            <a:ext cx="3064227" cy="1761649"/>
-          </a:xfrm>
-          <a:prstGeom prst="bentConnector2">
-            <a:avLst/>
-          </a:prstGeom>
-          <a:ln w="6350">
-            <a:solidFill>
-              <a:schemeClr val="accent3"/>
-            </a:solidFill>
-            <a:headEnd type="none" w="med" len="med"/>
-            <a:tailEnd type="none" w="med" len="med"/>
-          </a:ln>
-          <a:effectLst/>
-        </p:spPr>
-        <p:style>
-          <a:lnRef idx="1">
-            <a:schemeClr val="accent2"/>
-          </a:lnRef>
-          <a:fillRef idx="2">
-            <a:schemeClr val="accent2"/>
-          </a:fillRef>
-          <a:effectRef idx="1">
-            <a:schemeClr val="accent2"/>
-          </a:effectRef>
-          <a:fontRef idx="minor">
-            <a:schemeClr val="dk1"/>
-          </a:fontRef>
-        </p:style>
-      </p:cxnSp>
-      <p:sp>
-        <p:nvSpPr>
-          <p:cNvPr id="143" name="Rectangle 142"/>
-          <p:cNvSpPr/>
-          <p:nvPr/>
-        </p:nvSpPr>
-        <p:spPr>
-          <a:xfrm>
-            <a:off x="5590031" y="1828800"/>
-            <a:ext cx="229325" cy="166560"/>
-          </a:xfrm>
-          <a:prstGeom prst="rect">
-            <a:avLst/>
-          </a:prstGeom>
-          <a:solidFill>
-            <a:schemeClr val="accent3">
-              <a:lumMod val="20000"/>
-              <a:lumOff val="80000"/>
-              <a:alpha val="80000"/>
-            </a:schemeClr>
-          </a:solidFill>
-          <a:ln>
-            <a:noFill/>
-          </a:ln>
-          <a:effectLst>
-            <a:softEdge rad="31750"/>
-          </a:effectLst>
-        </p:spPr>
-        <p:style>
-          <a:lnRef idx="2">
-            <a:schemeClr val="accent1">
-              <a:shade val="50000"/>
-            </a:schemeClr>
-          </a:lnRef>
-          <a:fillRef idx="1">
-            <a:schemeClr val="accent1"/>
-          </a:fillRef>
-          <a:effectRef idx="0">
-            <a:schemeClr val="accent1"/>
-          </a:effectRef>
-          <a:fontRef idx="minor">
-            <a:schemeClr val="lt1"/>
-          </a:fontRef>
-        </p:style>
-        <p:txBody>
-          <a:bodyPr rtlCol="0" anchor="ctr"/>
-          <a:lstStyle/>
-          <a:p>
-            <a:pPr algn="ctr"/>
-            <a:endParaRPr lang="en-SG"/>
-          </a:p>
-        </p:txBody>
-      </p:sp>
-      <p:sp>
-        <p:nvSpPr>
-          <p:cNvPr id="116" name="Freeform 115"/>
-          <p:cNvSpPr/>
-          <p:nvPr/>
-        </p:nvSpPr>
-        <p:spPr>
-          <a:xfrm>
-            <a:off x="3841650" y="1914402"/>
-            <a:ext cx="3048000" cy="203200"/>
-          </a:xfrm>
-          <a:custGeom>
-            <a:avLst/>
-            <a:gdLst>
-              <a:gd name="connsiteX0" fmla="*/ 0 w 3048000"/>
-              <a:gd name="connsiteY0" fmla="*/ 203200 h 203200"/>
-              <a:gd name="connsiteX1" fmla="*/ 221673 w 3048000"/>
-              <a:gd name="connsiteY1" fmla="*/ 0 h 203200"/>
-              <a:gd name="connsiteX2" fmla="*/ 3048000 w 3048000"/>
-              <a:gd name="connsiteY2" fmla="*/ 0 h 203200"/>
-            </a:gdLst>
-            <a:ahLst/>
-            <a:cxnLst>
-              <a:cxn ang="0">
-                <a:pos x="connsiteX0" y="connsiteY0"/>
-              </a:cxn>
-              <a:cxn ang="0">
-                <a:pos x="connsiteX1" y="connsiteY1"/>
-              </a:cxn>
-              <a:cxn ang="0">
-                <a:pos x="connsiteX2" y="connsiteY2"/>
-              </a:cxn>
-            </a:cxnLst>
-            <a:rect l="l" t="t" r="r" b="b"/>
-            <a:pathLst>
-              <a:path w="3048000" h="203200">
-                <a:moveTo>
-                  <a:pt x="0" y="203200"/>
-                </a:moveTo>
-                <a:lnTo>
-                  <a:pt x="221673" y="0"/>
-                </a:lnTo>
-                <a:lnTo>
-                  <a:pt x="3048000" y="0"/>
-                </a:lnTo>
-              </a:path>
-            </a:pathLst>
-          </a:custGeom>
-          <a:noFill/>
-          <a:ln w="19050">
-            <a:solidFill>
-              <a:schemeClr val="accent3"/>
-            </a:solidFill>
-            <a:prstDash val="solid"/>
-            <a:headEnd type="none" w="med" len="med"/>
-            <a:tailEnd type="arrow" w="med" len="med"/>
-          </a:ln>
-          <a:effectLst/>
-        </p:spPr>
-        <p:style>
-          <a:lnRef idx="1">
-            <a:schemeClr val="accent2"/>
-          </a:lnRef>
-          <a:fillRef idx="2">
-            <a:schemeClr val="accent2"/>
-          </a:fillRef>
-          <a:effectRef idx="1">
-            <a:schemeClr val="accent2"/>
-          </a:effectRef>
-          <a:fontRef idx="minor">
-            <a:schemeClr val="dk1"/>
-          </a:fontRef>
-        </p:style>
-        <p:txBody>
-          <a:bodyPr rtlCol="0" anchor="ctr"/>
-          <a:lstStyle/>
-          <a:p>
-            <a:pPr algn="ctr"/>
-            <a:endParaRPr lang="en-SG"/>
-          </a:p>
-        </p:txBody>
-      </p:sp>
-      <p:sp>
-        <p:nvSpPr>
-          <p:cNvPr id="144" name="Rectangle 143"/>
-          <p:cNvSpPr/>
-          <p:nvPr/>
-        </p:nvSpPr>
-        <p:spPr>
-          <a:xfrm>
-            <a:off x="5585708" y="3421338"/>
-            <a:ext cx="229325" cy="160062"/>
-          </a:xfrm>
-          <a:prstGeom prst="rect">
-            <a:avLst/>
-          </a:prstGeom>
-          <a:solidFill>
-            <a:schemeClr val="accent3">
-              <a:lumMod val="20000"/>
-              <a:lumOff val="80000"/>
-              <a:alpha val="80000"/>
-            </a:schemeClr>
-          </a:solidFill>
-          <a:ln>
-            <a:noFill/>
-          </a:ln>
-          <a:effectLst>
-            <a:softEdge rad="31750"/>
-          </a:effectLst>
-        </p:spPr>
-        <p:style>
-          <a:lnRef idx="2">
-            <a:schemeClr val="accent1">
-              <a:shade val="50000"/>
-            </a:schemeClr>
-          </a:lnRef>
-          <a:fillRef idx="1">
-            <a:schemeClr val="accent1"/>
-          </a:fillRef>
-          <a:effectRef idx="0">
-            <a:schemeClr val="accent1"/>
-          </a:effectRef>
-          <a:fontRef idx="minor">
-            <a:schemeClr val="lt1"/>
-          </a:fontRef>
-        </p:style>
-        <p:txBody>
-          <a:bodyPr rtlCol="0" anchor="ctr"/>
-          <a:lstStyle/>
-          <a:p>
-            <a:pPr algn="ctr"/>
-            <a:endParaRPr lang="en-SG"/>
-          </a:p>
-        </p:txBody>
-      </p:sp>
-      <p:sp>
-        <p:nvSpPr>
-          <p:cNvPr id="118" name="Freeform 117"/>
-          <p:cNvSpPr/>
-          <p:nvPr/>
-        </p:nvSpPr>
-        <p:spPr>
-          <a:xfrm flipV="1">
-            <a:off x="4452637" y="5190849"/>
-            <a:ext cx="2449545" cy="140901"/>
-          </a:xfrm>
-          <a:custGeom>
-            <a:avLst/>
-            <a:gdLst>
-              <a:gd name="connsiteX0" fmla="*/ 0 w 3048000"/>
-              <a:gd name="connsiteY0" fmla="*/ 203200 h 203200"/>
-              <a:gd name="connsiteX1" fmla="*/ 221673 w 3048000"/>
-              <a:gd name="connsiteY1" fmla="*/ 0 h 203200"/>
-              <a:gd name="connsiteX2" fmla="*/ 3048000 w 3048000"/>
-              <a:gd name="connsiteY2" fmla="*/ 0 h 203200"/>
-            </a:gdLst>
-            <a:ahLst/>
-            <a:cxnLst>
-              <a:cxn ang="0">
-                <a:pos x="connsiteX0" y="connsiteY0"/>
-              </a:cxn>
-              <a:cxn ang="0">
-                <a:pos x="connsiteX1" y="connsiteY1"/>
-              </a:cxn>
-              <a:cxn ang="0">
-                <a:pos x="connsiteX2" y="connsiteY2"/>
-              </a:cxn>
-            </a:cxnLst>
-            <a:rect l="l" t="t" r="r" b="b"/>
-            <a:pathLst>
-              <a:path w="3048000" h="203200">
-                <a:moveTo>
-                  <a:pt x="0" y="203200"/>
-                </a:moveTo>
-                <a:lnTo>
-                  <a:pt x="221673" y="0"/>
-                </a:lnTo>
-                <a:lnTo>
-                  <a:pt x="3048000" y="0"/>
-                </a:lnTo>
-              </a:path>
-            </a:pathLst>
-          </a:custGeom>
-          <a:noFill/>
-          <a:ln w="19050">
-            <a:solidFill>
-              <a:schemeClr val="accent3"/>
-            </a:solidFill>
-            <a:prstDash val="sysDot"/>
-            <a:headEnd type="none" w="med" len="med"/>
-            <a:tailEnd type="arrow" w="med" len="med"/>
-          </a:ln>
-          <a:effectLst/>
-        </p:spPr>
-        <p:style>
-          <a:lnRef idx="1">
-            <a:schemeClr val="accent2"/>
-          </a:lnRef>
-          <a:fillRef idx="2">
-            <a:schemeClr val="accent2"/>
-          </a:fillRef>
-          <a:effectRef idx="1">
-            <a:schemeClr val="accent2"/>
-          </a:effectRef>
-          <a:fontRef idx="minor">
-            <a:schemeClr val="dk1"/>
-          </a:fontRef>
-        </p:style>
-        <p:txBody>
-          <a:bodyPr rtlCol="0" anchor="ctr"/>
-          <a:lstStyle/>
-          <a:p>
-            <a:pPr algn="ctr"/>
-            <a:endParaRPr lang="en-SG"/>
-          </a:p>
-        </p:txBody>
-      </p:sp>
-      <p:sp>
-        <p:nvSpPr>
-          <p:cNvPr id="71" name="Rectangle 11"/>
-          <p:cNvSpPr/>
-          <p:nvPr/>
-        </p:nvSpPr>
-        <p:spPr>
-          <a:xfrm>
-            <a:off x="4128259" y="2883608"/>
-            <a:ext cx="1040906" cy="236841"/>
-          </a:xfrm>
-          <a:prstGeom prst="rect">
-            <a:avLst/>
-          </a:prstGeom>
-          <a:ln w="19050">
-            <a:solidFill>
-              <a:schemeClr val="accent3"/>
-            </a:solidFill>
-          </a:ln>
-          <a:effectLst/>
-        </p:spPr>
-        <p:style>
-          <a:lnRef idx="1">
-            <a:schemeClr val="accent3"/>
-          </a:lnRef>
-          <a:fillRef idx="2">
-            <a:schemeClr val="accent3"/>
-          </a:fillRef>
-          <a:effectRef idx="1">
-            <a:schemeClr val="accent3"/>
-          </a:effectRef>
-          <a:fontRef idx="minor">
-            <a:schemeClr val="dk1"/>
-          </a:fontRef>
-        </p:style>
-        <p:txBody>
-          <a:bodyPr rtlCol="0" anchor="ctr"/>
-          <a:lstStyle/>
-          <a:p>
-            <a:pPr algn="ctr"/>
-            <a:r>
-              <a:rPr lang="en-US" altLang="zh-CN" sz="1050" b="1" dirty="0" err="1">
-                <a:solidFill>
-                  <a:schemeClr val="accent3">
-                    <a:lumMod val="75000"/>
-                  </a:schemeClr>
-                </a:solidFill>
-              </a:rPr>
-              <a:t>CategoryCard</a:t>
-            </a:r>
-            <a:endParaRPr lang="en-SG" sz="1050" b="1" dirty="0">
-              <a:solidFill>
-                <a:schemeClr val="accent3">
-                  <a:lumMod val="75000"/>
-                </a:schemeClr>
-              </a:solidFill>
-            </a:endParaRPr>
-          </a:p>
-        </p:txBody>
-      </p:sp>
-      <p:cxnSp>
-        <p:nvCxnSpPr>
-          <p:cNvPr id="72" name="Elbow Connector 71"/>
-          <p:cNvCxnSpPr>
-            <a:stCxn id="34" idx="2"/>
-            <a:endCxn id="71" idx="1"/>
-          </p:cNvCxnSpPr>
-          <p:nvPr/>
-        </p:nvCxnSpPr>
-        <p:spPr>
-          <a:xfrm rot="16200000" flipH="1">
-            <a:off x="3648428" y="2522198"/>
-            <a:ext cx="161648" cy="798013"/>
-          </a:xfrm>
-          <a:prstGeom prst="bentConnector2">
-            <a:avLst/>
-          </a:prstGeom>
-          <a:ln w="19050">
-            <a:solidFill>
-              <a:schemeClr val="accent3"/>
-            </a:solidFill>
-            <a:headEnd type="none" w="med" len="med"/>
-            <a:tailEnd type="arrow" w="med" len="med"/>
-          </a:ln>
-          <a:effectLst/>
-        </p:spPr>
-        <p:style>
-          <a:lnRef idx="1">
-            <a:schemeClr val="accent2"/>
-          </a:lnRef>
-          <a:fillRef idx="2">
-            <a:schemeClr val="accent2"/>
-          </a:fillRef>
-          <a:effectRef idx="1">
-            <a:schemeClr val="accent2"/>
-          </a:effectRef>
-          <a:fontRef idx="minor">
-            <a:schemeClr val="dk1"/>
-          </a:fontRef>
-        </p:style>
-      </p:cxnSp>
-      <p:sp>
-        <p:nvSpPr>
-          <p:cNvPr id="75" name="Rectangle 11"/>
-          <p:cNvSpPr/>
-          <p:nvPr/>
-        </p:nvSpPr>
-        <p:spPr>
-          <a:xfrm>
-            <a:off x="2743886" y="3166984"/>
-            <a:ext cx="1167165" cy="257822"/>
-          </a:xfrm>
-          <a:prstGeom prst="rect">
-            <a:avLst/>
-          </a:prstGeom>
-          <a:ln w="19050">
-            <a:solidFill>
-              <a:schemeClr val="accent3"/>
-            </a:solidFill>
-          </a:ln>
-          <a:effectLst/>
-        </p:spPr>
-        <p:style>
-          <a:lnRef idx="1">
-            <a:schemeClr val="accent3"/>
-          </a:lnRef>
-          <a:fillRef idx="2">
-            <a:schemeClr val="accent3"/>
-          </a:fillRef>
-          <a:effectRef idx="1">
-            <a:schemeClr val="accent3"/>
-          </a:effectRef>
-          <a:fontRef idx="minor">
-            <a:schemeClr val="dk1"/>
-          </a:fontRef>
-        </p:style>
-        <p:txBody>
-          <a:bodyPr rtlCol="0" anchor="ctr"/>
-          <a:lstStyle/>
-          <a:p>
-            <a:pPr algn="ctr"/>
-            <a:r>
-              <a:rPr lang="en-US" sz="1050" b="1" dirty="0" err="1">
-                <a:solidFill>
-                  <a:schemeClr val="accent3">
-                    <a:lumMod val="75000"/>
-                  </a:schemeClr>
-                </a:solidFill>
-              </a:rPr>
-              <a:t>Category</a:t>
-            </a:r>
-            <a:r>
-              <a:rPr lang="en-US" altLang="zh-CN" sz="1050" b="1" dirty="0" err="1">
-                <a:solidFill>
-                  <a:schemeClr val="accent3">
-                    <a:lumMod val="75000"/>
-                  </a:schemeClr>
-                </a:solidFill>
-              </a:rPr>
-              <a:t>List</a:t>
-            </a:r>
-            <a:endParaRPr lang="en-US" sz="1050" b="1" dirty="0">
-              <a:solidFill>
-                <a:schemeClr val="accent3">
-                  <a:lumMod val="75000"/>
-                </a:schemeClr>
-              </a:solidFill>
-            </a:endParaRPr>
-          </a:p>
-        </p:txBody>
-      </p:sp>
-      <p:cxnSp>
-        <p:nvCxnSpPr>
-          <p:cNvPr id="78" name="Elbow Connector 63"/>
-          <p:cNvCxnSpPr>
-            <a:stCxn id="39" idx="2"/>
-            <a:endCxn id="75" idx="1"/>
-          </p:cNvCxnSpPr>
-          <p:nvPr/>
-        </p:nvCxnSpPr>
-        <p:spPr>
-          <a:xfrm rot="16200000" flipH="1">
-            <a:off x="1909738" y="2461747"/>
-            <a:ext cx="1494670" cy="173625"/>
-          </a:xfrm>
-          <a:prstGeom prst="bentConnector2">
-            <a:avLst/>
-          </a:prstGeom>
-          <a:ln w="19050">
-            <a:solidFill>
-              <a:schemeClr val="accent3"/>
-            </a:solidFill>
-            <a:headEnd type="none" w="med" len="med"/>
-            <a:tailEnd type="arrow" w="med" len="med"/>
-          </a:ln>
-          <a:effectLst/>
-        </p:spPr>
-        <p:style>
-          <a:lnRef idx="1">
-            <a:schemeClr val="accent2"/>
-          </a:lnRef>
-          <a:fillRef idx="2">
-            <a:schemeClr val="accent2"/>
-          </a:fillRef>
-          <a:effectRef idx="1">
-            <a:schemeClr val="accent2"/>
-          </a:effectRef>
-          <a:fontRef idx="minor">
-            <a:schemeClr val="dk1"/>
-          </a:fontRef>
-        </p:style>
-      </p:cxnSp>
-      <p:cxnSp>
-        <p:nvCxnSpPr>
-          <p:cNvPr id="85" name="Elbow Connector 63"/>
-          <p:cNvCxnSpPr>
-            <a:stCxn id="16" idx="3"/>
-            <a:endCxn id="71" idx="3"/>
-          </p:cNvCxnSpPr>
-          <p:nvPr/>
-        </p:nvCxnSpPr>
-        <p:spPr>
-          <a:xfrm rot="5400000">
-            <a:off x="4535221" y="1853145"/>
-            <a:ext cx="1782829" cy="514939"/>
-          </a:xfrm>
-          <a:prstGeom prst="bentConnector2">
-            <a:avLst/>
-          </a:prstGeom>
-          <a:ln w="6350">
-            <a:solidFill>
-              <a:schemeClr val="accent3"/>
-            </a:solidFill>
-            <a:headEnd type="none" w="med" len="med"/>
-            <a:tailEnd type="none" w="med" len="med"/>
-          </a:ln>
-          <a:effectLst/>
-        </p:spPr>
-        <p:style>
-          <a:lnRef idx="1">
-            <a:schemeClr val="accent2"/>
-          </a:lnRef>
-          <a:fillRef idx="2">
-            <a:schemeClr val="accent2"/>
-          </a:fillRef>
-          <a:effectRef idx="1">
-            <a:schemeClr val="accent2"/>
-          </a:effectRef>
-          <a:fontRef idx="minor">
-            <a:schemeClr val="dk1"/>
-          </a:fontRef>
-        </p:style>
-      </p:cxnSp>
-      <p:cxnSp>
-        <p:nvCxnSpPr>
-          <p:cNvPr id="89" name="Elbow Connector 88"/>
-          <p:cNvCxnSpPr>
-            <a:stCxn id="75" idx="3"/>
-            <a:endCxn id="71" idx="2"/>
-          </p:cNvCxnSpPr>
-          <p:nvPr/>
-        </p:nvCxnSpPr>
-        <p:spPr>
-          <a:xfrm flipV="1">
-            <a:off x="3911051" y="3120449"/>
-            <a:ext cx="737661" cy="175446"/>
-          </a:xfrm>
-          <a:prstGeom prst="bentConnector2">
-            <a:avLst/>
-          </a:prstGeom>
-          <a:ln w="19050">
-            <a:solidFill>
-              <a:schemeClr val="accent3"/>
-            </a:solidFill>
-            <a:headEnd type="none" w="med" len="med"/>
-            <a:tailEnd type="arrow" w="med" len="med"/>
-          </a:ln>
-          <a:effectLst/>
-        </p:spPr>
-        <p:style>
-          <a:lnRef idx="1">
-            <a:schemeClr val="accent2"/>
-          </a:lnRef>
-          <a:fillRef idx="2">
-            <a:schemeClr val="accent2"/>
-          </a:fillRef>
-          <a:effectRef idx="1">
-            <a:schemeClr val="accent2"/>
-          </a:effectRef>
-          <a:fontRef idx="minor">
-            <a:schemeClr val="dk1"/>
-          </a:fontRef>
-        </p:style>
-      </p:cxnSp>
-      <p:sp>
-        <p:nvSpPr>
-          <p:cNvPr id="92" name="Freeform 91"/>
-          <p:cNvSpPr/>
-          <p:nvPr/>
-        </p:nvSpPr>
-        <p:spPr>
-          <a:xfrm flipV="1">
-            <a:off x="4834419" y="3123074"/>
-            <a:ext cx="2055232" cy="412852"/>
-          </a:xfrm>
-          <a:custGeom>
-            <a:avLst/>
-            <a:gdLst>
-              <a:gd name="connsiteX0" fmla="*/ 0 w 3048000"/>
-              <a:gd name="connsiteY0" fmla="*/ 203200 h 203200"/>
-              <a:gd name="connsiteX1" fmla="*/ 221673 w 3048000"/>
-              <a:gd name="connsiteY1" fmla="*/ 0 h 203200"/>
-              <a:gd name="connsiteX2" fmla="*/ 3048000 w 3048000"/>
-              <a:gd name="connsiteY2" fmla="*/ 0 h 203200"/>
-            </a:gdLst>
-            <a:ahLst/>
-            <a:cxnLst>
-              <a:cxn ang="0">
-                <a:pos x="connsiteX0" y="connsiteY0"/>
-              </a:cxn>
-              <a:cxn ang="0">
-                <a:pos x="connsiteX1" y="connsiteY1"/>
-              </a:cxn>
-              <a:cxn ang="0">
-                <a:pos x="connsiteX2" y="connsiteY2"/>
-              </a:cxn>
-            </a:cxnLst>
-            <a:rect l="l" t="t" r="r" b="b"/>
-            <a:pathLst>
-              <a:path w="3048000" h="203200">
-                <a:moveTo>
-                  <a:pt x="0" y="203200"/>
-                </a:moveTo>
-                <a:lnTo>
-                  <a:pt x="221673" y="0"/>
-                </a:lnTo>
-                <a:lnTo>
-                  <a:pt x="3048000" y="0"/>
-                </a:lnTo>
-              </a:path>
-            </a:pathLst>
-          </a:custGeom>
-          <a:noFill/>
-          <a:ln w="19050">
-            <a:solidFill>
-              <a:schemeClr val="accent3"/>
-            </a:solidFill>
-            <a:prstDash val="sysDot"/>
-            <a:headEnd type="none" w="med" len="med"/>
-            <a:tailEnd type="arrow" w="med" len="med"/>
-          </a:ln>
-          <a:effectLst/>
-        </p:spPr>
-        <p:style>
-          <a:lnRef idx="1">
-            <a:schemeClr val="accent2"/>
-          </a:lnRef>
-          <a:fillRef idx="2">
-            <a:schemeClr val="accent2"/>
-          </a:fillRef>
-          <a:effectRef idx="1">
-            <a:schemeClr val="accent2"/>
-          </a:effectRef>
-          <a:fontRef idx="minor">
-            <a:schemeClr val="dk1"/>
-          </a:fontRef>
-        </p:style>
-        <p:txBody>
-          <a:bodyPr rtlCol="0" anchor="ctr"/>
-          <a:lstStyle/>
-          <a:p>
-            <a:pPr algn="ctr"/>
-            <a:endParaRPr lang="en-SG"/>
-          </a:p>
-        </p:txBody>
-      </p:sp>
-      <p:sp>
-        <p:nvSpPr>
-          <p:cNvPr id="108" name="Rectangle 11"/>
-          <p:cNvSpPr/>
-          <p:nvPr/>
-        </p:nvSpPr>
-        <p:spPr>
-          <a:xfrm>
-            <a:off x="3592712" y="4567971"/>
-            <a:ext cx="1199164" cy="218575"/>
-          </a:xfrm>
-          <a:prstGeom prst="rect">
-            <a:avLst/>
-          </a:prstGeom>
-          <a:ln w="19050">
-            <a:solidFill>
-              <a:schemeClr val="accent3"/>
-            </a:solidFill>
-          </a:ln>
-          <a:effectLst/>
-        </p:spPr>
-        <p:style>
-          <a:lnRef idx="1">
-            <a:schemeClr val="accent3"/>
-          </a:lnRef>
-          <a:fillRef idx="2">
-            <a:schemeClr val="accent3"/>
-          </a:fillRef>
-          <a:effectRef idx="1">
-            <a:schemeClr val="accent3"/>
-          </a:effectRef>
-          <a:fontRef idx="minor">
-            <a:schemeClr val="dk1"/>
-          </a:fontRef>
-        </p:style>
-        <p:txBody>
-          <a:bodyPr rtlCol="0" anchor="ctr"/>
-          <a:lstStyle/>
-          <a:p>
-            <a:pPr algn="ctr"/>
-            <a:r>
-              <a:rPr lang="en-US" altLang="zh-CN" sz="1050" b="1" dirty="0" err="1">
-                <a:solidFill>
-                  <a:schemeClr val="accent3">
-                    <a:lumMod val="75000"/>
-                  </a:schemeClr>
-                </a:solidFill>
-              </a:rPr>
-              <a:t>TaskListSection</a:t>
-            </a:r>
-            <a:endParaRPr lang="en-SG" sz="1050" b="1" dirty="0">
-              <a:solidFill>
-                <a:schemeClr val="accent3">
-                  <a:lumMod val="75000"/>
-                </a:schemeClr>
-              </a:solidFill>
-            </a:endParaRPr>
-          </a:p>
-        </p:txBody>
-      </p:sp>
-      <p:cxnSp>
-        <p:nvCxnSpPr>
-          <p:cNvPr id="109" name="Elbow Connector 108"/>
-          <p:cNvCxnSpPr>
-            <a:stCxn id="36" idx="2"/>
-            <a:endCxn id="108" idx="1"/>
-          </p:cNvCxnSpPr>
-          <p:nvPr/>
-        </p:nvCxnSpPr>
-        <p:spPr>
-          <a:xfrm rot="16200000" flipH="1">
-            <a:off x="3114033" y="4198580"/>
-            <a:ext cx="686162" cy="271195"/>
-          </a:xfrm>
-          <a:prstGeom prst="bentConnector2">
-            <a:avLst/>
-          </a:prstGeom>
-          <a:ln w="19050">
-            <a:solidFill>
-              <a:schemeClr val="accent3"/>
-            </a:solidFill>
-            <a:headEnd type="none" w="med" len="med"/>
-            <a:tailEnd type="arrow" w="med" len="med"/>
-          </a:ln>
-          <a:effectLst/>
-        </p:spPr>
-        <p:style>
-          <a:lnRef idx="1">
-            <a:schemeClr val="accent2"/>
-          </a:lnRef>
-          <a:fillRef idx="2">
-            <a:schemeClr val="accent2"/>
-          </a:fillRef>
-          <a:effectRef idx="1">
-            <a:schemeClr val="accent2"/>
-          </a:effectRef>
-          <a:fontRef idx="minor">
-            <a:schemeClr val="dk1"/>
-          </a:fontRef>
-        </p:style>
-      </p:cxnSp>
-      <p:cxnSp>
-        <p:nvCxnSpPr>
-          <p:cNvPr id="113" name="Elbow Connector 63"/>
-          <p:cNvCxnSpPr>
-            <a:stCxn id="16" idx="3"/>
-            <a:endCxn id="108" idx="3"/>
-          </p:cNvCxnSpPr>
-          <p:nvPr/>
-        </p:nvCxnSpPr>
-        <p:spPr>
-          <a:xfrm rot="5400000">
-            <a:off x="3508961" y="2502115"/>
-            <a:ext cx="3458059" cy="892228"/>
-          </a:xfrm>
-          <a:prstGeom prst="bentConnector2">
-            <a:avLst/>
-          </a:prstGeom>
-          <a:ln w="6350">
-            <a:solidFill>
-              <a:schemeClr val="accent3"/>
-            </a:solidFill>
-            <a:headEnd type="none" w="med" len="med"/>
-            <a:tailEnd type="none" w="med" len="med"/>
-          </a:ln>
-          <a:effectLst/>
-        </p:spPr>
-        <p:style>
-          <a:lnRef idx="1">
-            <a:schemeClr val="accent2"/>
-          </a:lnRef>
-          <a:fillRef idx="2">
-            <a:schemeClr val="accent2"/>
-          </a:fillRef>
-          <a:effectRef idx="1">
-            <a:schemeClr val="accent2"/>
-          </a:effectRef>
-          <a:fontRef idx="minor">
-            <a:schemeClr val="dk1"/>
-          </a:fontRef>
-        </p:style>
-      </p:cxnSp>
-      <p:cxnSp>
-        <p:nvCxnSpPr>
-          <p:cNvPr id="122" name="Elbow Connector 121"/>
-          <p:cNvCxnSpPr>
-            <a:stCxn id="108" idx="0"/>
-            <a:endCxn id="37" idx="2"/>
-          </p:cNvCxnSpPr>
-          <p:nvPr/>
-        </p:nvCxnSpPr>
-        <p:spPr>
-          <a:xfrm rot="5400000" flipH="1" flipV="1">
-            <a:off x="4276219" y="4224818"/>
-            <a:ext cx="259228" cy="427079"/>
-          </a:xfrm>
-          <a:prstGeom prst="bentConnector3">
-            <a:avLst>
-              <a:gd name="adj1" fmla="val -848"/>
-            </a:avLst>
-          </a:prstGeom>
-          <a:ln w="19050">
-            <a:solidFill>
-              <a:schemeClr val="accent3"/>
-            </a:solidFill>
-            <a:headEnd type="none" w="med" len="med"/>
-            <a:tailEnd type="arrow" w="med" len="med"/>
-          </a:ln>
-          <a:effectLst/>
-        </p:spPr>
-        <p:style>
-          <a:lnRef idx="1">
-            <a:schemeClr val="accent2"/>
-          </a:lnRef>
-          <a:fillRef idx="2">
-            <a:schemeClr val="accent2"/>
-          </a:fillRef>
-          <a:effectRef idx="1">
-            <a:schemeClr val="accent2"/>
-          </a:effectRef>
-          <a:fontRef idx="minor">
-            <a:schemeClr val="dk1"/>
-          </a:fontRef>
-        </p:style>
-      </p:cxnSp>
-      <p:sp>
-        <p:nvSpPr>
-          <p:cNvPr id="134" name="Rectangle 11"/>
-          <p:cNvSpPr/>
-          <p:nvPr/>
-        </p:nvSpPr>
-        <p:spPr>
-          <a:xfrm>
-            <a:off x="3970001" y="5016647"/>
-            <a:ext cx="864418" cy="178438"/>
-          </a:xfrm>
-          <a:prstGeom prst="rect">
-            <a:avLst/>
-          </a:prstGeom>
-          <a:ln w="19050">
-            <a:solidFill>
-              <a:schemeClr val="accent3"/>
-            </a:solidFill>
-          </a:ln>
-          <a:effectLst/>
-        </p:spPr>
-        <p:style>
-          <a:lnRef idx="1">
-            <a:schemeClr val="accent3"/>
-          </a:lnRef>
-          <a:fillRef idx="2">
-            <a:schemeClr val="accent3"/>
-          </a:fillRef>
-          <a:effectRef idx="1">
-            <a:schemeClr val="accent3"/>
-          </a:effectRef>
-          <a:fontRef idx="minor">
-            <a:schemeClr val="dk1"/>
-          </a:fontRef>
-        </p:style>
-        <p:txBody>
-          <a:bodyPr rtlCol="0" anchor="ctr"/>
-          <a:lstStyle/>
-          <a:p>
-            <a:pPr algn="ctr"/>
-            <a:r>
-              <a:rPr lang="en-US" altLang="zh-CN" sz="1050" b="1">
-                <a:solidFill>
-                  <a:schemeClr val="accent3">
-                    <a:lumMod val="75000"/>
-                  </a:schemeClr>
-                </a:solidFill>
-              </a:rPr>
-              <a:t>TaskCard</a:t>
-            </a:r>
-            <a:endParaRPr lang="en-SG" sz="1050" b="1" dirty="0">
-              <a:solidFill>
-                <a:schemeClr val="accent3">
-                  <a:lumMod val="75000"/>
-                </a:schemeClr>
-              </a:solidFill>
-            </a:endParaRPr>
-          </a:p>
-        </p:txBody>
-      </p:sp>
-      <p:cxnSp>
-        <p:nvCxnSpPr>
-          <p:cNvPr id="135" name="Elbow Connector 134"/>
-          <p:cNvCxnSpPr>
-            <a:stCxn id="108" idx="2"/>
-            <a:endCxn id="134" idx="1"/>
-          </p:cNvCxnSpPr>
-          <p:nvPr/>
-        </p:nvCxnSpPr>
-        <p:spPr>
-          <a:xfrm rot="5400000">
-            <a:off x="3921488" y="4835060"/>
-            <a:ext cx="319320" cy="222293"/>
-          </a:xfrm>
-          <a:prstGeom prst="bentConnector4">
-            <a:avLst>
-              <a:gd name="adj1" fmla="val 1108"/>
-              <a:gd name="adj2" fmla="val 202837"/>
-            </a:avLst>
-          </a:prstGeom>
-          <a:ln w="19050">
-            <a:solidFill>
-              <a:schemeClr val="accent3"/>
-            </a:solidFill>
-            <a:headEnd type="none" w="med" len="med"/>
-            <a:tailEnd type="arrow" w="med" len="med"/>
-          </a:ln>
-          <a:effectLst/>
-        </p:spPr>
-        <p:style>
-          <a:lnRef idx="1">
-            <a:schemeClr val="accent2"/>
-          </a:lnRef>
-          <a:fillRef idx="2">
-            <a:schemeClr val="accent2"/>
-          </a:fillRef>
-          <a:effectRef idx="1">
-            <a:schemeClr val="accent2"/>
-          </a:effectRef>
-          <a:fontRef idx="minor">
-            <a:schemeClr val="dk1"/>
-          </a:fontRef>
-        </p:style>
-      </p:cxnSp>
-      <p:cxnSp>
-        <p:nvCxnSpPr>
-          <p:cNvPr id="145" name="Elbow Connector 63"/>
-          <p:cNvCxnSpPr>
-            <a:endCxn id="134" idx="3"/>
-          </p:cNvCxnSpPr>
-          <p:nvPr/>
-        </p:nvCxnSpPr>
-        <p:spPr>
-          <a:xfrm rot="5400000">
-            <a:off x="3333164" y="2769105"/>
-            <a:ext cx="3838017" cy="835505"/>
-          </a:xfrm>
-          <a:prstGeom prst="bentConnector2">
-            <a:avLst/>
-          </a:prstGeom>
-          <a:ln w="6350">
-            <a:solidFill>
-              <a:schemeClr val="accent3"/>
-            </a:solidFill>
-            <a:headEnd type="none" w="med" len="med"/>
-            <a:tailEnd type="none" w="med" len="med"/>
-          </a:ln>
-          <a:effectLst/>
-        </p:spPr>
-        <p:style>
-          <a:lnRef idx="1">
-            <a:schemeClr val="accent2"/>
-          </a:lnRef>
-          <a:fillRef idx="2">
-            <a:schemeClr val="accent2"/>
-          </a:fillRef>
-          <a:effectRef idx="1">
-            <a:schemeClr val="accent2"/>
-          </a:effectRef>
-          <a:fontRef idx="minor">
-            <a:schemeClr val="dk1"/>
-          </a:fontRef>
-        </p:style>
-      </p:cxnSp>
-    </p:spTree>
-    <p:extLst>
-      <p:ext uri="{BB962C8B-B14F-4D97-AF65-F5344CB8AC3E}">
-        <p14:creationId xmlns:p14="http://schemas.microsoft.com/office/powerpoint/2010/main" val="2776882492"/>
-      </p:ext>
-    </p:extLst>
-  </p:cSld>
-  <p:clrMapOvr>
-    <a:masterClrMapping/>
-  </p:clrMapOvr>
-</p:sld>
-</file>
-
-<file path=ppt/slides/slide5.xml><?xml version="1.0" encoding="utf-8"?>
-<p:sld xmlns:a="http://schemas.openxmlformats.org/drawingml/2006/main" xmlns:r="http://schemas.openxmlformats.org/officeDocument/2006/relationships" xmlns:p="http://schemas.openxmlformats.org/presentationml/2006/main">
-  <p:cSld>
-    <p:spTree>
-      <p:nvGrpSpPr>
-        <p:cNvPr id="1" name=""/>
-        <p:cNvGrpSpPr/>
-        <p:nvPr/>
-      </p:nvGrpSpPr>
-      <p:grpSpPr>
-        <a:xfrm>
-          <a:off x="0" y="0"/>
-          <a:ext cx="0" cy="0"/>
-          <a:chOff x="0" y="0"/>
-          <a:chExt cx="0" cy="0"/>
-        </a:xfrm>
-      </p:grpSpPr>
-      <p:sp>
-        <p:nvSpPr>
           <p:cNvPr id="3" name="Rectangle 65"/>
           <p:cNvSpPr/>
           <p:nvPr/>
@@ -12282,6 +9239,1658 @@
 </p:sld>
 </file>
 
+<file path=ppt/slides/slide5.xml><?xml version="1.0" encoding="utf-8"?>
+<p:sld xmlns:a="http://schemas.openxmlformats.org/drawingml/2006/main" xmlns:r="http://schemas.openxmlformats.org/officeDocument/2006/relationships" xmlns:p="http://schemas.openxmlformats.org/presentationml/2006/main">
+  <p:cSld>
+    <p:spTree>
+      <p:nvGrpSpPr>
+        <p:cNvPr id="1" name=""/>
+        <p:cNvGrpSpPr/>
+        <p:nvPr/>
+      </p:nvGrpSpPr>
+      <p:grpSpPr>
+        <a:xfrm>
+          <a:off x="0" y="0"/>
+          <a:ext cx="0" cy="0"/>
+          <a:chOff x="0" y="0"/>
+          <a:chExt cx="0" cy="0"/>
+        </a:xfrm>
+      </p:grpSpPr>
+      <p:sp>
+        <p:nvSpPr>
+          <p:cNvPr id="81" name="Rectangle 65"/>
+          <p:cNvSpPr/>
+          <p:nvPr/>
+        </p:nvSpPr>
+        <p:spPr>
+          <a:xfrm>
+            <a:off x="685800" y="1981200"/>
+            <a:ext cx="7086600" cy="4000286"/>
+          </a:xfrm>
+          <a:prstGeom prst="roundRect">
+            <a:avLst>
+              <a:gd name="adj" fmla="val 3484"/>
+            </a:avLst>
+          </a:prstGeom>
+          <a:solidFill>
+            <a:schemeClr val="accent1">
+              <a:lumMod val="20000"/>
+              <a:lumOff val="80000"/>
+            </a:schemeClr>
+          </a:solidFill>
+          <a:ln w="19050">
+            <a:noFill/>
+          </a:ln>
+          <a:effectLst/>
+        </p:spPr>
+        <p:style>
+          <a:lnRef idx="1">
+            <a:schemeClr val="accent2"/>
+          </a:lnRef>
+          <a:fillRef idx="2">
+            <a:schemeClr val="accent2"/>
+          </a:fillRef>
+          <a:effectRef idx="1">
+            <a:schemeClr val="accent2"/>
+          </a:effectRef>
+          <a:fontRef idx="minor">
+            <a:schemeClr val="dk1"/>
+          </a:fontRef>
+        </p:style>
+        <p:txBody>
+          <a:bodyPr rtlCol="0" anchor="t"/>
+          <a:lstStyle/>
+          <a:p>
+            <a:r>
+              <a:rPr lang="en-US" sz="1200" b="1" dirty="0">
+                <a:solidFill>
+                  <a:srgbClr val="0070C0"/>
+                </a:solidFill>
+              </a:rPr>
+              <a:t>Logic</a:t>
+            </a:r>
+            <a:endParaRPr lang="en-SG" sz="1200" b="1" dirty="0">
+              <a:solidFill>
+                <a:srgbClr val="0070C0"/>
+              </a:solidFill>
+            </a:endParaRPr>
+          </a:p>
+        </p:txBody>
+      </p:sp>
+      <p:sp>
+        <p:nvSpPr>
+          <p:cNvPr id="2" name="Rectangle 62"/>
+          <p:cNvSpPr/>
+          <p:nvPr/>
+        </p:nvSpPr>
+        <p:spPr>
+          <a:xfrm>
+            <a:off x="1007063" y="2296546"/>
+            <a:ext cx="1455629" cy="346760"/>
+          </a:xfrm>
+          <a:prstGeom prst="rect">
+            <a:avLst/>
+          </a:prstGeom>
+          <a:solidFill>
+            <a:srgbClr val="0070C0"/>
+          </a:solidFill>
+          <a:ln w="19050">
+            <a:solidFill>
+              <a:srgbClr val="0070C0"/>
+            </a:solidFill>
+          </a:ln>
+          <a:effectLst/>
+        </p:spPr>
+        <p:style>
+          <a:lnRef idx="1">
+            <a:schemeClr val="accent2"/>
+          </a:lnRef>
+          <a:fillRef idx="2">
+            <a:schemeClr val="accent2"/>
+          </a:fillRef>
+          <a:effectRef idx="1">
+            <a:schemeClr val="accent2"/>
+          </a:effectRef>
+          <a:fontRef idx="minor">
+            <a:schemeClr val="dk1"/>
+          </a:fontRef>
+        </p:style>
+        <p:txBody>
+          <a:bodyPr rtlCol="0" anchor="ctr"/>
+          <a:lstStyle/>
+          <a:p>
+            <a:pPr algn="ctr"/>
+            <a:r>
+              <a:rPr lang="en-US" sz="1600" dirty="0">
+                <a:solidFill>
+                  <a:schemeClr val="bg1"/>
+                </a:solidFill>
+              </a:rPr>
+              <a:t>:</a:t>
+            </a:r>
+            <a:r>
+              <a:rPr lang="en-US" sz="1600" dirty="0" err="1">
+                <a:solidFill>
+                  <a:schemeClr val="bg1"/>
+                </a:solidFill>
+              </a:rPr>
+              <a:t>LogicManager</a:t>
+            </a:r>
+            <a:endParaRPr lang="en-SG" sz="1600" dirty="0">
+              <a:solidFill>
+                <a:schemeClr val="bg1"/>
+              </a:solidFill>
+            </a:endParaRPr>
+          </a:p>
+        </p:txBody>
+      </p:sp>
+      <p:cxnSp>
+        <p:nvCxnSpPr>
+          <p:cNvPr id="5" name="Straight Connector 4"/>
+          <p:cNvCxnSpPr/>
+          <p:nvPr/>
+        </p:nvCxnSpPr>
+        <p:spPr>
+          <a:xfrm>
+            <a:off x="1734877" y="2660217"/>
+            <a:ext cx="0" cy="2597583"/>
+          </a:xfrm>
+          <a:prstGeom prst="line">
+            <a:avLst/>
+          </a:prstGeom>
+          <a:ln w="19050">
+            <a:solidFill>
+              <a:srgbClr val="0070C0"/>
+            </a:solidFill>
+            <a:prstDash val="sysDash"/>
+          </a:ln>
+          <a:effectLst/>
+        </p:spPr>
+        <p:style>
+          <a:lnRef idx="1">
+            <a:schemeClr val="accent1"/>
+          </a:lnRef>
+          <a:fillRef idx="2">
+            <a:schemeClr val="accent1"/>
+          </a:fillRef>
+          <a:effectRef idx="1">
+            <a:schemeClr val="accent1"/>
+          </a:effectRef>
+          <a:fontRef idx="minor">
+            <a:schemeClr val="dk1"/>
+          </a:fontRef>
+        </p:style>
+      </p:cxnSp>
+      <p:sp>
+        <p:nvSpPr>
+          <p:cNvPr id="6" name="Rectangle 5"/>
+          <p:cNvSpPr/>
+          <p:nvPr/>
+        </p:nvSpPr>
+        <p:spPr>
+          <a:xfrm>
+            <a:off x="1662869" y="3010911"/>
+            <a:ext cx="152400" cy="2780287"/>
+          </a:xfrm>
+          <a:prstGeom prst="rect">
+            <a:avLst/>
+          </a:prstGeom>
+          <a:solidFill>
+            <a:srgbClr val="0070C0"/>
+          </a:solidFill>
+          <a:ln>
+            <a:solidFill>
+              <a:srgbClr val="0070C0"/>
+            </a:solidFill>
+          </a:ln>
+          <a:effectLst/>
+        </p:spPr>
+        <p:style>
+          <a:lnRef idx="1">
+            <a:schemeClr val="accent3"/>
+          </a:lnRef>
+          <a:fillRef idx="2">
+            <a:schemeClr val="accent3"/>
+          </a:fillRef>
+          <a:effectRef idx="1">
+            <a:schemeClr val="accent3"/>
+          </a:effectRef>
+          <a:fontRef idx="minor">
+            <a:schemeClr val="dk1"/>
+          </a:fontRef>
+        </p:style>
+        <p:txBody>
+          <a:bodyPr rtlCol="0" anchor="ctr"/>
+          <a:lstStyle/>
+          <a:p>
+            <a:pPr algn="ctr"/>
+            <a:endParaRPr lang="en-SG" sz="1400"/>
+          </a:p>
+        </p:txBody>
+      </p:sp>
+      <p:sp>
+        <p:nvSpPr>
+          <p:cNvPr id="16" name="Rectangle 62"/>
+          <p:cNvSpPr/>
+          <p:nvPr/>
+        </p:nvSpPr>
+        <p:spPr>
+          <a:xfrm>
+            <a:off x="3411783" y="2300233"/>
+            <a:ext cx="1093635" cy="346760"/>
+          </a:xfrm>
+          <a:prstGeom prst="rect">
+            <a:avLst/>
+          </a:prstGeom>
+          <a:solidFill>
+            <a:srgbClr val="0070C0"/>
+          </a:solidFill>
+          <a:ln w="19050">
+            <a:solidFill>
+              <a:srgbClr val="0070C0"/>
+            </a:solidFill>
+          </a:ln>
+          <a:effectLst/>
+        </p:spPr>
+        <p:style>
+          <a:lnRef idx="1">
+            <a:schemeClr val="accent2"/>
+          </a:lnRef>
+          <a:fillRef idx="2">
+            <a:schemeClr val="accent2"/>
+          </a:fillRef>
+          <a:effectRef idx="1">
+            <a:schemeClr val="accent2"/>
+          </a:effectRef>
+          <a:fontRef idx="minor">
+            <a:schemeClr val="dk1"/>
+          </a:fontRef>
+        </p:style>
+        <p:txBody>
+          <a:bodyPr rtlCol="0" anchor="ctr"/>
+          <a:lstStyle/>
+          <a:p>
+            <a:pPr algn="ctr"/>
+            <a:r>
+              <a:rPr lang="en-US" sz="1600" dirty="0">
+                <a:solidFill>
+                  <a:schemeClr val="bg1"/>
+                </a:solidFill>
+              </a:rPr>
+              <a:t>:Parser</a:t>
+            </a:r>
+            <a:endParaRPr lang="en-SG" sz="1600" dirty="0">
+              <a:solidFill>
+                <a:schemeClr val="bg1"/>
+              </a:solidFill>
+            </a:endParaRPr>
+          </a:p>
+        </p:txBody>
+      </p:sp>
+      <p:cxnSp>
+        <p:nvCxnSpPr>
+          <p:cNvPr id="17" name="Straight Connector 16"/>
+          <p:cNvCxnSpPr/>
+          <p:nvPr/>
+        </p:nvCxnSpPr>
+        <p:spPr>
+          <a:xfrm>
+            <a:off x="3958600" y="2663904"/>
+            <a:ext cx="0" cy="1587652"/>
+          </a:xfrm>
+          <a:prstGeom prst="line">
+            <a:avLst/>
+          </a:prstGeom>
+          <a:ln w="19050">
+            <a:solidFill>
+              <a:srgbClr val="0070C0"/>
+            </a:solidFill>
+            <a:prstDash val="sysDash"/>
+          </a:ln>
+          <a:effectLst/>
+        </p:spPr>
+        <p:style>
+          <a:lnRef idx="1">
+            <a:schemeClr val="accent1"/>
+          </a:lnRef>
+          <a:fillRef idx="2">
+            <a:schemeClr val="accent1"/>
+          </a:fillRef>
+          <a:effectRef idx="1">
+            <a:schemeClr val="accent1"/>
+          </a:effectRef>
+          <a:fontRef idx="minor">
+            <a:schemeClr val="dk1"/>
+          </a:fontRef>
+        </p:style>
+      </p:cxnSp>
+      <p:sp>
+        <p:nvSpPr>
+          <p:cNvPr id="18" name="Rectangle 17"/>
+          <p:cNvSpPr/>
+          <p:nvPr/>
+        </p:nvSpPr>
+        <p:spPr>
+          <a:xfrm>
+            <a:off x="3886592" y="3122097"/>
+            <a:ext cx="144016" cy="832525"/>
+          </a:xfrm>
+          <a:prstGeom prst="rect">
+            <a:avLst/>
+          </a:prstGeom>
+          <a:solidFill>
+            <a:srgbClr val="0070C0"/>
+          </a:solidFill>
+          <a:ln>
+            <a:solidFill>
+              <a:srgbClr val="0070C0"/>
+            </a:solidFill>
+          </a:ln>
+          <a:effectLst/>
+        </p:spPr>
+        <p:style>
+          <a:lnRef idx="1">
+            <a:schemeClr val="accent3"/>
+          </a:lnRef>
+          <a:fillRef idx="2">
+            <a:schemeClr val="accent3"/>
+          </a:fillRef>
+          <a:effectRef idx="1">
+            <a:schemeClr val="accent3"/>
+          </a:effectRef>
+          <a:fontRef idx="minor">
+            <a:schemeClr val="dk1"/>
+          </a:fontRef>
+        </p:style>
+        <p:txBody>
+          <a:bodyPr rtlCol="0" anchor="ctr"/>
+          <a:lstStyle/>
+          <a:p>
+            <a:pPr algn="ctr"/>
+            <a:endParaRPr lang="en-SG" sz="1400">
+              <a:solidFill>
+                <a:schemeClr val="dk1"/>
+              </a:solidFill>
+            </a:endParaRPr>
+          </a:p>
+        </p:txBody>
+      </p:sp>
+      <p:sp>
+        <p:nvSpPr>
+          <p:cNvPr id="19" name="Rectangle 62"/>
+          <p:cNvSpPr/>
+          <p:nvPr/>
+        </p:nvSpPr>
+        <p:spPr>
+          <a:xfrm>
+            <a:off x="4953000" y="2996259"/>
+            <a:ext cx="1093635" cy="461538"/>
+          </a:xfrm>
+          <a:prstGeom prst="rect">
+            <a:avLst/>
+          </a:prstGeom>
+          <a:solidFill>
+            <a:srgbClr val="0070C0"/>
+          </a:solidFill>
+          <a:ln w="19050">
+            <a:solidFill>
+              <a:srgbClr val="0070C0"/>
+            </a:solidFill>
+          </a:ln>
+          <a:effectLst/>
+        </p:spPr>
+        <p:style>
+          <a:lnRef idx="1">
+            <a:schemeClr val="accent2"/>
+          </a:lnRef>
+          <a:fillRef idx="2">
+            <a:schemeClr val="accent2"/>
+          </a:fillRef>
+          <a:effectRef idx="1">
+            <a:schemeClr val="accent2"/>
+          </a:effectRef>
+          <a:fontRef idx="minor">
+            <a:schemeClr val="dk1"/>
+          </a:fontRef>
+        </p:style>
+        <p:txBody>
+          <a:bodyPr rtlCol="0" anchor="ctr"/>
+          <a:lstStyle/>
+          <a:p>
+            <a:pPr algn="ctr"/>
+            <a:r>
+              <a:rPr lang="en-US" sz="1600" dirty="0">
+                <a:solidFill>
+                  <a:schemeClr val="bg1"/>
+                </a:solidFill>
+              </a:rPr>
+              <a:t>d:Delete</a:t>
+            </a:r>
+            <a:br>
+              <a:rPr lang="en-US" sz="1600" dirty="0">
+                <a:solidFill>
+                  <a:schemeClr val="bg1"/>
+                </a:solidFill>
+              </a:rPr>
+            </a:br>
+            <a:r>
+              <a:rPr lang="en-US" sz="1600" dirty="0">
+                <a:solidFill>
+                  <a:schemeClr val="bg1"/>
+                </a:solidFill>
+              </a:rPr>
+              <a:t>Command</a:t>
+            </a:r>
+            <a:endParaRPr lang="en-SG" sz="1600" dirty="0">
+              <a:solidFill>
+                <a:schemeClr val="bg1"/>
+              </a:solidFill>
+            </a:endParaRPr>
+          </a:p>
+        </p:txBody>
+      </p:sp>
+      <p:cxnSp>
+        <p:nvCxnSpPr>
+          <p:cNvPr id="20" name="Straight Connector 19"/>
+          <p:cNvCxnSpPr/>
+          <p:nvPr/>
+        </p:nvCxnSpPr>
+        <p:spPr>
+          <a:xfrm>
+            <a:off x="5499817" y="3417319"/>
+            <a:ext cx="0" cy="2450081"/>
+          </a:xfrm>
+          <a:prstGeom prst="line">
+            <a:avLst/>
+          </a:prstGeom>
+          <a:ln w="19050">
+            <a:solidFill>
+              <a:srgbClr val="0070C0"/>
+            </a:solidFill>
+            <a:prstDash val="sysDash"/>
+          </a:ln>
+          <a:effectLst/>
+        </p:spPr>
+        <p:style>
+          <a:lnRef idx="1">
+            <a:schemeClr val="accent1"/>
+          </a:lnRef>
+          <a:fillRef idx="2">
+            <a:schemeClr val="accent1"/>
+          </a:fillRef>
+          <a:effectRef idx="1">
+            <a:schemeClr val="accent1"/>
+          </a:effectRef>
+          <a:fontRef idx="minor">
+            <a:schemeClr val="dk1"/>
+          </a:fontRef>
+        </p:style>
+      </p:cxnSp>
+      <p:sp>
+        <p:nvSpPr>
+          <p:cNvPr id="21" name="Rectangle 20"/>
+          <p:cNvSpPr/>
+          <p:nvPr/>
+        </p:nvSpPr>
+        <p:spPr>
+          <a:xfrm>
+            <a:off x="5427809" y="3457797"/>
+            <a:ext cx="152400" cy="276003"/>
+          </a:xfrm>
+          <a:prstGeom prst="rect">
+            <a:avLst/>
+          </a:prstGeom>
+          <a:solidFill>
+            <a:srgbClr val="0070C0"/>
+          </a:solidFill>
+          <a:ln>
+            <a:solidFill>
+              <a:srgbClr val="0070C0"/>
+            </a:solidFill>
+          </a:ln>
+          <a:effectLst/>
+        </p:spPr>
+        <p:style>
+          <a:lnRef idx="1">
+            <a:schemeClr val="accent3"/>
+          </a:lnRef>
+          <a:fillRef idx="2">
+            <a:schemeClr val="accent3"/>
+          </a:fillRef>
+          <a:effectRef idx="1">
+            <a:schemeClr val="accent3"/>
+          </a:effectRef>
+          <a:fontRef idx="minor">
+            <a:schemeClr val="dk1"/>
+          </a:fontRef>
+        </p:style>
+        <p:txBody>
+          <a:bodyPr rtlCol="0" anchor="ctr"/>
+          <a:lstStyle/>
+          <a:p>
+            <a:pPr algn="ctr"/>
+            <a:endParaRPr lang="en-SG" sz="1400"/>
+          </a:p>
+        </p:txBody>
+      </p:sp>
+      <p:cxnSp>
+        <p:nvCxnSpPr>
+          <p:cNvPr id="23" name="Straight Arrow Connector 22"/>
+          <p:cNvCxnSpPr/>
+          <p:nvPr/>
+        </p:nvCxnSpPr>
+        <p:spPr>
+          <a:xfrm>
+            <a:off x="543018" y="3014599"/>
+            <a:ext cx="1119851" cy="0"/>
+          </a:xfrm>
+          <a:prstGeom prst="straightConnector1">
+            <a:avLst/>
+          </a:prstGeom>
+          <a:ln w="19050">
+            <a:solidFill>
+              <a:srgbClr val="00B050"/>
+            </a:solidFill>
+            <a:tailEnd type="arrow"/>
+          </a:ln>
+        </p:spPr>
+        <p:style>
+          <a:lnRef idx="1">
+            <a:schemeClr val="accent1"/>
+          </a:lnRef>
+          <a:fillRef idx="0">
+            <a:schemeClr val="accent1"/>
+          </a:fillRef>
+          <a:effectRef idx="0">
+            <a:schemeClr val="accent1"/>
+          </a:effectRef>
+          <a:fontRef idx="minor">
+            <a:schemeClr val="tx1"/>
+          </a:fontRef>
+        </p:style>
+      </p:cxnSp>
+      <p:cxnSp>
+        <p:nvCxnSpPr>
+          <p:cNvPr id="25" name="Straight Arrow Connector 24"/>
+          <p:cNvCxnSpPr/>
+          <p:nvPr/>
+        </p:nvCxnSpPr>
+        <p:spPr>
+          <a:xfrm>
+            <a:off x="1815269" y="3122098"/>
+            <a:ext cx="2071323" cy="0"/>
+          </a:xfrm>
+          <a:prstGeom prst="straightConnector1">
+            <a:avLst/>
+          </a:prstGeom>
+          <a:ln w="19050">
+            <a:solidFill>
+              <a:srgbClr val="0070C0"/>
+            </a:solidFill>
+            <a:tailEnd type="arrow"/>
+          </a:ln>
+        </p:spPr>
+        <p:style>
+          <a:lnRef idx="1">
+            <a:schemeClr val="accent1"/>
+          </a:lnRef>
+          <a:fillRef idx="0">
+            <a:schemeClr val="accent1"/>
+          </a:fillRef>
+          <a:effectRef idx="0">
+            <a:schemeClr val="accent1"/>
+          </a:effectRef>
+          <a:fontRef idx="minor">
+            <a:schemeClr val="tx1"/>
+          </a:fontRef>
+        </p:style>
+      </p:cxnSp>
+      <p:sp>
+        <p:nvSpPr>
+          <p:cNvPr id="26" name="TextBox 25"/>
+          <p:cNvSpPr txBox="1"/>
+          <p:nvPr/>
+        </p:nvSpPr>
+        <p:spPr>
+          <a:xfrm>
+            <a:off x="152400" y="2743200"/>
+            <a:ext cx="1424846" cy="215444"/>
+          </a:xfrm>
+          <a:prstGeom prst="rect">
+            <a:avLst/>
+          </a:prstGeom>
+          <a:noFill/>
+        </p:spPr>
+        <p:txBody>
+          <a:bodyPr wrap="square" lIns="0" tIns="0" rIns="0" bIns="0" rtlCol="0">
+            <a:spAutoFit/>
+          </a:bodyPr>
+          <a:lstStyle/>
+          <a:p>
+            <a:pPr algn="r"/>
+            <a:r>
+              <a:rPr lang="en-US" sz="1400" dirty="0">
+                <a:solidFill>
+                  <a:srgbClr val="0070C0"/>
+                </a:solidFill>
+              </a:rPr>
+              <a:t>execute(“delete 1”)</a:t>
+            </a:r>
+          </a:p>
+        </p:txBody>
+      </p:sp>
+      <p:cxnSp>
+        <p:nvCxnSpPr>
+          <p:cNvPr id="28" name="Straight Arrow Connector 27"/>
+          <p:cNvCxnSpPr>
+            <a:endCxn id="19" idx="1"/>
+          </p:cNvCxnSpPr>
+          <p:nvPr/>
+        </p:nvCxnSpPr>
+        <p:spPr>
+          <a:xfrm flipV="1">
+            <a:off x="4030608" y="3227028"/>
+            <a:ext cx="922392" cy="1"/>
+          </a:xfrm>
+          <a:prstGeom prst="straightConnector1">
+            <a:avLst/>
+          </a:prstGeom>
+          <a:ln w="19050">
+            <a:solidFill>
+              <a:srgbClr val="0070C0"/>
+            </a:solidFill>
+            <a:tailEnd type="arrow"/>
+          </a:ln>
+        </p:spPr>
+        <p:style>
+          <a:lnRef idx="1">
+            <a:schemeClr val="accent1"/>
+          </a:lnRef>
+          <a:fillRef idx="0">
+            <a:schemeClr val="accent1"/>
+          </a:fillRef>
+          <a:effectRef idx="0">
+            <a:schemeClr val="accent1"/>
+          </a:effectRef>
+          <a:fontRef idx="minor">
+            <a:schemeClr val="tx1"/>
+          </a:fontRef>
+        </p:style>
+      </p:cxnSp>
+      <p:sp>
+        <p:nvSpPr>
+          <p:cNvPr id="29" name="TextBox 28"/>
+          <p:cNvSpPr txBox="1"/>
+          <p:nvPr/>
+        </p:nvSpPr>
+        <p:spPr>
+          <a:xfrm>
+            <a:off x="4419600" y="4251556"/>
+            <a:ext cx="855809" cy="215444"/>
+          </a:xfrm>
+          <a:prstGeom prst="rect">
+            <a:avLst/>
+          </a:prstGeom>
+          <a:noFill/>
+        </p:spPr>
+        <p:txBody>
+          <a:bodyPr wrap="square" lIns="0" tIns="0" rIns="0" bIns="0" rtlCol="0">
+            <a:spAutoFit/>
+          </a:bodyPr>
+          <a:lstStyle>
+            <a:defPPr>
+              <a:defRPr lang="en-US"/>
+            </a:defPPr>
+            <a:lvl1pPr algn="r">
+              <a:defRPr sz="1400">
+                <a:solidFill>
+                  <a:srgbClr val="0070C0"/>
+                </a:solidFill>
+              </a:defRPr>
+            </a:lvl1pPr>
+          </a:lstStyle>
+          <a:p>
+            <a:r>
+              <a:rPr lang="en-US" dirty="0"/>
+              <a:t>execute()</a:t>
+            </a:r>
+          </a:p>
+        </p:txBody>
+      </p:sp>
+      <p:cxnSp>
+        <p:nvCxnSpPr>
+          <p:cNvPr id="34" name="Straight Arrow Connector 33"/>
+          <p:cNvCxnSpPr/>
+          <p:nvPr/>
+        </p:nvCxnSpPr>
+        <p:spPr>
+          <a:xfrm>
+            <a:off x="4030608" y="3733800"/>
+            <a:ext cx="1406215" cy="0"/>
+          </a:xfrm>
+          <a:prstGeom prst="straightConnector1">
+            <a:avLst/>
+          </a:prstGeom>
+          <a:ln w="19050">
+            <a:solidFill>
+              <a:srgbClr val="0070C0"/>
+            </a:solidFill>
+            <a:prstDash val="sysDash"/>
+            <a:headEnd type="arrow" w="med" len="med"/>
+            <a:tailEnd type="none" w="med" len="med"/>
+          </a:ln>
+        </p:spPr>
+        <p:style>
+          <a:lnRef idx="1">
+            <a:schemeClr val="accent1"/>
+          </a:lnRef>
+          <a:fillRef idx="0">
+            <a:schemeClr val="accent1"/>
+          </a:fillRef>
+          <a:effectRef idx="0">
+            <a:schemeClr val="accent1"/>
+          </a:effectRef>
+          <a:fontRef idx="minor">
+            <a:schemeClr val="tx1"/>
+          </a:fontRef>
+        </p:style>
+      </p:cxnSp>
+      <p:cxnSp>
+        <p:nvCxnSpPr>
+          <p:cNvPr id="35" name="Straight Arrow Connector 34"/>
+          <p:cNvCxnSpPr/>
+          <p:nvPr/>
+        </p:nvCxnSpPr>
+        <p:spPr>
+          <a:xfrm>
+            <a:off x="1815269" y="3954622"/>
+            <a:ext cx="2058118" cy="0"/>
+          </a:xfrm>
+          <a:prstGeom prst="straightConnector1">
+            <a:avLst/>
+          </a:prstGeom>
+          <a:ln w="19050">
+            <a:solidFill>
+              <a:srgbClr val="0070C0"/>
+            </a:solidFill>
+            <a:prstDash val="sysDash"/>
+            <a:headEnd type="arrow" w="med" len="med"/>
+            <a:tailEnd type="none" w="med" len="med"/>
+          </a:ln>
+        </p:spPr>
+        <p:style>
+          <a:lnRef idx="1">
+            <a:schemeClr val="accent1"/>
+          </a:lnRef>
+          <a:fillRef idx="0">
+            <a:schemeClr val="accent1"/>
+          </a:fillRef>
+          <a:effectRef idx="0">
+            <a:schemeClr val="accent1"/>
+          </a:effectRef>
+          <a:fontRef idx="minor">
+            <a:schemeClr val="tx1"/>
+          </a:fontRef>
+        </p:style>
+      </p:cxnSp>
+      <p:cxnSp>
+        <p:nvCxnSpPr>
+          <p:cNvPr id="37" name="Straight Arrow Connector 36"/>
+          <p:cNvCxnSpPr/>
+          <p:nvPr/>
+        </p:nvCxnSpPr>
+        <p:spPr>
+          <a:xfrm>
+            <a:off x="466818" y="5791200"/>
+            <a:ext cx="1196051" cy="0"/>
+          </a:xfrm>
+          <a:prstGeom prst="straightConnector1">
+            <a:avLst/>
+          </a:prstGeom>
+          <a:ln w="19050">
+            <a:solidFill>
+              <a:schemeClr val="accent1"/>
+            </a:solidFill>
+            <a:prstDash val="sysDash"/>
+            <a:headEnd type="arrow" w="med" len="med"/>
+            <a:tailEnd type="none" w="med" len="med"/>
+          </a:ln>
+        </p:spPr>
+        <p:style>
+          <a:lnRef idx="1">
+            <a:schemeClr val="accent1"/>
+          </a:lnRef>
+          <a:fillRef idx="0">
+            <a:schemeClr val="accent1"/>
+          </a:fillRef>
+          <a:effectRef idx="0">
+            <a:schemeClr val="accent1"/>
+          </a:effectRef>
+          <a:fontRef idx="minor">
+            <a:schemeClr val="tx1"/>
+          </a:fontRef>
+        </p:style>
+      </p:cxnSp>
+      <p:sp>
+        <p:nvSpPr>
+          <p:cNvPr id="39" name="Rectangle 62"/>
+          <p:cNvSpPr/>
+          <p:nvPr/>
+        </p:nvSpPr>
+        <p:spPr>
+          <a:xfrm>
+            <a:off x="7938756" y="2317144"/>
+            <a:ext cx="1030504" cy="346760"/>
+          </a:xfrm>
+          <a:prstGeom prst="rect">
+            <a:avLst/>
+          </a:prstGeom>
+          <a:solidFill>
+            <a:schemeClr val="accent4">
+              <a:lumMod val="60000"/>
+              <a:lumOff val="40000"/>
+            </a:schemeClr>
+          </a:solidFill>
+          <a:ln w="19050">
+            <a:solidFill>
+              <a:schemeClr val="accent4">
+                <a:lumMod val="60000"/>
+                <a:lumOff val="40000"/>
+              </a:schemeClr>
+            </a:solidFill>
+          </a:ln>
+          <a:effectLst/>
+        </p:spPr>
+        <p:style>
+          <a:lnRef idx="1">
+            <a:schemeClr val="accent2"/>
+          </a:lnRef>
+          <a:fillRef idx="2">
+            <a:schemeClr val="accent2"/>
+          </a:fillRef>
+          <a:effectRef idx="1">
+            <a:schemeClr val="accent2"/>
+          </a:effectRef>
+          <a:fontRef idx="minor">
+            <a:schemeClr val="dk1"/>
+          </a:fontRef>
+        </p:style>
+        <p:txBody>
+          <a:bodyPr rtlCol="0" anchor="ctr"/>
+          <a:lstStyle/>
+          <a:p>
+            <a:pPr algn="ctr"/>
+            <a:r>
+              <a:rPr lang="en-US" sz="1600" dirty="0">
+                <a:solidFill>
+                  <a:schemeClr val="bg1"/>
+                </a:solidFill>
+              </a:rPr>
+              <a:t>:Model</a:t>
+            </a:r>
+            <a:endParaRPr lang="en-SG" sz="1600" dirty="0">
+              <a:solidFill>
+                <a:schemeClr val="bg1"/>
+              </a:solidFill>
+            </a:endParaRPr>
+          </a:p>
+        </p:txBody>
+      </p:sp>
+      <p:cxnSp>
+        <p:nvCxnSpPr>
+          <p:cNvPr id="64" name="Straight Arrow Connector 63"/>
+          <p:cNvCxnSpPr/>
+          <p:nvPr/>
+        </p:nvCxnSpPr>
+        <p:spPr>
+          <a:xfrm>
+            <a:off x="1815269" y="4495317"/>
+            <a:ext cx="3612540" cy="0"/>
+          </a:xfrm>
+          <a:prstGeom prst="straightConnector1">
+            <a:avLst/>
+          </a:prstGeom>
+          <a:ln w="19050">
+            <a:solidFill>
+              <a:srgbClr val="0070C0"/>
+            </a:solidFill>
+            <a:tailEnd type="arrow"/>
+          </a:ln>
+        </p:spPr>
+        <p:style>
+          <a:lnRef idx="1">
+            <a:schemeClr val="accent1"/>
+          </a:lnRef>
+          <a:fillRef idx="0">
+            <a:schemeClr val="accent1"/>
+          </a:fillRef>
+          <a:effectRef idx="0">
+            <a:schemeClr val="accent1"/>
+          </a:effectRef>
+          <a:fontRef idx="minor">
+            <a:schemeClr val="tx1"/>
+          </a:fontRef>
+        </p:style>
+      </p:cxnSp>
+      <p:sp>
+        <p:nvSpPr>
+          <p:cNvPr id="65" name="Rectangle 64"/>
+          <p:cNvSpPr/>
+          <p:nvPr/>
+        </p:nvSpPr>
+        <p:spPr>
+          <a:xfrm>
+            <a:off x="5427809" y="4495317"/>
+            <a:ext cx="152400" cy="1191256"/>
+          </a:xfrm>
+          <a:prstGeom prst="rect">
+            <a:avLst/>
+          </a:prstGeom>
+          <a:solidFill>
+            <a:srgbClr val="0070C0"/>
+          </a:solidFill>
+          <a:ln>
+            <a:solidFill>
+              <a:srgbClr val="0070C0"/>
+            </a:solidFill>
+          </a:ln>
+          <a:effectLst/>
+        </p:spPr>
+        <p:style>
+          <a:lnRef idx="1">
+            <a:schemeClr val="accent3"/>
+          </a:lnRef>
+          <a:fillRef idx="2">
+            <a:schemeClr val="accent3"/>
+          </a:fillRef>
+          <a:effectRef idx="1">
+            <a:schemeClr val="accent3"/>
+          </a:effectRef>
+          <a:fontRef idx="minor">
+            <a:schemeClr val="dk1"/>
+          </a:fontRef>
+        </p:style>
+        <p:txBody>
+          <a:bodyPr rtlCol="0" anchor="ctr"/>
+          <a:lstStyle/>
+          <a:p>
+            <a:pPr algn="ctr"/>
+            <a:endParaRPr lang="en-SG" sz="1400"/>
+          </a:p>
+        </p:txBody>
+      </p:sp>
+      <p:cxnSp>
+        <p:nvCxnSpPr>
+          <p:cNvPr id="71" name="Straight Connector 70"/>
+          <p:cNvCxnSpPr/>
+          <p:nvPr/>
+        </p:nvCxnSpPr>
+        <p:spPr>
+          <a:xfrm>
+            <a:off x="8454008" y="2655802"/>
+            <a:ext cx="0" cy="2830598"/>
+          </a:xfrm>
+          <a:prstGeom prst="line">
+            <a:avLst/>
+          </a:prstGeom>
+          <a:ln w="19050">
+            <a:solidFill>
+              <a:schemeClr val="accent4">
+                <a:lumMod val="60000"/>
+                <a:lumOff val="40000"/>
+              </a:schemeClr>
+            </a:solidFill>
+            <a:prstDash val="sysDash"/>
+          </a:ln>
+          <a:effectLst/>
+        </p:spPr>
+        <p:style>
+          <a:lnRef idx="1">
+            <a:schemeClr val="accent1"/>
+          </a:lnRef>
+          <a:fillRef idx="2">
+            <a:schemeClr val="accent1"/>
+          </a:fillRef>
+          <a:effectRef idx="1">
+            <a:schemeClr val="accent1"/>
+          </a:effectRef>
+          <a:fontRef idx="minor">
+            <a:schemeClr val="dk1"/>
+          </a:fontRef>
+        </p:style>
+      </p:cxnSp>
+      <p:sp>
+        <p:nvSpPr>
+          <p:cNvPr id="73" name="Rectangle 72"/>
+          <p:cNvSpPr/>
+          <p:nvPr/>
+        </p:nvSpPr>
+        <p:spPr>
+          <a:xfrm>
+            <a:off x="8382000" y="4524597"/>
+            <a:ext cx="152400" cy="276003"/>
+          </a:xfrm>
+          <a:prstGeom prst="rect">
+            <a:avLst/>
+          </a:prstGeom>
+          <a:solidFill>
+            <a:schemeClr val="accent4">
+              <a:lumMod val="60000"/>
+              <a:lumOff val="40000"/>
+            </a:schemeClr>
+          </a:solidFill>
+          <a:ln>
+            <a:solidFill>
+              <a:schemeClr val="accent4">
+                <a:lumMod val="60000"/>
+                <a:lumOff val="40000"/>
+              </a:schemeClr>
+            </a:solidFill>
+          </a:ln>
+          <a:effectLst/>
+        </p:spPr>
+        <p:style>
+          <a:lnRef idx="1">
+            <a:schemeClr val="accent3"/>
+          </a:lnRef>
+          <a:fillRef idx="2">
+            <a:schemeClr val="accent3"/>
+          </a:fillRef>
+          <a:effectRef idx="1">
+            <a:schemeClr val="accent3"/>
+          </a:effectRef>
+          <a:fontRef idx="minor">
+            <a:schemeClr val="dk1"/>
+          </a:fontRef>
+        </p:style>
+        <p:txBody>
+          <a:bodyPr rtlCol="0" anchor="ctr"/>
+          <a:lstStyle/>
+          <a:p>
+            <a:pPr algn="ctr"/>
+            <a:endParaRPr lang="en-SG" sz="1400">
+              <a:solidFill>
+                <a:schemeClr val="dk1"/>
+              </a:solidFill>
+            </a:endParaRPr>
+          </a:p>
+        </p:txBody>
+      </p:sp>
+      <p:cxnSp>
+        <p:nvCxnSpPr>
+          <p:cNvPr id="75" name="Straight Arrow Connector 74"/>
+          <p:cNvCxnSpPr/>
+          <p:nvPr/>
+        </p:nvCxnSpPr>
+        <p:spPr>
+          <a:xfrm>
+            <a:off x="5580209" y="4542759"/>
+            <a:ext cx="2787374" cy="0"/>
+          </a:xfrm>
+          <a:prstGeom prst="straightConnector1">
+            <a:avLst/>
+          </a:prstGeom>
+          <a:ln w="19050">
+            <a:solidFill>
+              <a:srgbClr val="0070C0"/>
+            </a:solidFill>
+            <a:tailEnd type="arrow"/>
+          </a:ln>
+        </p:spPr>
+        <p:style>
+          <a:lnRef idx="1">
+            <a:schemeClr val="accent1"/>
+          </a:lnRef>
+          <a:fillRef idx="0">
+            <a:schemeClr val="accent1"/>
+          </a:fillRef>
+          <a:effectRef idx="0">
+            <a:schemeClr val="accent1"/>
+          </a:effectRef>
+          <a:fontRef idx="minor">
+            <a:schemeClr val="tx1"/>
+          </a:fontRef>
+        </p:style>
+      </p:cxnSp>
+      <p:cxnSp>
+        <p:nvCxnSpPr>
+          <p:cNvPr id="76" name="Straight Arrow Connector 75"/>
+          <p:cNvCxnSpPr/>
+          <p:nvPr/>
+        </p:nvCxnSpPr>
+        <p:spPr>
+          <a:xfrm>
+            <a:off x="5580209" y="4800600"/>
+            <a:ext cx="2873799" cy="0"/>
+          </a:xfrm>
+          <a:prstGeom prst="straightConnector1">
+            <a:avLst/>
+          </a:prstGeom>
+          <a:ln w="19050">
+            <a:solidFill>
+              <a:schemeClr val="accent4">
+                <a:lumMod val="60000"/>
+                <a:lumOff val="40000"/>
+              </a:schemeClr>
+            </a:solidFill>
+            <a:prstDash val="sysDash"/>
+            <a:headEnd type="arrow" w="med" len="med"/>
+            <a:tailEnd type="none" w="med" len="med"/>
+          </a:ln>
+        </p:spPr>
+        <p:style>
+          <a:lnRef idx="1">
+            <a:schemeClr val="accent1"/>
+          </a:lnRef>
+          <a:fillRef idx="0">
+            <a:schemeClr val="accent1"/>
+          </a:fillRef>
+          <a:effectRef idx="0">
+            <a:schemeClr val="accent1"/>
+          </a:effectRef>
+          <a:fontRef idx="minor">
+            <a:schemeClr val="tx1"/>
+          </a:fontRef>
+        </p:style>
+      </p:cxnSp>
+      <p:cxnSp>
+        <p:nvCxnSpPr>
+          <p:cNvPr id="77" name="Straight Arrow Connector 76"/>
+          <p:cNvCxnSpPr/>
+          <p:nvPr/>
+        </p:nvCxnSpPr>
+        <p:spPr>
+          <a:xfrm>
+            <a:off x="1815269" y="5661173"/>
+            <a:ext cx="3651369" cy="0"/>
+          </a:xfrm>
+          <a:prstGeom prst="straightConnector1">
+            <a:avLst/>
+          </a:prstGeom>
+          <a:ln w="19050">
+            <a:solidFill>
+              <a:srgbClr val="0070C0"/>
+            </a:solidFill>
+            <a:prstDash val="sysDash"/>
+            <a:headEnd type="arrow" w="med" len="med"/>
+            <a:tailEnd type="none" w="med" len="med"/>
+          </a:ln>
+        </p:spPr>
+        <p:style>
+          <a:lnRef idx="1">
+            <a:schemeClr val="accent1"/>
+          </a:lnRef>
+          <a:fillRef idx="0">
+            <a:schemeClr val="accent1"/>
+          </a:fillRef>
+          <a:effectRef idx="0">
+            <a:schemeClr val="accent1"/>
+          </a:effectRef>
+          <a:fontRef idx="minor">
+            <a:schemeClr val="tx1"/>
+          </a:fontRef>
+        </p:style>
+      </p:cxnSp>
+      <p:sp>
+        <p:nvSpPr>
+          <p:cNvPr id="78" name="TextBox 77"/>
+          <p:cNvSpPr txBox="1"/>
+          <p:nvPr/>
+        </p:nvSpPr>
+        <p:spPr>
+          <a:xfrm>
+            <a:off x="6858000" y="4278848"/>
+            <a:ext cx="1424846" cy="215444"/>
+          </a:xfrm>
+          <a:prstGeom prst="rect">
+            <a:avLst/>
+          </a:prstGeom>
+          <a:noFill/>
+        </p:spPr>
+        <p:txBody>
+          <a:bodyPr wrap="square" lIns="0" tIns="0" rIns="0" bIns="0" rtlCol="0">
+            <a:spAutoFit/>
+          </a:bodyPr>
+          <a:lstStyle>
+            <a:defPPr>
+              <a:defRPr lang="en-US"/>
+            </a:defPPr>
+            <a:lvl1pPr algn="r">
+              <a:defRPr sz="1400">
+                <a:solidFill>
+                  <a:srgbClr val="0070C0"/>
+                </a:solidFill>
+              </a:defRPr>
+            </a:lvl1pPr>
+          </a:lstStyle>
+          <a:p>
+            <a:r>
+              <a:rPr lang="en-US" dirty="0" err="1">
+                <a:solidFill>
+                  <a:srgbClr val="7030A0"/>
+                </a:solidFill>
+              </a:rPr>
+              <a:t>deleteTask</a:t>
+            </a:r>
+            <a:r>
+              <a:rPr lang="en-US" dirty="0">
+                <a:solidFill>
+                  <a:srgbClr val="7030A0"/>
+                </a:solidFill>
+              </a:rPr>
+              <a:t>(p)</a:t>
+            </a:r>
+          </a:p>
+        </p:txBody>
+      </p:sp>
+      <p:sp>
+        <p:nvSpPr>
+          <p:cNvPr id="79" name="TextBox 78"/>
+          <p:cNvSpPr txBox="1"/>
+          <p:nvPr/>
+        </p:nvSpPr>
+        <p:spPr>
+          <a:xfrm>
+            <a:off x="4191000" y="2996259"/>
+            <a:ext cx="640023" cy="215444"/>
+          </a:xfrm>
+          <a:prstGeom prst="rect">
+            <a:avLst/>
+          </a:prstGeom>
+          <a:noFill/>
+        </p:spPr>
+        <p:txBody>
+          <a:bodyPr wrap="square" lIns="0" tIns="0" rIns="0" bIns="0" rtlCol="0">
+            <a:spAutoFit/>
+          </a:bodyPr>
+          <a:lstStyle>
+            <a:defPPr>
+              <a:defRPr lang="en-US"/>
+            </a:defPPr>
+            <a:lvl1pPr algn="r">
+              <a:defRPr sz="1400">
+                <a:solidFill>
+                  <a:srgbClr val="0070C0"/>
+                </a:solidFill>
+              </a:defRPr>
+            </a:lvl1pPr>
+          </a:lstStyle>
+          <a:p>
+            <a:r>
+              <a:rPr lang="en-US" dirty="0"/>
+              <a:t>create()</a:t>
+            </a:r>
+          </a:p>
+        </p:txBody>
+      </p:sp>
+      <p:sp>
+        <p:nvSpPr>
+          <p:cNvPr id="80" name="TextBox 79"/>
+          <p:cNvSpPr txBox="1"/>
+          <p:nvPr/>
+        </p:nvSpPr>
+        <p:spPr>
+          <a:xfrm>
+            <a:off x="2131905" y="2850922"/>
+            <a:ext cx="1424846" cy="215444"/>
+          </a:xfrm>
+          <a:prstGeom prst="rect">
+            <a:avLst/>
+          </a:prstGeom>
+          <a:noFill/>
+        </p:spPr>
+        <p:txBody>
+          <a:bodyPr wrap="square" lIns="0" tIns="0" rIns="0" bIns="0" rtlCol="0">
+            <a:spAutoFit/>
+          </a:bodyPr>
+          <a:lstStyle>
+            <a:defPPr>
+              <a:defRPr lang="en-US"/>
+            </a:defPPr>
+            <a:lvl1pPr algn="r">
+              <a:defRPr sz="1400">
+                <a:solidFill>
+                  <a:srgbClr val="0070C0"/>
+                </a:solidFill>
+              </a:defRPr>
+            </a:lvl1pPr>
+          </a:lstStyle>
+          <a:p>
+            <a:r>
+              <a:rPr lang="en-US" dirty="0"/>
+              <a:t>parse(“delete 1”)</a:t>
+            </a:r>
+          </a:p>
+        </p:txBody>
+      </p:sp>
+      <p:sp>
+        <p:nvSpPr>
+          <p:cNvPr id="82" name="TextBox 81"/>
+          <p:cNvSpPr txBox="1"/>
+          <p:nvPr/>
+        </p:nvSpPr>
+        <p:spPr>
+          <a:xfrm>
+            <a:off x="3101175" y="5430096"/>
+            <a:ext cx="621216" cy="215444"/>
+          </a:xfrm>
+          <a:prstGeom prst="rect">
+            <a:avLst/>
+          </a:prstGeom>
+          <a:noFill/>
+        </p:spPr>
+        <p:txBody>
+          <a:bodyPr wrap="square" lIns="0" tIns="0" rIns="0" bIns="0" rtlCol="0">
+            <a:spAutoFit/>
+          </a:bodyPr>
+          <a:lstStyle>
+            <a:defPPr>
+              <a:defRPr lang="en-US"/>
+            </a:defPPr>
+            <a:lvl1pPr algn="r">
+              <a:defRPr sz="1400">
+                <a:solidFill>
+                  <a:srgbClr val="0070C0"/>
+                </a:solidFill>
+              </a:defRPr>
+            </a:lvl1pPr>
+          </a:lstStyle>
+          <a:p>
+            <a:r>
+              <a:rPr lang="en-US" dirty="0"/>
+              <a:t>result</a:t>
+            </a:r>
+          </a:p>
+        </p:txBody>
+      </p:sp>
+      <p:sp>
+        <p:nvSpPr>
+          <p:cNvPr id="83" name="TextBox 82"/>
+          <p:cNvSpPr txBox="1"/>
+          <p:nvPr/>
+        </p:nvSpPr>
+        <p:spPr>
+          <a:xfrm>
+            <a:off x="762001" y="5538488"/>
+            <a:ext cx="762000" cy="215444"/>
+          </a:xfrm>
+          <a:prstGeom prst="rect">
+            <a:avLst/>
+          </a:prstGeom>
+          <a:noFill/>
+        </p:spPr>
+        <p:txBody>
+          <a:bodyPr wrap="square" lIns="0" tIns="0" rIns="0" bIns="0" rtlCol="0">
+            <a:spAutoFit/>
+          </a:bodyPr>
+          <a:lstStyle>
+            <a:defPPr>
+              <a:defRPr lang="en-US"/>
+            </a:defPPr>
+            <a:lvl1pPr algn="r">
+              <a:defRPr sz="1400">
+                <a:solidFill>
+                  <a:srgbClr val="0070C0"/>
+                </a:solidFill>
+              </a:defRPr>
+            </a:lvl1pPr>
+          </a:lstStyle>
+          <a:p>
+            <a:r>
+              <a:rPr lang="en-US" dirty="0"/>
+              <a:t>result</a:t>
+            </a:r>
+          </a:p>
+        </p:txBody>
+      </p:sp>
+      <p:sp>
+        <p:nvSpPr>
+          <p:cNvPr id="84" name="Rectangle 62"/>
+          <p:cNvSpPr/>
+          <p:nvPr/>
+        </p:nvSpPr>
+        <p:spPr>
+          <a:xfrm>
+            <a:off x="6029646" y="4953000"/>
+            <a:ext cx="1666554" cy="461538"/>
+          </a:xfrm>
+          <a:prstGeom prst="rect">
+            <a:avLst/>
+          </a:prstGeom>
+          <a:solidFill>
+            <a:srgbClr val="0070C0"/>
+          </a:solidFill>
+          <a:ln w="19050">
+            <a:solidFill>
+              <a:srgbClr val="0070C0"/>
+            </a:solidFill>
+          </a:ln>
+          <a:effectLst/>
+        </p:spPr>
+        <p:style>
+          <a:lnRef idx="1">
+            <a:schemeClr val="accent2"/>
+          </a:lnRef>
+          <a:fillRef idx="2">
+            <a:schemeClr val="accent2"/>
+          </a:fillRef>
+          <a:effectRef idx="1">
+            <a:schemeClr val="accent2"/>
+          </a:effectRef>
+          <a:fontRef idx="minor">
+            <a:schemeClr val="dk1"/>
+          </a:fontRef>
+        </p:style>
+        <p:txBody>
+          <a:bodyPr rtlCol="0" anchor="ctr"/>
+          <a:lstStyle/>
+          <a:p>
+            <a:pPr algn="ctr"/>
+            <a:r>
+              <a:rPr lang="en-US" sz="1600" dirty="0">
+                <a:solidFill>
+                  <a:schemeClr val="bg1"/>
+                </a:solidFill>
+              </a:rPr>
+              <a:t>result:</a:t>
+            </a:r>
+            <a:br>
+              <a:rPr lang="en-US" sz="1600" dirty="0">
+                <a:solidFill>
+                  <a:schemeClr val="bg1"/>
+                </a:solidFill>
+              </a:rPr>
+            </a:br>
+            <a:r>
+              <a:rPr lang="en-US" sz="1600" dirty="0" err="1">
+                <a:solidFill>
+                  <a:schemeClr val="bg1"/>
+                </a:solidFill>
+              </a:rPr>
+              <a:t>CommandResult</a:t>
+            </a:r>
+            <a:endParaRPr lang="en-SG" sz="1600" dirty="0">
+              <a:solidFill>
+                <a:schemeClr val="bg1"/>
+              </a:solidFill>
+            </a:endParaRPr>
+          </a:p>
+        </p:txBody>
+      </p:sp>
+      <p:sp>
+        <p:nvSpPr>
+          <p:cNvPr id="86" name="Rectangle 85"/>
+          <p:cNvSpPr/>
+          <p:nvPr/>
+        </p:nvSpPr>
+        <p:spPr>
+          <a:xfrm>
+            <a:off x="6786723" y="5414538"/>
+            <a:ext cx="152400" cy="171376"/>
+          </a:xfrm>
+          <a:prstGeom prst="rect">
+            <a:avLst/>
+          </a:prstGeom>
+          <a:solidFill>
+            <a:srgbClr val="0070C0"/>
+          </a:solidFill>
+          <a:ln>
+            <a:solidFill>
+              <a:srgbClr val="0070C0"/>
+            </a:solidFill>
+          </a:ln>
+          <a:effectLst/>
+        </p:spPr>
+        <p:style>
+          <a:lnRef idx="1">
+            <a:schemeClr val="accent3"/>
+          </a:lnRef>
+          <a:fillRef idx="2">
+            <a:schemeClr val="accent3"/>
+          </a:fillRef>
+          <a:effectRef idx="1">
+            <a:schemeClr val="accent3"/>
+          </a:effectRef>
+          <a:fontRef idx="minor">
+            <a:schemeClr val="dk1"/>
+          </a:fontRef>
+        </p:style>
+        <p:txBody>
+          <a:bodyPr rtlCol="0" anchor="ctr"/>
+          <a:lstStyle/>
+          <a:p>
+            <a:pPr algn="ctr"/>
+            <a:endParaRPr lang="en-SG" sz="1400"/>
+          </a:p>
+        </p:txBody>
+      </p:sp>
+      <p:cxnSp>
+        <p:nvCxnSpPr>
+          <p:cNvPr id="87" name="Straight Arrow Connector 86"/>
+          <p:cNvCxnSpPr/>
+          <p:nvPr/>
+        </p:nvCxnSpPr>
+        <p:spPr>
+          <a:xfrm>
+            <a:off x="5580209" y="5165675"/>
+            <a:ext cx="447975" cy="0"/>
+          </a:xfrm>
+          <a:prstGeom prst="straightConnector1">
+            <a:avLst/>
+          </a:prstGeom>
+          <a:ln w="19050">
+            <a:solidFill>
+              <a:srgbClr val="0070C0"/>
+            </a:solidFill>
+            <a:tailEnd type="arrow"/>
+          </a:ln>
+        </p:spPr>
+        <p:style>
+          <a:lnRef idx="1">
+            <a:schemeClr val="accent1"/>
+          </a:lnRef>
+          <a:fillRef idx="0">
+            <a:schemeClr val="accent1"/>
+          </a:fillRef>
+          <a:effectRef idx="0">
+            <a:schemeClr val="accent1"/>
+          </a:effectRef>
+          <a:fontRef idx="minor">
+            <a:schemeClr val="tx1"/>
+          </a:fontRef>
+        </p:style>
+      </p:cxnSp>
+      <p:cxnSp>
+        <p:nvCxnSpPr>
+          <p:cNvPr id="90" name="Straight Arrow Connector 89"/>
+          <p:cNvCxnSpPr/>
+          <p:nvPr/>
+        </p:nvCxnSpPr>
+        <p:spPr>
+          <a:xfrm>
+            <a:off x="5580209" y="5585914"/>
+            <a:ext cx="1253815" cy="0"/>
+          </a:xfrm>
+          <a:prstGeom prst="straightConnector1">
+            <a:avLst/>
+          </a:prstGeom>
+          <a:ln w="19050">
+            <a:solidFill>
+              <a:srgbClr val="0070C0"/>
+            </a:solidFill>
+            <a:prstDash val="sysDash"/>
+            <a:headEnd type="arrow" w="med" len="med"/>
+            <a:tailEnd type="none" w="med" len="med"/>
+          </a:ln>
+        </p:spPr>
+        <p:style>
+          <a:lnRef idx="1">
+            <a:schemeClr val="accent1"/>
+          </a:lnRef>
+          <a:fillRef idx="0">
+            <a:schemeClr val="accent1"/>
+          </a:fillRef>
+          <a:effectRef idx="0">
+            <a:schemeClr val="accent1"/>
+          </a:effectRef>
+          <a:fontRef idx="minor">
+            <a:schemeClr val="tx1"/>
+          </a:fontRef>
+        </p:style>
+      </p:cxnSp>
+      <p:sp>
+        <p:nvSpPr>
+          <p:cNvPr id="93" name="TextBox 92"/>
+          <p:cNvSpPr txBox="1"/>
+          <p:nvPr/>
+        </p:nvSpPr>
+        <p:spPr>
+          <a:xfrm>
+            <a:off x="2818928" y="3733800"/>
+            <a:ext cx="220343" cy="215444"/>
+          </a:xfrm>
+          <a:prstGeom prst="rect">
+            <a:avLst/>
+          </a:prstGeom>
+          <a:noFill/>
+        </p:spPr>
+        <p:txBody>
+          <a:bodyPr wrap="square" lIns="0" tIns="0" rIns="0" bIns="0" rtlCol="0">
+            <a:spAutoFit/>
+          </a:bodyPr>
+          <a:lstStyle>
+            <a:defPPr>
+              <a:defRPr lang="en-US"/>
+            </a:defPPr>
+            <a:lvl1pPr algn="r">
+              <a:defRPr sz="1400">
+                <a:solidFill>
+                  <a:srgbClr val="0070C0"/>
+                </a:solidFill>
+              </a:defRPr>
+            </a:lvl1pPr>
+          </a:lstStyle>
+          <a:p>
+            <a:r>
+              <a:rPr lang="en-US" dirty="0"/>
+              <a:t>d</a:t>
+            </a:r>
+          </a:p>
+        </p:txBody>
+      </p:sp>
+    </p:spTree>
+    <p:extLst>
+      <p:ext uri="{BB962C8B-B14F-4D97-AF65-F5344CB8AC3E}">
+        <p14:creationId xmlns:p14="http://schemas.microsoft.com/office/powerpoint/2010/main" val="3945898909"/>
+      </p:ext>
+    </p:extLst>
+  </p:cSld>
+  <p:clrMapOvr>
+    <a:masterClrMapping/>
+  </p:clrMapOvr>
+</p:sld>
+</file>
+
 <file path=ppt/slides/slide6.xml><?xml version="1.0" encoding="utf-8"?>
 <p:sld xmlns:a="http://schemas.openxmlformats.org/drawingml/2006/main" xmlns:r="http://schemas.openxmlformats.org/officeDocument/2006/relationships" xmlns:p="http://schemas.openxmlformats.org/presentationml/2006/main">
   <p:cSld>
@@ -12301,3822 +10910,6 @@
       </p:grpSpPr>
       <p:sp>
         <p:nvSpPr>
-          <p:cNvPr id="81" name="Rectangle 65"/>
-          <p:cNvSpPr/>
-          <p:nvPr/>
-        </p:nvSpPr>
-        <p:spPr>
-          <a:xfrm>
-            <a:off x="685800" y="1981200"/>
-            <a:ext cx="7086600" cy="4000286"/>
-          </a:xfrm>
-          <a:prstGeom prst="roundRect">
-            <a:avLst>
-              <a:gd name="adj" fmla="val 3484"/>
-            </a:avLst>
-          </a:prstGeom>
-          <a:solidFill>
-            <a:schemeClr val="accent1">
-              <a:lumMod val="20000"/>
-              <a:lumOff val="80000"/>
-            </a:schemeClr>
-          </a:solidFill>
-          <a:ln w="19050">
-            <a:noFill/>
-          </a:ln>
-          <a:effectLst/>
-        </p:spPr>
-        <p:style>
-          <a:lnRef idx="1">
-            <a:schemeClr val="accent2"/>
-          </a:lnRef>
-          <a:fillRef idx="2">
-            <a:schemeClr val="accent2"/>
-          </a:fillRef>
-          <a:effectRef idx="1">
-            <a:schemeClr val="accent2"/>
-          </a:effectRef>
-          <a:fontRef idx="minor">
-            <a:schemeClr val="dk1"/>
-          </a:fontRef>
-        </p:style>
-        <p:txBody>
-          <a:bodyPr rtlCol="0" anchor="t"/>
-          <a:lstStyle/>
-          <a:p>
-            <a:r>
-              <a:rPr lang="en-US" sz="1200" b="1" dirty="0">
-                <a:solidFill>
-                  <a:srgbClr val="0070C0"/>
-                </a:solidFill>
-              </a:rPr>
-              <a:t>Logic</a:t>
-            </a:r>
-            <a:endParaRPr lang="en-SG" sz="1200" b="1" dirty="0">
-              <a:solidFill>
-                <a:srgbClr val="0070C0"/>
-              </a:solidFill>
-            </a:endParaRPr>
-          </a:p>
-        </p:txBody>
-      </p:sp>
-      <p:sp>
-        <p:nvSpPr>
-          <p:cNvPr id="2" name="Rectangle 62"/>
-          <p:cNvSpPr/>
-          <p:nvPr/>
-        </p:nvSpPr>
-        <p:spPr>
-          <a:xfrm>
-            <a:off x="1007063" y="2296546"/>
-            <a:ext cx="1455629" cy="346760"/>
-          </a:xfrm>
-          <a:prstGeom prst="rect">
-            <a:avLst/>
-          </a:prstGeom>
-          <a:solidFill>
-            <a:srgbClr val="0070C0"/>
-          </a:solidFill>
-          <a:ln w="19050">
-            <a:solidFill>
-              <a:srgbClr val="0070C0"/>
-            </a:solidFill>
-          </a:ln>
-          <a:effectLst/>
-        </p:spPr>
-        <p:style>
-          <a:lnRef idx="1">
-            <a:schemeClr val="accent2"/>
-          </a:lnRef>
-          <a:fillRef idx="2">
-            <a:schemeClr val="accent2"/>
-          </a:fillRef>
-          <a:effectRef idx="1">
-            <a:schemeClr val="accent2"/>
-          </a:effectRef>
-          <a:fontRef idx="minor">
-            <a:schemeClr val="dk1"/>
-          </a:fontRef>
-        </p:style>
-        <p:txBody>
-          <a:bodyPr rtlCol="0" anchor="ctr"/>
-          <a:lstStyle/>
-          <a:p>
-            <a:pPr algn="ctr"/>
-            <a:r>
-              <a:rPr lang="en-US" sz="1600" dirty="0">
-                <a:solidFill>
-                  <a:schemeClr val="bg1"/>
-                </a:solidFill>
-              </a:rPr>
-              <a:t>:</a:t>
-            </a:r>
-            <a:r>
-              <a:rPr lang="en-US" sz="1600" dirty="0" err="1">
-                <a:solidFill>
-                  <a:schemeClr val="bg1"/>
-                </a:solidFill>
-              </a:rPr>
-              <a:t>LogicManager</a:t>
-            </a:r>
-            <a:endParaRPr lang="en-SG" sz="1600" dirty="0">
-              <a:solidFill>
-                <a:schemeClr val="bg1"/>
-              </a:solidFill>
-            </a:endParaRPr>
-          </a:p>
-        </p:txBody>
-      </p:sp>
-      <p:cxnSp>
-        <p:nvCxnSpPr>
-          <p:cNvPr id="5" name="Straight Connector 4"/>
-          <p:cNvCxnSpPr/>
-          <p:nvPr/>
-        </p:nvCxnSpPr>
-        <p:spPr>
-          <a:xfrm>
-            <a:off x="1734877" y="2660217"/>
-            <a:ext cx="0" cy="2597583"/>
-          </a:xfrm>
-          <a:prstGeom prst="line">
-            <a:avLst/>
-          </a:prstGeom>
-          <a:ln w="19050">
-            <a:solidFill>
-              <a:srgbClr val="0070C0"/>
-            </a:solidFill>
-            <a:prstDash val="sysDash"/>
-          </a:ln>
-          <a:effectLst/>
-        </p:spPr>
-        <p:style>
-          <a:lnRef idx="1">
-            <a:schemeClr val="accent1"/>
-          </a:lnRef>
-          <a:fillRef idx="2">
-            <a:schemeClr val="accent1"/>
-          </a:fillRef>
-          <a:effectRef idx="1">
-            <a:schemeClr val="accent1"/>
-          </a:effectRef>
-          <a:fontRef idx="minor">
-            <a:schemeClr val="dk1"/>
-          </a:fontRef>
-        </p:style>
-      </p:cxnSp>
-      <p:sp>
-        <p:nvSpPr>
-          <p:cNvPr id="6" name="Rectangle 5"/>
-          <p:cNvSpPr/>
-          <p:nvPr/>
-        </p:nvSpPr>
-        <p:spPr>
-          <a:xfrm>
-            <a:off x="1662869" y="3010911"/>
-            <a:ext cx="152400" cy="2780287"/>
-          </a:xfrm>
-          <a:prstGeom prst="rect">
-            <a:avLst/>
-          </a:prstGeom>
-          <a:solidFill>
-            <a:srgbClr val="0070C0"/>
-          </a:solidFill>
-          <a:ln>
-            <a:solidFill>
-              <a:srgbClr val="0070C0"/>
-            </a:solidFill>
-          </a:ln>
-          <a:effectLst/>
-        </p:spPr>
-        <p:style>
-          <a:lnRef idx="1">
-            <a:schemeClr val="accent3"/>
-          </a:lnRef>
-          <a:fillRef idx="2">
-            <a:schemeClr val="accent3"/>
-          </a:fillRef>
-          <a:effectRef idx="1">
-            <a:schemeClr val="accent3"/>
-          </a:effectRef>
-          <a:fontRef idx="minor">
-            <a:schemeClr val="dk1"/>
-          </a:fontRef>
-        </p:style>
-        <p:txBody>
-          <a:bodyPr rtlCol="0" anchor="ctr"/>
-          <a:lstStyle/>
-          <a:p>
-            <a:pPr algn="ctr"/>
-            <a:endParaRPr lang="en-SG" sz="1400"/>
-          </a:p>
-        </p:txBody>
-      </p:sp>
-      <p:sp>
-        <p:nvSpPr>
-          <p:cNvPr id="16" name="Rectangle 62"/>
-          <p:cNvSpPr/>
-          <p:nvPr/>
-        </p:nvSpPr>
-        <p:spPr>
-          <a:xfrm>
-            <a:off x="3411783" y="2300233"/>
-            <a:ext cx="1093635" cy="346760"/>
-          </a:xfrm>
-          <a:prstGeom prst="rect">
-            <a:avLst/>
-          </a:prstGeom>
-          <a:solidFill>
-            <a:srgbClr val="0070C0"/>
-          </a:solidFill>
-          <a:ln w="19050">
-            <a:solidFill>
-              <a:srgbClr val="0070C0"/>
-            </a:solidFill>
-          </a:ln>
-          <a:effectLst/>
-        </p:spPr>
-        <p:style>
-          <a:lnRef idx="1">
-            <a:schemeClr val="accent2"/>
-          </a:lnRef>
-          <a:fillRef idx="2">
-            <a:schemeClr val="accent2"/>
-          </a:fillRef>
-          <a:effectRef idx="1">
-            <a:schemeClr val="accent2"/>
-          </a:effectRef>
-          <a:fontRef idx="minor">
-            <a:schemeClr val="dk1"/>
-          </a:fontRef>
-        </p:style>
-        <p:txBody>
-          <a:bodyPr rtlCol="0" anchor="ctr"/>
-          <a:lstStyle/>
-          <a:p>
-            <a:pPr algn="ctr"/>
-            <a:r>
-              <a:rPr lang="en-US" sz="1600" dirty="0">
-                <a:solidFill>
-                  <a:schemeClr val="bg1"/>
-                </a:solidFill>
-              </a:rPr>
-              <a:t>:Parser</a:t>
-            </a:r>
-            <a:endParaRPr lang="en-SG" sz="1600" dirty="0">
-              <a:solidFill>
-                <a:schemeClr val="bg1"/>
-              </a:solidFill>
-            </a:endParaRPr>
-          </a:p>
-        </p:txBody>
-      </p:sp>
-      <p:cxnSp>
-        <p:nvCxnSpPr>
-          <p:cNvPr id="17" name="Straight Connector 16"/>
-          <p:cNvCxnSpPr/>
-          <p:nvPr/>
-        </p:nvCxnSpPr>
-        <p:spPr>
-          <a:xfrm>
-            <a:off x="3958600" y="2663904"/>
-            <a:ext cx="0" cy="1587652"/>
-          </a:xfrm>
-          <a:prstGeom prst="line">
-            <a:avLst/>
-          </a:prstGeom>
-          <a:ln w="19050">
-            <a:solidFill>
-              <a:srgbClr val="0070C0"/>
-            </a:solidFill>
-            <a:prstDash val="sysDash"/>
-          </a:ln>
-          <a:effectLst/>
-        </p:spPr>
-        <p:style>
-          <a:lnRef idx="1">
-            <a:schemeClr val="accent1"/>
-          </a:lnRef>
-          <a:fillRef idx="2">
-            <a:schemeClr val="accent1"/>
-          </a:fillRef>
-          <a:effectRef idx="1">
-            <a:schemeClr val="accent1"/>
-          </a:effectRef>
-          <a:fontRef idx="minor">
-            <a:schemeClr val="dk1"/>
-          </a:fontRef>
-        </p:style>
-      </p:cxnSp>
-      <p:sp>
-        <p:nvSpPr>
-          <p:cNvPr id="18" name="Rectangle 17"/>
-          <p:cNvSpPr/>
-          <p:nvPr/>
-        </p:nvSpPr>
-        <p:spPr>
-          <a:xfrm>
-            <a:off x="3886592" y="3122097"/>
-            <a:ext cx="144016" cy="832525"/>
-          </a:xfrm>
-          <a:prstGeom prst="rect">
-            <a:avLst/>
-          </a:prstGeom>
-          <a:solidFill>
-            <a:srgbClr val="0070C0"/>
-          </a:solidFill>
-          <a:ln>
-            <a:solidFill>
-              <a:srgbClr val="0070C0"/>
-            </a:solidFill>
-          </a:ln>
-          <a:effectLst/>
-        </p:spPr>
-        <p:style>
-          <a:lnRef idx="1">
-            <a:schemeClr val="accent3"/>
-          </a:lnRef>
-          <a:fillRef idx="2">
-            <a:schemeClr val="accent3"/>
-          </a:fillRef>
-          <a:effectRef idx="1">
-            <a:schemeClr val="accent3"/>
-          </a:effectRef>
-          <a:fontRef idx="minor">
-            <a:schemeClr val="dk1"/>
-          </a:fontRef>
-        </p:style>
-        <p:txBody>
-          <a:bodyPr rtlCol="0" anchor="ctr"/>
-          <a:lstStyle/>
-          <a:p>
-            <a:pPr algn="ctr"/>
-            <a:endParaRPr lang="en-SG" sz="1400">
-              <a:solidFill>
-                <a:schemeClr val="dk1"/>
-              </a:solidFill>
-            </a:endParaRPr>
-          </a:p>
-        </p:txBody>
-      </p:sp>
-      <p:sp>
-        <p:nvSpPr>
-          <p:cNvPr id="19" name="Rectangle 62"/>
-          <p:cNvSpPr/>
-          <p:nvPr/>
-        </p:nvSpPr>
-        <p:spPr>
-          <a:xfrm>
-            <a:off x="4953000" y="2996259"/>
-            <a:ext cx="1093635" cy="461538"/>
-          </a:xfrm>
-          <a:prstGeom prst="rect">
-            <a:avLst/>
-          </a:prstGeom>
-          <a:solidFill>
-            <a:srgbClr val="0070C0"/>
-          </a:solidFill>
-          <a:ln w="19050">
-            <a:solidFill>
-              <a:srgbClr val="0070C0"/>
-            </a:solidFill>
-          </a:ln>
-          <a:effectLst/>
-        </p:spPr>
-        <p:style>
-          <a:lnRef idx="1">
-            <a:schemeClr val="accent2"/>
-          </a:lnRef>
-          <a:fillRef idx="2">
-            <a:schemeClr val="accent2"/>
-          </a:fillRef>
-          <a:effectRef idx="1">
-            <a:schemeClr val="accent2"/>
-          </a:effectRef>
-          <a:fontRef idx="minor">
-            <a:schemeClr val="dk1"/>
-          </a:fontRef>
-        </p:style>
-        <p:txBody>
-          <a:bodyPr rtlCol="0" anchor="ctr"/>
-          <a:lstStyle/>
-          <a:p>
-            <a:pPr algn="ctr"/>
-            <a:r>
-              <a:rPr lang="en-US" sz="1600" dirty="0">
-                <a:solidFill>
-                  <a:schemeClr val="bg1"/>
-                </a:solidFill>
-              </a:rPr>
-              <a:t>d:Delete</a:t>
-            </a:r>
-            <a:br>
-              <a:rPr lang="en-US" sz="1600" dirty="0">
-                <a:solidFill>
-                  <a:schemeClr val="bg1"/>
-                </a:solidFill>
-              </a:rPr>
-            </a:br>
-            <a:r>
-              <a:rPr lang="en-US" sz="1600" dirty="0">
-                <a:solidFill>
-                  <a:schemeClr val="bg1"/>
-                </a:solidFill>
-              </a:rPr>
-              <a:t>Command</a:t>
-            </a:r>
-            <a:endParaRPr lang="en-SG" sz="1600" dirty="0">
-              <a:solidFill>
-                <a:schemeClr val="bg1"/>
-              </a:solidFill>
-            </a:endParaRPr>
-          </a:p>
-        </p:txBody>
-      </p:sp>
-      <p:cxnSp>
-        <p:nvCxnSpPr>
-          <p:cNvPr id="20" name="Straight Connector 19"/>
-          <p:cNvCxnSpPr/>
-          <p:nvPr/>
-        </p:nvCxnSpPr>
-        <p:spPr>
-          <a:xfrm>
-            <a:off x="5499817" y="3417319"/>
-            <a:ext cx="0" cy="2450081"/>
-          </a:xfrm>
-          <a:prstGeom prst="line">
-            <a:avLst/>
-          </a:prstGeom>
-          <a:ln w="19050">
-            <a:solidFill>
-              <a:srgbClr val="0070C0"/>
-            </a:solidFill>
-            <a:prstDash val="sysDash"/>
-          </a:ln>
-          <a:effectLst/>
-        </p:spPr>
-        <p:style>
-          <a:lnRef idx="1">
-            <a:schemeClr val="accent1"/>
-          </a:lnRef>
-          <a:fillRef idx="2">
-            <a:schemeClr val="accent1"/>
-          </a:fillRef>
-          <a:effectRef idx="1">
-            <a:schemeClr val="accent1"/>
-          </a:effectRef>
-          <a:fontRef idx="minor">
-            <a:schemeClr val="dk1"/>
-          </a:fontRef>
-        </p:style>
-      </p:cxnSp>
-      <p:sp>
-        <p:nvSpPr>
-          <p:cNvPr id="21" name="Rectangle 20"/>
-          <p:cNvSpPr/>
-          <p:nvPr/>
-        </p:nvSpPr>
-        <p:spPr>
-          <a:xfrm>
-            <a:off x="5427809" y="3457797"/>
-            <a:ext cx="152400" cy="276003"/>
-          </a:xfrm>
-          <a:prstGeom prst="rect">
-            <a:avLst/>
-          </a:prstGeom>
-          <a:solidFill>
-            <a:srgbClr val="0070C0"/>
-          </a:solidFill>
-          <a:ln>
-            <a:solidFill>
-              <a:srgbClr val="0070C0"/>
-            </a:solidFill>
-          </a:ln>
-          <a:effectLst/>
-        </p:spPr>
-        <p:style>
-          <a:lnRef idx="1">
-            <a:schemeClr val="accent3"/>
-          </a:lnRef>
-          <a:fillRef idx="2">
-            <a:schemeClr val="accent3"/>
-          </a:fillRef>
-          <a:effectRef idx="1">
-            <a:schemeClr val="accent3"/>
-          </a:effectRef>
-          <a:fontRef idx="minor">
-            <a:schemeClr val="dk1"/>
-          </a:fontRef>
-        </p:style>
-        <p:txBody>
-          <a:bodyPr rtlCol="0" anchor="ctr"/>
-          <a:lstStyle/>
-          <a:p>
-            <a:pPr algn="ctr"/>
-            <a:endParaRPr lang="en-SG" sz="1400"/>
-          </a:p>
-        </p:txBody>
-      </p:sp>
-      <p:cxnSp>
-        <p:nvCxnSpPr>
-          <p:cNvPr id="23" name="Straight Arrow Connector 22"/>
-          <p:cNvCxnSpPr/>
-          <p:nvPr/>
-        </p:nvCxnSpPr>
-        <p:spPr>
-          <a:xfrm>
-            <a:off x="543018" y="3014599"/>
-            <a:ext cx="1119851" cy="0"/>
-          </a:xfrm>
-          <a:prstGeom prst="straightConnector1">
-            <a:avLst/>
-          </a:prstGeom>
-          <a:ln w="19050">
-            <a:solidFill>
-              <a:srgbClr val="00B050"/>
-            </a:solidFill>
-            <a:tailEnd type="arrow"/>
-          </a:ln>
-        </p:spPr>
-        <p:style>
-          <a:lnRef idx="1">
-            <a:schemeClr val="accent1"/>
-          </a:lnRef>
-          <a:fillRef idx="0">
-            <a:schemeClr val="accent1"/>
-          </a:fillRef>
-          <a:effectRef idx="0">
-            <a:schemeClr val="accent1"/>
-          </a:effectRef>
-          <a:fontRef idx="minor">
-            <a:schemeClr val="tx1"/>
-          </a:fontRef>
-        </p:style>
-      </p:cxnSp>
-      <p:cxnSp>
-        <p:nvCxnSpPr>
-          <p:cNvPr id="25" name="Straight Arrow Connector 24"/>
-          <p:cNvCxnSpPr/>
-          <p:nvPr/>
-        </p:nvCxnSpPr>
-        <p:spPr>
-          <a:xfrm>
-            <a:off x="1815269" y="3122098"/>
-            <a:ext cx="2071323" cy="0"/>
-          </a:xfrm>
-          <a:prstGeom prst="straightConnector1">
-            <a:avLst/>
-          </a:prstGeom>
-          <a:ln w="19050">
-            <a:solidFill>
-              <a:srgbClr val="0070C0"/>
-            </a:solidFill>
-            <a:tailEnd type="arrow"/>
-          </a:ln>
-        </p:spPr>
-        <p:style>
-          <a:lnRef idx="1">
-            <a:schemeClr val="accent1"/>
-          </a:lnRef>
-          <a:fillRef idx="0">
-            <a:schemeClr val="accent1"/>
-          </a:fillRef>
-          <a:effectRef idx="0">
-            <a:schemeClr val="accent1"/>
-          </a:effectRef>
-          <a:fontRef idx="minor">
-            <a:schemeClr val="tx1"/>
-          </a:fontRef>
-        </p:style>
-      </p:cxnSp>
-      <p:sp>
-        <p:nvSpPr>
-          <p:cNvPr id="26" name="TextBox 25"/>
-          <p:cNvSpPr txBox="1"/>
-          <p:nvPr/>
-        </p:nvSpPr>
-        <p:spPr>
-          <a:xfrm>
-            <a:off x="152400" y="2743200"/>
-            <a:ext cx="1424846" cy="215444"/>
-          </a:xfrm>
-          <a:prstGeom prst="rect">
-            <a:avLst/>
-          </a:prstGeom>
-          <a:noFill/>
-        </p:spPr>
-        <p:txBody>
-          <a:bodyPr wrap="square" lIns="0" tIns="0" rIns="0" bIns="0" rtlCol="0">
-            <a:spAutoFit/>
-          </a:bodyPr>
-          <a:lstStyle/>
-          <a:p>
-            <a:pPr algn="r"/>
-            <a:r>
-              <a:rPr lang="en-US" sz="1400" dirty="0">
-                <a:solidFill>
-                  <a:srgbClr val="0070C0"/>
-                </a:solidFill>
-              </a:rPr>
-              <a:t>execute(“delete 1”)</a:t>
-            </a:r>
-          </a:p>
-        </p:txBody>
-      </p:sp>
-      <p:cxnSp>
-        <p:nvCxnSpPr>
-          <p:cNvPr id="28" name="Straight Arrow Connector 27"/>
-          <p:cNvCxnSpPr>
-            <a:endCxn id="19" idx="1"/>
-          </p:cNvCxnSpPr>
-          <p:nvPr/>
-        </p:nvCxnSpPr>
-        <p:spPr>
-          <a:xfrm flipV="1">
-            <a:off x="4030608" y="3227028"/>
-            <a:ext cx="922392" cy="1"/>
-          </a:xfrm>
-          <a:prstGeom prst="straightConnector1">
-            <a:avLst/>
-          </a:prstGeom>
-          <a:ln w="19050">
-            <a:solidFill>
-              <a:srgbClr val="0070C0"/>
-            </a:solidFill>
-            <a:tailEnd type="arrow"/>
-          </a:ln>
-        </p:spPr>
-        <p:style>
-          <a:lnRef idx="1">
-            <a:schemeClr val="accent1"/>
-          </a:lnRef>
-          <a:fillRef idx="0">
-            <a:schemeClr val="accent1"/>
-          </a:fillRef>
-          <a:effectRef idx="0">
-            <a:schemeClr val="accent1"/>
-          </a:effectRef>
-          <a:fontRef idx="minor">
-            <a:schemeClr val="tx1"/>
-          </a:fontRef>
-        </p:style>
-      </p:cxnSp>
-      <p:sp>
-        <p:nvSpPr>
-          <p:cNvPr id="29" name="TextBox 28"/>
-          <p:cNvSpPr txBox="1"/>
-          <p:nvPr/>
-        </p:nvSpPr>
-        <p:spPr>
-          <a:xfrm>
-            <a:off x="4419600" y="4251556"/>
-            <a:ext cx="855809" cy="215444"/>
-          </a:xfrm>
-          <a:prstGeom prst="rect">
-            <a:avLst/>
-          </a:prstGeom>
-          <a:noFill/>
-        </p:spPr>
-        <p:txBody>
-          <a:bodyPr wrap="square" lIns="0" tIns="0" rIns="0" bIns="0" rtlCol="0">
-            <a:spAutoFit/>
-          </a:bodyPr>
-          <a:lstStyle>
-            <a:defPPr>
-              <a:defRPr lang="en-US"/>
-            </a:defPPr>
-            <a:lvl1pPr algn="r">
-              <a:defRPr sz="1400">
-                <a:solidFill>
-                  <a:srgbClr val="0070C0"/>
-                </a:solidFill>
-              </a:defRPr>
-            </a:lvl1pPr>
-          </a:lstStyle>
-          <a:p>
-            <a:r>
-              <a:rPr lang="en-US" dirty="0"/>
-              <a:t>execute()</a:t>
-            </a:r>
-          </a:p>
-        </p:txBody>
-      </p:sp>
-      <p:cxnSp>
-        <p:nvCxnSpPr>
-          <p:cNvPr id="34" name="Straight Arrow Connector 33"/>
-          <p:cNvCxnSpPr/>
-          <p:nvPr/>
-        </p:nvCxnSpPr>
-        <p:spPr>
-          <a:xfrm>
-            <a:off x="4030608" y="3733800"/>
-            <a:ext cx="1406215" cy="0"/>
-          </a:xfrm>
-          <a:prstGeom prst="straightConnector1">
-            <a:avLst/>
-          </a:prstGeom>
-          <a:ln w="19050">
-            <a:solidFill>
-              <a:srgbClr val="0070C0"/>
-            </a:solidFill>
-            <a:prstDash val="sysDash"/>
-            <a:headEnd type="arrow" w="med" len="med"/>
-            <a:tailEnd type="none" w="med" len="med"/>
-          </a:ln>
-        </p:spPr>
-        <p:style>
-          <a:lnRef idx="1">
-            <a:schemeClr val="accent1"/>
-          </a:lnRef>
-          <a:fillRef idx="0">
-            <a:schemeClr val="accent1"/>
-          </a:fillRef>
-          <a:effectRef idx="0">
-            <a:schemeClr val="accent1"/>
-          </a:effectRef>
-          <a:fontRef idx="minor">
-            <a:schemeClr val="tx1"/>
-          </a:fontRef>
-        </p:style>
-      </p:cxnSp>
-      <p:cxnSp>
-        <p:nvCxnSpPr>
-          <p:cNvPr id="35" name="Straight Arrow Connector 34"/>
-          <p:cNvCxnSpPr/>
-          <p:nvPr/>
-        </p:nvCxnSpPr>
-        <p:spPr>
-          <a:xfrm>
-            <a:off x="1815269" y="3954622"/>
-            <a:ext cx="2058118" cy="0"/>
-          </a:xfrm>
-          <a:prstGeom prst="straightConnector1">
-            <a:avLst/>
-          </a:prstGeom>
-          <a:ln w="19050">
-            <a:solidFill>
-              <a:srgbClr val="0070C0"/>
-            </a:solidFill>
-            <a:prstDash val="sysDash"/>
-            <a:headEnd type="arrow" w="med" len="med"/>
-            <a:tailEnd type="none" w="med" len="med"/>
-          </a:ln>
-        </p:spPr>
-        <p:style>
-          <a:lnRef idx="1">
-            <a:schemeClr val="accent1"/>
-          </a:lnRef>
-          <a:fillRef idx="0">
-            <a:schemeClr val="accent1"/>
-          </a:fillRef>
-          <a:effectRef idx="0">
-            <a:schemeClr val="accent1"/>
-          </a:effectRef>
-          <a:fontRef idx="minor">
-            <a:schemeClr val="tx1"/>
-          </a:fontRef>
-        </p:style>
-      </p:cxnSp>
-      <p:cxnSp>
-        <p:nvCxnSpPr>
-          <p:cNvPr id="37" name="Straight Arrow Connector 36"/>
-          <p:cNvCxnSpPr/>
-          <p:nvPr/>
-        </p:nvCxnSpPr>
-        <p:spPr>
-          <a:xfrm>
-            <a:off x="466818" y="5791200"/>
-            <a:ext cx="1196051" cy="0"/>
-          </a:xfrm>
-          <a:prstGeom prst="straightConnector1">
-            <a:avLst/>
-          </a:prstGeom>
-          <a:ln w="19050">
-            <a:solidFill>
-              <a:schemeClr val="accent1"/>
-            </a:solidFill>
-            <a:prstDash val="sysDash"/>
-            <a:headEnd type="arrow" w="med" len="med"/>
-            <a:tailEnd type="none" w="med" len="med"/>
-          </a:ln>
-        </p:spPr>
-        <p:style>
-          <a:lnRef idx="1">
-            <a:schemeClr val="accent1"/>
-          </a:lnRef>
-          <a:fillRef idx="0">
-            <a:schemeClr val="accent1"/>
-          </a:fillRef>
-          <a:effectRef idx="0">
-            <a:schemeClr val="accent1"/>
-          </a:effectRef>
-          <a:fontRef idx="minor">
-            <a:schemeClr val="tx1"/>
-          </a:fontRef>
-        </p:style>
-      </p:cxnSp>
-      <p:sp>
-        <p:nvSpPr>
-          <p:cNvPr id="39" name="Rectangle 62"/>
-          <p:cNvSpPr/>
-          <p:nvPr/>
-        </p:nvSpPr>
-        <p:spPr>
-          <a:xfrm>
-            <a:off x="7938756" y="2317144"/>
-            <a:ext cx="1030504" cy="346760"/>
-          </a:xfrm>
-          <a:prstGeom prst="rect">
-            <a:avLst/>
-          </a:prstGeom>
-          <a:solidFill>
-            <a:schemeClr val="accent4">
-              <a:lumMod val="60000"/>
-              <a:lumOff val="40000"/>
-            </a:schemeClr>
-          </a:solidFill>
-          <a:ln w="19050">
-            <a:solidFill>
-              <a:schemeClr val="accent4">
-                <a:lumMod val="60000"/>
-                <a:lumOff val="40000"/>
-              </a:schemeClr>
-            </a:solidFill>
-          </a:ln>
-          <a:effectLst/>
-        </p:spPr>
-        <p:style>
-          <a:lnRef idx="1">
-            <a:schemeClr val="accent2"/>
-          </a:lnRef>
-          <a:fillRef idx="2">
-            <a:schemeClr val="accent2"/>
-          </a:fillRef>
-          <a:effectRef idx="1">
-            <a:schemeClr val="accent2"/>
-          </a:effectRef>
-          <a:fontRef idx="minor">
-            <a:schemeClr val="dk1"/>
-          </a:fontRef>
-        </p:style>
-        <p:txBody>
-          <a:bodyPr rtlCol="0" anchor="ctr"/>
-          <a:lstStyle/>
-          <a:p>
-            <a:pPr algn="ctr"/>
-            <a:r>
-              <a:rPr lang="en-US" sz="1600" dirty="0">
-                <a:solidFill>
-                  <a:schemeClr val="bg1"/>
-                </a:solidFill>
-              </a:rPr>
-              <a:t>:Model</a:t>
-            </a:r>
-            <a:endParaRPr lang="en-SG" sz="1600" dirty="0">
-              <a:solidFill>
-                <a:schemeClr val="bg1"/>
-              </a:solidFill>
-            </a:endParaRPr>
-          </a:p>
-        </p:txBody>
-      </p:sp>
-      <p:cxnSp>
-        <p:nvCxnSpPr>
-          <p:cNvPr id="64" name="Straight Arrow Connector 63"/>
-          <p:cNvCxnSpPr/>
-          <p:nvPr/>
-        </p:nvCxnSpPr>
-        <p:spPr>
-          <a:xfrm>
-            <a:off x="1815269" y="4495317"/>
-            <a:ext cx="3612540" cy="0"/>
-          </a:xfrm>
-          <a:prstGeom prst="straightConnector1">
-            <a:avLst/>
-          </a:prstGeom>
-          <a:ln w="19050">
-            <a:solidFill>
-              <a:srgbClr val="0070C0"/>
-            </a:solidFill>
-            <a:tailEnd type="arrow"/>
-          </a:ln>
-        </p:spPr>
-        <p:style>
-          <a:lnRef idx="1">
-            <a:schemeClr val="accent1"/>
-          </a:lnRef>
-          <a:fillRef idx="0">
-            <a:schemeClr val="accent1"/>
-          </a:fillRef>
-          <a:effectRef idx="0">
-            <a:schemeClr val="accent1"/>
-          </a:effectRef>
-          <a:fontRef idx="minor">
-            <a:schemeClr val="tx1"/>
-          </a:fontRef>
-        </p:style>
-      </p:cxnSp>
-      <p:sp>
-        <p:nvSpPr>
-          <p:cNvPr id="65" name="Rectangle 64"/>
-          <p:cNvSpPr/>
-          <p:nvPr/>
-        </p:nvSpPr>
-        <p:spPr>
-          <a:xfrm>
-            <a:off x="5427809" y="4495317"/>
-            <a:ext cx="152400" cy="1191256"/>
-          </a:xfrm>
-          <a:prstGeom prst="rect">
-            <a:avLst/>
-          </a:prstGeom>
-          <a:solidFill>
-            <a:srgbClr val="0070C0"/>
-          </a:solidFill>
-          <a:ln>
-            <a:solidFill>
-              <a:srgbClr val="0070C0"/>
-            </a:solidFill>
-          </a:ln>
-          <a:effectLst/>
-        </p:spPr>
-        <p:style>
-          <a:lnRef idx="1">
-            <a:schemeClr val="accent3"/>
-          </a:lnRef>
-          <a:fillRef idx="2">
-            <a:schemeClr val="accent3"/>
-          </a:fillRef>
-          <a:effectRef idx="1">
-            <a:schemeClr val="accent3"/>
-          </a:effectRef>
-          <a:fontRef idx="minor">
-            <a:schemeClr val="dk1"/>
-          </a:fontRef>
-        </p:style>
-        <p:txBody>
-          <a:bodyPr rtlCol="0" anchor="ctr"/>
-          <a:lstStyle/>
-          <a:p>
-            <a:pPr algn="ctr"/>
-            <a:endParaRPr lang="en-SG" sz="1400"/>
-          </a:p>
-        </p:txBody>
-      </p:sp>
-      <p:cxnSp>
-        <p:nvCxnSpPr>
-          <p:cNvPr id="71" name="Straight Connector 70"/>
-          <p:cNvCxnSpPr/>
-          <p:nvPr/>
-        </p:nvCxnSpPr>
-        <p:spPr>
-          <a:xfrm>
-            <a:off x="8454008" y="2655802"/>
-            <a:ext cx="0" cy="2830598"/>
-          </a:xfrm>
-          <a:prstGeom prst="line">
-            <a:avLst/>
-          </a:prstGeom>
-          <a:ln w="19050">
-            <a:solidFill>
-              <a:schemeClr val="accent4">
-                <a:lumMod val="60000"/>
-                <a:lumOff val="40000"/>
-              </a:schemeClr>
-            </a:solidFill>
-            <a:prstDash val="sysDash"/>
-          </a:ln>
-          <a:effectLst/>
-        </p:spPr>
-        <p:style>
-          <a:lnRef idx="1">
-            <a:schemeClr val="accent1"/>
-          </a:lnRef>
-          <a:fillRef idx="2">
-            <a:schemeClr val="accent1"/>
-          </a:fillRef>
-          <a:effectRef idx="1">
-            <a:schemeClr val="accent1"/>
-          </a:effectRef>
-          <a:fontRef idx="minor">
-            <a:schemeClr val="dk1"/>
-          </a:fontRef>
-        </p:style>
-      </p:cxnSp>
-      <p:sp>
-        <p:nvSpPr>
-          <p:cNvPr id="73" name="Rectangle 72"/>
-          <p:cNvSpPr/>
-          <p:nvPr/>
-        </p:nvSpPr>
-        <p:spPr>
-          <a:xfrm>
-            <a:off x="8382000" y="4524597"/>
-            <a:ext cx="152400" cy="276003"/>
-          </a:xfrm>
-          <a:prstGeom prst="rect">
-            <a:avLst/>
-          </a:prstGeom>
-          <a:solidFill>
-            <a:schemeClr val="accent4">
-              <a:lumMod val="60000"/>
-              <a:lumOff val="40000"/>
-            </a:schemeClr>
-          </a:solidFill>
-          <a:ln>
-            <a:solidFill>
-              <a:schemeClr val="accent4">
-                <a:lumMod val="60000"/>
-                <a:lumOff val="40000"/>
-              </a:schemeClr>
-            </a:solidFill>
-          </a:ln>
-          <a:effectLst/>
-        </p:spPr>
-        <p:style>
-          <a:lnRef idx="1">
-            <a:schemeClr val="accent3"/>
-          </a:lnRef>
-          <a:fillRef idx="2">
-            <a:schemeClr val="accent3"/>
-          </a:fillRef>
-          <a:effectRef idx="1">
-            <a:schemeClr val="accent3"/>
-          </a:effectRef>
-          <a:fontRef idx="minor">
-            <a:schemeClr val="dk1"/>
-          </a:fontRef>
-        </p:style>
-        <p:txBody>
-          <a:bodyPr rtlCol="0" anchor="ctr"/>
-          <a:lstStyle/>
-          <a:p>
-            <a:pPr algn="ctr"/>
-            <a:endParaRPr lang="en-SG" sz="1400">
-              <a:solidFill>
-                <a:schemeClr val="dk1"/>
-              </a:solidFill>
-            </a:endParaRPr>
-          </a:p>
-        </p:txBody>
-      </p:sp>
-      <p:cxnSp>
-        <p:nvCxnSpPr>
-          <p:cNvPr id="75" name="Straight Arrow Connector 74"/>
-          <p:cNvCxnSpPr/>
-          <p:nvPr/>
-        </p:nvCxnSpPr>
-        <p:spPr>
-          <a:xfrm>
-            <a:off x="5580209" y="4542759"/>
-            <a:ext cx="2787374" cy="0"/>
-          </a:xfrm>
-          <a:prstGeom prst="straightConnector1">
-            <a:avLst/>
-          </a:prstGeom>
-          <a:ln w="19050">
-            <a:solidFill>
-              <a:srgbClr val="0070C0"/>
-            </a:solidFill>
-            <a:tailEnd type="arrow"/>
-          </a:ln>
-        </p:spPr>
-        <p:style>
-          <a:lnRef idx="1">
-            <a:schemeClr val="accent1"/>
-          </a:lnRef>
-          <a:fillRef idx="0">
-            <a:schemeClr val="accent1"/>
-          </a:fillRef>
-          <a:effectRef idx="0">
-            <a:schemeClr val="accent1"/>
-          </a:effectRef>
-          <a:fontRef idx="minor">
-            <a:schemeClr val="tx1"/>
-          </a:fontRef>
-        </p:style>
-      </p:cxnSp>
-      <p:cxnSp>
-        <p:nvCxnSpPr>
-          <p:cNvPr id="76" name="Straight Arrow Connector 75"/>
-          <p:cNvCxnSpPr/>
-          <p:nvPr/>
-        </p:nvCxnSpPr>
-        <p:spPr>
-          <a:xfrm>
-            <a:off x="5580209" y="4800600"/>
-            <a:ext cx="2873799" cy="0"/>
-          </a:xfrm>
-          <a:prstGeom prst="straightConnector1">
-            <a:avLst/>
-          </a:prstGeom>
-          <a:ln w="19050">
-            <a:solidFill>
-              <a:schemeClr val="accent4">
-                <a:lumMod val="60000"/>
-                <a:lumOff val="40000"/>
-              </a:schemeClr>
-            </a:solidFill>
-            <a:prstDash val="sysDash"/>
-            <a:headEnd type="arrow" w="med" len="med"/>
-            <a:tailEnd type="none" w="med" len="med"/>
-          </a:ln>
-        </p:spPr>
-        <p:style>
-          <a:lnRef idx="1">
-            <a:schemeClr val="accent1"/>
-          </a:lnRef>
-          <a:fillRef idx="0">
-            <a:schemeClr val="accent1"/>
-          </a:fillRef>
-          <a:effectRef idx="0">
-            <a:schemeClr val="accent1"/>
-          </a:effectRef>
-          <a:fontRef idx="minor">
-            <a:schemeClr val="tx1"/>
-          </a:fontRef>
-        </p:style>
-      </p:cxnSp>
-      <p:cxnSp>
-        <p:nvCxnSpPr>
-          <p:cNvPr id="77" name="Straight Arrow Connector 76"/>
-          <p:cNvCxnSpPr/>
-          <p:nvPr/>
-        </p:nvCxnSpPr>
-        <p:spPr>
-          <a:xfrm>
-            <a:off x="1815269" y="5661173"/>
-            <a:ext cx="3651369" cy="0"/>
-          </a:xfrm>
-          <a:prstGeom prst="straightConnector1">
-            <a:avLst/>
-          </a:prstGeom>
-          <a:ln w="19050">
-            <a:solidFill>
-              <a:srgbClr val="0070C0"/>
-            </a:solidFill>
-            <a:prstDash val="sysDash"/>
-            <a:headEnd type="arrow" w="med" len="med"/>
-            <a:tailEnd type="none" w="med" len="med"/>
-          </a:ln>
-        </p:spPr>
-        <p:style>
-          <a:lnRef idx="1">
-            <a:schemeClr val="accent1"/>
-          </a:lnRef>
-          <a:fillRef idx="0">
-            <a:schemeClr val="accent1"/>
-          </a:fillRef>
-          <a:effectRef idx="0">
-            <a:schemeClr val="accent1"/>
-          </a:effectRef>
-          <a:fontRef idx="minor">
-            <a:schemeClr val="tx1"/>
-          </a:fontRef>
-        </p:style>
-      </p:cxnSp>
-      <p:sp>
-        <p:nvSpPr>
-          <p:cNvPr id="78" name="TextBox 77"/>
-          <p:cNvSpPr txBox="1"/>
-          <p:nvPr/>
-        </p:nvSpPr>
-        <p:spPr>
-          <a:xfrm>
-            <a:off x="6858000" y="4278848"/>
-            <a:ext cx="1424846" cy="215444"/>
-          </a:xfrm>
-          <a:prstGeom prst="rect">
-            <a:avLst/>
-          </a:prstGeom>
-          <a:noFill/>
-        </p:spPr>
-        <p:txBody>
-          <a:bodyPr wrap="square" lIns="0" tIns="0" rIns="0" bIns="0" rtlCol="0">
-            <a:spAutoFit/>
-          </a:bodyPr>
-          <a:lstStyle>
-            <a:defPPr>
-              <a:defRPr lang="en-US"/>
-            </a:defPPr>
-            <a:lvl1pPr algn="r">
-              <a:defRPr sz="1400">
-                <a:solidFill>
-                  <a:srgbClr val="0070C0"/>
-                </a:solidFill>
-              </a:defRPr>
-            </a:lvl1pPr>
-          </a:lstStyle>
-          <a:p>
-            <a:r>
-              <a:rPr lang="en-US" dirty="0" err="1">
-                <a:solidFill>
-                  <a:srgbClr val="7030A0"/>
-                </a:solidFill>
-              </a:rPr>
-              <a:t>deleteTask</a:t>
-            </a:r>
-            <a:r>
-              <a:rPr lang="en-US" dirty="0">
-                <a:solidFill>
-                  <a:srgbClr val="7030A0"/>
-                </a:solidFill>
-              </a:rPr>
-              <a:t>(p)</a:t>
-            </a:r>
-          </a:p>
-        </p:txBody>
-      </p:sp>
-      <p:sp>
-        <p:nvSpPr>
-          <p:cNvPr id="79" name="TextBox 78"/>
-          <p:cNvSpPr txBox="1"/>
-          <p:nvPr/>
-        </p:nvSpPr>
-        <p:spPr>
-          <a:xfrm>
-            <a:off x="4191000" y="2996259"/>
-            <a:ext cx="640023" cy="215444"/>
-          </a:xfrm>
-          <a:prstGeom prst="rect">
-            <a:avLst/>
-          </a:prstGeom>
-          <a:noFill/>
-        </p:spPr>
-        <p:txBody>
-          <a:bodyPr wrap="square" lIns="0" tIns="0" rIns="0" bIns="0" rtlCol="0">
-            <a:spAutoFit/>
-          </a:bodyPr>
-          <a:lstStyle>
-            <a:defPPr>
-              <a:defRPr lang="en-US"/>
-            </a:defPPr>
-            <a:lvl1pPr algn="r">
-              <a:defRPr sz="1400">
-                <a:solidFill>
-                  <a:srgbClr val="0070C0"/>
-                </a:solidFill>
-              </a:defRPr>
-            </a:lvl1pPr>
-          </a:lstStyle>
-          <a:p>
-            <a:r>
-              <a:rPr lang="en-US" dirty="0"/>
-              <a:t>create()</a:t>
-            </a:r>
-          </a:p>
-        </p:txBody>
-      </p:sp>
-      <p:sp>
-        <p:nvSpPr>
-          <p:cNvPr id="80" name="TextBox 79"/>
-          <p:cNvSpPr txBox="1"/>
-          <p:nvPr/>
-        </p:nvSpPr>
-        <p:spPr>
-          <a:xfrm>
-            <a:off x="2131905" y="2850922"/>
-            <a:ext cx="1424846" cy="215444"/>
-          </a:xfrm>
-          <a:prstGeom prst="rect">
-            <a:avLst/>
-          </a:prstGeom>
-          <a:noFill/>
-        </p:spPr>
-        <p:txBody>
-          <a:bodyPr wrap="square" lIns="0" tIns="0" rIns="0" bIns="0" rtlCol="0">
-            <a:spAutoFit/>
-          </a:bodyPr>
-          <a:lstStyle>
-            <a:defPPr>
-              <a:defRPr lang="en-US"/>
-            </a:defPPr>
-            <a:lvl1pPr algn="r">
-              <a:defRPr sz="1400">
-                <a:solidFill>
-                  <a:srgbClr val="0070C0"/>
-                </a:solidFill>
-              </a:defRPr>
-            </a:lvl1pPr>
-          </a:lstStyle>
-          <a:p>
-            <a:r>
-              <a:rPr lang="en-US" dirty="0"/>
-              <a:t>parse(“delete 1”)</a:t>
-            </a:r>
-          </a:p>
-        </p:txBody>
-      </p:sp>
-      <p:sp>
-        <p:nvSpPr>
-          <p:cNvPr id="82" name="TextBox 81"/>
-          <p:cNvSpPr txBox="1"/>
-          <p:nvPr/>
-        </p:nvSpPr>
-        <p:spPr>
-          <a:xfrm>
-            <a:off x="3101175" y="5430096"/>
-            <a:ext cx="621216" cy="215444"/>
-          </a:xfrm>
-          <a:prstGeom prst="rect">
-            <a:avLst/>
-          </a:prstGeom>
-          <a:noFill/>
-        </p:spPr>
-        <p:txBody>
-          <a:bodyPr wrap="square" lIns="0" tIns="0" rIns="0" bIns="0" rtlCol="0">
-            <a:spAutoFit/>
-          </a:bodyPr>
-          <a:lstStyle>
-            <a:defPPr>
-              <a:defRPr lang="en-US"/>
-            </a:defPPr>
-            <a:lvl1pPr algn="r">
-              <a:defRPr sz="1400">
-                <a:solidFill>
-                  <a:srgbClr val="0070C0"/>
-                </a:solidFill>
-              </a:defRPr>
-            </a:lvl1pPr>
-          </a:lstStyle>
-          <a:p>
-            <a:r>
-              <a:rPr lang="en-US" dirty="0"/>
-              <a:t>result</a:t>
-            </a:r>
-          </a:p>
-        </p:txBody>
-      </p:sp>
-      <p:sp>
-        <p:nvSpPr>
-          <p:cNvPr id="83" name="TextBox 82"/>
-          <p:cNvSpPr txBox="1"/>
-          <p:nvPr/>
-        </p:nvSpPr>
-        <p:spPr>
-          <a:xfrm>
-            <a:off x="762001" y="5538488"/>
-            <a:ext cx="762000" cy="215444"/>
-          </a:xfrm>
-          <a:prstGeom prst="rect">
-            <a:avLst/>
-          </a:prstGeom>
-          <a:noFill/>
-        </p:spPr>
-        <p:txBody>
-          <a:bodyPr wrap="square" lIns="0" tIns="0" rIns="0" bIns="0" rtlCol="0">
-            <a:spAutoFit/>
-          </a:bodyPr>
-          <a:lstStyle>
-            <a:defPPr>
-              <a:defRPr lang="en-US"/>
-            </a:defPPr>
-            <a:lvl1pPr algn="r">
-              <a:defRPr sz="1400">
-                <a:solidFill>
-                  <a:srgbClr val="0070C0"/>
-                </a:solidFill>
-              </a:defRPr>
-            </a:lvl1pPr>
-          </a:lstStyle>
-          <a:p>
-            <a:r>
-              <a:rPr lang="en-US" dirty="0"/>
-              <a:t>result</a:t>
-            </a:r>
-          </a:p>
-        </p:txBody>
-      </p:sp>
-      <p:sp>
-        <p:nvSpPr>
-          <p:cNvPr id="84" name="Rectangle 62"/>
-          <p:cNvSpPr/>
-          <p:nvPr/>
-        </p:nvSpPr>
-        <p:spPr>
-          <a:xfrm>
-            <a:off x="6029646" y="4953000"/>
-            <a:ext cx="1666554" cy="461538"/>
-          </a:xfrm>
-          <a:prstGeom prst="rect">
-            <a:avLst/>
-          </a:prstGeom>
-          <a:solidFill>
-            <a:srgbClr val="0070C0"/>
-          </a:solidFill>
-          <a:ln w="19050">
-            <a:solidFill>
-              <a:srgbClr val="0070C0"/>
-            </a:solidFill>
-          </a:ln>
-          <a:effectLst/>
-        </p:spPr>
-        <p:style>
-          <a:lnRef idx="1">
-            <a:schemeClr val="accent2"/>
-          </a:lnRef>
-          <a:fillRef idx="2">
-            <a:schemeClr val="accent2"/>
-          </a:fillRef>
-          <a:effectRef idx="1">
-            <a:schemeClr val="accent2"/>
-          </a:effectRef>
-          <a:fontRef idx="minor">
-            <a:schemeClr val="dk1"/>
-          </a:fontRef>
-        </p:style>
-        <p:txBody>
-          <a:bodyPr rtlCol="0" anchor="ctr"/>
-          <a:lstStyle/>
-          <a:p>
-            <a:pPr algn="ctr"/>
-            <a:r>
-              <a:rPr lang="en-US" sz="1600" dirty="0">
-                <a:solidFill>
-                  <a:schemeClr val="bg1"/>
-                </a:solidFill>
-              </a:rPr>
-              <a:t>result:</a:t>
-            </a:r>
-            <a:br>
-              <a:rPr lang="en-US" sz="1600" dirty="0">
-                <a:solidFill>
-                  <a:schemeClr val="bg1"/>
-                </a:solidFill>
-              </a:rPr>
-            </a:br>
-            <a:r>
-              <a:rPr lang="en-US" sz="1600" dirty="0" err="1">
-                <a:solidFill>
-                  <a:schemeClr val="bg1"/>
-                </a:solidFill>
-              </a:rPr>
-              <a:t>CommandResult</a:t>
-            </a:r>
-            <a:endParaRPr lang="en-SG" sz="1600" dirty="0">
-              <a:solidFill>
-                <a:schemeClr val="bg1"/>
-              </a:solidFill>
-            </a:endParaRPr>
-          </a:p>
-        </p:txBody>
-      </p:sp>
-      <p:sp>
-        <p:nvSpPr>
-          <p:cNvPr id="86" name="Rectangle 85"/>
-          <p:cNvSpPr/>
-          <p:nvPr/>
-        </p:nvSpPr>
-        <p:spPr>
-          <a:xfrm>
-            <a:off x="6786723" y="5414538"/>
-            <a:ext cx="152400" cy="171376"/>
-          </a:xfrm>
-          <a:prstGeom prst="rect">
-            <a:avLst/>
-          </a:prstGeom>
-          <a:solidFill>
-            <a:srgbClr val="0070C0"/>
-          </a:solidFill>
-          <a:ln>
-            <a:solidFill>
-              <a:srgbClr val="0070C0"/>
-            </a:solidFill>
-          </a:ln>
-          <a:effectLst/>
-        </p:spPr>
-        <p:style>
-          <a:lnRef idx="1">
-            <a:schemeClr val="accent3"/>
-          </a:lnRef>
-          <a:fillRef idx="2">
-            <a:schemeClr val="accent3"/>
-          </a:fillRef>
-          <a:effectRef idx="1">
-            <a:schemeClr val="accent3"/>
-          </a:effectRef>
-          <a:fontRef idx="minor">
-            <a:schemeClr val="dk1"/>
-          </a:fontRef>
-        </p:style>
-        <p:txBody>
-          <a:bodyPr rtlCol="0" anchor="ctr"/>
-          <a:lstStyle/>
-          <a:p>
-            <a:pPr algn="ctr"/>
-            <a:endParaRPr lang="en-SG" sz="1400"/>
-          </a:p>
-        </p:txBody>
-      </p:sp>
-      <p:cxnSp>
-        <p:nvCxnSpPr>
-          <p:cNvPr id="87" name="Straight Arrow Connector 86"/>
-          <p:cNvCxnSpPr/>
-          <p:nvPr/>
-        </p:nvCxnSpPr>
-        <p:spPr>
-          <a:xfrm>
-            <a:off x="5580209" y="5165675"/>
-            <a:ext cx="447975" cy="0"/>
-          </a:xfrm>
-          <a:prstGeom prst="straightConnector1">
-            <a:avLst/>
-          </a:prstGeom>
-          <a:ln w="19050">
-            <a:solidFill>
-              <a:srgbClr val="0070C0"/>
-            </a:solidFill>
-            <a:tailEnd type="arrow"/>
-          </a:ln>
-        </p:spPr>
-        <p:style>
-          <a:lnRef idx="1">
-            <a:schemeClr val="accent1"/>
-          </a:lnRef>
-          <a:fillRef idx="0">
-            <a:schemeClr val="accent1"/>
-          </a:fillRef>
-          <a:effectRef idx="0">
-            <a:schemeClr val="accent1"/>
-          </a:effectRef>
-          <a:fontRef idx="minor">
-            <a:schemeClr val="tx1"/>
-          </a:fontRef>
-        </p:style>
-      </p:cxnSp>
-      <p:cxnSp>
-        <p:nvCxnSpPr>
-          <p:cNvPr id="90" name="Straight Arrow Connector 89"/>
-          <p:cNvCxnSpPr/>
-          <p:nvPr/>
-        </p:nvCxnSpPr>
-        <p:spPr>
-          <a:xfrm>
-            <a:off x="5580209" y="5585914"/>
-            <a:ext cx="1253815" cy="0"/>
-          </a:xfrm>
-          <a:prstGeom prst="straightConnector1">
-            <a:avLst/>
-          </a:prstGeom>
-          <a:ln w="19050">
-            <a:solidFill>
-              <a:srgbClr val="0070C0"/>
-            </a:solidFill>
-            <a:prstDash val="sysDash"/>
-            <a:headEnd type="arrow" w="med" len="med"/>
-            <a:tailEnd type="none" w="med" len="med"/>
-          </a:ln>
-        </p:spPr>
-        <p:style>
-          <a:lnRef idx="1">
-            <a:schemeClr val="accent1"/>
-          </a:lnRef>
-          <a:fillRef idx="0">
-            <a:schemeClr val="accent1"/>
-          </a:fillRef>
-          <a:effectRef idx="0">
-            <a:schemeClr val="accent1"/>
-          </a:effectRef>
-          <a:fontRef idx="minor">
-            <a:schemeClr val="tx1"/>
-          </a:fontRef>
-        </p:style>
-      </p:cxnSp>
-      <p:sp>
-        <p:nvSpPr>
-          <p:cNvPr id="93" name="TextBox 92"/>
-          <p:cNvSpPr txBox="1"/>
-          <p:nvPr/>
-        </p:nvSpPr>
-        <p:spPr>
-          <a:xfrm>
-            <a:off x="2818928" y="3733800"/>
-            <a:ext cx="220343" cy="215444"/>
-          </a:xfrm>
-          <a:prstGeom prst="rect">
-            <a:avLst/>
-          </a:prstGeom>
-          <a:noFill/>
-        </p:spPr>
-        <p:txBody>
-          <a:bodyPr wrap="square" lIns="0" tIns="0" rIns="0" bIns="0" rtlCol="0">
-            <a:spAutoFit/>
-          </a:bodyPr>
-          <a:lstStyle>
-            <a:defPPr>
-              <a:defRPr lang="en-US"/>
-            </a:defPPr>
-            <a:lvl1pPr algn="r">
-              <a:defRPr sz="1400">
-                <a:solidFill>
-                  <a:srgbClr val="0070C0"/>
-                </a:solidFill>
-              </a:defRPr>
-            </a:lvl1pPr>
-          </a:lstStyle>
-          <a:p>
-            <a:r>
-              <a:rPr lang="en-US" dirty="0"/>
-              <a:t>d</a:t>
-            </a:r>
-          </a:p>
-        </p:txBody>
-      </p:sp>
-    </p:spTree>
-    <p:extLst>
-      <p:ext uri="{BB962C8B-B14F-4D97-AF65-F5344CB8AC3E}">
-        <p14:creationId xmlns:p14="http://schemas.microsoft.com/office/powerpoint/2010/main" val="3945898909"/>
-      </p:ext>
-    </p:extLst>
-  </p:cSld>
-  <p:clrMapOvr>
-    <a:masterClrMapping/>
-  </p:clrMapOvr>
-</p:sld>
-</file>
-
-<file path=ppt/slides/slide7.xml><?xml version="1.0" encoding="utf-8"?>
-<p:sld xmlns:a="http://schemas.openxmlformats.org/drawingml/2006/main" xmlns:r="http://schemas.openxmlformats.org/officeDocument/2006/relationships" xmlns:p="http://schemas.openxmlformats.org/presentationml/2006/main">
-  <p:cSld>
-    <p:spTree>
-      <p:nvGrpSpPr>
-        <p:cNvPr id="1" name=""/>
-        <p:cNvGrpSpPr/>
-        <p:nvPr/>
-      </p:nvGrpSpPr>
-      <p:grpSpPr>
-        <a:xfrm>
-          <a:off x="0" y="0"/>
-          <a:ext cx="0" cy="0"/>
-          <a:chOff x="0" y="0"/>
-          <a:chExt cx="0" cy="0"/>
-        </a:xfrm>
-      </p:grpSpPr>
-      <p:sp>
-        <p:nvSpPr>
-          <p:cNvPr id="118" name="Rectangle 65"/>
-          <p:cNvSpPr/>
-          <p:nvPr/>
-        </p:nvSpPr>
-        <p:spPr>
-          <a:xfrm>
-            <a:off x="1119865" y="1727200"/>
-            <a:ext cx="7490735" cy="2997200"/>
-          </a:xfrm>
-          <a:prstGeom prst="roundRect">
-            <a:avLst>
-              <a:gd name="adj" fmla="val 3484"/>
-            </a:avLst>
-          </a:prstGeom>
-          <a:solidFill>
-            <a:schemeClr val="accent4">
-              <a:lumMod val="20000"/>
-              <a:lumOff val="80000"/>
-            </a:schemeClr>
-          </a:solidFill>
-          <a:ln w="19050">
-            <a:noFill/>
-          </a:ln>
-          <a:effectLst/>
-        </p:spPr>
-        <p:style>
-          <a:lnRef idx="1">
-            <a:schemeClr val="accent2"/>
-          </a:lnRef>
-          <a:fillRef idx="2">
-            <a:schemeClr val="accent2"/>
-          </a:fillRef>
-          <a:effectRef idx="1">
-            <a:schemeClr val="accent2"/>
-          </a:effectRef>
-          <a:fontRef idx="minor">
-            <a:schemeClr val="dk1"/>
-          </a:fontRef>
-        </p:style>
-        <p:txBody>
-          <a:bodyPr rtlCol="0" anchor="t"/>
-          <a:lstStyle/>
-          <a:p>
-            <a:r>
-              <a:rPr lang="en-US" sz="1200" b="1" dirty="0">
-                <a:solidFill>
-                  <a:srgbClr val="7030A0"/>
-                </a:solidFill>
-              </a:rPr>
-              <a:t>Model</a:t>
-            </a:r>
-            <a:endParaRPr lang="en-SG" sz="1200" b="1" dirty="0">
-              <a:solidFill>
-                <a:srgbClr val="7030A0"/>
-              </a:solidFill>
-            </a:endParaRPr>
-          </a:p>
-        </p:txBody>
-      </p:sp>
-      <p:sp>
-        <p:nvSpPr>
-          <p:cNvPr id="2" name="Rectangle 8"/>
-          <p:cNvSpPr/>
-          <p:nvPr/>
-        </p:nvSpPr>
-        <p:spPr>
-          <a:xfrm>
-            <a:off x="2877180" y="3158440"/>
-            <a:ext cx="1093635" cy="346760"/>
-          </a:xfrm>
-          <a:prstGeom prst="rect">
-            <a:avLst/>
-          </a:prstGeom>
-          <a:solidFill>
-            <a:srgbClr val="7030A0"/>
-          </a:solidFill>
-          <a:ln w="19050">
-            <a:solidFill>
-              <a:srgbClr val="7030A0"/>
-            </a:solidFill>
-          </a:ln>
-          <a:effectLst/>
-        </p:spPr>
-        <p:style>
-          <a:lnRef idx="1">
-            <a:schemeClr val="accent2"/>
-          </a:lnRef>
-          <a:fillRef idx="2">
-            <a:schemeClr val="accent2"/>
-          </a:fillRef>
-          <a:effectRef idx="1">
-            <a:schemeClr val="accent2"/>
-          </a:effectRef>
-          <a:fontRef idx="minor">
-            <a:schemeClr val="dk1"/>
-          </a:fontRef>
-        </p:style>
-        <p:txBody>
-          <a:bodyPr rtlCol="0" anchor="ctr"/>
-          <a:lstStyle/>
-          <a:p>
-            <a:pPr algn="ctr"/>
-            <a:r>
-              <a:rPr lang="en-US" sz="1050" dirty="0" err="1">
-                <a:solidFill>
-                  <a:schemeClr val="bg1"/>
-                </a:solidFill>
-              </a:rPr>
-              <a:t>UserPref</a:t>
-            </a:r>
-            <a:endParaRPr lang="en-SG" sz="1050" dirty="0">
-              <a:solidFill>
-                <a:schemeClr val="bg1"/>
-              </a:solidFill>
-            </a:endParaRPr>
-          </a:p>
-        </p:txBody>
-      </p:sp>
-      <p:sp>
-        <p:nvSpPr>
-          <p:cNvPr id="9" name="Rectangle 62"/>
-          <p:cNvSpPr/>
-          <p:nvPr/>
-        </p:nvSpPr>
-        <p:spPr>
-          <a:xfrm rot="16200000">
-            <a:off x="1683963" y="2868687"/>
-            <a:ext cx="1093635" cy="346760"/>
-          </a:xfrm>
-          <a:prstGeom prst="rect">
-            <a:avLst/>
-          </a:prstGeom>
-          <a:solidFill>
-            <a:srgbClr val="7030A0"/>
-          </a:solidFill>
-          <a:ln w="19050">
-            <a:solidFill>
-              <a:srgbClr val="7030A0"/>
-            </a:solidFill>
-          </a:ln>
-          <a:effectLst/>
-        </p:spPr>
-        <p:style>
-          <a:lnRef idx="1">
-            <a:schemeClr val="accent2"/>
-          </a:lnRef>
-          <a:fillRef idx="2">
-            <a:schemeClr val="accent2"/>
-          </a:fillRef>
-          <a:effectRef idx="1">
-            <a:schemeClr val="accent2"/>
-          </a:effectRef>
-          <a:fontRef idx="minor">
-            <a:schemeClr val="dk1"/>
-          </a:fontRef>
-        </p:style>
-        <p:txBody>
-          <a:bodyPr rtlCol="0" anchor="ctr"/>
-          <a:lstStyle/>
-          <a:p>
-            <a:pPr algn="ctr"/>
-            <a:r>
-              <a:rPr lang="en-US" sz="1050" dirty="0" err="1">
-                <a:solidFill>
-                  <a:schemeClr val="bg1"/>
-                </a:solidFill>
-              </a:rPr>
-              <a:t>ModelManager</a:t>
-            </a:r>
-            <a:endParaRPr lang="en-SG" sz="1050" dirty="0">
-              <a:solidFill>
-                <a:schemeClr val="bg1"/>
-              </a:solidFill>
-            </a:endParaRPr>
-          </a:p>
-        </p:txBody>
-      </p:sp>
-      <p:cxnSp>
-        <p:nvCxnSpPr>
-          <p:cNvPr id="53" name="Elbow Connector 63"/>
-          <p:cNvCxnSpPr>
-            <a:stCxn id="71" idx="3"/>
-            <a:endCxn id="62" idx="2"/>
-          </p:cNvCxnSpPr>
-          <p:nvPr/>
-        </p:nvCxnSpPr>
-        <p:spPr>
-          <a:xfrm flipV="1">
-            <a:off x="6477000" y="3204826"/>
-            <a:ext cx="190770" cy="405819"/>
-          </a:xfrm>
-          <a:prstGeom prst="bentConnector2">
-            <a:avLst/>
-          </a:prstGeom>
-          <a:ln w="19050">
-            <a:solidFill>
-              <a:srgbClr val="7030A0"/>
-            </a:solidFill>
-            <a:prstDash val="sysDot"/>
-            <a:headEnd type="none" w="med" len="med"/>
-            <a:tailEnd type="none" w="med" len="med"/>
-          </a:ln>
-          <a:effectLst/>
-        </p:spPr>
-        <p:style>
-          <a:lnRef idx="1">
-            <a:schemeClr val="accent2"/>
-          </a:lnRef>
-          <a:fillRef idx="2">
-            <a:schemeClr val="accent2"/>
-          </a:fillRef>
-          <a:effectRef idx="1">
-            <a:schemeClr val="accent2"/>
-          </a:effectRef>
-          <a:fontRef idx="minor">
-            <a:schemeClr val="dk1"/>
-          </a:fontRef>
-        </p:style>
-      </p:cxnSp>
-      <p:cxnSp>
-        <p:nvCxnSpPr>
-          <p:cNvPr id="107" name="Elbow Connector 106"/>
-          <p:cNvCxnSpPr>
-            <a:stCxn id="9" idx="1"/>
-          </p:cNvCxnSpPr>
-          <p:nvPr/>
-        </p:nvCxnSpPr>
-        <p:spPr>
-          <a:xfrm rot="5400000" flipH="1" flipV="1">
-            <a:off x="4360065" y="1080909"/>
-            <a:ext cx="378691" cy="4637261"/>
-          </a:xfrm>
-          <a:prstGeom prst="bentConnector4">
-            <a:avLst>
-              <a:gd name="adj1" fmla="val -101829"/>
-              <a:gd name="adj2" fmla="val 99976"/>
-            </a:avLst>
-          </a:prstGeom>
-          <a:ln w="19050">
-            <a:solidFill>
-              <a:srgbClr val="7030A0"/>
-            </a:solidFill>
-            <a:prstDash val="solid"/>
-            <a:headEnd type="none" w="med" len="med"/>
-            <a:tailEnd type="arrow" w="med" len="med"/>
-          </a:ln>
-          <a:effectLst/>
-        </p:spPr>
-        <p:style>
-          <a:lnRef idx="1">
-            <a:schemeClr val="accent2"/>
-          </a:lnRef>
-          <a:fillRef idx="2">
-            <a:schemeClr val="accent2"/>
-          </a:fillRef>
-          <a:effectRef idx="1">
-            <a:schemeClr val="accent2"/>
-          </a:effectRef>
-          <a:fontRef idx="minor">
-            <a:schemeClr val="dk1"/>
-          </a:fontRef>
-        </p:style>
-      </p:cxnSp>
-      <p:sp>
-        <p:nvSpPr>
-          <p:cNvPr id="119" name="Rectangle 62"/>
-          <p:cNvSpPr/>
-          <p:nvPr/>
-        </p:nvSpPr>
-        <p:spPr>
-          <a:xfrm rot="16200000">
-            <a:off x="956202" y="2861202"/>
-            <a:ext cx="1093635" cy="346760"/>
-          </a:xfrm>
-          <a:prstGeom prst="rect">
-            <a:avLst/>
-          </a:prstGeom>
-          <a:solidFill>
-            <a:srgbClr val="7030A0"/>
-          </a:solidFill>
-          <a:ln w="19050">
-            <a:solidFill>
-              <a:srgbClr val="7030A0"/>
-            </a:solidFill>
-          </a:ln>
-          <a:effectLst/>
-        </p:spPr>
-        <p:style>
-          <a:lnRef idx="1">
-            <a:schemeClr val="accent2"/>
-          </a:lnRef>
-          <a:fillRef idx="2">
-            <a:schemeClr val="accent2"/>
-          </a:fillRef>
-          <a:effectRef idx="1">
-            <a:schemeClr val="accent2"/>
-          </a:effectRef>
-          <a:fontRef idx="minor">
-            <a:schemeClr val="dk1"/>
-          </a:fontRef>
-        </p:style>
-        <p:txBody>
-          <a:bodyPr rtlCol="0" anchor="ctr"/>
-          <a:lstStyle/>
-          <a:p>
-            <a:pPr algn="ctr"/>
-            <a:r>
-              <a:rPr lang="en-US" sz="1050" dirty="0">
-                <a:solidFill>
-                  <a:schemeClr val="bg1"/>
-                </a:solidFill>
-              </a:rPr>
-              <a:t>&lt;&lt;interface&gt;&gt;</a:t>
-            </a:r>
-          </a:p>
-          <a:p>
-            <a:pPr algn="ctr"/>
-            <a:r>
-              <a:rPr lang="en-US" sz="1050" dirty="0">
-                <a:solidFill>
-                  <a:schemeClr val="bg1"/>
-                </a:solidFill>
-              </a:rPr>
-              <a:t>Model</a:t>
-            </a:r>
-            <a:endParaRPr lang="en-SG" sz="1050" dirty="0">
-              <a:solidFill>
-                <a:schemeClr val="bg1"/>
-              </a:solidFill>
-            </a:endParaRPr>
-          </a:p>
-        </p:txBody>
-      </p:sp>
-      <p:sp>
-        <p:nvSpPr>
-          <p:cNvPr id="120" name="Isosceles Triangle 102"/>
-          <p:cNvSpPr/>
-          <p:nvPr/>
-        </p:nvSpPr>
-        <p:spPr>
-          <a:xfrm rot="16200000">
-            <a:off x="1626910" y="2952291"/>
-            <a:ext cx="270504" cy="175523"/>
-          </a:xfrm>
-          <a:prstGeom prst="triangle">
-            <a:avLst/>
-          </a:prstGeom>
-          <a:solidFill>
-            <a:srgbClr val="7030A0"/>
-          </a:solidFill>
-          <a:ln w="19050">
-            <a:solidFill>
-              <a:srgbClr val="7030A0"/>
-            </a:solidFill>
-          </a:ln>
-          <a:effectLst/>
-        </p:spPr>
-        <p:style>
-          <a:lnRef idx="1">
-            <a:schemeClr val="accent6"/>
-          </a:lnRef>
-          <a:fillRef idx="2">
-            <a:schemeClr val="accent6"/>
-          </a:fillRef>
-          <a:effectRef idx="1">
-            <a:schemeClr val="accent6"/>
-          </a:effectRef>
-          <a:fontRef idx="minor">
-            <a:schemeClr val="dk1"/>
-          </a:fontRef>
-        </p:style>
-        <p:txBody>
-          <a:bodyPr rtlCol="0" anchor="ctr"/>
-          <a:lstStyle/>
-          <a:p>
-            <a:pPr algn="ctr"/>
-            <a:endParaRPr lang="en-SG" sz="1050"/>
-          </a:p>
-        </p:txBody>
-      </p:sp>
-      <p:cxnSp>
-        <p:nvCxnSpPr>
-          <p:cNvPr id="55" name="Straight Arrow Connector 54"/>
-          <p:cNvCxnSpPr>
-            <a:stCxn id="62" idx="0"/>
-            <a:endCxn id="67" idx="2"/>
-          </p:cNvCxnSpPr>
-          <p:nvPr/>
-        </p:nvCxnSpPr>
-        <p:spPr>
-          <a:xfrm flipV="1">
-            <a:off x="6667770" y="2632344"/>
-            <a:ext cx="1612" cy="225722"/>
-          </a:xfrm>
-          <a:prstGeom prst="straightConnector1">
-            <a:avLst/>
-          </a:prstGeom>
-          <a:ln w="19050">
-            <a:solidFill>
-              <a:srgbClr val="7030A0"/>
-            </a:solidFill>
-            <a:prstDash val="sysDot"/>
-            <a:headEnd type="none" w="med" len="med"/>
-            <a:tailEnd type="arrow" w="med" len="med"/>
-          </a:ln>
-          <a:effectLst/>
-        </p:spPr>
-        <p:style>
-          <a:lnRef idx="1">
-            <a:schemeClr val="accent2"/>
-          </a:lnRef>
-          <a:fillRef idx="2">
-            <a:schemeClr val="accent2"/>
-          </a:fillRef>
-          <a:effectRef idx="1">
-            <a:schemeClr val="accent2"/>
-          </a:effectRef>
-          <a:fontRef idx="minor">
-            <a:schemeClr val="dk1"/>
-          </a:fontRef>
-        </p:style>
-      </p:cxnSp>
-      <p:cxnSp>
-        <p:nvCxnSpPr>
-          <p:cNvPr id="58" name="Straight Arrow Connector 57"/>
-          <p:cNvCxnSpPr>
-            <a:stCxn id="42" idx="3"/>
-            <a:endCxn id="2" idx="1"/>
-          </p:cNvCxnSpPr>
-          <p:nvPr/>
-        </p:nvCxnSpPr>
-        <p:spPr>
-          <a:xfrm>
-            <a:off x="2656370" y="3326536"/>
-            <a:ext cx="220810" cy="5284"/>
-          </a:xfrm>
-          <a:prstGeom prst="straightConnector1">
-            <a:avLst/>
-          </a:prstGeom>
-          <a:ln w="19050">
-            <a:solidFill>
-              <a:srgbClr val="7030A0"/>
-            </a:solidFill>
-            <a:headEnd type="none" w="med" len="med"/>
-            <a:tailEnd type="arrow" w="med" len="med"/>
-          </a:ln>
-          <a:effectLst/>
-        </p:spPr>
-        <p:style>
-          <a:lnRef idx="1">
-            <a:schemeClr val="accent2"/>
-          </a:lnRef>
-          <a:fillRef idx="2">
-            <a:schemeClr val="accent2"/>
-          </a:fillRef>
-          <a:effectRef idx="1">
-            <a:schemeClr val="accent2"/>
-          </a:effectRef>
-          <a:fontRef idx="minor">
-            <a:schemeClr val="dk1"/>
-          </a:fontRef>
-        </p:style>
-      </p:cxnSp>
-      <p:sp>
-        <p:nvSpPr>
-          <p:cNvPr id="71" name="Isosceles Triangle 102"/>
-          <p:cNvSpPr/>
-          <p:nvPr/>
-        </p:nvSpPr>
-        <p:spPr>
-          <a:xfrm rot="5400000" flipV="1">
-            <a:off x="6253986" y="3522883"/>
-            <a:ext cx="270504" cy="175523"/>
-          </a:xfrm>
-          <a:prstGeom prst="triangle">
-            <a:avLst/>
-          </a:prstGeom>
-          <a:solidFill>
-            <a:srgbClr val="7030A0"/>
-          </a:solidFill>
-          <a:ln w="19050">
-            <a:solidFill>
-              <a:srgbClr val="7030A0"/>
-            </a:solidFill>
-          </a:ln>
-          <a:effectLst/>
-        </p:spPr>
-        <p:style>
-          <a:lnRef idx="1">
-            <a:schemeClr val="accent4"/>
-          </a:lnRef>
-          <a:fillRef idx="2">
-            <a:schemeClr val="accent4"/>
-          </a:fillRef>
-          <a:effectRef idx="1">
-            <a:schemeClr val="accent4"/>
-          </a:effectRef>
-          <a:fontRef idx="minor">
-            <a:schemeClr val="dk1"/>
-          </a:fontRef>
-        </p:style>
-        <p:txBody>
-          <a:bodyPr rtlCol="0" anchor="ctr"/>
-          <a:lstStyle/>
-          <a:p>
-            <a:pPr algn="ctr"/>
-            <a:endParaRPr lang="en-SG" sz="1050" b="1">
-              <a:solidFill>
-                <a:srgbClr val="92D050"/>
-              </a:solidFill>
-            </a:endParaRPr>
-          </a:p>
-        </p:txBody>
-      </p:sp>
-      <p:cxnSp>
-        <p:nvCxnSpPr>
-          <p:cNvPr id="75" name="Elbow Connector 122"/>
-          <p:cNvCxnSpPr/>
-          <p:nvPr/>
-        </p:nvCxnSpPr>
-        <p:spPr>
-          <a:xfrm>
-            <a:off x="910091" y="3040053"/>
-            <a:ext cx="419548" cy="2860"/>
-          </a:xfrm>
-          <a:prstGeom prst="bentConnector3">
-            <a:avLst>
-              <a:gd name="adj1" fmla="val 50000"/>
-            </a:avLst>
-          </a:prstGeom>
-          <a:ln w="19050">
-            <a:solidFill>
-              <a:schemeClr val="bg1">
-                <a:lumMod val="75000"/>
-              </a:schemeClr>
-            </a:solidFill>
-            <a:prstDash val="sysDot"/>
-            <a:headEnd type="none" w="med" len="med"/>
-            <a:tailEnd type="arrow" w="med" len="med"/>
-          </a:ln>
-          <a:effectLst/>
-        </p:spPr>
-        <p:style>
-          <a:lnRef idx="1">
-            <a:schemeClr val="accent2"/>
-          </a:lnRef>
-          <a:fillRef idx="2">
-            <a:schemeClr val="accent2"/>
-          </a:fillRef>
-          <a:effectRef idx="1">
-            <a:schemeClr val="accent2"/>
-          </a:effectRef>
-          <a:fontRef idx="minor">
-            <a:schemeClr val="dk1"/>
-          </a:fontRef>
-        </p:style>
-      </p:cxnSp>
-      <p:cxnSp>
-        <p:nvCxnSpPr>
-          <p:cNvPr id="21" name="Straight Connector 20"/>
-          <p:cNvCxnSpPr>
-            <a:stCxn id="120" idx="3"/>
-          </p:cNvCxnSpPr>
-          <p:nvPr/>
-        </p:nvCxnSpPr>
-        <p:spPr>
-          <a:xfrm flipV="1">
-            <a:off x="1849924" y="3040052"/>
-            <a:ext cx="216105" cy="1"/>
-          </a:xfrm>
-          <a:prstGeom prst="line">
-            <a:avLst/>
-          </a:prstGeom>
-          <a:ln w="19050">
-            <a:solidFill>
-              <a:srgbClr val="7030A0"/>
-            </a:solidFill>
-            <a:prstDash val="sysDot"/>
-            <a:headEnd type="none" w="med" len="med"/>
-            <a:tailEnd type="none" w="med" len="med"/>
-          </a:ln>
-          <a:effectLst/>
-        </p:spPr>
-        <p:style>
-          <a:lnRef idx="1">
-            <a:schemeClr val="accent2"/>
-          </a:lnRef>
-          <a:fillRef idx="2">
-            <a:schemeClr val="accent2"/>
-          </a:fillRef>
-          <a:effectRef idx="1">
-            <a:schemeClr val="accent2"/>
-          </a:effectRef>
-          <a:fontRef idx="minor">
-            <a:schemeClr val="dk1"/>
-          </a:fontRef>
-        </p:style>
-      </p:cxnSp>
-      <p:sp>
-        <p:nvSpPr>
-          <p:cNvPr id="42" name="Flowchart: Decision 96"/>
-          <p:cNvSpPr/>
-          <p:nvPr/>
-        </p:nvSpPr>
-        <p:spPr>
-          <a:xfrm>
-            <a:off x="2420322" y="3239846"/>
-            <a:ext cx="236048" cy="173380"/>
-          </a:xfrm>
-          <a:prstGeom prst="flowChartDecision">
-            <a:avLst/>
-          </a:prstGeom>
-          <a:noFill/>
-          <a:ln w="19050">
-            <a:solidFill>
-              <a:srgbClr val="7030A0"/>
-            </a:solidFill>
-          </a:ln>
-          <a:effectLst/>
-        </p:spPr>
-        <p:style>
-          <a:lnRef idx="1">
-            <a:schemeClr val="accent6"/>
-          </a:lnRef>
-          <a:fillRef idx="2">
-            <a:schemeClr val="accent6"/>
-          </a:fillRef>
-          <a:effectRef idx="1">
-            <a:schemeClr val="accent6"/>
-          </a:effectRef>
-          <a:fontRef idx="minor">
-            <a:schemeClr val="dk1"/>
-          </a:fontRef>
-        </p:style>
-        <p:txBody>
-          <a:bodyPr rtlCol="0" anchor="ctr"/>
-          <a:lstStyle/>
-          <a:p>
-            <a:pPr algn="ctr"/>
-            <a:endParaRPr lang="en-US" sz="1050"/>
-          </a:p>
-        </p:txBody>
-      </p:sp>
-      <p:sp>
-        <p:nvSpPr>
-          <p:cNvPr id="46" name="Rectangle 8"/>
-          <p:cNvSpPr/>
-          <p:nvPr/>
-        </p:nvSpPr>
-        <p:spPr>
-          <a:xfrm>
-            <a:off x="2879490" y="2627420"/>
-            <a:ext cx="1093635" cy="346760"/>
-          </a:xfrm>
-          <a:prstGeom prst="rect">
-            <a:avLst/>
-          </a:prstGeom>
-          <a:ln w="19050">
-            <a:solidFill>
-              <a:srgbClr val="7030A0"/>
-            </a:solidFill>
-          </a:ln>
-          <a:effectLst/>
-        </p:spPr>
-        <p:style>
-          <a:lnRef idx="1">
-            <a:schemeClr val="accent4"/>
-          </a:lnRef>
-          <a:fillRef idx="2">
-            <a:schemeClr val="accent4"/>
-          </a:fillRef>
-          <a:effectRef idx="1">
-            <a:schemeClr val="accent4"/>
-          </a:effectRef>
-          <a:fontRef idx="minor">
-            <a:schemeClr val="dk1"/>
-          </a:fontRef>
-        </p:style>
-        <p:txBody>
-          <a:bodyPr rtlCol="0" anchor="ctr"/>
-          <a:lstStyle/>
-          <a:p>
-            <a:pPr algn="ctr"/>
-            <a:r>
-              <a:rPr lang="en-US" sz="1050" dirty="0" err="1">
-                <a:solidFill>
-                  <a:srgbClr val="7030A0"/>
-                </a:solidFill>
-              </a:rPr>
-              <a:t>AddressBook</a:t>
-            </a:r>
-            <a:endParaRPr lang="en-SG" sz="1050" dirty="0">
-              <a:solidFill>
-                <a:srgbClr val="7030A0"/>
-              </a:solidFill>
-            </a:endParaRPr>
-          </a:p>
-        </p:txBody>
-      </p:sp>
-      <p:cxnSp>
-        <p:nvCxnSpPr>
-          <p:cNvPr id="47" name="Straight Arrow Connector 46"/>
-          <p:cNvCxnSpPr>
-            <a:stCxn id="48" idx="3"/>
-            <a:endCxn id="46" idx="1"/>
-          </p:cNvCxnSpPr>
-          <p:nvPr/>
-        </p:nvCxnSpPr>
-        <p:spPr>
-          <a:xfrm>
-            <a:off x="2658680" y="2795516"/>
-            <a:ext cx="220810" cy="5284"/>
-          </a:xfrm>
-          <a:prstGeom prst="straightConnector1">
-            <a:avLst/>
-          </a:prstGeom>
-          <a:ln w="19050">
-            <a:solidFill>
-              <a:srgbClr val="7030A0"/>
-            </a:solidFill>
-            <a:headEnd type="none" w="med" len="med"/>
-            <a:tailEnd type="arrow" w="med" len="med"/>
-          </a:ln>
-          <a:effectLst/>
-        </p:spPr>
-        <p:style>
-          <a:lnRef idx="1">
-            <a:schemeClr val="accent2"/>
-          </a:lnRef>
-          <a:fillRef idx="2">
-            <a:schemeClr val="accent2"/>
-          </a:fillRef>
-          <a:effectRef idx="1">
-            <a:schemeClr val="accent2"/>
-          </a:effectRef>
-          <a:fontRef idx="minor">
-            <a:schemeClr val="dk1"/>
-          </a:fontRef>
-        </p:style>
-      </p:cxnSp>
-      <p:sp>
-        <p:nvSpPr>
-          <p:cNvPr id="48" name="Flowchart: Decision 96"/>
-          <p:cNvSpPr/>
-          <p:nvPr/>
-        </p:nvSpPr>
-        <p:spPr>
-          <a:xfrm>
-            <a:off x="2422632" y="2708826"/>
-            <a:ext cx="236048" cy="173380"/>
-          </a:xfrm>
-          <a:prstGeom prst="flowChartDecision">
-            <a:avLst/>
-          </a:prstGeom>
-          <a:noFill/>
-          <a:ln w="19050">
-            <a:solidFill>
-              <a:srgbClr val="7030A0"/>
-            </a:solidFill>
-          </a:ln>
-          <a:effectLst/>
-        </p:spPr>
-        <p:style>
-          <a:lnRef idx="1">
-            <a:schemeClr val="accent6"/>
-          </a:lnRef>
-          <a:fillRef idx="2">
-            <a:schemeClr val="accent6"/>
-          </a:fillRef>
-          <a:effectRef idx="1">
-            <a:schemeClr val="accent6"/>
-          </a:effectRef>
-          <a:fontRef idx="minor">
-            <a:schemeClr val="dk1"/>
-          </a:fontRef>
-        </p:style>
-        <p:txBody>
-          <a:bodyPr rtlCol="0" anchor="ctr"/>
-          <a:lstStyle/>
-          <a:p>
-            <a:pPr algn="ctr"/>
-            <a:endParaRPr lang="en-US" sz="1050"/>
-          </a:p>
-        </p:txBody>
-      </p:sp>
-      <p:sp>
-        <p:nvSpPr>
-          <p:cNvPr id="49" name="Rectangle 8"/>
-          <p:cNvSpPr/>
-          <p:nvPr/>
-        </p:nvSpPr>
-        <p:spPr>
-          <a:xfrm>
-            <a:off x="4487017" y="2847371"/>
-            <a:ext cx="1156969" cy="346760"/>
-          </a:xfrm>
-          <a:prstGeom prst="rect">
-            <a:avLst/>
-          </a:prstGeom>
-          <a:ln w="19050">
-            <a:solidFill>
-              <a:srgbClr val="7030A0"/>
-            </a:solidFill>
-          </a:ln>
-          <a:effectLst/>
-        </p:spPr>
-        <p:style>
-          <a:lnRef idx="1">
-            <a:schemeClr val="accent4"/>
-          </a:lnRef>
-          <a:fillRef idx="2">
-            <a:schemeClr val="accent4"/>
-          </a:fillRef>
-          <a:effectRef idx="1">
-            <a:schemeClr val="accent4"/>
-          </a:effectRef>
-          <a:fontRef idx="minor">
-            <a:schemeClr val="dk1"/>
-          </a:fontRef>
-        </p:style>
-        <p:txBody>
-          <a:bodyPr rtlCol="0" anchor="ctr"/>
-          <a:lstStyle/>
-          <a:p>
-            <a:pPr algn="ctr"/>
-            <a:r>
-              <a:rPr lang="en-US" sz="1050" dirty="0" err="1">
-                <a:solidFill>
-                  <a:srgbClr val="7030A0"/>
-                </a:solidFill>
-              </a:rPr>
-              <a:t>UniquePersonList</a:t>
-            </a:r>
-            <a:endParaRPr lang="en-SG" sz="1050" dirty="0">
-              <a:solidFill>
-                <a:srgbClr val="7030A0"/>
-              </a:solidFill>
-            </a:endParaRPr>
-          </a:p>
-        </p:txBody>
-      </p:sp>
-      <p:sp>
-        <p:nvSpPr>
-          <p:cNvPr id="51" name="Flowchart: Decision 96"/>
-          <p:cNvSpPr/>
-          <p:nvPr/>
-        </p:nvSpPr>
-        <p:spPr>
-          <a:xfrm>
-            <a:off x="3984303" y="2673991"/>
-            <a:ext cx="236048" cy="173380"/>
-          </a:xfrm>
-          <a:prstGeom prst="flowChartDecision">
-            <a:avLst/>
-          </a:prstGeom>
-          <a:solidFill>
-            <a:srgbClr val="7030A0"/>
-          </a:solidFill>
-          <a:ln w="19050">
-            <a:solidFill>
-              <a:srgbClr val="7030A0"/>
-            </a:solidFill>
-          </a:ln>
-          <a:effectLst/>
-        </p:spPr>
-        <p:style>
-          <a:lnRef idx="1">
-            <a:schemeClr val="accent6"/>
-          </a:lnRef>
-          <a:fillRef idx="2">
-            <a:schemeClr val="accent6"/>
-          </a:fillRef>
-          <a:effectRef idx="1">
-            <a:schemeClr val="accent6"/>
-          </a:effectRef>
-          <a:fontRef idx="minor">
-            <a:schemeClr val="dk1"/>
-          </a:fontRef>
-        </p:style>
-        <p:txBody>
-          <a:bodyPr rtlCol="0" anchor="ctr"/>
-          <a:lstStyle/>
-          <a:p>
-            <a:pPr algn="ctr"/>
-            <a:endParaRPr lang="en-US" sz="1050"/>
-          </a:p>
-        </p:txBody>
-      </p:sp>
-      <p:cxnSp>
-        <p:nvCxnSpPr>
-          <p:cNvPr id="30" name="Elbow Connector 29"/>
-          <p:cNvCxnSpPr>
-            <a:stCxn id="51" idx="3"/>
-            <a:endCxn id="49" idx="1"/>
-          </p:cNvCxnSpPr>
-          <p:nvPr/>
-        </p:nvCxnSpPr>
-        <p:spPr>
-          <a:xfrm>
-            <a:off x="4220351" y="2760681"/>
-            <a:ext cx="266666" cy="260070"/>
-          </a:xfrm>
-          <a:prstGeom prst="bentConnector3">
-            <a:avLst/>
-          </a:prstGeom>
-          <a:ln w="19050">
-            <a:solidFill>
-              <a:srgbClr val="7030A0"/>
-            </a:solidFill>
-            <a:headEnd type="none" w="med" len="med"/>
-            <a:tailEnd type="arrow" w="med" len="med"/>
-          </a:ln>
-          <a:effectLst/>
-        </p:spPr>
-        <p:style>
-          <a:lnRef idx="1">
-            <a:schemeClr val="accent2"/>
-          </a:lnRef>
-          <a:fillRef idx="2">
-            <a:schemeClr val="accent2"/>
-          </a:fillRef>
-          <a:effectRef idx="1">
-            <a:schemeClr val="accent2"/>
-          </a:effectRef>
-          <a:fontRef idx="minor">
-            <a:schemeClr val="dk1"/>
-          </a:fontRef>
-        </p:style>
-      </p:cxnSp>
-      <p:sp>
-        <p:nvSpPr>
-          <p:cNvPr id="57" name="Rectangle 8"/>
-          <p:cNvSpPr/>
-          <p:nvPr/>
-        </p:nvSpPr>
-        <p:spPr>
-          <a:xfrm>
-            <a:off x="4503204" y="2280569"/>
-            <a:ext cx="1156969" cy="346760"/>
-          </a:xfrm>
-          <a:prstGeom prst="rect">
-            <a:avLst/>
-          </a:prstGeom>
-          <a:ln w="19050">
-            <a:solidFill>
-              <a:srgbClr val="7030A0"/>
-            </a:solidFill>
-          </a:ln>
-          <a:effectLst/>
-        </p:spPr>
-        <p:style>
-          <a:lnRef idx="1">
-            <a:schemeClr val="accent4"/>
-          </a:lnRef>
-          <a:fillRef idx="2">
-            <a:schemeClr val="accent4"/>
-          </a:fillRef>
-          <a:effectRef idx="1">
-            <a:schemeClr val="accent4"/>
-          </a:effectRef>
-          <a:fontRef idx="minor">
-            <a:schemeClr val="dk1"/>
-          </a:fontRef>
-        </p:style>
-        <p:txBody>
-          <a:bodyPr rtlCol="0" anchor="ctr"/>
-          <a:lstStyle/>
-          <a:p>
-            <a:pPr algn="ctr"/>
-            <a:r>
-              <a:rPr lang="en-US" sz="1050" dirty="0" err="1">
-                <a:solidFill>
-                  <a:srgbClr val="7030A0"/>
-                </a:solidFill>
-              </a:rPr>
-              <a:t>UniqueTagList</a:t>
-            </a:r>
-            <a:endParaRPr lang="en-SG" sz="1050" dirty="0">
-              <a:solidFill>
-                <a:srgbClr val="7030A0"/>
-              </a:solidFill>
-            </a:endParaRPr>
-          </a:p>
-        </p:txBody>
-      </p:sp>
-      <p:cxnSp>
-        <p:nvCxnSpPr>
-          <p:cNvPr id="59" name="Elbow Connector 58"/>
-          <p:cNvCxnSpPr>
-            <a:stCxn id="51" idx="3"/>
-            <a:endCxn id="57" idx="1"/>
-          </p:cNvCxnSpPr>
-          <p:nvPr/>
-        </p:nvCxnSpPr>
-        <p:spPr>
-          <a:xfrm flipV="1">
-            <a:off x="4220351" y="2453949"/>
-            <a:ext cx="282853" cy="306732"/>
-          </a:xfrm>
-          <a:prstGeom prst="bentConnector3">
-            <a:avLst>
-              <a:gd name="adj1" fmla="val 50000"/>
-            </a:avLst>
-          </a:prstGeom>
-          <a:ln w="19050">
-            <a:solidFill>
-              <a:srgbClr val="7030A0"/>
-            </a:solidFill>
-            <a:headEnd type="none" w="med" len="med"/>
-            <a:tailEnd type="arrow" w="med" len="med"/>
-          </a:ln>
-          <a:effectLst/>
-        </p:spPr>
-        <p:style>
-          <a:lnRef idx="1">
-            <a:schemeClr val="accent2"/>
-          </a:lnRef>
-          <a:fillRef idx="2">
-            <a:schemeClr val="accent2"/>
-          </a:fillRef>
-          <a:effectRef idx="1">
-            <a:schemeClr val="accent2"/>
-          </a:effectRef>
-          <a:fontRef idx="minor">
-            <a:schemeClr val="dk1"/>
-          </a:fontRef>
-        </p:style>
-      </p:cxnSp>
-      <p:sp>
-        <p:nvSpPr>
-          <p:cNvPr id="62" name="Rectangle 8"/>
-          <p:cNvSpPr/>
-          <p:nvPr/>
-        </p:nvSpPr>
-        <p:spPr>
-          <a:xfrm>
-            <a:off x="6313677" y="2858066"/>
-            <a:ext cx="708186" cy="346760"/>
-          </a:xfrm>
-          <a:prstGeom prst="rect">
-            <a:avLst/>
-          </a:prstGeom>
-          <a:ln w="19050">
-            <a:solidFill>
-              <a:srgbClr val="7030A0"/>
-            </a:solidFill>
-          </a:ln>
-          <a:effectLst/>
-        </p:spPr>
-        <p:style>
-          <a:lnRef idx="1">
-            <a:schemeClr val="accent4"/>
-          </a:lnRef>
-          <a:fillRef idx="2">
-            <a:schemeClr val="accent4"/>
-          </a:fillRef>
-          <a:effectRef idx="1">
-            <a:schemeClr val="accent4"/>
-          </a:effectRef>
-          <a:fontRef idx="minor">
-            <a:schemeClr val="dk1"/>
-          </a:fontRef>
-        </p:style>
-        <p:txBody>
-          <a:bodyPr rtlCol="0" anchor="ctr"/>
-          <a:lstStyle/>
-          <a:p>
-            <a:pPr algn="ctr"/>
-            <a:r>
-              <a:rPr lang="en-US" sz="1050" dirty="0">
-                <a:solidFill>
-                  <a:srgbClr val="7030A0"/>
-                </a:solidFill>
-              </a:rPr>
-              <a:t>Person</a:t>
-            </a:r>
-            <a:endParaRPr lang="en-SG" sz="1050" dirty="0">
-              <a:solidFill>
-                <a:srgbClr val="7030A0"/>
-              </a:solidFill>
-            </a:endParaRPr>
-          </a:p>
-        </p:txBody>
-      </p:sp>
-      <p:sp>
-        <p:nvSpPr>
-          <p:cNvPr id="63" name="Flowchart: Decision 96"/>
-          <p:cNvSpPr/>
-          <p:nvPr/>
-        </p:nvSpPr>
-        <p:spPr>
-          <a:xfrm>
-            <a:off x="5643227" y="2943979"/>
-            <a:ext cx="236048" cy="173380"/>
-          </a:xfrm>
-          <a:prstGeom prst="flowChartDecision">
-            <a:avLst/>
-          </a:prstGeom>
-          <a:noFill/>
-          <a:ln w="19050">
-            <a:solidFill>
-              <a:srgbClr val="7030A0"/>
-            </a:solidFill>
-          </a:ln>
-          <a:effectLst/>
-        </p:spPr>
-        <p:style>
-          <a:lnRef idx="1">
-            <a:schemeClr val="accent6"/>
-          </a:lnRef>
-          <a:fillRef idx="2">
-            <a:schemeClr val="accent6"/>
-          </a:fillRef>
-          <a:effectRef idx="1">
-            <a:schemeClr val="accent6"/>
-          </a:effectRef>
-          <a:fontRef idx="minor">
-            <a:schemeClr val="dk1"/>
-          </a:fontRef>
-        </p:style>
-        <p:txBody>
-          <a:bodyPr rtlCol="0" anchor="ctr"/>
-          <a:lstStyle/>
-          <a:p>
-            <a:pPr algn="ctr"/>
-            <a:endParaRPr lang="en-US" sz="1050"/>
-          </a:p>
-        </p:txBody>
-      </p:sp>
-      <p:cxnSp>
-        <p:nvCxnSpPr>
-          <p:cNvPr id="64" name="Elbow Connector 63"/>
-          <p:cNvCxnSpPr>
-            <a:stCxn id="63" idx="3"/>
-            <a:endCxn id="62" idx="1"/>
-          </p:cNvCxnSpPr>
-          <p:nvPr/>
-        </p:nvCxnSpPr>
-        <p:spPr>
-          <a:xfrm>
-            <a:off x="5879275" y="3030669"/>
-            <a:ext cx="434402" cy="777"/>
-          </a:xfrm>
-          <a:prstGeom prst="bentConnector3">
-            <a:avLst/>
-          </a:prstGeom>
-          <a:ln w="19050">
-            <a:solidFill>
-              <a:srgbClr val="7030A0"/>
-            </a:solidFill>
-            <a:headEnd type="none" w="med" len="med"/>
-            <a:tailEnd type="arrow" w="med" len="med"/>
-          </a:ln>
-          <a:effectLst/>
-        </p:spPr>
-        <p:style>
-          <a:lnRef idx="1">
-            <a:schemeClr val="accent2"/>
-          </a:lnRef>
-          <a:fillRef idx="2">
-            <a:schemeClr val="accent2"/>
-          </a:fillRef>
-          <a:effectRef idx="1">
-            <a:schemeClr val="accent2"/>
-          </a:effectRef>
-          <a:fontRef idx="minor">
-            <a:schemeClr val="dk1"/>
-          </a:fontRef>
-        </p:style>
-      </p:cxnSp>
-      <p:sp>
-        <p:nvSpPr>
-          <p:cNvPr id="67" name="Rectangle 8"/>
-          <p:cNvSpPr/>
-          <p:nvPr/>
-        </p:nvSpPr>
-        <p:spPr>
-          <a:xfrm>
-            <a:off x="6315289" y="2285584"/>
-            <a:ext cx="708186" cy="346760"/>
-          </a:xfrm>
-          <a:prstGeom prst="rect">
-            <a:avLst/>
-          </a:prstGeom>
-          <a:ln w="19050">
-            <a:solidFill>
-              <a:srgbClr val="7030A0"/>
-            </a:solidFill>
-          </a:ln>
-          <a:effectLst/>
-        </p:spPr>
-        <p:style>
-          <a:lnRef idx="1">
-            <a:schemeClr val="accent4"/>
-          </a:lnRef>
-          <a:fillRef idx="2">
-            <a:schemeClr val="accent4"/>
-          </a:fillRef>
-          <a:effectRef idx="1">
-            <a:schemeClr val="accent4"/>
-          </a:effectRef>
-          <a:fontRef idx="minor">
-            <a:schemeClr val="dk1"/>
-          </a:fontRef>
-        </p:style>
-        <p:txBody>
-          <a:bodyPr rtlCol="0" anchor="ctr"/>
-          <a:lstStyle/>
-          <a:p>
-            <a:pPr algn="ctr"/>
-            <a:r>
-              <a:rPr lang="en-US" sz="1050" dirty="0">
-                <a:solidFill>
-                  <a:srgbClr val="7030A0"/>
-                </a:solidFill>
-              </a:rPr>
-              <a:t>Tag</a:t>
-            </a:r>
-            <a:endParaRPr lang="en-SG" sz="1050" dirty="0">
-              <a:solidFill>
-                <a:srgbClr val="7030A0"/>
-              </a:solidFill>
-            </a:endParaRPr>
-          </a:p>
-        </p:txBody>
-      </p:sp>
-      <p:sp>
-        <p:nvSpPr>
-          <p:cNvPr id="68" name="Flowchart: Decision 96"/>
-          <p:cNvSpPr/>
-          <p:nvPr/>
-        </p:nvSpPr>
-        <p:spPr>
-          <a:xfrm>
-            <a:off x="5672547" y="2371497"/>
-            <a:ext cx="236048" cy="173380"/>
-          </a:xfrm>
-          <a:prstGeom prst="flowChartDecision">
-            <a:avLst/>
-          </a:prstGeom>
-          <a:noFill/>
-          <a:ln w="19050">
-            <a:solidFill>
-              <a:srgbClr val="7030A0"/>
-            </a:solidFill>
-          </a:ln>
-          <a:effectLst/>
-        </p:spPr>
-        <p:style>
-          <a:lnRef idx="1">
-            <a:schemeClr val="accent6"/>
-          </a:lnRef>
-          <a:fillRef idx="2">
-            <a:schemeClr val="accent6"/>
-          </a:fillRef>
-          <a:effectRef idx="1">
-            <a:schemeClr val="accent6"/>
-          </a:effectRef>
-          <a:fontRef idx="minor">
-            <a:schemeClr val="dk1"/>
-          </a:fontRef>
-        </p:style>
-        <p:txBody>
-          <a:bodyPr rtlCol="0" anchor="ctr"/>
-          <a:lstStyle/>
-          <a:p>
-            <a:pPr algn="ctr"/>
-            <a:endParaRPr lang="en-US" sz="1050"/>
-          </a:p>
-        </p:txBody>
-      </p:sp>
-      <p:cxnSp>
-        <p:nvCxnSpPr>
-          <p:cNvPr id="69" name="Elbow Connector 68"/>
-          <p:cNvCxnSpPr>
-            <a:stCxn id="68" idx="3"/>
-            <a:endCxn id="67" idx="1"/>
-          </p:cNvCxnSpPr>
-          <p:nvPr/>
-        </p:nvCxnSpPr>
-        <p:spPr>
-          <a:xfrm>
-            <a:off x="5908595" y="2458187"/>
-            <a:ext cx="406694" cy="777"/>
-          </a:xfrm>
-          <a:prstGeom prst="bentConnector3">
-            <a:avLst/>
-          </a:prstGeom>
-          <a:ln w="19050">
-            <a:solidFill>
-              <a:srgbClr val="7030A0"/>
-            </a:solidFill>
-            <a:headEnd type="none" w="med" len="med"/>
-            <a:tailEnd type="arrow" w="med" len="med"/>
-          </a:ln>
-          <a:effectLst/>
-        </p:spPr>
-        <p:style>
-          <a:lnRef idx="1">
-            <a:schemeClr val="accent2"/>
-          </a:lnRef>
-          <a:fillRef idx="2">
-            <a:schemeClr val="accent2"/>
-          </a:fillRef>
-          <a:effectRef idx="1">
-            <a:schemeClr val="accent2"/>
-          </a:effectRef>
-          <a:fontRef idx="minor">
-            <a:schemeClr val="dk1"/>
-          </a:fontRef>
-        </p:style>
-      </p:cxnSp>
-      <p:sp>
-        <p:nvSpPr>
-          <p:cNvPr id="72" name="Rectangle 8"/>
-          <p:cNvSpPr/>
-          <p:nvPr/>
-        </p:nvSpPr>
-        <p:spPr>
-          <a:xfrm>
-            <a:off x="5128257" y="3429000"/>
-            <a:ext cx="1156969" cy="346760"/>
-          </a:xfrm>
-          <a:prstGeom prst="rect">
-            <a:avLst/>
-          </a:prstGeom>
-          <a:ln w="19050">
-            <a:solidFill>
-              <a:srgbClr val="7030A0"/>
-            </a:solidFill>
-          </a:ln>
-          <a:effectLst/>
-        </p:spPr>
-        <p:style>
-          <a:lnRef idx="1">
-            <a:schemeClr val="accent4"/>
-          </a:lnRef>
-          <a:fillRef idx="2">
-            <a:schemeClr val="accent4"/>
-          </a:fillRef>
-          <a:effectRef idx="1">
-            <a:schemeClr val="accent4"/>
-          </a:effectRef>
-          <a:fontRef idx="minor">
-            <a:schemeClr val="dk1"/>
-          </a:fontRef>
-        </p:style>
-        <p:txBody>
-          <a:bodyPr rtlCol="0" anchor="ctr"/>
-          <a:lstStyle/>
-          <a:p>
-            <a:pPr algn="ctr"/>
-            <a:r>
-              <a:rPr lang="en-US" sz="1050" dirty="0">
-                <a:solidFill>
-                  <a:srgbClr val="7030A0"/>
-                </a:solidFill>
-              </a:rPr>
-              <a:t>&lt;&lt;interface&gt;&gt;</a:t>
-            </a:r>
-            <a:br>
-              <a:rPr lang="en-US" sz="1050" dirty="0">
-                <a:solidFill>
-                  <a:srgbClr val="7030A0"/>
-                </a:solidFill>
-              </a:rPr>
-            </a:br>
-            <a:r>
-              <a:rPr lang="en-US" sz="1050" dirty="0" err="1">
-                <a:solidFill>
-                  <a:srgbClr val="7030A0"/>
-                </a:solidFill>
-              </a:rPr>
-              <a:t>ReadOnlyPerson</a:t>
-            </a:r>
-            <a:endParaRPr lang="en-SG" sz="1050" dirty="0">
-              <a:solidFill>
-                <a:srgbClr val="7030A0"/>
-              </a:solidFill>
-            </a:endParaRPr>
-          </a:p>
-        </p:txBody>
-      </p:sp>
-      <p:sp>
-        <p:nvSpPr>
-          <p:cNvPr id="76" name="Rectangle 8"/>
-          <p:cNvSpPr/>
-          <p:nvPr/>
-        </p:nvSpPr>
-        <p:spPr>
-          <a:xfrm>
-            <a:off x="7712397" y="2564238"/>
-            <a:ext cx="708186" cy="285783"/>
-          </a:xfrm>
-          <a:prstGeom prst="rect">
-            <a:avLst/>
-          </a:prstGeom>
-          <a:ln w="19050">
-            <a:solidFill>
-              <a:srgbClr val="7030A0"/>
-            </a:solidFill>
-          </a:ln>
-          <a:effectLst/>
-        </p:spPr>
-        <p:style>
-          <a:lnRef idx="1">
-            <a:schemeClr val="accent4"/>
-          </a:lnRef>
-          <a:fillRef idx="2">
-            <a:schemeClr val="accent4"/>
-          </a:fillRef>
-          <a:effectRef idx="1">
-            <a:schemeClr val="accent4"/>
-          </a:effectRef>
-          <a:fontRef idx="minor">
-            <a:schemeClr val="dk1"/>
-          </a:fontRef>
-        </p:style>
-        <p:txBody>
-          <a:bodyPr rtlCol="0" anchor="ctr"/>
-          <a:lstStyle/>
-          <a:p>
-            <a:pPr algn="ctr"/>
-            <a:r>
-              <a:rPr lang="en-US" sz="1050" dirty="0">
-                <a:solidFill>
-                  <a:srgbClr val="7030A0"/>
-                </a:solidFill>
-              </a:rPr>
-              <a:t>Name</a:t>
-            </a:r>
-            <a:endParaRPr lang="en-SG" sz="1050" dirty="0">
-              <a:solidFill>
-                <a:srgbClr val="7030A0"/>
-              </a:solidFill>
-            </a:endParaRPr>
-          </a:p>
-        </p:txBody>
-      </p:sp>
-      <p:sp>
-        <p:nvSpPr>
-          <p:cNvPr id="78" name="Flowchart: Decision 96"/>
-          <p:cNvSpPr/>
-          <p:nvPr/>
-        </p:nvSpPr>
-        <p:spPr>
-          <a:xfrm>
-            <a:off x="7041947" y="2948201"/>
-            <a:ext cx="236048" cy="173380"/>
-          </a:xfrm>
-          <a:prstGeom prst="flowChartDecision">
-            <a:avLst/>
-          </a:prstGeom>
-          <a:solidFill>
-            <a:srgbClr val="7030A0"/>
-          </a:solidFill>
-          <a:ln w="19050">
-            <a:solidFill>
-              <a:srgbClr val="7030A0"/>
-            </a:solidFill>
-          </a:ln>
-          <a:effectLst/>
-        </p:spPr>
-        <p:style>
-          <a:lnRef idx="1">
-            <a:schemeClr val="accent6"/>
-          </a:lnRef>
-          <a:fillRef idx="2">
-            <a:schemeClr val="accent6"/>
-          </a:fillRef>
-          <a:effectRef idx="1">
-            <a:schemeClr val="accent6"/>
-          </a:effectRef>
-          <a:fontRef idx="minor">
-            <a:schemeClr val="dk1"/>
-          </a:fontRef>
-        </p:style>
-        <p:txBody>
-          <a:bodyPr rtlCol="0" anchor="ctr"/>
-          <a:lstStyle/>
-          <a:p>
-            <a:pPr algn="ctr"/>
-            <a:endParaRPr lang="en-US" sz="1050"/>
-          </a:p>
-        </p:txBody>
-      </p:sp>
-      <p:cxnSp>
-        <p:nvCxnSpPr>
-          <p:cNvPr id="79" name="Elbow Connector 78"/>
-          <p:cNvCxnSpPr>
-            <a:stCxn id="78" idx="3"/>
-            <a:endCxn id="76" idx="1"/>
-          </p:cNvCxnSpPr>
-          <p:nvPr/>
-        </p:nvCxnSpPr>
-        <p:spPr>
-          <a:xfrm flipV="1">
-            <a:off x="7277995" y="2707130"/>
-            <a:ext cx="434402" cy="327761"/>
-          </a:xfrm>
-          <a:prstGeom prst="bentConnector3">
-            <a:avLst/>
-          </a:prstGeom>
-          <a:ln w="19050">
-            <a:solidFill>
-              <a:srgbClr val="7030A0"/>
-            </a:solidFill>
-            <a:headEnd type="none" w="med" len="med"/>
-            <a:tailEnd type="arrow" w="med" len="med"/>
-          </a:ln>
-          <a:effectLst/>
-        </p:spPr>
-        <p:style>
-          <a:lnRef idx="1">
-            <a:schemeClr val="accent2"/>
-          </a:lnRef>
-          <a:fillRef idx="2">
-            <a:schemeClr val="accent2"/>
-          </a:fillRef>
-          <a:effectRef idx="1">
-            <a:schemeClr val="accent2"/>
-          </a:effectRef>
-          <a:fontRef idx="minor">
-            <a:schemeClr val="dk1"/>
-          </a:fontRef>
-        </p:style>
-      </p:cxnSp>
-      <p:sp>
-        <p:nvSpPr>
-          <p:cNvPr id="80" name="Rectangle 8"/>
-          <p:cNvSpPr/>
-          <p:nvPr/>
-        </p:nvSpPr>
-        <p:spPr>
-          <a:xfrm>
-            <a:off x="7712397" y="2887216"/>
-            <a:ext cx="708186" cy="285783"/>
-          </a:xfrm>
-          <a:prstGeom prst="rect">
-            <a:avLst/>
-          </a:prstGeom>
-          <a:ln w="19050">
-            <a:solidFill>
-              <a:srgbClr val="7030A0"/>
-            </a:solidFill>
-          </a:ln>
-          <a:effectLst/>
-        </p:spPr>
-        <p:style>
-          <a:lnRef idx="1">
-            <a:schemeClr val="accent4"/>
-          </a:lnRef>
-          <a:fillRef idx="2">
-            <a:schemeClr val="accent4"/>
-          </a:fillRef>
-          <a:effectRef idx="1">
-            <a:schemeClr val="accent4"/>
-          </a:effectRef>
-          <a:fontRef idx="minor">
-            <a:schemeClr val="dk1"/>
-          </a:fontRef>
-        </p:style>
-        <p:txBody>
-          <a:bodyPr rtlCol="0" anchor="ctr"/>
-          <a:lstStyle/>
-          <a:p>
-            <a:pPr algn="ctr"/>
-            <a:r>
-              <a:rPr lang="en-US" sz="1050" dirty="0">
-                <a:solidFill>
-                  <a:srgbClr val="7030A0"/>
-                </a:solidFill>
-              </a:rPr>
-              <a:t>Phone</a:t>
-            </a:r>
-            <a:endParaRPr lang="en-SG" sz="1050" dirty="0">
-              <a:solidFill>
-                <a:srgbClr val="7030A0"/>
-              </a:solidFill>
-            </a:endParaRPr>
-          </a:p>
-        </p:txBody>
-      </p:sp>
-      <p:cxnSp>
-        <p:nvCxnSpPr>
-          <p:cNvPr id="81" name="Elbow Connector 80"/>
-          <p:cNvCxnSpPr>
-            <a:stCxn id="78" idx="3"/>
-            <a:endCxn id="80" idx="1"/>
-          </p:cNvCxnSpPr>
-          <p:nvPr/>
-        </p:nvCxnSpPr>
-        <p:spPr>
-          <a:xfrm flipV="1">
-            <a:off x="7277995" y="3030108"/>
-            <a:ext cx="434402" cy="4783"/>
-          </a:xfrm>
-          <a:prstGeom prst="bentConnector3">
-            <a:avLst/>
-          </a:prstGeom>
-          <a:ln w="19050">
-            <a:solidFill>
-              <a:srgbClr val="7030A0"/>
-            </a:solidFill>
-            <a:headEnd type="none" w="med" len="med"/>
-            <a:tailEnd type="arrow" w="med" len="med"/>
-          </a:ln>
-          <a:effectLst/>
-        </p:spPr>
-        <p:style>
-          <a:lnRef idx="1">
-            <a:schemeClr val="accent2"/>
-          </a:lnRef>
-          <a:fillRef idx="2">
-            <a:schemeClr val="accent2"/>
-          </a:fillRef>
-          <a:effectRef idx="1">
-            <a:schemeClr val="accent2"/>
-          </a:effectRef>
-          <a:fontRef idx="minor">
-            <a:schemeClr val="dk1"/>
-          </a:fontRef>
-        </p:style>
-      </p:cxnSp>
-      <p:sp>
-        <p:nvSpPr>
-          <p:cNvPr id="83" name="Rectangle 8"/>
-          <p:cNvSpPr/>
-          <p:nvPr/>
-        </p:nvSpPr>
-        <p:spPr>
-          <a:xfrm>
-            <a:off x="7712397" y="3210194"/>
-            <a:ext cx="708186" cy="285783"/>
-          </a:xfrm>
-          <a:prstGeom prst="rect">
-            <a:avLst/>
-          </a:prstGeom>
-          <a:ln w="19050">
-            <a:solidFill>
-              <a:srgbClr val="7030A0"/>
-            </a:solidFill>
-          </a:ln>
-          <a:effectLst/>
-        </p:spPr>
-        <p:style>
-          <a:lnRef idx="1">
-            <a:schemeClr val="accent4"/>
-          </a:lnRef>
-          <a:fillRef idx="2">
-            <a:schemeClr val="accent4"/>
-          </a:fillRef>
-          <a:effectRef idx="1">
-            <a:schemeClr val="accent4"/>
-          </a:effectRef>
-          <a:fontRef idx="minor">
-            <a:schemeClr val="dk1"/>
-          </a:fontRef>
-        </p:style>
-        <p:txBody>
-          <a:bodyPr rtlCol="0" anchor="ctr"/>
-          <a:lstStyle/>
-          <a:p>
-            <a:pPr algn="ctr"/>
-            <a:r>
-              <a:rPr lang="en-US" sz="1050" dirty="0">
-                <a:solidFill>
-                  <a:srgbClr val="7030A0"/>
-                </a:solidFill>
-              </a:rPr>
-              <a:t>Email</a:t>
-            </a:r>
-            <a:endParaRPr lang="en-SG" sz="1050" dirty="0">
-              <a:solidFill>
-                <a:srgbClr val="7030A0"/>
-              </a:solidFill>
-            </a:endParaRPr>
-          </a:p>
-        </p:txBody>
-      </p:sp>
-      <p:cxnSp>
-        <p:nvCxnSpPr>
-          <p:cNvPr id="84" name="Elbow Connector 83"/>
-          <p:cNvCxnSpPr>
-            <a:stCxn id="78" idx="3"/>
-            <a:endCxn id="83" idx="1"/>
-          </p:cNvCxnSpPr>
-          <p:nvPr/>
-        </p:nvCxnSpPr>
-        <p:spPr>
-          <a:xfrm>
-            <a:off x="7277995" y="3034891"/>
-            <a:ext cx="434402" cy="318195"/>
-          </a:xfrm>
-          <a:prstGeom prst="bentConnector3">
-            <a:avLst/>
-          </a:prstGeom>
-          <a:ln w="19050">
-            <a:solidFill>
-              <a:srgbClr val="7030A0"/>
-            </a:solidFill>
-            <a:headEnd type="none" w="med" len="med"/>
-            <a:tailEnd type="arrow" w="med" len="med"/>
-          </a:ln>
-          <a:effectLst/>
-        </p:spPr>
-        <p:style>
-          <a:lnRef idx="1">
-            <a:schemeClr val="accent2"/>
-          </a:lnRef>
-          <a:fillRef idx="2">
-            <a:schemeClr val="accent2"/>
-          </a:fillRef>
-          <a:effectRef idx="1">
-            <a:schemeClr val="accent2"/>
-          </a:effectRef>
-          <a:fontRef idx="minor">
-            <a:schemeClr val="dk1"/>
-          </a:fontRef>
-        </p:style>
-      </p:cxnSp>
-      <p:sp>
-        <p:nvSpPr>
-          <p:cNvPr id="85" name="Rectangle 8"/>
-          <p:cNvSpPr/>
-          <p:nvPr/>
-        </p:nvSpPr>
-        <p:spPr>
-          <a:xfrm>
-            <a:off x="7712397" y="3533171"/>
-            <a:ext cx="708186" cy="285783"/>
-          </a:xfrm>
-          <a:prstGeom prst="rect">
-            <a:avLst/>
-          </a:prstGeom>
-          <a:ln w="19050">
-            <a:solidFill>
-              <a:srgbClr val="7030A0"/>
-            </a:solidFill>
-          </a:ln>
-          <a:effectLst/>
-        </p:spPr>
-        <p:style>
-          <a:lnRef idx="1">
-            <a:schemeClr val="accent4"/>
-          </a:lnRef>
-          <a:fillRef idx="2">
-            <a:schemeClr val="accent4"/>
-          </a:fillRef>
-          <a:effectRef idx="1">
-            <a:schemeClr val="accent4"/>
-          </a:effectRef>
-          <a:fontRef idx="minor">
-            <a:schemeClr val="dk1"/>
-          </a:fontRef>
-        </p:style>
-        <p:txBody>
-          <a:bodyPr rtlCol="0" anchor="ctr"/>
-          <a:lstStyle/>
-          <a:p>
-            <a:pPr algn="ctr"/>
-            <a:r>
-              <a:rPr lang="en-US" sz="1050" dirty="0">
-                <a:solidFill>
-                  <a:srgbClr val="7030A0"/>
-                </a:solidFill>
-              </a:rPr>
-              <a:t>Address</a:t>
-            </a:r>
-            <a:endParaRPr lang="en-SG" sz="1050" dirty="0">
-              <a:solidFill>
-                <a:srgbClr val="7030A0"/>
-              </a:solidFill>
-            </a:endParaRPr>
-          </a:p>
-        </p:txBody>
-      </p:sp>
-      <p:cxnSp>
-        <p:nvCxnSpPr>
-          <p:cNvPr id="86" name="Elbow Connector 85"/>
-          <p:cNvCxnSpPr>
-            <a:stCxn id="78" idx="3"/>
-            <a:endCxn id="85" idx="1"/>
-          </p:cNvCxnSpPr>
-          <p:nvPr/>
-        </p:nvCxnSpPr>
-        <p:spPr>
-          <a:xfrm>
-            <a:off x="7277995" y="3034891"/>
-            <a:ext cx="434402" cy="641172"/>
-          </a:xfrm>
-          <a:prstGeom prst="bentConnector3">
-            <a:avLst/>
-          </a:prstGeom>
-          <a:ln w="19050">
-            <a:solidFill>
-              <a:srgbClr val="7030A0"/>
-            </a:solidFill>
-            <a:headEnd type="none" w="med" len="med"/>
-            <a:tailEnd type="arrow" w="med" len="med"/>
-          </a:ln>
-          <a:effectLst/>
-        </p:spPr>
-        <p:style>
-          <a:lnRef idx="1">
-            <a:schemeClr val="accent2"/>
-          </a:lnRef>
-          <a:fillRef idx="2">
-            <a:schemeClr val="accent2"/>
-          </a:fillRef>
-          <a:effectRef idx="1">
-            <a:schemeClr val="accent2"/>
-          </a:effectRef>
-          <a:fontRef idx="minor">
-            <a:schemeClr val="dk1"/>
-          </a:fontRef>
-        </p:style>
-      </p:cxnSp>
-      <p:cxnSp>
-        <p:nvCxnSpPr>
-          <p:cNvPr id="97" name="Elbow Connector 63"/>
-          <p:cNvCxnSpPr>
-            <a:stCxn id="99" idx="3"/>
-          </p:cNvCxnSpPr>
-          <p:nvPr/>
-        </p:nvCxnSpPr>
-        <p:spPr>
-          <a:xfrm rot="16200000" flipH="1">
-            <a:off x="3279321" y="2485431"/>
-            <a:ext cx="293825" cy="1"/>
-          </a:xfrm>
-          <a:prstGeom prst="bentConnector3">
-            <a:avLst>
-              <a:gd name="adj1" fmla="val 50000"/>
-            </a:avLst>
-          </a:prstGeom>
-          <a:ln w="19050">
-            <a:solidFill>
-              <a:srgbClr val="7030A0"/>
-            </a:solidFill>
-            <a:prstDash val="sysDot"/>
-            <a:headEnd type="none" w="med" len="med"/>
-            <a:tailEnd type="none" w="med" len="med"/>
-          </a:ln>
-          <a:effectLst/>
-        </p:spPr>
-        <p:style>
-          <a:lnRef idx="1">
-            <a:schemeClr val="accent2"/>
-          </a:lnRef>
-          <a:fillRef idx="2">
-            <a:schemeClr val="accent2"/>
-          </a:fillRef>
-          <a:effectRef idx="1">
-            <a:schemeClr val="accent2"/>
-          </a:effectRef>
-          <a:fontRef idx="minor">
-            <a:schemeClr val="dk1"/>
-          </a:fontRef>
-        </p:style>
-      </p:cxnSp>
-      <p:sp>
-        <p:nvSpPr>
-          <p:cNvPr id="99" name="Isosceles Triangle 102"/>
-          <p:cNvSpPr/>
-          <p:nvPr/>
-        </p:nvSpPr>
-        <p:spPr>
-          <a:xfrm rot="10800000" flipV="1">
-            <a:off x="3290981" y="2162997"/>
-            <a:ext cx="270504" cy="175523"/>
-          </a:xfrm>
-          <a:prstGeom prst="triangle">
-            <a:avLst/>
-          </a:prstGeom>
-          <a:ln w="19050">
-            <a:solidFill>
-              <a:srgbClr val="7030A0"/>
-            </a:solidFill>
-          </a:ln>
-          <a:effectLst/>
-        </p:spPr>
-        <p:style>
-          <a:lnRef idx="1">
-            <a:schemeClr val="accent4"/>
-          </a:lnRef>
-          <a:fillRef idx="2">
-            <a:schemeClr val="accent4"/>
-          </a:fillRef>
-          <a:effectRef idx="1">
-            <a:schemeClr val="accent4"/>
-          </a:effectRef>
-          <a:fontRef idx="minor">
-            <a:schemeClr val="dk1"/>
-          </a:fontRef>
-        </p:style>
-        <p:txBody>
-          <a:bodyPr rtlCol="0" anchor="ctr"/>
-          <a:lstStyle/>
-          <a:p>
-            <a:pPr algn="ctr"/>
-            <a:endParaRPr lang="en-SG" sz="1050" b="1">
-              <a:solidFill>
-                <a:srgbClr val="92D050"/>
-              </a:solidFill>
-            </a:endParaRPr>
-          </a:p>
-        </p:txBody>
-      </p:sp>
-      <p:sp>
-        <p:nvSpPr>
-          <p:cNvPr id="100" name="Rectangle 8"/>
-          <p:cNvSpPr/>
-          <p:nvPr/>
-        </p:nvSpPr>
-        <p:spPr>
-          <a:xfrm>
-            <a:off x="2660303" y="1806470"/>
-            <a:ext cx="1539926" cy="346760"/>
-          </a:xfrm>
-          <a:prstGeom prst="rect">
-            <a:avLst/>
-          </a:prstGeom>
-          <a:ln w="19050">
-            <a:solidFill>
-              <a:srgbClr val="7030A0"/>
-            </a:solidFill>
-          </a:ln>
-          <a:effectLst/>
-        </p:spPr>
-        <p:style>
-          <a:lnRef idx="1">
-            <a:schemeClr val="accent4"/>
-          </a:lnRef>
-          <a:fillRef idx="2">
-            <a:schemeClr val="accent4"/>
-          </a:fillRef>
-          <a:effectRef idx="1">
-            <a:schemeClr val="accent4"/>
-          </a:effectRef>
-          <a:fontRef idx="minor">
-            <a:schemeClr val="dk1"/>
-          </a:fontRef>
-        </p:style>
-        <p:txBody>
-          <a:bodyPr rtlCol="0" anchor="ctr"/>
-          <a:lstStyle/>
-          <a:p>
-            <a:pPr algn="ctr"/>
-            <a:r>
-              <a:rPr lang="en-US" sz="1050" dirty="0">
-                <a:solidFill>
-                  <a:srgbClr val="7030A0"/>
-                </a:solidFill>
-              </a:rPr>
-              <a:t>&lt;&lt;interface&gt;&gt;</a:t>
-            </a:r>
-            <a:br>
-              <a:rPr lang="en-US" sz="1050" dirty="0">
-                <a:solidFill>
-                  <a:srgbClr val="7030A0"/>
-                </a:solidFill>
-              </a:rPr>
-            </a:br>
-            <a:r>
-              <a:rPr lang="en-US" sz="1050" dirty="0" err="1">
-                <a:solidFill>
-                  <a:srgbClr val="7030A0"/>
-                </a:solidFill>
-              </a:rPr>
-              <a:t>ReadOnlyAddressBook</a:t>
-            </a:r>
-            <a:endParaRPr lang="en-SG" sz="1050" dirty="0">
-              <a:solidFill>
-                <a:srgbClr val="7030A0"/>
-              </a:solidFill>
-            </a:endParaRPr>
-          </a:p>
-        </p:txBody>
-      </p:sp>
-      <p:sp>
-        <p:nvSpPr>
-          <p:cNvPr id="114" name="TextBox 113"/>
-          <p:cNvSpPr txBox="1"/>
-          <p:nvPr/>
-        </p:nvSpPr>
-        <p:spPr>
-          <a:xfrm rot="16200000">
-            <a:off x="6581354" y="3514530"/>
-            <a:ext cx="881018" cy="261610"/>
-          </a:xfrm>
-          <a:prstGeom prst="rect">
-            <a:avLst/>
-          </a:prstGeom>
-          <a:noFill/>
-        </p:spPr>
-        <p:txBody>
-          <a:bodyPr wrap="square" rtlCol="0">
-            <a:spAutoFit/>
-          </a:bodyPr>
-          <a:lstStyle/>
-          <a:p>
-            <a:pPr algn="r"/>
-            <a:r>
-              <a:rPr lang="en-US" sz="1100" dirty="0">
-                <a:solidFill>
-                  <a:srgbClr val="7030A0"/>
-                </a:solidFill>
-              </a:rPr>
-              <a:t>filtered list</a:t>
-            </a:r>
-            <a:endParaRPr lang="en-SG" sz="1100" dirty="0">
-              <a:solidFill>
-                <a:srgbClr val="7030A0"/>
-              </a:solidFill>
-            </a:endParaRPr>
-          </a:p>
-        </p:txBody>
-      </p:sp>
-      <p:sp>
-        <p:nvSpPr>
-          <p:cNvPr id="122" name="Rectangle 8"/>
-          <p:cNvSpPr/>
-          <p:nvPr/>
-        </p:nvSpPr>
-        <p:spPr>
-          <a:xfrm>
-            <a:off x="2057400" y="4239491"/>
-            <a:ext cx="1775949" cy="346760"/>
-          </a:xfrm>
-          <a:prstGeom prst="rect">
-            <a:avLst/>
-          </a:prstGeom>
-          <a:ln w="19050">
-            <a:solidFill>
-              <a:srgbClr val="7030A0"/>
-            </a:solidFill>
-          </a:ln>
-          <a:effectLst/>
-        </p:spPr>
-        <p:style>
-          <a:lnRef idx="1">
-            <a:schemeClr val="accent4"/>
-          </a:lnRef>
-          <a:fillRef idx="2">
-            <a:schemeClr val="accent4"/>
-          </a:fillRef>
-          <a:effectRef idx="1">
-            <a:schemeClr val="accent4"/>
-          </a:effectRef>
-          <a:fontRef idx="minor">
-            <a:schemeClr val="dk1"/>
-          </a:fontRef>
-        </p:style>
-        <p:txBody>
-          <a:bodyPr rtlCol="0" anchor="ctr"/>
-          <a:lstStyle/>
-          <a:p>
-            <a:pPr algn="ctr"/>
-            <a:r>
-              <a:rPr lang="en-US" sz="1050" dirty="0">
-                <a:solidFill>
-                  <a:srgbClr val="7030A0"/>
-                </a:solidFill>
-              </a:rPr>
-              <a:t>&lt;&lt;interface&gt;&gt;</a:t>
-            </a:r>
-            <a:br>
-              <a:rPr lang="en-US" sz="1050" dirty="0">
-                <a:solidFill>
-                  <a:srgbClr val="7030A0"/>
-                </a:solidFill>
-              </a:rPr>
-            </a:br>
-            <a:r>
-              <a:rPr lang="en-US" sz="1050" dirty="0" err="1">
-                <a:solidFill>
-                  <a:srgbClr val="7030A0"/>
-                </a:solidFill>
-              </a:rPr>
-              <a:t>UnmodifiableObservableList</a:t>
-            </a:r>
-            <a:endParaRPr lang="en-SG" sz="1050" dirty="0">
-              <a:solidFill>
-                <a:srgbClr val="7030A0"/>
-              </a:solidFill>
-            </a:endParaRPr>
-          </a:p>
-        </p:txBody>
-      </p:sp>
-      <p:cxnSp>
-        <p:nvCxnSpPr>
-          <p:cNvPr id="124" name="Elbow Connector 122"/>
-          <p:cNvCxnSpPr>
-            <a:stCxn id="119" idx="1"/>
-            <a:endCxn id="122" idx="1"/>
-          </p:cNvCxnSpPr>
-          <p:nvPr/>
-        </p:nvCxnSpPr>
-        <p:spPr>
-          <a:xfrm rot="16200000" flipH="1">
-            <a:off x="1364475" y="3719945"/>
-            <a:ext cx="831471" cy="554380"/>
-          </a:xfrm>
-          <a:prstGeom prst="bentConnector2">
-            <a:avLst/>
-          </a:prstGeom>
-          <a:ln w="19050">
-            <a:solidFill>
-              <a:srgbClr val="7030A0"/>
-            </a:solidFill>
-            <a:prstDash val="sysDot"/>
-            <a:headEnd type="none" w="med" len="med"/>
-            <a:tailEnd type="arrow" w="med" len="med"/>
-          </a:ln>
-          <a:effectLst/>
-        </p:spPr>
-        <p:style>
-          <a:lnRef idx="1">
-            <a:schemeClr val="accent2"/>
-          </a:lnRef>
-          <a:fillRef idx="2">
-            <a:schemeClr val="accent2"/>
-          </a:fillRef>
-          <a:effectRef idx="1">
-            <a:schemeClr val="accent2"/>
-          </a:effectRef>
-          <a:fontRef idx="minor">
-            <a:schemeClr val="dk1"/>
-          </a:fontRef>
-        </p:style>
-      </p:cxnSp>
-    </p:spTree>
-    <p:extLst>
-      <p:ext uri="{BB962C8B-B14F-4D97-AF65-F5344CB8AC3E}">
-        <p14:creationId xmlns:p14="http://schemas.microsoft.com/office/powerpoint/2010/main" val="2396968029"/>
-      </p:ext>
-    </p:extLst>
-  </p:cSld>
-  <p:clrMapOvr>
-    <a:masterClrMapping/>
-  </p:clrMapOvr>
-</p:sld>
-</file>
-
-<file path=ppt/slides/slide8.xml><?xml version="1.0" encoding="utf-8"?>
-<p:sld xmlns:a="http://schemas.openxmlformats.org/drawingml/2006/main" xmlns:r="http://schemas.openxmlformats.org/officeDocument/2006/relationships" xmlns:p="http://schemas.openxmlformats.org/presentationml/2006/main">
-  <p:cSld>
-    <p:spTree>
-      <p:nvGrpSpPr>
-        <p:cNvPr id="1" name=""/>
-        <p:cNvGrpSpPr/>
-        <p:nvPr/>
-      </p:nvGrpSpPr>
-      <p:grpSpPr>
-        <a:xfrm>
-          <a:off x="0" y="0"/>
-          <a:ext cx="0" cy="0"/>
-          <a:chOff x="0" y="0"/>
-          <a:chExt cx="0" cy="0"/>
-        </a:xfrm>
-      </p:grpSpPr>
-      <p:sp>
-        <p:nvSpPr>
           <p:cNvPr id="118" name="Rectangle 65"/>
           <p:cNvSpPr/>
           <p:nvPr/>
@@ -16822,6 +11615,16 @@
                 </a:solidFill>
               </a:rPr>
               <a:t>XmlAddressBook</a:t>
+            </a:r>
+            <a:r>
+              <a:rPr lang="en-US" sz="1050" b="1" dirty="0">
+                <a:solidFill>
+                  <a:schemeClr val="accent6">
+                    <a:lumMod val="75000"/>
+                  </a:schemeClr>
+                </a:solidFill>
+              </a:rPr>
+              <a:t/>
             </a:r>
             <a:br>
               <a:rPr lang="en-US" sz="1050" b="1" dirty="0">
@@ -17180,6 +11983,14 @@
               </a:rPr>
               <a:t>JsonUserPrefs</a:t>
             </a:r>
+            <a:r>
+              <a:rPr lang="en-US" sz="1050" dirty="0">
+                <a:solidFill>
+                  <a:schemeClr val="bg1"/>
+                </a:solidFill>
+              </a:rPr>
+              <a:t/>
+            </a:r>
             <a:br>
               <a:rPr lang="en-US" sz="1050" dirty="0">
                 <a:solidFill>
@@ -17248,6 +12059,16 @@
                 </a:solidFill>
               </a:rPr>
               <a:t>XmlSerializable</a:t>
+            </a:r>
+            <a:r>
+              <a:rPr lang="en-US" sz="1050" b="1" dirty="0">
+                <a:solidFill>
+                  <a:schemeClr val="accent6">
+                    <a:lumMod val="75000"/>
+                  </a:schemeClr>
+                </a:solidFill>
+              </a:rPr>
+              <a:t/>
             </a:r>
             <a:br>
               <a:rPr lang="en-US" sz="1050" b="1" dirty="0">
@@ -17485,7 +12306,7 @@
 </p:sld>
 </file>
 
-<file path=ppt/slides/slide9.xml><?xml version="1.0" encoding="utf-8"?>
+<file path=ppt/slides/slide7.xml><?xml version="1.0" encoding="utf-8"?>
 <p:sld xmlns:a="http://schemas.openxmlformats.org/drawingml/2006/main" xmlns:r="http://schemas.openxmlformats.org/officeDocument/2006/relationships" xmlns:p="http://schemas.openxmlformats.org/presentationml/2006/main">
   <p:cSld>
     <p:spTree>

--- a/docs/diagrams/Diagrams.pptx
+++ b/docs/diagrams/Diagrams.pptx
@@ -5,7 +5,7 @@
     <p:sldMasterId id="2147483648" r:id="rId1"/>
   </p:sldMasterIdLst>
   <p:notesMasterIdLst>
-    <p:notesMasterId r:id="rId9"/>
+    <p:notesMasterId r:id="rId8"/>
   </p:notesMasterIdLst>
   <p:sldIdLst>
     <p:sldId id="256" r:id="rId2"/>
@@ -13,8 +13,7 @@
     <p:sldId id="266" r:id="rId4"/>
     <p:sldId id="261" r:id="rId5"/>
     <p:sldId id="267" r:id="rId6"/>
-    <p:sldId id="264" r:id="rId7"/>
-    <p:sldId id="265" r:id="rId8"/>
+    <p:sldId id="265" r:id="rId7"/>
   </p:sldIdLst>
   <p:sldSz cx="9144000" cy="6858000" type="screen4x3"/>
   <p:notesSz cx="6858000" cy="9144000"/>
@@ -10892,1421 +10891,6 @@
 </file>
 
 <file path=ppt/slides/slide6.xml><?xml version="1.0" encoding="utf-8"?>
-<p:sld xmlns:a="http://schemas.openxmlformats.org/drawingml/2006/main" xmlns:r="http://schemas.openxmlformats.org/officeDocument/2006/relationships" xmlns:p="http://schemas.openxmlformats.org/presentationml/2006/main">
-  <p:cSld>
-    <p:spTree>
-      <p:nvGrpSpPr>
-        <p:cNvPr id="1" name=""/>
-        <p:cNvGrpSpPr/>
-        <p:nvPr/>
-      </p:nvGrpSpPr>
-      <p:grpSpPr>
-        <a:xfrm>
-          <a:off x="0" y="0"/>
-          <a:ext cx="0" cy="0"/>
-          <a:chOff x="0" y="0"/>
-          <a:chExt cx="0" cy="0"/>
-        </a:xfrm>
-      </p:grpSpPr>
-      <p:sp>
-        <p:nvSpPr>
-          <p:cNvPr id="118" name="Rectangle 65"/>
-          <p:cNvSpPr/>
-          <p:nvPr/>
-        </p:nvSpPr>
-        <p:spPr>
-          <a:xfrm>
-            <a:off x="1119865" y="2086382"/>
-            <a:ext cx="7871735" cy="1723618"/>
-          </a:xfrm>
-          <a:prstGeom prst="roundRect">
-            <a:avLst>
-              <a:gd name="adj" fmla="val 3484"/>
-            </a:avLst>
-          </a:prstGeom>
-          <a:solidFill>
-            <a:schemeClr val="accent6">
-              <a:lumMod val="20000"/>
-              <a:lumOff val="80000"/>
-            </a:schemeClr>
-          </a:solidFill>
-          <a:ln w="19050">
-            <a:noFill/>
-          </a:ln>
-          <a:effectLst/>
-        </p:spPr>
-        <p:style>
-          <a:lnRef idx="1">
-            <a:schemeClr val="accent2"/>
-          </a:lnRef>
-          <a:fillRef idx="2">
-            <a:schemeClr val="accent2"/>
-          </a:fillRef>
-          <a:effectRef idx="1">
-            <a:schemeClr val="accent2"/>
-          </a:effectRef>
-          <a:fontRef idx="minor">
-            <a:schemeClr val="dk1"/>
-          </a:fontRef>
-        </p:style>
-        <p:txBody>
-          <a:bodyPr rtlCol="0" anchor="t"/>
-          <a:lstStyle/>
-          <a:p>
-            <a:r>
-              <a:rPr lang="en-US" sz="1200" b="1" dirty="0">
-                <a:solidFill>
-                  <a:schemeClr val="accent6">
-                    <a:lumMod val="75000"/>
-                  </a:schemeClr>
-                </a:solidFill>
-              </a:rPr>
-              <a:t>Storage</a:t>
-            </a:r>
-            <a:endParaRPr lang="en-SG" sz="1200" b="1" dirty="0">
-              <a:solidFill>
-                <a:schemeClr val="accent6">
-                  <a:lumMod val="75000"/>
-                </a:schemeClr>
-              </a:solidFill>
-            </a:endParaRPr>
-          </a:p>
-        </p:txBody>
-      </p:sp>
-      <p:sp>
-        <p:nvSpPr>
-          <p:cNvPr id="2" name="Rectangle 8"/>
-          <p:cNvSpPr/>
-          <p:nvPr/>
-        </p:nvSpPr>
-        <p:spPr>
-          <a:xfrm>
-            <a:off x="2877180" y="3158440"/>
-            <a:ext cx="1323049" cy="346760"/>
-          </a:xfrm>
-          <a:prstGeom prst="rect">
-            <a:avLst/>
-          </a:prstGeom>
-          <a:solidFill>
-            <a:schemeClr val="accent6">
-              <a:lumMod val="75000"/>
-            </a:schemeClr>
-          </a:solidFill>
-          <a:ln w="19050">
-            <a:solidFill>
-              <a:schemeClr val="accent6">
-                <a:lumMod val="75000"/>
-              </a:schemeClr>
-            </a:solidFill>
-          </a:ln>
-          <a:effectLst/>
-        </p:spPr>
-        <p:style>
-          <a:lnRef idx="1">
-            <a:schemeClr val="accent2"/>
-          </a:lnRef>
-          <a:fillRef idx="2">
-            <a:schemeClr val="accent2"/>
-          </a:fillRef>
-          <a:effectRef idx="1">
-            <a:schemeClr val="accent2"/>
-          </a:effectRef>
-          <a:fontRef idx="minor">
-            <a:schemeClr val="dk1"/>
-          </a:fontRef>
-        </p:style>
-        <p:txBody>
-          <a:bodyPr rtlCol="0" anchor="ctr"/>
-          <a:lstStyle/>
-          <a:p>
-            <a:pPr algn="ctr"/>
-            <a:r>
-              <a:rPr lang="en-US" sz="1050" dirty="0">
-                <a:solidFill>
-                  <a:schemeClr val="bg1"/>
-                </a:solidFill>
-              </a:rPr>
-              <a:t>&lt;&lt;interface&gt;&gt;</a:t>
-            </a:r>
-            <a:br>
-              <a:rPr lang="en-US" sz="1050" dirty="0">
-                <a:solidFill>
-                  <a:schemeClr val="bg1"/>
-                </a:solidFill>
-              </a:rPr>
-            </a:br>
-            <a:r>
-              <a:rPr lang="en-US" sz="1050" dirty="0" err="1">
-                <a:solidFill>
-                  <a:schemeClr val="bg1"/>
-                </a:solidFill>
-              </a:rPr>
-              <a:t>AddressBookStorage</a:t>
-            </a:r>
-            <a:endParaRPr lang="en-SG" sz="1050" dirty="0">
-              <a:solidFill>
-                <a:schemeClr val="bg1"/>
-              </a:solidFill>
-            </a:endParaRPr>
-          </a:p>
-        </p:txBody>
-      </p:sp>
-      <p:sp>
-        <p:nvSpPr>
-          <p:cNvPr id="9" name="Rectangle 62"/>
-          <p:cNvSpPr/>
-          <p:nvPr/>
-        </p:nvSpPr>
-        <p:spPr>
-          <a:xfrm rot="16200000">
-            <a:off x="1683963" y="2868687"/>
-            <a:ext cx="1093635" cy="346760"/>
-          </a:xfrm>
-          <a:prstGeom prst="rect">
-            <a:avLst/>
-          </a:prstGeom>
-          <a:solidFill>
-            <a:schemeClr val="accent6">
-              <a:lumMod val="75000"/>
-            </a:schemeClr>
-          </a:solidFill>
-          <a:ln w="19050">
-            <a:solidFill>
-              <a:schemeClr val="accent6">
-                <a:lumMod val="75000"/>
-              </a:schemeClr>
-            </a:solidFill>
-          </a:ln>
-          <a:effectLst/>
-        </p:spPr>
-        <p:style>
-          <a:lnRef idx="1">
-            <a:schemeClr val="accent2"/>
-          </a:lnRef>
-          <a:fillRef idx="2">
-            <a:schemeClr val="accent2"/>
-          </a:fillRef>
-          <a:effectRef idx="1">
-            <a:schemeClr val="accent2"/>
-          </a:effectRef>
-          <a:fontRef idx="minor">
-            <a:schemeClr val="dk1"/>
-          </a:fontRef>
-        </p:style>
-        <p:txBody>
-          <a:bodyPr rtlCol="0" anchor="ctr"/>
-          <a:lstStyle/>
-          <a:p>
-            <a:pPr algn="ctr"/>
-            <a:r>
-              <a:rPr lang="en-US" sz="1050" dirty="0" err="1">
-                <a:solidFill>
-                  <a:schemeClr val="bg1"/>
-                </a:solidFill>
-              </a:rPr>
-              <a:t>StorageManager</a:t>
-            </a:r>
-            <a:endParaRPr lang="en-SG" sz="1050" dirty="0">
-              <a:solidFill>
-                <a:schemeClr val="bg1"/>
-              </a:solidFill>
-            </a:endParaRPr>
-          </a:p>
-        </p:txBody>
-      </p:sp>
-      <p:sp>
-        <p:nvSpPr>
-          <p:cNvPr id="119" name="Rectangle 62"/>
-          <p:cNvSpPr/>
-          <p:nvPr/>
-        </p:nvSpPr>
-        <p:spPr>
-          <a:xfrm rot="16200000">
-            <a:off x="956202" y="2861202"/>
-            <a:ext cx="1093635" cy="346760"/>
-          </a:xfrm>
-          <a:prstGeom prst="rect">
-            <a:avLst/>
-          </a:prstGeom>
-          <a:solidFill>
-            <a:schemeClr val="accent6">
-              <a:lumMod val="75000"/>
-            </a:schemeClr>
-          </a:solidFill>
-          <a:ln w="19050">
-            <a:solidFill>
-              <a:schemeClr val="accent6">
-                <a:lumMod val="75000"/>
-              </a:schemeClr>
-            </a:solidFill>
-          </a:ln>
-          <a:effectLst/>
-        </p:spPr>
-        <p:style>
-          <a:lnRef idx="1">
-            <a:schemeClr val="accent2"/>
-          </a:lnRef>
-          <a:fillRef idx="2">
-            <a:schemeClr val="accent2"/>
-          </a:fillRef>
-          <a:effectRef idx="1">
-            <a:schemeClr val="accent2"/>
-          </a:effectRef>
-          <a:fontRef idx="minor">
-            <a:schemeClr val="dk1"/>
-          </a:fontRef>
-        </p:style>
-        <p:txBody>
-          <a:bodyPr rtlCol="0" anchor="ctr"/>
-          <a:lstStyle/>
-          <a:p>
-            <a:pPr algn="ctr"/>
-            <a:r>
-              <a:rPr lang="en-US" sz="1050" dirty="0">
-                <a:solidFill>
-                  <a:schemeClr val="bg1"/>
-                </a:solidFill>
-              </a:rPr>
-              <a:t>&lt;&lt;interface&gt;&gt;</a:t>
-            </a:r>
-          </a:p>
-          <a:p>
-            <a:pPr algn="ctr"/>
-            <a:r>
-              <a:rPr lang="en-US" sz="1050" dirty="0">
-                <a:solidFill>
-                  <a:schemeClr val="bg1"/>
-                </a:solidFill>
-              </a:rPr>
-              <a:t>Storage</a:t>
-            </a:r>
-            <a:endParaRPr lang="en-SG" sz="1050" dirty="0">
-              <a:solidFill>
-                <a:schemeClr val="bg1"/>
-              </a:solidFill>
-            </a:endParaRPr>
-          </a:p>
-        </p:txBody>
-      </p:sp>
-      <p:sp>
-        <p:nvSpPr>
-          <p:cNvPr id="120" name="Isosceles Triangle 102"/>
-          <p:cNvSpPr/>
-          <p:nvPr/>
-        </p:nvSpPr>
-        <p:spPr>
-          <a:xfrm rot="16200000">
-            <a:off x="1626910" y="2952291"/>
-            <a:ext cx="270504" cy="175523"/>
-          </a:xfrm>
-          <a:prstGeom prst="triangle">
-            <a:avLst/>
-          </a:prstGeom>
-          <a:solidFill>
-            <a:schemeClr val="accent6">
-              <a:lumMod val="75000"/>
-            </a:schemeClr>
-          </a:solidFill>
-          <a:ln w="19050">
-            <a:solidFill>
-              <a:schemeClr val="accent6">
-                <a:lumMod val="75000"/>
-              </a:schemeClr>
-            </a:solidFill>
-          </a:ln>
-          <a:effectLst/>
-        </p:spPr>
-        <p:style>
-          <a:lnRef idx="1">
-            <a:schemeClr val="accent2"/>
-          </a:lnRef>
-          <a:fillRef idx="2">
-            <a:schemeClr val="accent2"/>
-          </a:fillRef>
-          <a:effectRef idx="1">
-            <a:schemeClr val="accent2"/>
-          </a:effectRef>
-          <a:fontRef idx="minor">
-            <a:schemeClr val="dk1"/>
-          </a:fontRef>
-        </p:style>
-        <p:txBody>
-          <a:bodyPr rtlCol="0" anchor="ctr"/>
-          <a:lstStyle/>
-          <a:p>
-            <a:pPr algn="ctr"/>
-            <a:endParaRPr lang="en-SG" sz="1050">
-              <a:solidFill>
-                <a:schemeClr val="bg1"/>
-              </a:solidFill>
-            </a:endParaRPr>
-          </a:p>
-        </p:txBody>
-      </p:sp>
-      <p:cxnSp>
-        <p:nvCxnSpPr>
-          <p:cNvPr id="58" name="Straight Arrow Connector 57"/>
-          <p:cNvCxnSpPr>
-            <a:stCxn id="42" idx="3"/>
-            <a:endCxn id="2" idx="1"/>
-          </p:cNvCxnSpPr>
-          <p:nvPr/>
-        </p:nvCxnSpPr>
-        <p:spPr>
-          <a:xfrm>
-            <a:off x="2656370" y="3326536"/>
-            <a:ext cx="220810" cy="5284"/>
-          </a:xfrm>
-          <a:prstGeom prst="straightConnector1">
-            <a:avLst/>
-          </a:prstGeom>
-          <a:ln w="19050">
-            <a:solidFill>
-              <a:schemeClr val="accent6">
-                <a:lumMod val="75000"/>
-              </a:schemeClr>
-            </a:solidFill>
-            <a:headEnd type="none" w="med" len="med"/>
-            <a:tailEnd type="arrow" w="med" len="med"/>
-          </a:ln>
-          <a:effectLst/>
-        </p:spPr>
-        <p:style>
-          <a:lnRef idx="1">
-            <a:schemeClr val="accent2"/>
-          </a:lnRef>
-          <a:fillRef idx="2">
-            <a:schemeClr val="accent2"/>
-          </a:fillRef>
-          <a:effectRef idx="1">
-            <a:schemeClr val="accent2"/>
-          </a:effectRef>
-          <a:fontRef idx="minor">
-            <a:schemeClr val="dk1"/>
-          </a:fontRef>
-        </p:style>
-      </p:cxnSp>
-      <p:cxnSp>
-        <p:nvCxnSpPr>
-          <p:cNvPr id="75" name="Elbow Connector 122"/>
-          <p:cNvCxnSpPr/>
-          <p:nvPr/>
-        </p:nvCxnSpPr>
-        <p:spPr>
-          <a:xfrm>
-            <a:off x="910091" y="3040053"/>
-            <a:ext cx="419548" cy="2860"/>
-          </a:xfrm>
-          <a:prstGeom prst="bentConnector3">
-            <a:avLst>
-              <a:gd name="adj1" fmla="val 50000"/>
-            </a:avLst>
-          </a:prstGeom>
-          <a:ln w="19050">
-            <a:solidFill>
-              <a:schemeClr val="bg1">
-                <a:lumMod val="75000"/>
-              </a:schemeClr>
-            </a:solidFill>
-            <a:prstDash val="sysDot"/>
-            <a:headEnd type="none" w="med" len="med"/>
-            <a:tailEnd type="arrow" w="med" len="med"/>
-          </a:ln>
-          <a:effectLst/>
-        </p:spPr>
-        <p:style>
-          <a:lnRef idx="1">
-            <a:schemeClr val="accent2"/>
-          </a:lnRef>
-          <a:fillRef idx="2">
-            <a:schemeClr val="accent2"/>
-          </a:fillRef>
-          <a:effectRef idx="1">
-            <a:schemeClr val="accent2"/>
-          </a:effectRef>
-          <a:fontRef idx="minor">
-            <a:schemeClr val="dk1"/>
-          </a:fontRef>
-        </p:style>
-      </p:cxnSp>
-      <p:cxnSp>
-        <p:nvCxnSpPr>
-          <p:cNvPr id="21" name="Straight Connector 20"/>
-          <p:cNvCxnSpPr>
-            <a:stCxn id="120" idx="3"/>
-          </p:cNvCxnSpPr>
-          <p:nvPr/>
-        </p:nvCxnSpPr>
-        <p:spPr>
-          <a:xfrm flipV="1">
-            <a:off x="1849924" y="3040052"/>
-            <a:ext cx="216105" cy="1"/>
-          </a:xfrm>
-          <a:prstGeom prst="line">
-            <a:avLst/>
-          </a:prstGeom>
-          <a:ln w="19050">
-            <a:solidFill>
-              <a:schemeClr val="accent6">
-                <a:lumMod val="75000"/>
-              </a:schemeClr>
-            </a:solidFill>
-            <a:prstDash val="sysDot"/>
-            <a:headEnd type="none" w="med" len="med"/>
-            <a:tailEnd type="none" w="med" len="med"/>
-          </a:ln>
-          <a:effectLst/>
-        </p:spPr>
-        <p:style>
-          <a:lnRef idx="1">
-            <a:schemeClr val="accent2"/>
-          </a:lnRef>
-          <a:fillRef idx="2">
-            <a:schemeClr val="accent2"/>
-          </a:fillRef>
-          <a:effectRef idx="1">
-            <a:schemeClr val="accent2"/>
-          </a:effectRef>
-          <a:fontRef idx="minor">
-            <a:schemeClr val="dk1"/>
-          </a:fontRef>
-        </p:style>
-      </p:cxnSp>
-      <p:sp>
-        <p:nvSpPr>
-          <p:cNvPr id="42" name="Flowchart: Decision 96"/>
-          <p:cNvSpPr/>
-          <p:nvPr/>
-        </p:nvSpPr>
-        <p:spPr>
-          <a:xfrm>
-            <a:off x="2420322" y="3239846"/>
-            <a:ext cx="236048" cy="173380"/>
-          </a:xfrm>
-          <a:prstGeom prst="flowChartDecision">
-            <a:avLst/>
-          </a:prstGeom>
-          <a:noFill/>
-          <a:ln w="19050">
-            <a:solidFill>
-              <a:schemeClr val="accent6">
-                <a:lumMod val="75000"/>
-              </a:schemeClr>
-            </a:solidFill>
-          </a:ln>
-          <a:effectLst/>
-        </p:spPr>
-        <p:style>
-          <a:lnRef idx="1">
-            <a:schemeClr val="accent2"/>
-          </a:lnRef>
-          <a:fillRef idx="2">
-            <a:schemeClr val="accent2"/>
-          </a:fillRef>
-          <a:effectRef idx="1">
-            <a:schemeClr val="accent2"/>
-          </a:effectRef>
-          <a:fontRef idx="minor">
-            <a:schemeClr val="dk1"/>
-          </a:fontRef>
-        </p:style>
-        <p:txBody>
-          <a:bodyPr rtlCol="0" anchor="ctr"/>
-          <a:lstStyle/>
-          <a:p>
-            <a:pPr algn="ctr"/>
-            <a:endParaRPr lang="en-US" sz="1050">
-              <a:solidFill>
-                <a:schemeClr val="bg1"/>
-              </a:solidFill>
-            </a:endParaRPr>
-          </a:p>
-        </p:txBody>
-      </p:sp>
-      <p:cxnSp>
-        <p:nvCxnSpPr>
-          <p:cNvPr id="97" name="Elbow Connector 63"/>
-          <p:cNvCxnSpPr>
-            <a:stCxn id="99" idx="3"/>
-            <a:endCxn id="50" idx="1"/>
-          </p:cNvCxnSpPr>
-          <p:nvPr/>
-        </p:nvCxnSpPr>
-        <p:spPr>
-          <a:xfrm flipV="1">
-            <a:off x="4398041" y="3331820"/>
-            <a:ext cx="223324" cy="1"/>
-          </a:xfrm>
-          <a:prstGeom prst="bentConnector3">
-            <a:avLst>
-              <a:gd name="adj1" fmla="val 50000"/>
-            </a:avLst>
-          </a:prstGeom>
-          <a:ln w="19050">
-            <a:solidFill>
-              <a:schemeClr val="accent6">
-                <a:lumMod val="75000"/>
-              </a:schemeClr>
-            </a:solidFill>
-            <a:prstDash val="sysDot"/>
-            <a:headEnd type="none" w="med" len="med"/>
-            <a:tailEnd type="none" w="med" len="med"/>
-          </a:ln>
-          <a:effectLst/>
-        </p:spPr>
-        <p:style>
-          <a:lnRef idx="1">
-            <a:schemeClr val="accent2"/>
-          </a:lnRef>
-          <a:fillRef idx="2">
-            <a:schemeClr val="accent2"/>
-          </a:fillRef>
-          <a:effectRef idx="1">
-            <a:schemeClr val="accent2"/>
-          </a:effectRef>
-          <a:fontRef idx="minor">
-            <a:schemeClr val="dk1"/>
-          </a:fontRef>
-        </p:style>
-      </p:cxnSp>
-      <p:sp>
-        <p:nvSpPr>
-          <p:cNvPr id="99" name="Isosceles Triangle 102"/>
-          <p:cNvSpPr/>
-          <p:nvPr/>
-        </p:nvSpPr>
-        <p:spPr>
-          <a:xfrm rot="5400000" flipV="1">
-            <a:off x="4175027" y="3244059"/>
-            <a:ext cx="270504" cy="175523"/>
-          </a:xfrm>
-          <a:prstGeom prst="triangle">
-            <a:avLst/>
-          </a:prstGeom>
-          <a:solidFill>
-            <a:schemeClr val="accent6">
-              <a:lumMod val="75000"/>
-            </a:schemeClr>
-          </a:solidFill>
-          <a:ln w="19050">
-            <a:solidFill>
-              <a:schemeClr val="accent6">
-                <a:lumMod val="75000"/>
-              </a:schemeClr>
-            </a:solidFill>
-          </a:ln>
-          <a:effectLst/>
-        </p:spPr>
-        <p:style>
-          <a:lnRef idx="1">
-            <a:schemeClr val="accent2"/>
-          </a:lnRef>
-          <a:fillRef idx="2">
-            <a:schemeClr val="accent2"/>
-          </a:fillRef>
-          <a:effectRef idx="1">
-            <a:schemeClr val="accent2"/>
-          </a:effectRef>
-          <a:fontRef idx="minor">
-            <a:schemeClr val="dk1"/>
-          </a:fontRef>
-        </p:style>
-        <p:txBody>
-          <a:bodyPr rtlCol="0" anchor="ctr"/>
-          <a:lstStyle/>
-          <a:p>
-            <a:pPr algn="ctr"/>
-            <a:endParaRPr lang="en-SG" sz="1050">
-              <a:solidFill>
-                <a:schemeClr val="bg1"/>
-              </a:solidFill>
-            </a:endParaRPr>
-          </a:p>
-        </p:txBody>
-      </p:sp>
-      <p:cxnSp>
-        <p:nvCxnSpPr>
-          <p:cNvPr id="124" name="Elbow Connector 122"/>
-          <p:cNvCxnSpPr>
-            <a:stCxn id="50" idx="3"/>
-            <a:endCxn id="66" idx="1"/>
-          </p:cNvCxnSpPr>
-          <p:nvPr/>
-        </p:nvCxnSpPr>
-        <p:spPr>
-          <a:xfrm>
-            <a:off x="5791200" y="3331820"/>
-            <a:ext cx="228600" cy="1970"/>
-          </a:xfrm>
-          <a:prstGeom prst="bentConnector3">
-            <a:avLst>
-              <a:gd name="adj1" fmla="val 50000"/>
-            </a:avLst>
-          </a:prstGeom>
-          <a:ln w="19050">
-            <a:solidFill>
-              <a:schemeClr val="accent6">
-                <a:lumMod val="75000"/>
-              </a:schemeClr>
-            </a:solidFill>
-            <a:prstDash val="sysDot"/>
-            <a:headEnd type="none" w="med" len="med"/>
-            <a:tailEnd type="arrow" w="med" len="med"/>
-          </a:ln>
-          <a:effectLst/>
-        </p:spPr>
-        <p:style>
-          <a:lnRef idx="1">
-            <a:schemeClr val="accent2"/>
-          </a:lnRef>
-          <a:fillRef idx="2">
-            <a:schemeClr val="accent2"/>
-          </a:fillRef>
-          <a:effectRef idx="1">
-            <a:schemeClr val="accent2"/>
-          </a:effectRef>
-          <a:fontRef idx="minor">
-            <a:schemeClr val="dk1"/>
-          </a:fontRef>
-        </p:style>
-      </p:cxnSp>
-      <p:sp>
-        <p:nvSpPr>
-          <p:cNvPr id="50" name="Rectangle 8"/>
-          <p:cNvSpPr/>
-          <p:nvPr/>
-        </p:nvSpPr>
-        <p:spPr>
-          <a:xfrm>
-            <a:off x="4621365" y="3158440"/>
-            <a:ext cx="1169835" cy="346760"/>
-          </a:xfrm>
-          <a:prstGeom prst="rect">
-            <a:avLst/>
-          </a:prstGeom>
-          <a:ln w="19050"/>
-          <a:effectLst/>
-        </p:spPr>
-        <p:style>
-          <a:lnRef idx="1">
-            <a:schemeClr val="accent6"/>
-          </a:lnRef>
-          <a:fillRef idx="2">
-            <a:schemeClr val="accent6"/>
-          </a:fillRef>
-          <a:effectRef idx="1">
-            <a:schemeClr val="accent6"/>
-          </a:effectRef>
-          <a:fontRef idx="minor">
-            <a:schemeClr val="dk1"/>
-          </a:fontRef>
-        </p:style>
-        <p:txBody>
-          <a:bodyPr rtlCol="0" anchor="ctr"/>
-          <a:lstStyle/>
-          <a:p>
-            <a:pPr algn="ctr"/>
-            <a:r>
-              <a:rPr lang="en-US" sz="1050" b="1" dirty="0" err="1">
-                <a:solidFill>
-                  <a:schemeClr val="accent6">
-                    <a:lumMod val="75000"/>
-                  </a:schemeClr>
-                </a:solidFill>
-              </a:rPr>
-              <a:t>XmlAddressBook</a:t>
-            </a:r>
-            <a:r>
-              <a:rPr lang="en-US" sz="1050" b="1" dirty="0">
-                <a:solidFill>
-                  <a:schemeClr val="accent6">
-                    <a:lumMod val="75000"/>
-                  </a:schemeClr>
-                </a:solidFill>
-              </a:rPr>
-              <a:t/>
-            </a:r>
-            <a:br>
-              <a:rPr lang="en-US" sz="1050" b="1" dirty="0">
-                <a:solidFill>
-                  <a:schemeClr val="accent6">
-                    <a:lumMod val="75000"/>
-                  </a:schemeClr>
-                </a:solidFill>
-              </a:rPr>
-            </a:br>
-            <a:r>
-              <a:rPr lang="en-US" sz="1050" b="1" dirty="0">
-                <a:solidFill>
-                  <a:schemeClr val="accent6">
-                    <a:lumMod val="75000"/>
-                  </a:schemeClr>
-                </a:solidFill>
-              </a:rPr>
-              <a:t>Storage</a:t>
-            </a:r>
-            <a:endParaRPr lang="en-SG" sz="1050" b="1" dirty="0">
-              <a:solidFill>
-                <a:schemeClr val="accent6">
-                  <a:lumMod val="75000"/>
-                </a:schemeClr>
-              </a:solidFill>
-            </a:endParaRPr>
-          </a:p>
-        </p:txBody>
-      </p:sp>
-      <p:sp>
-        <p:nvSpPr>
-          <p:cNvPr id="52" name="Rectangle 8"/>
-          <p:cNvSpPr/>
-          <p:nvPr/>
-        </p:nvSpPr>
-        <p:spPr>
-          <a:xfrm>
-            <a:off x="2873943" y="2558040"/>
-            <a:ext cx="1323049" cy="346760"/>
-          </a:xfrm>
-          <a:prstGeom prst="rect">
-            <a:avLst/>
-          </a:prstGeom>
-          <a:solidFill>
-            <a:schemeClr val="accent6">
-              <a:lumMod val="75000"/>
-            </a:schemeClr>
-          </a:solidFill>
-          <a:ln w="19050">
-            <a:solidFill>
-              <a:schemeClr val="accent6">
-                <a:lumMod val="75000"/>
-              </a:schemeClr>
-            </a:solidFill>
-          </a:ln>
-          <a:effectLst/>
-        </p:spPr>
-        <p:style>
-          <a:lnRef idx="1">
-            <a:schemeClr val="accent2"/>
-          </a:lnRef>
-          <a:fillRef idx="2">
-            <a:schemeClr val="accent2"/>
-          </a:fillRef>
-          <a:effectRef idx="1">
-            <a:schemeClr val="accent2"/>
-          </a:effectRef>
-          <a:fontRef idx="minor">
-            <a:schemeClr val="dk1"/>
-          </a:fontRef>
-        </p:style>
-        <p:txBody>
-          <a:bodyPr rtlCol="0" anchor="ctr"/>
-          <a:lstStyle/>
-          <a:p>
-            <a:pPr algn="ctr"/>
-            <a:r>
-              <a:rPr lang="en-US" sz="1050" dirty="0">
-                <a:solidFill>
-                  <a:schemeClr val="bg1"/>
-                </a:solidFill>
-              </a:rPr>
-              <a:t>&lt;&lt;interface&gt;&gt;</a:t>
-            </a:r>
-            <a:br>
-              <a:rPr lang="en-US" sz="1050" dirty="0">
-                <a:solidFill>
-                  <a:schemeClr val="bg1"/>
-                </a:solidFill>
-              </a:rPr>
-            </a:br>
-            <a:r>
-              <a:rPr lang="en-US" sz="1050" dirty="0" err="1">
-                <a:solidFill>
-                  <a:schemeClr val="bg1"/>
-                </a:solidFill>
-              </a:rPr>
-              <a:t>UserPrefsStorage</a:t>
-            </a:r>
-            <a:endParaRPr lang="en-SG" sz="1050" dirty="0">
-              <a:solidFill>
-                <a:schemeClr val="bg1"/>
-              </a:solidFill>
-            </a:endParaRPr>
-          </a:p>
-        </p:txBody>
-      </p:sp>
-      <p:cxnSp>
-        <p:nvCxnSpPr>
-          <p:cNvPr id="54" name="Straight Arrow Connector 53"/>
-          <p:cNvCxnSpPr>
-            <a:stCxn id="56" idx="3"/>
-            <a:endCxn id="52" idx="1"/>
-          </p:cNvCxnSpPr>
-          <p:nvPr/>
-        </p:nvCxnSpPr>
-        <p:spPr>
-          <a:xfrm>
-            <a:off x="2653133" y="2726136"/>
-            <a:ext cx="220810" cy="5284"/>
-          </a:xfrm>
-          <a:prstGeom prst="straightConnector1">
-            <a:avLst/>
-          </a:prstGeom>
-          <a:ln w="19050">
-            <a:solidFill>
-              <a:schemeClr val="accent6">
-                <a:lumMod val="75000"/>
-              </a:schemeClr>
-            </a:solidFill>
-            <a:headEnd type="none" w="med" len="med"/>
-            <a:tailEnd type="arrow" w="med" len="med"/>
-          </a:ln>
-          <a:effectLst/>
-        </p:spPr>
-        <p:style>
-          <a:lnRef idx="1">
-            <a:schemeClr val="accent2"/>
-          </a:lnRef>
-          <a:fillRef idx="2">
-            <a:schemeClr val="accent2"/>
-          </a:fillRef>
-          <a:effectRef idx="1">
-            <a:schemeClr val="accent2"/>
-          </a:effectRef>
-          <a:fontRef idx="minor">
-            <a:schemeClr val="dk1"/>
-          </a:fontRef>
-        </p:style>
-      </p:cxnSp>
-      <p:sp>
-        <p:nvSpPr>
-          <p:cNvPr id="56" name="Flowchart: Decision 96"/>
-          <p:cNvSpPr/>
-          <p:nvPr/>
-        </p:nvSpPr>
-        <p:spPr>
-          <a:xfrm>
-            <a:off x="2417085" y="2639446"/>
-            <a:ext cx="236048" cy="173380"/>
-          </a:xfrm>
-          <a:prstGeom prst="flowChartDecision">
-            <a:avLst/>
-          </a:prstGeom>
-          <a:noFill/>
-          <a:ln w="19050">
-            <a:solidFill>
-              <a:schemeClr val="accent6">
-                <a:lumMod val="75000"/>
-              </a:schemeClr>
-            </a:solidFill>
-          </a:ln>
-          <a:effectLst/>
-        </p:spPr>
-        <p:style>
-          <a:lnRef idx="1">
-            <a:schemeClr val="accent2"/>
-          </a:lnRef>
-          <a:fillRef idx="2">
-            <a:schemeClr val="accent2"/>
-          </a:fillRef>
-          <a:effectRef idx="1">
-            <a:schemeClr val="accent2"/>
-          </a:effectRef>
-          <a:fontRef idx="minor">
-            <a:schemeClr val="dk1"/>
-          </a:fontRef>
-        </p:style>
-        <p:txBody>
-          <a:bodyPr rtlCol="0" anchor="ctr"/>
-          <a:lstStyle/>
-          <a:p>
-            <a:pPr algn="ctr"/>
-            <a:endParaRPr lang="en-US" sz="1050">
-              <a:solidFill>
-                <a:schemeClr val="bg1"/>
-              </a:solidFill>
-            </a:endParaRPr>
-          </a:p>
-        </p:txBody>
-      </p:sp>
-      <p:cxnSp>
-        <p:nvCxnSpPr>
-          <p:cNvPr id="60" name="Elbow Connector 63"/>
-          <p:cNvCxnSpPr>
-            <a:stCxn id="61" idx="3"/>
-            <a:endCxn id="65" idx="1"/>
-          </p:cNvCxnSpPr>
-          <p:nvPr/>
-        </p:nvCxnSpPr>
-        <p:spPr>
-          <a:xfrm flipV="1">
-            <a:off x="4394804" y="2731420"/>
-            <a:ext cx="223324" cy="1"/>
-          </a:xfrm>
-          <a:prstGeom prst="bentConnector3">
-            <a:avLst>
-              <a:gd name="adj1" fmla="val 50000"/>
-            </a:avLst>
-          </a:prstGeom>
-          <a:ln w="19050">
-            <a:solidFill>
-              <a:schemeClr val="accent6">
-                <a:lumMod val="75000"/>
-              </a:schemeClr>
-            </a:solidFill>
-            <a:prstDash val="sysDot"/>
-            <a:headEnd type="none" w="med" len="med"/>
-            <a:tailEnd type="none" w="med" len="med"/>
-          </a:ln>
-          <a:effectLst/>
-        </p:spPr>
-        <p:style>
-          <a:lnRef idx="1">
-            <a:schemeClr val="accent2"/>
-          </a:lnRef>
-          <a:fillRef idx="2">
-            <a:schemeClr val="accent2"/>
-          </a:fillRef>
-          <a:effectRef idx="1">
-            <a:schemeClr val="accent2"/>
-          </a:effectRef>
-          <a:fontRef idx="minor">
-            <a:schemeClr val="dk1"/>
-          </a:fontRef>
-        </p:style>
-      </p:cxnSp>
-      <p:sp>
-        <p:nvSpPr>
-          <p:cNvPr id="61" name="Isosceles Triangle 102"/>
-          <p:cNvSpPr/>
-          <p:nvPr/>
-        </p:nvSpPr>
-        <p:spPr>
-          <a:xfrm rot="5400000" flipV="1">
-            <a:off x="4171790" y="2643659"/>
-            <a:ext cx="270504" cy="175523"/>
-          </a:xfrm>
-          <a:prstGeom prst="triangle">
-            <a:avLst/>
-          </a:prstGeom>
-          <a:solidFill>
-            <a:schemeClr val="accent6">
-              <a:lumMod val="75000"/>
-            </a:schemeClr>
-          </a:solidFill>
-          <a:ln w="19050">
-            <a:solidFill>
-              <a:schemeClr val="accent6">
-                <a:lumMod val="75000"/>
-              </a:schemeClr>
-            </a:solidFill>
-          </a:ln>
-          <a:effectLst/>
-        </p:spPr>
-        <p:style>
-          <a:lnRef idx="1">
-            <a:schemeClr val="accent2"/>
-          </a:lnRef>
-          <a:fillRef idx="2">
-            <a:schemeClr val="accent2"/>
-          </a:fillRef>
-          <a:effectRef idx="1">
-            <a:schemeClr val="accent2"/>
-          </a:effectRef>
-          <a:fontRef idx="minor">
-            <a:schemeClr val="dk1"/>
-          </a:fontRef>
-        </p:style>
-        <p:txBody>
-          <a:bodyPr rtlCol="0" anchor="ctr"/>
-          <a:lstStyle/>
-          <a:p>
-            <a:pPr algn="ctr"/>
-            <a:endParaRPr lang="en-SG" sz="1050">
-              <a:solidFill>
-                <a:schemeClr val="bg1"/>
-              </a:solidFill>
-            </a:endParaRPr>
-          </a:p>
-        </p:txBody>
-      </p:sp>
-      <p:sp>
-        <p:nvSpPr>
-          <p:cNvPr id="65" name="Rectangle 8"/>
-          <p:cNvSpPr/>
-          <p:nvPr/>
-        </p:nvSpPr>
-        <p:spPr>
-          <a:xfrm>
-            <a:off x="4618128" y="2558040"/>
-            <a:ext cx="1093635" cy="346760"/>
-          </a:xfrm>
-          <a:prstGeom prst="rect">
-            <a:avLst/>
-          </a:prstGeom>
-          <a:solidFill>
-            <a:schemeClr val="accent6">
-              <a:lumMod val="75000"/>
-            </a:schemeClr>
-          </a:solidFill>
-          <a:ln w="19050">
-            <a:solidFill>
-              <a:schemeClr val="accent6">
-                <a:lumMod val="75000"/>
-              </a:schemeClr>
-            </a:solidFill>
-          </a:ln>
-          <a:effectLst/>
-        </p:spPr>
-        <p:style>
-          <a:lnRef idx="1">
-            <a:schemeClr val="accent2"/>
-          </a:lnRef>
-          <a:fillRef idx="2">
-            <a:schemeClr val="accent2"/>
-          </a:fillRef>
-          <a:effectRef idx="1">
-            <a:schemeClr val="accent2"/>
-          </a:effectRef>
-          <a:fontRef idx="minor">
-            <a:schemeClr val="dk1"/>
-          </a:fontRef>
-        </p:style>
-        <p:txBody>
-          <a:bodyPr rtlCol="0" anchor="ctr"/>
-          <a:lstStyle/>
-          <a:p>
-            <a:pPr algn="ctr"/>
-            <a:r>
-              <a:rPr lang="en-US" sz="1050" dirty="0" err="1">
-                <a:solidFill>
-                  <a:schemeClr val="bg1"/>
-                </a:solidFill>
-              </a:rPr>
-              <a:t>JsonUserPrefs</a:t>
-            </a:r>
-            <a:r>
-              <a:rPr lang="en-US" sz="1050" dirty="0">
-                <a:solidFill>
-                  <a:schemeClr val="bg1"/>
-                </a:solidFill>
-              </a:rPr>
-              <a:t/>
-            </a:r>
-            <a:br>
-              <a:rPr lang="en-US" sz="1050" dirty="0">
-                <a:solidFill>
-                  <a:schemeClr val="bg1"/>
-                </a:solidFill>
-              </a:rPr>
-            </a:br>
-            <a:r>
-              <a:rPr lang="en-US" sz="1050" dirty="0">
-                <a:solidFill>
-                  <a:schemeClr val="bg1"/>
-                </a:solidFill>
-              </a:rPr>
-              <a:t>Storage</a:t>
-            </a:r>
-            <a:endParaRPr lang="en-SG" sz="1050" dirty="0">
-              <a:solidFill>
-                <a:schemeClr val="bg1"/>
-              </a:solidFill>
-            </a:endParaRPr>
-          </a:p>
-        </p:txBody>
-      </p:sp>
-      <p:sp>
-        <p:nvSpPr>
-          <p:cNvPr id="66" name="Rectangle 8"/>
-          <p:cNvSpPr/>
-          <p:nvPr/>
-        </p:nvSpPr>
-        <p:spPr>
-          <a:xfrm>
-            <a:off x="6019800" y="3160410"/>
-            <a:ext cx="1200707" cy="346760"/>
-          </a:xfrm>
-          <a:prstGeom prst="rect">
-            <a:avLst/>
-          </a:prstGeom>
-          <a:ln w="19050"/>
-          <a:effectLst/>
-        </p:spPr>
-        <p:style>
-          <a:lnRef idx="1">
-            <a:schemeClr val="accent6"/>
-          </a:lnRef>
-          <a:fillRef idx="2">
-            <a:schemeClr val="accent6"/>
-          </a:fillRef>
-          <a:effectRef idx="1">
-            <a:schemeClr val="accent6"/>
-          </a:effectRef>
-          <a:fontRef idx="minor">
-            <a:schemeClr val="dk1"/>
-          </a:fontRef>
-        </p:style>
-        <p:txBody>
-          <a:bodyPr rtlCol="0" anchor="ctr"/>
-          <a:lstStyle/>
-          <a:p>
-            <a:pPr algn="ctr"/>
-            <a:r>
-              <a:rPr lang="en-US" sz="1050" b="1" dirty="0" err="1">
-                <a:solidFill>
-                  <a:schemeClr val="accent6">
-                    <a:lumMod val="75000"/>
-                  </a:schemeClr>
-                </a:solidFill>
-              </a:rPr>
-              <a:t>XmlSerializable</a:t>
-            </a:r>
-            <a:r>
-              <a:rPr lang="en-US" sz="1050" b="1" dirty="0">
-                <a:solidFill>
-                  <a:schemeClr val="accent6">
-                    <a:lumMod val="75000"/>
-                  </a:schemeClr>
-                </a:solidFill>
-              </a:rPr>
-              <a:t/>
-            </a:r>
-            <a:br>
-              <a:rPr lang="en-US" sz="1050" b="1" dirty="0">
-                <a:solidFill>
-                  <a:schemeClr val="accent6">
-                    <a:lumMod val="75000"/>
-                  </a:schemeClr>
-                </a:solidFill>
-              </a:rPr>
-            </a:br>
-            <a:r>
-              <a:rPr lang="en-US" sz="1050" b="1" dirty="0" err="1">
-                <a:solidFill>
-                  <a:schemeClr val="accent6">
-                    <a:lumMod val="75000"/>
-                  </a:schemeClr>
-                </a:solidFill>
-              </a:rPr>
-              <a:t>AddressBook</a:t>
-            </a:r>
-            <a:endParaRPr lang="en-SG" sz="1050" b="1" dirty="0">
-              <a:solidFill>
-                <a:schemeClr val="accent6">
-                  <a:lumMod val="75000"/>
-                </a:schemeClr>
-              </a:solidFill>
-            </a:endParaRPr>
-          </a:p>
-        </p:txBody>
-      </p:sp>
-      <p:cxnSp>
-        <p:nvCxnSpPr>
-          <p:cNvPr id="70" name="Elbow Connector 122"/>
-          <p:cNvCxnSpPr>
-            <a:stCxn id="74" idx="0"/>
-            <a:endCxn id="73" idx="2"/>
-          </p:cNvCxnSpPr>
-          <p:nvPr/>
-        </p:nvCxnSpPr>
-        <p:spPr>
-          <a:xfrm rot="5400000" flipH="1" flipV="1">
-            <a:off x="8077993" y="2992020"/>
-            <a:ext cx="335208" cy="12700"/>
-          </a:xfrm>
-          <a:prstGeom prst="bentConnector3">
-            <a:avLst>
-              <a:gd name="adj1" fmla="val 50000"/>
-            </a:avLst>
-          </a:prstGeom>
-          <a:ln w="19050">
-            <a:prstDash val="sysDot"/>
-            <a:headEnd type="none" w="med" len="med"/>
-            <a:tailEnd type="arrow" w="med" len="med"/>
-          </a:ln>
-          <a:effectLst/>
-        </p:spPr>
-        <p:style>
-          <a:lnRef idx="1">
-            <a:schemeClr val="accent6"/>
-          </a:lnRef>
-          <a:fillRef idx="2">
-            <a:schemeClr val="accent6"/>
-          </a:fillRef>
-          <a:effectRef idx="1">
-            <a:schemeClr val="accent6"/>
-          </a:effectRef>
-          <a:fontRef idx="minor">
-            <a:schemeClr val="dk1"/>
-          </a:fontRef>
-        </p:style>
-      </p:cxnSp>
-      <p:sp>
-        <p:nvSpPr>
-          <p:cNvPr id="73" name="Rectangle 8"/>
-          <p:cNvSpPr/>
-          <p:nvPr/>
-        </p:nvSpPr>
-        <p:spPr>
-          <a:xfrm>
-            <a:off x="7615738" y="2477656"/>
-            <a:ext cx="1259718" cy="346760"/>
-          </a:xfrm>
-          <a:prstGeom prst="rect">
-            <a:avLst/>
-          </a:prstGeom>
-          <a:ln w="19050"/>
-          <a:effectLst/>
-        </p:spPr>
-        <p:style>
-          <a:lnRef idx="1">
-            <a:schemeClr val="accent6"/>
-          </a:lnRef>
-          <a:fillRef idx="2">
-            <a:schemeClr val="accent6"/>
-          </a:fillRef>
-          <a:effectRef idx="1">
-            <a:schemeClr val="accent6"/>
-          </a:effectRef>
-          <a:fontRef idx="minor">
-            <a:schemeClr val="dk1"/>
-          </a:fontRef>
-        </p:style>
-        <p:txBody>
-          <a:bodyPr rtlCol="0" anchor="ctr"/>
-          <a:lstStyle/>
-          <a:p>
-            <a:pPr algn="ctr"/>
-            <a:r>
-              <a:rPr lang="en-US" sz="1050" b="1" dirty="0" err="1">
-                <a:solidFill>
-                  <a:schemeClr val="accent6">
-                    <a:lumMod val="75000"/>
-                  </a:schemeClr>
-                </a:solidFill>
-              </a:rPr>
-              <a:t>XmlAdaptedTag</a:t>
-            </a:r>
-            <a:endParaRPr lang="en-SG" sz="1050" b="1" dirty="0">
-              <a:solidFill>
-                <a:schemeClr val="accent6">
-                  <a:lumMod val="75000"/>
-                </a:schemeClr>
-              </a:solidFill>
-            </a:endParaRPr>
-          </a:p>
-        </p:txBody>
-      </p:sp>
-      <p:sp>
-        <p:nvSpPr>
-          <p:cNvPr id="74" name="Rectangle 8"/>
-          <p:cNvSpPr/>
-          <p:nvPr/>
-        </p:nvSpPr>
-        <p:spPr>
-          <a:xfrm>
-            <a:off x="7615738" y="3159624"/>
-            <a:ext cx="1259718" cy="346760"/>
-          </a:xfrm>
-          <a:prstGeom prst="rect">
-            <a:avLst/>
-          </a:prstGeom>
-          <a:ln w="19050"/>
-          <a:effectLst/>
-        </p:spPr>
-        <p:style>
-          <a:lnRef idx="1">
-            <a:schemeClr val="accent6"/>
-          </a:lnRef>
-          <a:fillRef idx="2">
-            <a:schemeClr val="accent6"/>
-          </a:fillRef>
-          <a:effectRef idx="1">
-            <a:schemeClr val="accent6"/>
-          </a:effectRef>
-          <a:fontRef idx="minor">
-            <a:schemeClr val="dk1"/>
-          </a:fontRef>
-        </p:style>
-        <p:txBody>
-          <a:bodyPr rtlCol="0" anchor="ctr"/>
-          <a:lstStyle/>
-          <a:p>
-            <a:pPr algn="ctr"/>
-            <a:r>
-              <a:rPr lang="en-US" sz="1050" b="1" dirty="0" err="1">
-                <a:solidFill>
-                  <a:schemeClr val="accent6">
-                    <a:lumMod val="75000"/>
-                  </a:schemeClr>
-                </a:solidFill>
-              </a:rPr>
-              <a:t>XmlAdaptedPerson</a:t>
-            </a:r>
-            <a:endParaRPr lang="en-SG" sz="1050" b="1" dirty="0">
-              <a:solidFill>
-                <a:schemeClr val="accent6">
-                  <a:lumMod val="75000"/>
-                </a:schemeClr>
-              </a:solidFill>
-            </a:endParaRPr>
-          </a:p>
-        </p:txBody>
-      </p:sp>
-      <p:cxnSp>
-        <p:nvCxnSpPr>
-          <p:cNvPr id="77" name="Elbow Connector 122"/>
-          <p:cNvCxnSpPr>
-            <a:stCxn id="66" idx="3"/>
-            <a:endCxn id="74" idx="1"/>
-          </p:cNvCxnSpPr>
-          <p:nvPr/>
-        </p:nvCxnSpPr>
-        <p:spPr>
-          <a:xfrm flipV="1">
-            <a:off x="7220507" y="3333004"/>
-            <a:ext cx="395231" cy="786"/>
-          </a:xfrm>
-          <a:prstGeom prst="bentConnector3">
-            <a:avLst>
-              <a:gd name="adj1" fmla="val 50000"/>
-            </a:avLst>
-          </a:prstGeom>
-          <a:ln w="19050">
-            <a:prstDash val="sysDot"/>
-            <a:headEnd type="none" w="med" len="med"/>
-            <a:tailEnd type="arrow" w="med" len="med"/>
-          </a:ln>
-          <a:effectLst/>
-        </p:spPr>
-        <p:style>
-          <a:lnRef idx="1">
-            <a:schemeClr val="accent6"/>
-          </a:lnRef>
-          <a:fillRef idx="2">
-            <a:schemeClr val="accent6"/>
-          </a:fillRef>
-          <a:effectRef idx="1">
-            <a:schemeClr val="accent6"/>
-          </a:effectRef>
-          <a:fontRef idx="minor">
-            <a:schemeClr val="dk1"/>
-          </a:fontRef>
-        </p:style>
-      </p:cxnSp>
-    </p:spTree>
-    <p:extLst>
-      <p:ext uri="{BB962C8B-B14F-4D97-AF65-F5344CB8AC3E}">
-        <p14:creationId xmlns:p14="http://schemas.microsoft.com/office/powerpoint/2010/main" val="1478832369"/>
-      </p:ext>
-    </p:extLst>
-  </p:cSld>
-  <p:clrMapOvr>
-    <a:masterClrMapping/>
-  </p:clrMapOvr>
-</p:sld>
-</file>
-
-<file path=ppt/slides/slide7.xml><?xml version="1.0" encoding="utf-8"?>
 <p:sld xmlns:a="http://schemas.openxmlformats.org/drawingml/2006/main" xmlns:r="http://schemas.openxmlformats.org/officeDocument/2006/relationships" xmlns:p="http://schemas.openxmlformats.org/presentationml/2006/main">
   <p:cSld>
     <p:spTree>

--- a/docs/diagrams/Diagrams.pptx
+++ b/docs/diagrams/Diagrams.pptx
@@ -478,6 +478,90 @@
     </a:lvl9pPr>
   </p:notesStyle>
 </p:notesMaster>
+</file>
+
+<file path=ppt/notesSlides/notesSlide1.xml><?xml version="1.0" encoding="utf-8"?>
+<p:notes xmlns:a="http://schemas.openxmlformats.org/drawingml/2006/main" xmlns:r="http://schemas.openxmlformats.org/officeDocument/2006/relationships" xmlns:p="http://schemas.openxmlformats.org/presentationml/2006/main">
+  <p:cSld>
+    <p:spTree>
+      <p:nvGrpSpPr>
+        <p:cNvPr id="1" name=""/>
+        <p:cNvGrpSpPr/>
+        <p:nvPr/>
+      </p:nvGrpSpPr>
+      <p:grpSpPr>
+        <a:xfrm>
+          <a:off x="0" y="0"/>
+          <a:ext cx="0" cy="0"/>
+          <a:chOff x="0" y="0"/>
+          <a:chExt cx="0" cy="0"/>
+        </a:xfrm>
+      </p:grpSpPr>
+      <p:sp>
+        <p:nvSpPr>
+          <p:cNvPr id="2" name="Slide Image Placeholder 1"/>
+          <p:cNvSpPr>
+            <a:spLocks noGrp="1" noRot="1" noChangeAspect="1"/>
+          </p:cNvSpPr>
+          <p:nvPr>
+            <p:ph type="sldImg"/>
+          </p:nvPr>
+        </p:nvSpPr>
+        <p:spPr/>
+      </p:sp>
+      <p:sp>
+        <p:nvSpPr>
+          <p:cNvPr id="3" name="Notes Placeholder 2"/>
+          <p:cNvSpPr>
+            <a:spLocks noGrp="1"/>
+          </p:cNvSpPr>
+          <p:nvPr>
+            <p:ph type="body" idx="1"/>
+          </p:nvPr>
+        </p:nvSpPr>
+        <p:spPr/>
+        <p:txBody>
+          <a:bodyPr/>
+          <a:lstStyle/>
+          <a:p>
+            <a:endParaRPr lang="en-US" dirty="0"/>
+          </a:p>
+        </p:txBody>
+      </p:sp>
+      <p:sp>
+        <p:nvSpPr>
+          <p:cNvPr id="4" name="Slide Number Placeholder 3"/>
+          <p:cNvSpPr>
+            <a:spLocks noGrp="1"/>
+          </p:cNvSpPr>
+          <p:nvPr>
+            <p:ph type="sldNum" sz="quarter" idx="10"/>
+          </p:nvPr>
+        </p:nvSpPr>
+        <p:spPr/>
+        <p:txBody>
+          <a:bodyPr/>
+          <a:lstStyle/>
+          <a:p>
+            <a:fld id="{5A7AB025-77E3-4BD1-A2FD-B3183DBA47A3}" type="slidenum">
+              <a:rPr lang="en-US" smtClean="0"/>
+              <a:t>3</a:t>
+            </a:fld>
+            <a:endParaRPr lang="en-US"/>
+          </a:p>
+        </p:txBody>
+      </p:sp>
+    </p:spTree>
+    <p:extLst>
+      <p:ext uri="{BB962C8B-B14F-4D97-AF65-F5344CB8AC3E}">
+        <p14:creationId xmlns:p14="http://schemas.microsoft.com/office/powerpoint/2010/main" val="1695920018"/>
+      </p:ext>
+    </p:extLst>
+  </p:cSld>
+  <p:clrMapOvr>
+    <a:masterClrMapping/>
+  </p:clrMapOvr>
+</p:notes>
 </file>
 
 <file path=ppt/slideLayouts/slideLayout1.xml><?xml version="1.0" encoding="utf-8"?>
@@ -5711,7 +5795,7 @@
         </p:nvSpPr>
         <p:spPr>
           <a:xfrm>
-            <a:off x="4299772" y="1542583"/>
+            <a:off x="4544812" y="1558042"/>
             <a:ext cx="1424846" cy="215444"/>
           </a:xfrm>
           <a:prstGeom prst="rect">
@@ -5726,21 +5810,50 @@
           <a:lstStyle/>
           <a:p>
             <a:r>
-              <a:rPr lang="en-US" sz="1400" dirty="0" err="1">
+              <a:rPr lang="en-US" sz="1400" dirty="0" err="1" smtClean="0">
                 <a:solidFill>
                   <a:srgbClr val="7030A0"/>
                 </a:solidFill>
               </a:rPr>
-              <a:t>deletePerson</a:t>
-            </a:r>
-            <a:r>
-              <a:rPr lang="en-US" sz="1400" dirty="0">
+              <a:t>delete</a:t>
+            </a:r>
+            <a:r>
+              <a:rPr lang="en-US" altLang="zh-CN" sz="1400" dirty="0" err="1" smtClean="0">
                 <a:solidFill>
                   <a:srgbClr val="7030A0"/>
                 </a:solidFill>
               </a:rPr>
-              <a:t>(p)</a:t>
-            </a:r>
+              <a:t>Task</a:t>
+            </a:r>
+            <a:r>
+              <a:rPr lang="en-US" sz="1400" dirty="0" smtClean="0">
+                <a:solidFill>
+                  <a:srgbClr val="7030A0"/>
+                </a:solidFill>
+              </a:rPr>
+              <a:t>(</a:t>
+            </a:r>
+            <a:r>
+              <a:rPr lang="en-US" altLang="zh-CN" sz="1400" dirty="0" smtClean="0">
+                <a:solidFill>
+                  <a:srgbClr val="7030A0"/>
+                </a:solidFill>
+              </a:rPr>
+              <a:t>task</a:t>
+            </a:r>
+            <a:r>
+              <a:rPr lang="en-US" sz="1400" dirty="0" smtClean="0">
+                <a:solidFill>
+                  <a:srgbClr val="7030A0"/>
+                </a:solidFill>
+              </a:rPr>
+              <a:t>)</a:t>
+            </a:r>
+            <a:endParaRPr lang="en-US" sz="1400" dirty="0">
+              <a:solidFill>
+                <a:srgbClr val="7030A0"/>
+              </a:solidFill>
+            </a:endParaRPr>
           </a:p>
         </p:txBody>
       </p:sp>
@@ -5752,7 +5865,7 @@
         </p:nvSpPr>
         <p:spPr>
           <a:xfrm>
-            <a:off x="6074030" y="1687656"/>
+            <a:off x="6477000" y="1686912"/>
             <a:ext cx="2438400" cy="215444"/>
           </a:xfrm>
           <a:prstGeom prst="rect">
@@ -5767,7 +5880,7 @@
           <a:lstStyle/>
           <a:p>
             <a:r>
-              <a:rPr lang="en-US" sz="1400" dirty="0">
+              <a:rPr lang="en-US" sz="1400" dirty="0" smtClean="0">
                 <a:solidFill>
                   <a:schemeClr val="accent5">
                     <a:lumMod val="75000"/>
@@ -5777,14 +5890,24 @@
               <a:t>post(</a:t>
             </a:r>
             <a:r>
-              <a:rPr lang="en-US" sz="1400" dirty="0" err="1">
+              <a:rPr lang="en-US" altLang="zh-CN" sz="1400" dirty="0" err="1" smtClean="0">
                 <a:solidFill>
                   <a:schemeClr val="accent5">
                     <a:lumMod val="75000"/>
                   </a:schemeClr>
                 </a:solidFill>
               </a:rPr>
-              <a:t>AddressBookChangedEvent</a:t>
+              <a:t>DoerList</a:t>
+            </a:r>
+            <a:r>
+              <a:rPr lang="en-US" sz="1400" dirty="0" err="1" smtClean="0">
+                <a:solidFill>
+                  <a:schemeClr val="accent5">
+                    <a:lumMod val="75000"/>
+                  </a:schemeClr>
+                </a:solidFill>
+              </a:rPr>
+              <a:t>ChangedEvent</a:t>
             </a:r>
             <a:r>
               <a:rPr lang="en-US" sz="1400" dirty="0">
@@ -6265,7 +6388,7 @@
         <p:spPr>
           <a:xfrm>
             <a:off x="7844987" y="5335662"/>
-            <a:ext cx="124478" cy="287409"/>
+            <a:ext cx="124478" cy="468465"/>
           </a:xfrm>
           <a:prstGeom prst="rect">
             <a:avLst/>
@@ -6319,7 +6442,7 @@
         </p:nvSpPr>
         <p:spPr>
           <a:xfrm>
-            <a:off x="1810094" y="4797674"/>
+            <a:off x="2205495" y="4793706"/>
             <a:ext cx="2716635" cy="215444"/>
           </a:xfrm>
           <a:prstGeom prst="rect">
@@ -6334,7 +6457,7 @@
           <a:lstStyle/>
           <a:p>
             <a:r>
-              <a:rPr lang="en-US" sz="1400" dirty="0">
+              <a:rPr lang="en-US" sz="1400" dirty="0" smtClean="0">
                 <a:solidFill>
                   <a:schemeClr val="accent5">
                     <a:lumMod val="75000"/>
@@ -6344,14 +6467,24 @@
               <a:t>post(</a:t>
             </a:r>
             <a:r>
-              <a:rPr lang="en-US" sz="1400" dirty="0" err="1">
+              <a:rPr lang="en-US" altLang="zh-CN" sz="1400" dirty="0" err="1" smtClean="0">
                 <a:solidFill>
                   <a:schemeClr val="accent5">
                     <a:lumMod val="75000"/>
                   </a:schemeClr>
                 </a:solidFill>
               </a:rPr>
-              <a:t>AddressBookChangedEvent</a:t>
+              <a:t>DoerList</a:t>
+            </a:r>
+            <a:r>
+              <a:rPr lang="en-US" sz="1400" dirty="0" err="1" smtClean="0">
+                <a:solidFill>
+                  <a:schemeClr val="accent5">
+                    <a:lumMod val="75000"/>
+                  </a:schemeClr>
+                </a:solidFill>
+              </a:rPr>
+              <a:t>ChangedEvent</a:t>
             </a:r>
             <a:r>
               <a:rPr lang="en-US" sz="1400" dirty="0">
@@ -6374,7 +6507,7 @@
         </p:nvCxnSpPr>
         <p:spPr>
           <a:xfrm flipH="1">
-            <a:off x="4526729" y="5623071"/>
+            <a:off x="4526729" y="5758210"/>
             <a:ext cx="3383941" cy="0"/>
           </a:xfrm>
           <a:prstGeom prst="straightConnector1">
@@ -6525,7 +6658,7 @@
         <p:spPr>
           <a:xfrm>
             <a:off x="4384723" y="5071220"/>
-            <a:ext cx="142006" cy="1036757"/>
+            <a:ext cx="142006" cy="1100980"/>
           </a:xfrm>
           <a:prstGeom prst="rect">
             <a:avLst/>
@@ -6615,7 +6748,7 @@
         </p:nvCxnSpPr>
         <p:spPr>
           <a:xfrm>
-            <a:off x="2975642" y="6107977"/>
+            <a:off x="2960761" y="6163733"/>
             <a:ext cx="1448755" cy="0"/>
           </a:xfrm>
           <a:prstGeom prst="straightConnector1">
@@ -6694,7 +6827,7 @@
         </p:nvSpPr>
         <p:spPr>
           <a:xfrm>
-            <a:off x="5036330" y="5065911"/>
+            <a:off x="5543405" y="5077165"/>
             <a:ext cx="2659870" cy="215444"/>
           </a:xfrm>
           <a:prstGeom prst="rect">
@@ -6709,14 +6842,34 @@
           <a:lstStyle/>
           <a:p>
             <a:r>
-              <a:rPr lang="en-US" sz="1400" dirty="0" err="1">
+              <a:rPr lang="en-US" sz="1400" smtClean="0">
                 <a:solidFill>
                   <a:schemeClr val="accent6">
                     <a:lumMod val="75000"/>
                   </a:schemeClr>
                 </a:solidFill>
               </a:rPr>
-              <a:t>handleAddresssBookChangedEvent</a:t>
+              <a:t>handle</a:t>
+            </a:r>
+            <a:r>
+              <a:rPr lang="en-US" altLang="zh-CN" sz="1400" smtClean="0">
+                <a:solidFill>
+                  <a:schemeClr val="accent6">
+                    <a:lumMod val="75000"/>
+                  </a:schemeClr>
+                </a:solidFill>
+              </a:rPr>
+              <a:t>DoerList</a:t>
+            </a:r>
+            <a:r>
+              <a:rPr lang="en-US" sz="1400" smtClean="0">
+                <a:solidFill>
+                  <a:schemeClr val="accent6">
+                    <a:lumMod val="75000"/>
+                  </a:schemeClr>
+                </a:solidFill>
+              </a:rPr>
+              <a:t>ChangedEvent</a:t>
             </a:r>
             <a:r>
               <a:rPr lang="en-US" sz="1400" dirty="0">
@@ -6872,8 +7025,8 @@
         </p:nvSpPr>
         <p:spPr>
           <a:xfrm>
-            <a:off x="1196443" y="5670472"/>
-            <a:ext cx="130545" cy="273128"/>
+            <a:off x="1196443" y="5670471"/>
+            <a:ext cx="130545" cy="437505"/>
           </a:xfrm>
           <a:prstGeom prst="rect">
             <a:avLst/>
@@ -6923,7 +7076,7 @@
         </p:nvCxnSpPr>
         <p:spPr>
           <a:xfrm flipH="1">
-            <a:off x="1348843" y="5943600"/>
+            <a:off x="1347674" y="6019790"/>
             <a:ext cx="3061842" cy="0"/>
           </a:xfrm>
           <a:prstGeom prst="straightConnector1">
@@ -7000,7 +7153,7 @@
         </p:nvSpPr>
         <p:spPr>
           <a:xfrm>
-            <a:off x="1416276" y="5395369"/>
+            <a:off x="1464069" y="5420538"/>
             <a:ext cx="2659870" cy="215444"/>
           </a:xfrm>
           <a:prstGeom prst="rect">
@@ -7015,12 +7168,28 @@
           <a:lstStyle/>
           <a:p>
             <a:r>
-              <a:rPr lang="en-US" sz="1400" dirty="0" err="1">
+              <a:rPr lang="en-US" sz="1400" smtClean="0">
                 <a:solidFill>
                   <a:srgbClr val="00B050"/>
                 </a:solidFill>
               </a:rPr>
-              <a:t>handleAddresssBookChangedEvent</a:t>
+              <a:t>handle</a:t>
+            </a:r>
+            <a:r>
+              <a:rPr lang="en-US" altLang="zh-CN" sz="1400" smtClean="0">
+                <a:solidFill>
+                  <a:srgbClr val="00B050"/>
+                </a:solidFill>
+              </a:rPr>
+              <a:t>DoerList</a:t>
+            </a:r>
+            <a:r>
+              <a:rPr lang="en-US" sz="1400" smtClean="0">
+                <a:solidFill>
+                  <a:srgbClr val="00B050"/>
+                </a:solidFill>
+              </a:rPr>
+              <a:t>ChangedEvent</a:t>
             </a:r>
             <a:r>
               <a:rPr lang="en-US" sz="1400" dirty="0">
@@ -7041,7 +7210,7 @@
         </p:nvGrpSpPr>
         <p:grpSpPr>
           <a:xfrm>
-            <a:off x="1028134" y="5612032"/>
+            <a:off x="1030216" y="5645716"/>
             <a:ext cx="217349" cy="270072"/>
             <a:chOff x="1028134" y="5612032"/>
             <a:chExt cx="217349" cy="270072"/>
@@ -7440,6 +7609,196 @@
               </a:rPr>
               <a:t>to file</a:t>
             </a:r>
+          </a:p>
+        </p:txBody>
+      </p:sp>
+      <p:sp>
+        <p:nvSpPr>
+          <p:cNvPr id="71" name="Freeform 70"/>
+          <p:cNvSpPr/>
+          <p:nvPr/>
+        </p:nvSpPr>
+        <p:spPr>
+          <a:xfrm>
+            <a:off x="1000502" y="5867409"/>
+            <a:ext cx="222716" cy="152381"/>
+          </a:xfrm>
+          <a:custGeom>
+            <a:avLst/>
+            <a:gdLst>
+              <a:gd name="connsiteX0" fmla="*/ 89796 w 131837"/>
+              <a:gd name="connsiteY0" fmla="*/ 122 h 157777"/>
+              <a:gd name="connsiteX1" fmla="*/ 458 w 131837"/>
+              <a:gd name="connsiteY1" fmla="*/ 21143 h 157777"/>
+              <a:gd name="connsiteX2" fmla="*/ 58265 w 131837"/>
+              <a:gd name="connsiteY2" fmla="*/ 131502 h 157777"/>
+              <a:gd name="connsiteX3" fmla="*/ 131837 w 131837"/>
+              <a:gd name="connsiteY3" fmla="*/ 157777 h 157777"/>
+            </a:gdLst>
+            <a:ahLst/>
+            <a:cxnLst>
+              <a:cxn ang="0">
+                <a:pos x="connsiteX0" y="connsiteY0"/>
+              </a:cxn>
+              <a:cxn ang="0">
+                <a:pos x="connsiteX1" y="connsiteY1"/>
+              </a:cxn>
+              <a:cxn ang="0">
+                <a:pos x="connsiteX2" y="connsiteY2"/>
+              </a:cxn>
+              <a:cxn ang="0">
+                <a:pos x="connsiteX3" y="connsiteY3"/>
+              </a:cxn>
+            </a:cxnLst>
+            <a:rect l="l" t="t" r="r" b="b"/>
+            <a:pathLst>
+              <a:path w="131837" h="157777">
+                <a:moveTo>
+                  <a:pt x="89796" y="122"/>
+                </a:moveTo>
+                <a:cubicBezTo>
+                  <a:pt x="47754" y="-316"/>
+                  <a:pt x="5713" y="-754"/>
+                  <a:pt x="458" y="21143"/>
+                </a:cubicBezTo>
+                <a:cubicBezTo>
+                  <a:pt x="-4797" y="43040"/>
+                  <a:pt x="36369" y="108730"/>
+                  <a:pt x="58265" y="131502"/>
+                </a:cubicBezTo>
+                <a:cubicBezTo>
+                  <a:pt x="80161" y="154274"/>
+                  <a:pt x="127458" y="154274"/>
+                  <a:pt x="131837" y="157777"/>
+                </a:cubicBezTo>
+              </a:path>
+            </a:pathLst>
+          </a:custGeom>
+          <a:ln w="19050">
+            <a:solidFill>
+              <a:srgbClr val="00B050"/>
+            </a:solidFill>
+            <a:prstDash val="sysDot"/>
+            <a:headEnd type="none" w="med" len="med"/>
+            <a:tailEnd type="arrow" w="med" len="med"/>
+          </a:ln>
+        </p:spPr>
+        <p:style>
+          <a:lnRef idx="1">
+            <a:schemeClr val="accent1"/>
+          </a:lnRef>
+          <a:fillRef idx="0">
+            <a:schemeClr val="accent1"/>
+          </a:fillRef>
+          <a:effectRef idx="0">
+            <a:schemeClr val="accent1"/>
+          </a:effectRef>
+          <a:fontRef idx="minor">
+            <a:schemeClr val="tx1"/>
+          </a:fontRef>
+        </p:style>
+        <p:txBody>
+          <a:bodyPr rtlCol="0" anchor="ctr"/>
+          <a:lstStyle/>
+          <a:p>
+            <a:pPr algn="ctr"/>
+            <a:endParaRPr lang="en-US"/>
+          </a:p>
+        </p:txBody>
+      </p:sp>
+      <p:sp>
+        <p:nvSpPr>
+          <p:cNvPr id="73" name="Freeform 72"/>
+          <p:cNvSpPr/>
+          <p:nvPr/>
+        </p:nvSpPr>
+        <p:spPr>
+          <a:xfrm rot="21060825" flipV="1">
+            <a:off x="7967733" y="5550071"/>
+            <a:ext cx="201360" cy="155931"/>
+          </a:xfrm>
+          <a:custGeom>
+            <a:avLst/>
+            <a:gdLst>
+              <a:gd name="connsiteX0" fmla="*/ 0 w 226400"/>
+              <a:gd name="connsiteY0" fmla="*/ 32920 h 171466"/>
+              <a:gd name="connsiteX1" fmla="*/ 157018 w 226400"/>
+              <a:gd name="connsiteY1" fmla="*/ 5211 h 171466"/>
+              <a:gd name="connsiteX2" fmla="*/ 221673 w 226400"/>
+              <a:gd name="connsiteY2" fmla="*/ 125284 h 171466"/>
+              <a:gd name="connsiteX3" fmla="*/ 36945 w 226400"/>
+              <a:gd name="connsiteY3" fmla="*/ 171466 h 171466"/>
+            </a:gdLst>
+            <a:ahLst/>
+            <a:cxnLst>
+              <a:cxn ang="0">
+                <a:pos x="connsiteX0" y="connsiteY0"/>
+              </a:cxn>
+              <a:cxn ang="0">
+                <a:pos x="connsiteX1" y="connsiteY1"/>
+              </a:cxn>
+              <a:cxn ang="0">
+                <a:pos x="connsiteX2" y="connsiteY2"/>
+              </a:cxn>
+              <a:cxn ang="0">
+                <a:pos x="connsiteX3" y="connsiteY3"/>
+              </a:cxn>
+            </a:cxnLst>
+            <a:rect l="l" t="t" r="r" b="b"/>
+            <a:pathLst>
+              <a:path w="226400" h="171466">
+                <a:moveTo>
+                  <a:pt x="0" y="32920"/>
+                </a:moveTo>
+                <a:cubicBezTo>
+                  <a:pt x="60036" y="11368"/>
+                  <a:pt x="120073" y="-10183"/>
+                  <a:pt x="157018" y="5211"/>
+                </a:cubicBezTo>
+                <a:cubicBezTo>
+                  <a:pt x="193963" y="20605"/>
+                  <a:pt x="241685" y="97575"/>
+                  <a:pt x="221673" y="125284"/>
+                </a:cubicBezTo>
+                <a:cubicBezTo>
+                  <a:pt x="201661" y="152993"/>
+                  <a:pt x="119303" y="162229"/>
+                  <a:pt x="36945" y="171466"/>
+                </a:cubicBezTo>
+              </a:path>
+            </a:pathLst>
+          </a:custGeom>
+          <a:ln w="19050">
+            <a:solidFill>
+              <a:schemeClr val="accent6">
+                <a:lumMod val="75000"/>
+              </a:schemeClr>
+            </a:solidFill>
+            <a:prstDash val="sysDot"/>
+            <a:headEnd type="arrow" w="med" len="med"/>
+            <a:tailEnd type="none" w="med" len="med"/>
+          </a:ln>
+        </p:spPr>
+        <p:style>
+          <a:lnRef idx="1">
+            <a:schemeClr val="accent1"/>
+          </a:lnRef>
+          <a:fillRef idx="0">
+            <a:schemeClr val="accent1"/>
+          </a:fillRef>
+          <a:effectRef idx="0">
+            <a:schemeClr val="accent1"/>
+          </a:effectRef>
+          <a:fontRef idx="minor">
+            <a:schemeClr val="tx1"/>
+          </a:fontRef>
+        </p:style>
+        <p:txBody>
+          <a:bodyPr rtlCol="0" anchor="ctr"/>
+          <a:lstStyle/>
+          <a:p>
+            <a:pPr algn="ctr"/>
+            <a:endParaRPr lang="en-SG"/>
           </a:p>
         </p:txBody>
       </p:sp>

--- a/docs/diagrams/Diagrams.pptx
+++ b/docs/diagrams/Diagrams.pptx
@@ -5,15 +5,13 @@
     <p:sldMasterId id="2147483648" r:id="rId1"/>
   </p:sldMasterIdLst>
   <p:notesMasterIdLst>
-    <p:notesMasterId r:id="rId8"/>
+    <p:notesMasterId r:id="rId6"/>
   </p:notesMasterIdLst>
   <p:sldIdLst>
     <p:sldId id="256" r:id="rId2"/>
     <p:sldId id="259" r:id="rId3"/>
     <p:sldId id="266" r:id="rId4"/>
-    <p:sldId id="261" r:id="rId5"/>
-    <p:sldId id="267" r:id="rId6"/>
-    <p:sldId id="265" r:id="rId7"/>
+    <p:sldId id="265" r:id="rId5"/>
   </p:sldIdLst>
   <p:sldSz cx="9144000" cy="6858000" type="screen4x3"/>
   <p:notesSz cx="6858000" cy="9144000"/>
@@ -3547,13 +3545,10 @@
           <a:lstStyle/>
           <a:p>
             <a:r>
-              <a:rPr lang="en-US" dirty="0" err="1"/>
-              <a:t>AddressBook</a:t>
-            </a:r>
-            <a:r>
-              <a:rPr lang="en-US" dirty="0"/>
-              <a:t> – Level 4</a:t>
-            </a:r>
+              <a:rPr lang="en-US" altLang="zh-CN" dirty="0" err="1" smtClean="0"/>
+              <a:t>DoerList</a:t>
+            </a:r>
+            <a:endParaRPr lang="en-US" dirty="0"/>
           </a:p>
         </p:txBody>
       </p:sp>
@@ -4335,101 +4330,6 @@
           </a:p>
         </p:txBody>
       </p:sp>
-      <p:sp>
-        <p:nvSpPr>
-          <p:cNvPr id="51" name="Cloud 50"/>
-          <p:cNvSpPr/>
-          <p:nvPr/>
-        </p:nvSpPr>
-        <p:spPr>
-          <a:xfrm>
-            <a:off x="2650069" y="1447800"/>
-            <a:ext cx="914400" cy="533400"/>
-          </a:xfrm>
-          <a:prstGeom prst="cloud">
-            <a:avLst/>
-          </a:prstGeom>
-          <a:solidFill>
-            <a:schemeClr val="bg1"/>
-          </a:solidFill>
-          <a:ln>
-            <a:solidFill>
-              <a:schemeClr val="tx1"/>
-            </a:solidFill>
-          </a:ln>
-        </p:spPr>
-        <p:style>
-          <a:lnRef idx="2">
-            <a:schemeClr val="accent1">
-              <a:shade val="50000"/>
-            </a:schemeClr>
-          </a:lnRef>
-          <a:fillRef idx="1">
-            <a:schemeClr val="accent1"/>
-          </a:fillRef>
-          <a:effectRef idx="0">
-            <a:schemeClr val="accent1"/>
-          </a:effectRef>
-          <a:fontRef idx="minor">
-            <a:schemeClr val="lt1"/>
-          </a:fontRef>
-        </p:style>
-        <p:txBody>
-          <a:bodyPr rtlCol="0" anchor="ctr"/>
-          <a:lstStyle/>
-          <a:p>
-            <a:pPr algn="ctr"/>
-            <a:r>
-              <a:rPr lang="en-US" sz="1400" dirty="0">
-                <a:solidFill>
-                  <a:schemeClr val="tx1"/>
-                </a:solidFill>
-              </a:rPr>
-              <a:t>Web</a:t>
-            </a:r>
-          </a:p>
-        </p:txBody>
-      </p:sp>
-      <p:cxnSp>
-        <p:nvCxnSpPr>
-          <p:cNvPr id="52" name="Elbow Connector 51"/>
-          <p:cNvCxnSpPr>
-            <a:stCxn id="2" idx="0"/>
-            <a:endCxn id="51" idx="2"/>
-          </p:cNvCxnSpPr>
-          <p:nvPr/>
-        </p:nvCxnSpPr>
-        <p:spPr>
-          <a:xfrm rot="5400000" flipH="1" flipV="1">
-            <a:off x="2222648" y="1760922"/>
-            <a:ext cx="476678" cy="383835"/>
-          </a:xfrm>
-          <a:prstGeom prst="bentConnector2">
-            <a:avLst/>
-          </a:prstGeom>
-          <a:ln w="28575">
-            <a:solidFill>
-              <a:srgbClr val="00B050"/>
-            </a:solidFill>
-            <a:prstDash val="sysDot"/>
-            <a:tailEnd type="arrow"/>
-          </a:ln>
-        </p:spPr>
-        <p:style>
-          <a:lnRef idx="1">
-            <a:schemeClr val="accent1"/>
-          </a:lnRef>
-          <a:fillRef idx="0">
-            <a:schemeClr val="accent1"/>
-          </a:fillRef>
-          <a:effectRef idx="0">
-            <a:schemeClr val="accent1"/>
-          </a:effectRef>
-          <a:fontRef idx="minor">
-            <a:schemeClr val="tx1"/>
-          </a:fontRef>
-        </p:style>
-      </p:cxnSp>
       <p:sp>
         <p:nvSpPr>
           <p:cNvPr id="23" name="Rectangle 62"/>
@@ -7816,3440 +7716,6 @@
 </file>
 
 <file path=ppt/slides/slide4.xml><?xml version="1.0" encoding="utf-8"?>
-<p:sld xmlns:a="http://schemas.openxmlformats.org/drawingml/2006/main" xmlns:r="http://schemas.openxmlformats.org/officeDocument/2006/relationships" xmlns:p="http://schemas.openxmlformats.org/presentationml/2006/main">
-  <p:cSld>
-    <p:spTree>
-      <p:nvGrpSpPr>
-        <p:cNvPr id="1" name=""/>
-        <p:cNvGrpSpPr/>
-        <p:nvPr/>
-      </p:nvGrpSpPr>
-      <p:grpSpPr>
-        <a:xfrm>
-          <a:off x="0" y="0"/>
-          <a:ext cx="0" cy="0"/>
-          <a:chOff x="0" y="0"/>
-          <a:chExt cx="0" cy="0"/>
-        </a:xfrm>
-      </p:grpSpPr>
-      <p:sp>
-        <p:nvSpPr>
-          <p:cNvPr id="3" name="Rectangle 65"/>
-          <p:cNvSpPr/>
-          <p:nvPr/>
-        </p:nvSpPr>
-        <p:spPr>
-          <a:xfrm>
-            <a:off x="1103085" y="2057399"/>
-            <a:ext cx="6288315" cy="2272167"/>
-          </a:xfrm>
-          <a:prstGeom prst="roundRect">
-            <a:avLst>
-              <a:gd name="adj" fmla="val 3484"/>
-            </a:avLst>
-          </a:prstGeom>
-          <a:solidFill>
-            <a:schemeClr val="accent1">
-              <a:lumMod val="20000"/>
-              <a:lumOff val="80000"/>
-            </a:schemeClr>
-          </a:solidFill>
-          <a:ln w="19050">
-            <a:noFill/>
-          </a:ln>
-          <a:effectLst/>
-        </p:spPr>
-        <p:style>
-          <a:lnRef idx="1">
-            <a:schemeClr val="accent2"/>
-          </a:lnRef>
-          <a:fillRef idx="2">
-            <a:schemeClr val="accent2"/>
-          </a:fillRef>
-          <a:effectRef idx="1">
-            <a:schemeClr val="accent2"/>
-          </a:effectRef>
-          <a:fontRef idx="minor">
-            <a:schemeClr val="dk1"/>
-          </a:fontRef>
-        </p:style>
-        <p:txBody>
-          <a:bodyPr rtlCol="0" anchor="t"/>
-          <a:lstStyle/>
-          <a:p>
-            <a:r>
-              <a:rPr lang="en-US" sz="1200" b="1" dirty="0">
-                <a:solidFill>
-                  <a:srgbClr val="0070C0"/>
-                </a:solidFill>
-              </a:rPr>
-              <a:t>Logic</a:t>
-            </a:r>
-            <a:endParaRPr lang="en-SG" sz="1200" b="1" dirty="0">
-              <a:solidFill>
-                <a:srgbClr val="0070C0"/>
-              </a:solidFill>
-            </a:endParaRPr>
-          </a:p>
-        </p:txBody>
-      </p:sp>
-      <p:sp>
-        <p:nvSpPr>
-          <p:cNvPr id="4" name="Rectangle 8"/>
-          <p:cNvSpPr/>
-          <p:nvPr/>
-        </p:nvSpPr>
-        <p:spPr>
-          <a:xfrm>
-            <a:off x="2095948" y="2548840"/>
-            <a:ext cx="1093635" cy="346760"/>
-          </a:xfrm>
-          <a:prstGeom prst="rect">
-            <a:avLst/>
-          </a:prstGeom>
-          <a:solidFill>
-            <a:srgbClr val="0070C0"/>
-          </a:solidFill>
-          <a:ln w="19050">
-            <a:solidFill>
-              <a:srgbClr val="0070C0"/>
-            </a:solidFill>
-          </a:ln>
-          <a:effectLst/>
-        </p:spPr>
-        <p:style>
-          <a:lnRef idx="1">
-            <a:schemeClr val="accent2"/>
-          </a:lnRef>
-          <a:fillRef idx="2">
-            <a:schemeClr val="accent2"/>
-          </a:fillRef>
-          <a:effectRef idx="1">
-            <a:schemeClr val="accent2"/>
-          </a:effectRef>
-          <a:fontRef idx="minor">
-            <a:schemeClr val="dk1"/>
-          </a:fontRef>
-        </p:style>
-        <p:txBody>
-          <a:bodyPr rtlCol="0" anchor="ctr"/>
-          <a:lstStyle/>
-          <a:p>
-            <a:pPr algn="ctr"/>
-            <a:r>
-              <a:rPr lang="en-US" sz="1050" dirty="0" err="1">
-                <a:solidFill>
-                  <a:schemeClr val="bg1"/>
-                </a:solidFill>
-              </a:rPr>
-              <a:t>CommandResult</a:t>
-            </a:r>
-            <a:endParaRPr lang="en-SG" sz="1050" dirty="0">
-              <a:solidFill>
-                <a:schemeClr val="bg1"/>
-              </a:solidFill>
-            </a:endParaRPr>
-          </a:p>
-        </p:txBody>
-      </p:sp>
-      <p:sp>
-        <p:nvSpPr>
-          <p:cNvPr id="5" name="Rectangle 11"/>
-          <p:cNvSpPr/>
-          <p:nvPr/>
-        </p:nvSpPr>
-        <p:spPr>
-          <a:xfrm flipH="1">
-            <a:off x="6180592" y="2648528"/>
-            <a:ext cx="1093635" cy="346760"/>
-          </a:xfrm>
-          <a:prstGeom prst="rect">
-            <a:avLst/>
-          </a:prstGeom>
-          <a:ln w="19050">
-            <a:solidFill>
-              <a:srgbClr val="0070C0"/>
-            </a:solidFill>
-          </a:ln>
-          <a:effectLst/>
-        </p:spPr>
-        <p:style>
-          <a:lnRef idx="1">
-            <a:schemeClr val="accent1"/>
-          </a:lnRef>
-          <a:fillRef idx="2">
-            <a:schemeClr val="accent1"/>
-          </a:fillRef>
-          <a:effectRef idx="1">
-            <a:schemeClr val="accent1"/>
-          </a:effectRef>
-          <a:fontRef idx="minor">
-            <a:schemeClr val="dk1"/>
-          </a:fontRef>
-        </p:style>
-        <p:txBody>
-          <a:bodyPr rtlCol="0" anchor="ctr"/>
-          <a:lstStyle/>
-          <a:p>
-            <a:pPr algn="ctr"/>
-            <a:r>
-              <a:rPr lang="en-US" sz="1050" b="1" dirty="0" err="1">
-                <a:solidFill>
-                  <a:srgbClr val="0070C0"/>
-                </a:solidFill>
-              </a:rPr>
-              <a:t>AddCommand</a:t>
-            </a:r>
-            <a:endParaRPr lang="en-SG" sz="1050" b="1" dirty="0">
-              <a:solidFill>
-                <a:srgbClr val="0070C0"/>
-              </a:solidFill>
-            </a:endParaRPr>
-          </a:p>
-        </p:txBody>
-      </p:sp>
-      <p:sp>
-        <p:nvSpPr>
-          <p:cNvPr id="6" name="Rectangle 62"/>
-          <p:cNvSpPr/>
-          <p:nvPr/>
-        </p:nvSpPr>
-        <p:spPr>
-          <a:xfrm>
-            <a:off x="2015218" y="3763620"/>
-            <a:ext cx="1093635" cy="346760"/>
-          </a:xfrm>
-          <a:prstGeom prst="rect">
-            <a:avLst/>
-          </a:prstGeom>
-          <a:solidFill>
-            <a:srgbClr val="0070C0"/>
-          </a:solidFill>
-          <a:ln w="19050">
-            <a:solidFill>
-              <a:srgbClr val="0070C0"/>
-            </a:solidFill>
-          </a:ln>
-          <a:effectLst/>
-        </p:spPr>
-        <p:style>
-          <a:lnRef idx="1">
-            <a:schemeClr val="accent2"/>
-          </a:lnRef>
-          <a:fillRef idx="2">
-            <a:schemeClr val="accent2"/>
-          </a:fillRef>
-          <a:effectRef idx="1">
-            <a:schemeClr val="accent2"/>
-          </a:effectRef>
-          <a:fontRef idx="minor">
-            <a:schemeClr val="dk1"/>
-          </a:fontRef>
-        </p:style>
-        <p:txBody>
-          <a:bodyPr rtlCol="0" anchor="ctr"/>
-          <a:lstStyle/>
-          <a:p>
-            <a:pPr algn="ctr"/>
-            <a:r>
-              <a:rPr lang="en-US" sz="1050" dirty="0" err="1">
-                <a:solidFill>
-                  <a:schemeClr val="bg1"/>
-                </a:solidFill>
-              </a:rPr>
-              <a:t>LogicManager</a:t>
-            </a:r>
-            <a:endParaRPr lang="en-SG" sz="1050" dirty="0">
-              <a:solidFill>
-                <a:schemeClr val="bg1"/>
-              </a:solidFill>
-            </a:endParaRPr>
-          </a:p>
-        </p:txBody>
-      </p:sp>
-      <p:cxnSp>
-        <p:nvCxnSpPr>
-          <p:cNvPr id="7" name="Elbow Connector 63"/>
-          <p:cNvCxnSpPr>
-            <a:endCxn id="4" idx="3"/>
-          </p:cNvCxnSpPr>
-          <p:nvPr/>
-        </p:nvCxnSpPr>
-        <p:spPr>
-          <a:xfrm rot="10800000">
-            <a:off x="3189584" y="2722220"/>
-            <a:ext cx="2296817" cy="1187104"/>
-          </a:xfrm>
-          <a:prstGeom prst="bentConnector3">
-            <a:avLst>
-              <a:gd name="adj1" fmla="val -267"/>
-            </a:avLst>
-          </a:prstGeom>
-          <a:ln w="19050">
-            <a:solidFill>
-              <a:srgbClr val="0070C0"/>
-            </a:solidFill>
-            <a:prstDash val="sysDot"/>
-            <a:headEnd type="none" w="med" len="med"/>
-            <a:tailEnd type="arrow" w="med" len="med"/>
-          </a:ln>
-          <a:effectLst/>
-        </p:spPr>
-        <p:style>
-          <a:lnRef idx="1">
-            <a:schemeClr val="accent2"/>
-          </a:lnRef>
-          <a:fillRef idx="2">
-            <a:schemeClr val="accent2"/>
-          </a:fillRef>
-          <a:effectRef idx="1">
-            <a:schemeClr val="accent2"/>
-          </a:effectRef>
-          <a:fontRef idx="minor">
-            <a:schemeClr val="dk1"/>
-          </a:fontRef>
-        </p:style>
-      </p:cxnSp>
-      <p:sp>
-        <p:nvSpPr>
-          <p:cNvPr id="8" name="Isosceles Triangle 102"/>
-          <p:cNvSpPr/>
-          <p:nvPr/>
-        </p:nvSpPr>
-        <p:spPr>
-          <a:xfrm rot="5400000" flipV="1">
-            <a:off x="5563388" y="3813212"/>
-            <a:ext cx="270504" cy="175523"/>
-          </a:xfrm>
-          <a:prstGeom prst="triangle">
-            <a:avLst/>
-          </a:prstGeom>
-          <a:ln w="19050">
-            <a:solidFill>
-              <a:srgbClr val="0070C0"/>
-            </a:solidFill>
-          </a:ln>
-          <a:effectLst/>
-        </p:spPr>
-        <p:style>
-          <a:lnRef idx="1">
-            <a:schemeClr val="accent1"/>
-          </a:lnRef>
-          <a:fillRef idx="2">
-            <a:schemeClr val="accent1"/>
-          </a:fillRef>
-          <a:effectRef idx="1">
-            <a:schemeClr val="accent1"/>
-          </a:effectRef>
-          <a:fontRef idx="minor">
-            <a:schemeClr val="dk1"/>
-          </a:fontRef>
-        </p:style>
-        <p:txBody>
-          <a:bodyPr rtlCol="0" anchor="ctr"/>
-          <a:lstStyle/>
-          <a:p>
-            <a:pPr algn="ctr"/>
-            <a:endParaRPr lang="en-SG" sz="1050" b="1">
-              <a:solidFill>
-                <a:srgbClr val="92D050"/>
-              </a:solidFill>
-            </a:endParaRPr>
-          </a:p>
-        </p:txBody>
-      </p:sp>
-      <p:cxnSp>
-        <p:nvCxnSpPr>
-          <p:cNvPr id="9" name="Elbow Connector 122"/>
-          <p:cNvCxnSpPr>
-            <a:endCxn id="4" idx="1"/>
-          </p:cNvCxnSpPr>
-          <p:nvPr/>
-        </p:nvCxnSpPr>
-        <p:spPr>
-          <a:xfrm>
-            <a:off x="1676400" y="2719360"/>
-            <a:ext cx="419548" cy="2860"/>
-          </a:xfrm>
-          <a:prstGeom prst="bentConnector3">
-            <a:avLst>
-              <a:gd name="adj1" fmla="val 50000"/>
-            </a:avLst>
-          </a:prstGeom>
-          <a:ln w="19050">
-            <a:solidFill>
-              <a:srgbClr val="0070C0"/>
-            </a:solidFill>
-            <a:prstDash val="sysDot"/>
-            <a:headEnd type="none" w="med" len="med"/>
-            <a:tailEnd type="arrow" w="med" len="med"/>
-          </a:ln>
-          <a:effectLst/>
-        </p:spPr>
-        <p:style>
-          <a:lnRef idx="1">
-            <a:schemeClr val="accent2"/>
-          </a:lnRef>
-          <a:fillRef idx="2">
-            <a:schemeClr val="accent2"/>
-          </a:fillRef>
-          <a:effectRef idx="1">
-            <a:schemeClr val="accent2"/>
-          </a:effectRef>
-          <a:fontRef idx="minor">
-            <a:schemeClr val="dk1"/>
-          </a:fontRef>
-        </p:style>
-      </p:cxnSp>
-      <p:sp>
-        <p:nvSpPr>
-          <p:cNvPr id="10" name="Rectangle 65"/>
-          <p:cNvSpPr/>
-          <p:nvPr/>
-        </p:nvSpPr>
-        <p:spPr>
-          <a:xfrm>
-            <a:off x="1103085" y="4548755"/>
-            <a:ext cx="6288315" cy="328045"/>
-          </a:xfrm>
-          <a:prstGeom prst="roundRect">
-            <a:avLst/>
-          </a:prstGeom>
-          <a:solidFill>
-            <a:schemeClr val="accent4">
-              <a:lumMod val="20000"/>
-              <a:lumOff val="80000"/>
-            </a:schemeClr>
-          </a:solidFill>
-          <a:ln w="19050">
-            <a:noFill/>
-          </a:ln>
-          <a:effectLst/>
-        </p:spPr>
-        <p:style>
-          <a:lnRef idx="1">
-            <a:schemeClr val="accent2"/>
-          </a:lnRef>
-          <a:fillRef idx="2">
-            <a:schemeClr val="accent2"/>
-          </a:fillRef>
-          <a:effectRef idx="1">
-            <a:schemeClr val="accent2"/>
-          </a:effectRef>
-          <a:fontRef idx="minor">
-            <a:schemeClr val="dk1"/>
-          </a:fontRef>
-        </p:style>
-        <p:txBody>
-          <a:bodyPr rtlCol="0" anchor="ctr"/>
-          <a:lstStyle/>
-          <a:p>
-            <a:pPr algn="ctr"/>
-            <a:r>
-              <a:rPr lang="en-US" sz="1100" b="1" dirty="0">
-                <a:solidFill>
-                  <a:schemeClr val="bg1"/>
-                </a:solidFill>
-              </a:rPr>
-              <a:t>Model</a:t>
-            </a:r>
-            <a:endParaRPr lang="en-SG" sz="1100" b="1" dirty="0">
-              <a:solidFill>
-                <a:schemeClr val="bg1"/>
-              </a:solidFill>
-            </a:endParaRPr>
-          </a:p>
-        </p:txBody>
-      </p:sp>
-      <p:sp>
-        <p:nvSpPr>
-          <p:cNvPr id="11" name="Rectangle 11"/>
-          <p:cNvSpPr/>
-          <p:nvPr/>
-        </p:nvSpPr>
-        <p:spPr>
-          <a:xfrm flipH="1">
-            <a:off x="6180592" y="3054928"/>
-            <a:ext cx="1093635" cy="346760"/>
-          </a:xfrm>
-          <a:prstGeom prst="rect">
-            <a:avLst/>
-          </a:prstGeom>
-          <a:ln w="19050">
-            <a:solidFill>
-              <a:srgbClr val="0070C0"/>
-            </a:solidFill>
-          </a:ln>
-          <a:effectLst/>
-        </p:spPr>
-        <p:style>
-          <a:lnRef idx="1">
-            <a:schemeClr val="accent1"/>
-          </a:lnRef>
-          <a:fillRef idx="2">
-            <a:schemeClr val="accent1"/>
-          </a:fillRef>
-          <a:effectRef idx="1">
-            <a:schemeClr val="accent1"/>
-          </a:effectRef>
-          <a:fontRef idx="minor">
-            <a:schemeClr val="dk1"/>
-          </a:fontRef>
-        </p:style>
-        <p:txBody>
-          <a:bodyPr rtlCol="0" anchor="ctr"/>
-          <a:lstStyle/>
-          <a:p>
-            <a:pPr algn="ctr"/>
-            <a:r>
-              <a:rPr lang="en-US" sz="1050" b="1" dirty="0" err="1">
-                <a:solidFill>
-                  <a:srgbClr val="0070C0"/>
-                </a:solidFill>
-              </a:rPr>
-              <a:t>ListCommand</a:t>
-            </a:r>
-            <a:endParaRPr lang="en-SG" sz="1050" b="1" dirty="0">
-              <a:solidFill>
-                <a:srgbClr val="0070C0"/>
-              </a:solidFill>
-            </a:endParaRPr>
-          </a:p>
-        </p:txBody>
-      </p:sp>
-      <p:sp>
-        <p:nvSpPr>
-          <p:cNvPr id="12" name="Rectangle 11"/>
-          <p:cNvSpPr/>
-          <p:nvPr/>
-        </p:nvSpPr>
-        <p:spPr>
-          <a:xfrm flipH="1">
-            <a:off x="6180590" y="3860800"/>
-            <a:ext cx="1093635" cy="346760"/>
-          </a:xfrm>
-          <a:prstGeom prst="rect">
-            <a:avLst/>
-          </a:prstGeom>
-          <a:ln w="19050">
-            <a:solidFill>
-              <a:srgbClr val="0070C0"/>
-            </a:solidFill>
-          </a:ln>
-          <a:effectLst/>
-        </p:spPr>
-        <p:style>
-          <a:lnRef idx="1">
-            <a:schemeClr val="accent1"/>
-          </a:lnRef>
-          <a:fillRef idx="2">
-            <a:schemeClr val="accent1"/>
-          </a:fillRef>
-          <a:effectRef idx="1">
-            <a:schemeClr val="accent1"/>
-          </a:effectRef>
-          <a:fontRef idx="minor">
-            <a:schemeClr val="dk1"/>
-          </a:fontRef>
-        </p:style>
-        <p:txBody>
-          <a:bodyPr rtlCol="0" anchor="ctr"/>
-          <a:lstStyle/>
-          <a:p>
-            <a:pPr algn="ctr"/>
-            <a:r>
-              <a:rPr lang="en-US" sz="1050" b="1" dirty="0">
-                <a:solidFill>
-                  <a:srgbClr val="0070C0"/>
-                </a:solidFill>
-              </a:rPr>
-              <a:t>…</a:t>
-            </a:r>
-            <a:endParaRPr lang="en-SG" sz="1050" b="1" dirty="0">
-              <a:solidFill>
-                <a:srgbClr val="0070C0"/>
-              </a:solidFill>
-            </a:endParaRPr>
-          </a:p>
-        </p:txBody>
-      </p:sp>
-      <p:sp>
-        <p:nvSpPr>
-          <p:cNvPr id="14" name="Rectangle 62"/>
-          <p:cNvSpPr/>
-          <p:nvPr/>
-        </p:nvSpPr>
-        <p:spPr>
-          <a:xfrm>
-            <a:off x="4815685" y="3765721"/>
-            <a:ext cx="772043" cy="346760"/>
-          </a:xfrm>
-          <a:prstGeom prst="rect">
-            <a:avLst/>
-          </a:prstGeom>
-          <a:ln w="19050">
-            <a:solidFill>
-              <a:srgbClr val="0070C0"/>
-            </a:solidFill>
-          </a:ln>
-          <a:effectLst/>
-        </p:spPr>
-        <p:style>
-          <a:lnRef idx="1">
-            <a:schemeClr val="accent1"/>
-          </a:lnRef>
-          <a:fillRef idx="2">
-            <a:schemeClr val="accent1"/>
-          </a:fillRef>
-          <a:effectRef idx="1">
-            <a:schemeClr val="accent1"/>
-          </a:effectRef>
-          <a:fontRef idx="minor">
-            <a:schemeClr val="dk1"/>
-          </a:fontRef>
-        </p:style>
-        <p:txBody>
-          <a:bodyPr rtlCol="0" anchor="ctr"/>
-          <a:lstStyle/>
-          <a:p>
-            <a:pPr algn="ctr"/>
-            <a:r>
-              <a:rPr lang="en-US" sz="1050" b="1" dirty="0">
-                <a:solidFill>
-                  <a:srgbClr val="0070C0"/>
-                </a:solidFill>
-              </a:rPr>
-              <a:t>{abstract}</a:t>
-            </a:r>
-            <a:br>
-              <a:rPr lang="en-US" sz="1050" b="1" dirty="0">
-                <a:solidFill>
-                  <a:srgbClr val="0070C0"/>
-                </a:solidFill>
-              </a:rPr>
-            </a:br>
-            <a:r>
-              <a:rPr lang="en-US" sz="1050" b="1" dirty="0">
-                <a:solidFill>
-                  <a:srgbClr val="0070C0"/>
-                </a:solidFill>
-              </a:rPr>
-              <a:t>Command</a:t>
-            </a:r>
-            <a:endParaRPr lang="en-SG" sz="1050" b="1" dirty="0">
-              <a:solidFill>
-                <a:srgbClr val="0070C0"/>
-              </a:solidFill>
-            </a:endParaRPr>
-          </a:p>
-        </p:txBody>
-      </p:sp>
-      <p:cxnSp>
-        <p:nvCxnSpPr>
-          <p:cNvPr id="15" name="Elbow Connector 63"/>
-          <p:cNvCxnSpPr>
-            <a:stCxn id="5" idx="3"/>
-            <a:endCxn id="8" idx="3"/>
-          </p:cNvCxnSpPr>
-          <p:nvPr/>
-        </p:nvCxnSpPr>
-        <p:spPr>
-          <a:xfrm rot="10800000" flipV="1">
-            <a:off x="5786402" y="2821908"/>
-            <a:ext cx="394190" cy="1079066"/>
-          </a:xfrm>
-          <a:prstGeom prst="bentConnector3">
-            <a:avLst>
-              <a:gd name="adj1" fmla="val 50000"/>
-            </a:avLst>
-          </a:prstGeom>
-          <a:ln w="19050">
-            <a:solidFill>
-              <a:srgbClr val="0070C0"/>
-            </a:solidFill>
-            <a:headEnd type="none" w="med" len="med"/>
-            <a:tailEnd type="none" w="med" len="med"/>
-          </a:ln>
-          <a:effectLst/>
-        </p:spPr>
-        <p:style>
-          <a:lnRef idx="1">
-            <a:schemeClr val="accent2"/>
-          </a:lnRef>
-          <a:fillRef idx="2">
-            <a:schemeClr val="accent2"/>
-          </a:fillRef>
-          <a:effectRef idx="1">
-            <a:schemeClr val="accent2"/>
-          </a:effectRef>
-          <a:fontRef idx="minor">
-            <a:schemeClr val="dk1"/>
-          </a:fontRef>
-        </p:style>
-      </p:cxnSp>
-      <p:cxnSp>
-        <p:nvCxnSpPr>
-          <p:cNvPr id="16" name="Elbow Connector 63"/>
-          <p:cNvCxnSpPr>
-            <a:stCxn id="8" idx="3"/>
-            <a:endCxn id="12" idx="3"/>
-          </p:cNvCxnSpPr>
-          <p:nvPr/>
-        </p:nvCxnSpPr>
-        <p:spPr>
-          <a:xfrm>
-            <a:off x="5786402" y="3900974"/>
-            <a:ext cx="394188" cy="133206"/>
-          </a:xfrm>
-          <a:prstGeom prst="bentConnector3">
-            <a:avLst>
-              <a:gd name="adj1" fmla="val 50000"/>
-            </a:avLst>
-          </a:prstGeom>
-          <a:ln w="19050">
-            <a:solidFill>
-              <a:srgbClr val="0070C0"/>
-            </a:solidFill>
-            <a:headEnd type="none" w="med" len="med"/>
-            <a:tailEnd type="none" w="med" len="med"/>
-          </a:ln>
-          <a:effectLst/>
-        </p:spPr>
-        <p:style>
-          <a:lnRef idx="1">
-            <a:schemeClr val="accent2"/>
-          </a:lnRef>
-          <a:fillRef idx="2">
-            <a:schemeClr val="accent2"/>
-          </a:fillRef>
-          <a:effectRef idx="1">
-            <a:schemeClr val="accent2"/>
-          </a:effectRef>
-          <a:fontRef idx="minor">
-            <a:schemeClr val="dk1"/>
-          </a:fontRef>
-        </p:style>
-      </p:cxnSp>
-      <p:cxnSp>
-        <p:nvCxnSpPr>
-          <p:cNvPr id="17" name="Elbow Connector 63"/>
-          <p:cNvCxnSpPr>
-            <a:stCxn id="8" idx="3"/>
-            <a:endCxn id="11" idx="3"/>
-          </p:cNvCxnSpPr>
-          <p:nvPr/>
-        </p:nvCxnSpPr>
-        <p:spPr>
-          <a:xfrm flipV="1">
-            <a:off x="5786402" y="3228308"/>
-            <a:ext cx="394190" cy="672666"/>
-          </a:xfrm>
-          <a:prstGeom prst="bentConnector3">
-            <a:avLst>
-              <a:gd name="adj1" fmla="val 50000"/>
-            </a:avLst>
-          </a:prstGeom>
-          <a:ln w="19050">
-            <a:solidFill>
-              <a:srgbClr val="0070C0"/>
-            </a:solidFill>
-            <a:headEnd type="none" w="med" len="med"/>
-            <a:tailEnd type="none" w="med" len="med"/>
-          </a:ln>
-          <a:effectLst/>
-        </p:spPr>
-        <p:style>
-          <a:lnRef idx="1">
-            <a:schemeClr val="accent2"/>
-          </a:lnRef>
-          <a:fillRef idx="2">
-            <a:schemeClr val="accent2"/>
-          </a:fillRef>
-          <a:effectRef idx="1">
-            <a:schemeClr val="accent2"/>
-          </a:effectRef>
-          <a:fontRef idx="minor">
-            <a:schemeClr val="dk1"/>
-          </a:fontRef>
-        </p:style>
-      </p:cxnSp>
-      <p:sp>
-        <p:nvSpPr>
-          <p:cNvPr id="18" name="Rectangle 62"/>
-          <p:cNvSpPr/>
-          <p:nvPr/>
-        </p:nvSpPr>
-        <p:spPr>
-          <a:xfrm>
-            <a:off x="3527828" y="3766159"/>
-            <a:ext cx="585450" cy="346760"/>
-          </a:xfrm>
-          <a:prstGeom prst="rect">
-            <a:avLst/>
-          </a:prstGeom>
-          <a:solidFill>
-            <a:srgbClr val="0070C0"/>
-          </a:solidFill>
-          <a:ln w="19050">
-            <a:solidFill>
-              <a:srgbClr val="0070C0"/>
-            </a:solidFill>
-          </a:ln>
-          <a:effectLst/>
-        </p:spPr>
-        <p:style>
-          <a:lnRef idx="1">
-            <a:schemeClr val="accent2"/>
-          </a:lnRef>
-          <a:fillRef idx="2">
-            <a:schemeClr val="accent2"/>
-          </a:fillRef>
-          <a:effectRef idx="1">
-            <a:schemeClr val="accent2"/>
-          </a:effectRef>
-          <a:fontRef idx="minor">
-            <a:schemeClr val="dk1"/>
-          </a:fontRef>
-        </p:style>
-        <p:txBody>
-          <a:bodyPr rtlCol="0" anchor="ctr"/>
-          <a:lstStyle/>
-          <a:p>
-            <a:pPr algn="ctr"/>
-            <a:r>
-              <a:rPr lang="en-US" sz="1050" dirty="0">
-                <a:solidFill>
-                  <a:schemeClr val="bg1"/>
-                </a:solidFill>
-              </a:rPr>
-              <a:t>Parser</a:t>
-            </a:r>
-            <a:endParaRPr lang="en-SG" sz="1050" dirty="0">
-              <a:solidFill>
-                <a:schemeClr val="bg1"/>
-              </a:solidFill>
-            </a:endParaRPr>
-          </a:p>
-        </p:txBody>
-      </p:sp>
-      <p:cxnSp>
-        <p:nvCxnSpPr>
-          <p:cNvPr id="19" name="Elbow Connector 106"/>
-          <p:cNvCxnSpPr>
-            <a:stCxn id="6" idx="3"/>
-            <a:endCxn id="18" idx="1"/>
-          </p:cNvCxnSpPr>
-          <p:nvPr/>
-        </p:nvCxnSpPr>
-        <p:spPr>
-          <a:xfrm>
-            <a:off x="3108853" y="3937000"/>
-            <a:ext cx="418975" cy="2539"/>
-          </a:xfrm>
-          <a:prstGeom prst="bentConnector3">
-            <a:avLst>
-              <a:gd name="adj1" fmla="val 50000"/>
-            </a:avLst>
-          </a:prstGeom>
-          <a:ln w="19050">
-            <a:solidFill>
-              <a:srgbClr val="0070C0"/>
-            </a:solidFill>
-            <a:prstDash val="solid"/>
-            <a:headEnd type="none" w="med" len="med"/>
-            <a:tailEnd type="arrow" w="med" len="med"/>
-          </a:ln>
-          <a:effectLst/>
-        </p:spPr>
-        <p:style>
-          <a:lnRef idx="1">
-            <a:schemeClr val="accent2"/>
-          </a:lnRef>
-          <a:fillRef idx="2">
-            <a:schemeClr val="accent2"/>
-          </a:fillRef>
-          <a:effectRef idx="1">
-            <a:schemeClr val="accent2"/>
-          </a:effectRef>
-          <a:fontRef idx="minor">
-            <a:schemeClr val="dk1"/>
-          </a:fontRef>
-        </p:style>
-      </p:cxnSp>
-      <p:cxnSp>
-        <p:nvCxnSpPr>
-          <p:cNvPr id="20" name="Straight Arrow Connector 110"/>
-          <p:cNvCxnSpPr>
-            <a:stCxn id="14" idx="2"/>
-          </p:cNvCxnSpPr>
-          <p:nvPr/>
-        </p:nvCxnSpPr>
-        <p:spPr>
-          <a:xfrm>
-            <a:off x="5201707" y="4112481"/>
-            <a:ext cx="1" cy="436274"/>
-          </a:xfrm>
-          <a:prstGeom prst="straightConnector1">
-            <a:avLst/>
-          </a:prstGeom>
-          <a:ln w="19050">
-            <a:solidFill>
-              <a:srgbClr val="0070C0"/>
-            </a:solidFill>
-            <a:prstDash val="sysDot"/>
-            <a:headEnd type="none" w="med" len="med"/>
-            <a:tailEnd type="arrow" w="med" len="med"/>
-          </a:ln>
-          <a:effectLst/>
-        </p:spPr>
-        <p:style>
-          <a:lnRef idx="1">
-            <a:schemeClr val="accent2"/>
-          </a:lnRef>
-          <a:fillRef idx="2">
-            <a:schemeClr val="accent2"/>
-          </a:fillRef>
-          <a:effectRef idx="1">
-            <a:schemeClr val="accent2"/>
-          </a:effectRef>
-          <a:fontRef idx="minor">
-            <a:schemeClr val="dk1"/>
-          </a:fontRef>
-        </p:style>
-      </p:cxnSp>
-      <p:sp>
-        <p:nvSpPr>
-          <p:cNvPr id="21" name="Rectangle 62"/>
-          <p:cNvSpPr/>
-          <p:nvPr/>
-        </p:nvSpPr>
-        <p:spPr>
-          <a:xfrm rot="16200000">
-            <a:off x="956202" y="2861202"/>
-            <a:ext cx="1093635" cy="346760"/>
-          </a:xfrm>
-          <a:prstGeom prst="rect">
-            <a:avLst/>
-          </a:prstGeom>
-          <a:solidFill>
-            <a:srgbClr val="0070C0"/>
-          </a:solidFill>
-          <a:ln w="19050">
-            <a:solidFill>
-              <a:srgbClr val="0070C0"/>
-            </a:solidFill>
-          </a:ln>
-          <a:effectLst/>
-        </p:spPr>
-        <p:style>
-          <a:lnRef idx="1">
-            <a:schemeClr val="accent2"/>
-          </a:lnRef>
-          <a:fillRef idx="2">
-            <a:schemeClr val="accent2"/>
-          </a:fillRef>
-          <a:effectRef idx="1">
-            <a:schemeClr val="accent2"/>
-          </a:effectRef>
-          <a:fontRef idx="minor">
-            <a:schemeClr val="dk1"/>
-          </a:fontRef>
-        </p:style>
-        <p:txBody>
-          <a:bodyPr rtlCol="0" anchor="ctr"/>
-          <a:lstStyle/>
-          <a:p>
-            <a:pPr algn="ctr"/>
-            <a:r>
-              <a:rPr lang="en-US" sz="1050" dirty="0">
-                <a:solidFill>
-                  <a:schemeClr val="bg1"/>
-                </a:solidFill>
-              </a:rPr>
-              <a:t>&lt;&lt;interface&gt;&gt;</a:t>
-            </a:r>
-          </a:p>
-          <a:p>
-            <a:pPr algn="ctr"/>
-            <a:r>
-              <a:rPr lang="en-US" sz="1050" dirty="0">
-                <a:solidFill>
-                  <a:schemeClr val="bg1"/>
-                </a:solidFill>
-              </a:rPr>
-              <a:t>Logic</a:t>
-            </a:r>
-            <a:endParaRPr lang="en-SG" sz="1050" dirty="0">
-              <a:solidFill>
-                <a:schemeClr val="bg1"/>
-              </a:solidFill>
-            </a:endParaRPr>
-          </a:p>
-        </p:txBody>
-      </p:sp>
-      <p:sp>
-        <p:nvSpPr>
-          <p:cNvPr id="22" name="Isosceles Triangle 102"/>
-          <p:cNvSpPr/>
-          <p:nvPr/>
-        </p:nvSpPr>
-        <p:spPr>
-          <a:xfrm>
-            <a:off x="1359039" y="3581400"/>
-            <a:ext cx="270504" cy="175523"/>
-          </a:xfrm>
-          <a:prstGeom prst="triangle">
-            <a:avLst/>
-          </a:prstGeom>
-          <a:solidFill>
-            <a:schemeClr val="tx2">
-              <a:lumMod val="60000"/>
-              <a:lumOff val="40000"/>
-            </a:schemeClr>
-          </a:solidFill>
-          <a:ln w="19050">
-            <a:solidFill>
-              <a:srgbClr val="0070C0"/>
-            </a:solidFill>
-          </a:ln>
-          <a:effectLst/>
-        </p:spPr>
-        <p:style>
-          <a:lnRef idx="1">
-            <a:schemeClr val="accent1"/>
-          </a:lnRef>
-          <a:fillRef idx="2">
-            <a:schemeClr val="accent1"/>
-          </a:fillRef>
-          <a:effectRef idx="1">
-            <a:schemeClr val="accent1"/>
-          </a:effectRef>
-          <a:fontRef idx="minor">
-            <a:schemeClr val="dk1"/>
-          </a:fontRef>
-        </p:style>
-        <p:txBody>
-          <a:bodyPr rtlCol="0" anchor="ctr"/>
-          <a:lstStyle/>
-          <a:p>
-            <a:pPr algn="ctr"/>
-            <a:endParaRPr lang="en-SG" sz="1050" b="1">
-              <a:solidFill>
-                <a:srgbClr val="92D050"/>
-              </a:solidFill>
-            </a:endParaRPr>
-          </a:p>
-        </p:txBody>
-      </p:sp>
-      <p:cxnSp>
-        <p:nvCxnSpPr>
-          <p:cNvPr id="23" name="Elbow Connector 63"/>
-          <p:cNvCxnSpPr>
-            <a:stCxn id="6" idx="1"/>
-            <a:endCxn id="22" idx="3"/>
-          </p:cNvCxnSpPr>
-          <p:nvPr/>
-        </p:nvCxnSpPr>
-        <p:spPr>
-          <a:xfrm rot="10800000">
-            <a:off x="1494292" y="3756924"/>
-            <a:ext cx="520927" cy="180077"/>
-          </a:xfrm>
-          <a:prstGeom prst="bentConnector2">
-            <a:avLst/>
-          </a:prstGeom>
-          <a:ln w="19050">
-            <a:solidFill>
-              <a:srgbClr val="0070C0"/>
-            </a:solidFill>
-            <a:prstDash val="sysDot"/>
-            <a:headEnd type="none" w="med" len="med"/>
-            <a:tailEnd type="none" w="med" len="med"/>
-          </a:ln>
-          <a:effectLst/>
-        </p:spPr>
-        <p:style>
-          <a:lnRef idx="1">
-            <a:schemeClr val="accent2"/>
-          </a:lnRef>
-          <a:fillRef idx="2">
-            <a:schemeClr val="accent2"/>
-          </a:fillRef>
-          <a:effectRef idx="1">
-            <a:schemeClr val="accent2"/>
-          </a:effectRef>
-          <a:fontRef idx="minor">
-            <a:schemeClr val="dk1"/>
-          </a:fontRef>
-        </p:style>
-      </p:cxnSp>
-      <p:cxnSp>
-        <p:nvCxnSpPr>
-          <p:cNvPr id="24" name="Straight Arrow Connector 54"/>
-          <p:cNvCxnSpPr>
-            <a:stCxn id="18" idx="3"/>
-            <a:endCxn id="14" idx="1"/>
-          </p:cNvCxnSpPr>
-          <p:nvPr/>
-        </p:nvCxnSpPr>
-        <p:spPr>
-          <a:xfrm flipV="1">
-            <a:off x="4113278" y="3939101"/>
-            <a:ext cx="702407" cy="438"/>
-          </a:xfrm>
-          <a:prstGeom prst="straightConnector1">
-            <a:avLst/>
-          </a:prstGeom>
-          <a:ln w="19050">
-            <a:solidFill>
-              <a:srgbClr val="0070C0"/>
-            </a:solidFill>
-            <a:prstDash val="sysDot"/>
-            <a:headEnd type="none" w="med" len="med"/>
-            <a:tailEnd type="arrow" w="med" len="med"/>
-          </a:ln>
-          <a:effectLst/>
-        </p:spPr>
-        <p:style>
-          <a:lnRef idx="1">
-            <a:schemeClr val="accent2"/>
-          </a:lnRef>
-          <a:fillRef idx="2">
-            <a:schemeClr val="accent2"/>
-          </a:fillRef>
-          <a:effectRef idx="1">
-            <a:schemeClr val="accent2"/>
-          </a:effectRef>
-          <a:fontRef idx="minor">
-            <a:schemeClr val="dk1"/>
-          </a:fontRef>
-        </p:style>
-      </p:cxnSp>
-      <p:cxnSp>
-        <p:nvCxnSpPr>
-          <p:cNvPr id="25" name="Straight Arrow Connector 57"/>
-          <p:cNvCxnSpPr>
-            <a:stCxn id="6" idx="2"/>
-          </p:cNvCxnSpPr>
-          <p:nvPr/>
-        </p:nvCxnSpPr>
-        <p:spPr>
-          <a:xfrm flipH="1">
-            <a:off x="2562035" y="4110380"/>
-            <a:ext cx="1" cy="438375"/>
-          </a:xfrm>
-          <a:prstGeom prst="straightConnector1">
-            <a:avLst/>
-          </a:prstGeom>
-          <a:ln w="19050">
-            <a:solidFill>
-              <a:srgbClr val="0070C0"/>
-            </a:solidFill>
-            <a:headEnd type="none" w="med" len="med"/>
-            <a:tailEnd type="arrow" w="med" len="med"/>
-          </a:ln>
-          <a:effectLst/>
-        </p:spPr>
-        <p:style>
-          <a:lnRef idx="1">
-            <a:schemeClr val="accent2"/>
-          </a:lnRef>
-          <a:fillRef idx="2">
-            <a:schemeClr val="accent2"/>
-          </a:fillRef>
-          <a:effectRef idx="1">
-            <a:schemeClr val="accent2"/>
-          </a:effectRef>
-          <a:fontRef idx="minor">
-            <a:schemeClr val="dk1"/>
-          </a:fontRef>
-        </p:style>
-      </p:cxnSp>
-      <p:cxnSp>
-        <p:nvCxnSpPr>
-          <p:cNvPr id="28" name="Elbow Connector 122"/>
-          <p:cNvCxnSpPr/>
-          <p:nvPr/>
-        </p:nvCxnSpPr>
-        <p:spPr>
-          <a:xfrm>
-            <a:off x="893311" y="2984905"/>
-            <a:ext cx="419548" cy="2860"/>
-          </a:xfrm>
-          <a:prstGeom prst="bentConnector3">
-            <a:avLst>
-              <a:gd name="adj1" fmla="val 50000"/>
-            </a:avLst>
-          </a:prstGeom>
-          <a:ln w="19050">
-            <a:solidFill>
-              <a:schemeClr val="bg1">
-                <a:lumMod val="75000"/>
-              </a:schemeClr>
-            </a:solidFill>
-            <a:prstDash val="sysDot"/>
-            <a:headEnd type="none" w="med" len="med"/>
-            <a:tailEnd type="arrow" w="med" len="med"/>
-          </a:ln>
-          <a:effectLst/>
-        </p:spPr>
-        <p:style>
-          <a:lnRef idx="1">
-            <a:schemeClr val="accent2"/>
-          </a:lnRef>
-          <a:fillRef idx="2">
-            <a:schemeClr val="accent2"/>
-          </a:fillRef>
-          <a:effectRef idx="1">
-            <a:schemeClr val="accent2"/>
-          </a:effectRef>
-          <a:fontRef idx="minor">
-            <a:schemeClr val="dk1"/>
-          </a:fontRef>
-        </p:style>
-      </p:cxnSp>
-      <p:cxnSp>
-        <p:nvCxnSpPr>
-          <p:cNvPr id="29" name="Elbow Connector 63"/>
-          <p:cNvCxnSpPr>
-            <a:stCxn id="6" idx="0"/>
-            <a:endCxn id="14" idx="0"/>
-          </p:cNvCxnSpPr>
-          <p:nvPr/>
-        </p:nvCxnSpPr>
-        <p:spPr>
-          <a:xfrm rot="16200000" flipH="1">
-            <a:off x="3880820" y="2444835"/>
-            <a:ext cx="2101" cy="2639671"/>
-          </a:xfrm>
-          <a:prstGeom prst="bentConnector3">
-            <a:avLst>
-              <a:gd name="adj1" fmla="val -10880533"/>
-            </a:avLst>
-          </a:prstGeom>
-          <a:ln w="19050">
-            <a:solidFill>
-              <a:srgbClr val="0070C0"/>
-            </a:solidFill>
-            <a:prstDash val="sysDot"/>
-            <a:headEnd type="none" w="med" len="med"/>
-            <a:tailEnd type="arrow" w="med" len="med"/>
-          </a:ln>
-          <a:effectLst/>
-        </p:spPr>
-        <p:style>
-          <a:lnRef idx="1">
-            <a:schemeClr val="accent2"/>
-          </a:lnRef>
-          <a:fillRef idx="2">
-            <a:schemeClr val="accent2"/>
-          </a:fillRef>
-          <a:effectRef idx="1">
-            <a:schemeClr val="accent2"/>
-          </a:effectRef>
-          <a:fontRef idx="minor">
-            <a:schemeClr val="dk1"/>
-          </a:fontRef>
-        </p:style>
-      </p:cxnSp>
-      <p:grpSp>
-        <p:nvGrpSpPr>
-          <p:cNvPr id="35" name="Group 34"/>
-          <p:cNvGrpSpPr/>
-          <p:nvPr/>
-        </p:nvGrpSpPr>
-        <p:grpSpPr>
-          <a:xfrm>
-            <a:off x="4064583" y="3334635"/>
-            <a:ext cx="889000" cy="230832"/>
-            <a:chOff x="2895600" y="807932"/>
-            <a:chExt cx="889000" cy="230832"/>
-          </a:xfrm>
-        </p:grpSpPr>
-        <p:sp>
-          <p:nvSpPr>
-            <p:cNvPr id="33" name="TextBox 32"/>
-            <p:cNvSpPr txBox="1"/>
-            <p:nvPr/>
-          </p:nvSpPr>
-          <p:spPr>
-            <a:xfrm>
-              <a:off x="2895600" y="807932"/>
-              <a:ext cx="728806" cy="230832"/>
-            </a:xfrm>
-            <a:prstGeom prst="rect">
-              <a:avLst/>
-            </a:prstGeom>
-            <a:noFill/>
-          </p:spPr>
-          <p:txBody>
-            <a:bodyPr wrap="square" lIns="0" tIns="0" rIns="0" bIns="0" rtlCol="0">
-              <a:noAutofit/>
-            </a:bodyPr>
-            <a:lstStyle/>
-            <a:p>
-              <a:pPr algn="r"/>
-              <a:r>
-                <a:rPr lang="en-US" sz="1100" dirty="0">
-                  <a:solidFill>
-                    <a:srgbClr val="0070C0"/>
-                  </a:solidFill>
-                </a:rPr>
-                <a:t>executes</a:t>
-              </a:r>
-              <a:endParaRPr lang="en-SG" sz="1100" dirty="0">
-                <a:solidFill>
-                  <a:srgbClr val="0070C0"/>
-                </a:solidFill>
-              </a:endParaRPr>
-            </a:p>
-          </p:txBody>
-        </p:sp>
-        <p:sp>
-          <p:nvSpPr>
-            <p:cNvPr id="34" name="Isosceles Triangle 33"/>
-            <p:cNvSpPr/>
-            <p:nvPr/>
-          </p:nvSpPr>
-          <p:spPr>
-            <a:xfrm rot="5400000">
-              <a:off x="3683524" y="866776"/>
-              <a:ext cx="125951" cy="76201"/>
-            </a:xfrm>
-            <a:prstGeom prst="triangle">
-              <a:avLst/>
-            </a:prstGeom>
-            <a:solidFill>
-              <a:srgbClr val="0070C0"/>
-            </a:solidFill>
-            <a:ln>
-              <a:noFill/>
-            </a:ln>
-          </p:spPr>
-          <p:style>
-            <a:lnRef idx="2">
-              <a:schemeClr val="accent1">
-                <a:shade val="50000"/>
-              </a:schemeClr>
-            </a:lnRef>
-            <a:fillRef idx="1">
-              <a:schemeClr val="accent1"/>
-            </a:fillRef>
-            <a:effectRef idx="0">
-              <a:schemeClr val="accent1"/>
-            </a:effectRef>
-            <a:fontRef idx="minor">
-              <a:schemeClr val="lt1"/>
-            </a:fontRef>
-          </p:style>
-          <p:txBody>
-            <a:bodyPr rtlCol="0" anchor="ctr"/>
-            <a:lstStyle/>
-            <a:p>
-              <a:pPr algn="ctr"/>
-              <a:endParaRPr lang="en-SG"/>
-            </a:p>
-          </p:txBody>
-        </p:sp>
-      </p:grpSp>
-      <p:grpSp>
-        <p:nvGrpSpPr>
-          <p:cNvPr id="36" name="Group 35"/>
-          <p:cNvGrpSpPr/>
-          <p:nvPr/>
-        </p:nvGrpSpPr>
-        <p:grpSpPr>
-          <a:xfrm>
-            <a:off x="3973516" y="2512368"/>
-            <a:ext cx="868568" cy="230832"/>
-            <a:chOff x="2755838" y="789460"/>
-            <a:chExt cx="868568" cy="230832"/>
-          </a:xfrm>
-        </p:grpSpPr>
-        <p:sp>
-          <p:nvSpPr>
-            <p:cNvPr id="37" name="TextBox 36"/>
-            <p:cNvSpPr txBox="1"/>
-            <p:nvPr/>
-          </p:nvSpPr>
-          <p:spPr>
-            <a:xfrm>
-              <a:off x="2895600" y="789460"/>
-              <a:ext cx="728806" cy="230832"/>
-            </a:xfrm>
-            <a:prstGeom prst="rect">
-              <a:avLst/>
-            </a:prstGeom>
-            <a:noFill/>
-          </p:spPr>
-          <p:txBody>
-            <a:bodyPr wrap="square" lIns="0" tIns="0" rIns="0" bIns="0" rtlCol="0">
-              <a:noAutofit/>
-            </a:bodyPr>
-            <a:lstStyle/>
-            <a:p>
-              <a:r>
-                <a:rPr lang="en-US" sz="1100" dirty="0">
-                  <a:solidFill>
-                    <a:srgbClr val="0070C0"/>
-                  </a:solidFill>
-                </a:rPr>
-                <a:t>produces</a:t>
-              </a:r>
-              <a:endParaRPr lang="en-SG" sz="1100" dirty="0">
-                <a:solidFill>
-                  <a:srgbClr val="0070C0"/>
-                </a:solidFill>
-              </a:endParaRPr>
-            </a:p>
-          </p:txBody>
-        </p:sp>
-        <p:sp>
-          <p:nvSpPr>
-            <p:cNvPr id="38" name="Isosceles Triangle 37"/>
-            <p:cNvSpPr/>
-            <p:nvPr/>
-          </p:nvSpPr>
-          <p:spPr>
-            <a:xfrm rot="16200000" flipH="1">
-              <a:off x="2730963" y="857181"/>
-              <a:ext cx="125951" cy="76201"/>
-            </a:xfrm>
-            <a:prstGeom prst="triangle">
-              <a:avLst/>
-            </a:prstGeom>
-            <a:solidFill>
-              <a:srgbClr val="0070C0"/>
-            </a:solidFill>
-            <a:ln>
-              <a:noFill/>
-            </a:ln>
-          </p:spPr>
-          <p:style>
-            <a:lnRef idx="2">
-              <a:schemeClr val="accent1">
-                <a:shade val="50000"/>
-              </a:schemeClr>
-            </a:lnRef>
-            <a:fillRef idx="1">
-              <a:schemeClr val="accent1"/>
-            </a:fillRef>
-            <a:effectRef idx="0">
-              <a:schemeClr val="accent1"/>
-            </a:effectRef>
-            <a:fontRef idx="minor">
-              <a:schemeClr val="lt1"/>
-            </a:fontRef>
-          </p:style>
-          <p:txBody>
-            <a:bodyPr rtlCol="0" anchor="ctr"/>
-            <a:lstStyle/>
-            <a:p>
-              <a:pPr algn="ctr"/>
-              <a:endParaRPr lang="en-SG"/>
-            </a:p>
-          </p:txBody>
-        </p:sp>
-      </p:grpSp>
-      <p:sp>
-        <p:nvSpPr>
-          <p:cNvPr id="39" name="TextBox 38"/>
-          <p:cNvSpPr txBox="1"/>
-          <p:nvPr/>
-        </p:nvSpPr>
-        <p:spPr>
-          <a:xfrm>
-            <a:off x="3210180" y="2423264"/>
-            <a:ext cx="131116" cy="230832"/>
-          </a:xfrm>
-          <a:prstGeom prst="rect">
-            <a:avLst/>
-          </a:prstGeom>
-          <a:noFill/>
-        </p:spPr>
-        <p:txBody>
-          <a:bodyPr wrap="square" lIns="0" tIns="0" rIns="0" bIns="0" rtlCol="0">
-            <a:noAutofit/>
-          </a:bodyPr>
-          <a:lstStyle/>
-          <a:p>
-            <a:pPr algn="r"/>
-            <a:r>
-              <a:rPr lang="en-US" sz="1100" dirty="0">
-                <a:solidFill>
-                  <a:srgbClr val="0070C0"/>
-                </a:solidFill>
-              </a:rPr>
-              <a:t>1</a:t>
-            </a:r>
-            <a:endParaRPr lang="en-SG" sz="1100" dirty="0">
-              <a:solidFill>
-                <a:srgbClr val="0070C0"/>
-              </a:solidFill>
-            </a:endParaRPr>
-          </a:p>
-        </p:txBody>
-      </p:sp>
-      <p:sp>
-        <p:nvSpPr>
-          <p:cNvPr id="40" name="TextBox 39"/>
-          <p:cNvSpPr txBox="1"/>
-          <p:nvPr/>
-        </p:nvSpPr>
-        <p:spPr>
-          <a:xfrm>
-            <a:off x="3341296" y="3700114"/>
-            <a:ext cx="131116" cy="230832"/>
-          </a:xfrm>
-          <a:prstGeom prst="rect">
-            <a:avLst/>
-          </a:prstGeom>
-          <a:noFill/>
-        </p:spPr>
-        <p:txBody>
-          <a:bodyPr wrap="square" lIns="0" tIns="0" rIns="0" bIns="0" rtlCol="0">
-            <a:noAutofit/>
-          </a:bodyPr>
-          <a:lstStyle/>
-          <a:p>
-            <a:pPr algn="r"/>
-            <a:r>
-              <a:rPr lang="en-US" sz="1100" dirty="0">
-                <a:solidFill>
-                  <a:srgbClr val="0070C0"/>
-                </a:solidFill>
-              </a:rPr>
-              <a:t>1</a:t>
-            </a:r>
-            <a:endParaRPr lang="en-SG" sz="1100" dirty="0">
-              <a:solidFill>
-                <a:srgbClr val="0070C0"/>
-              </a:solidFill>
-            </a:endParaRPr>
-          </a:p>
-        </p:txBody>
-      </p:sp>
-      <p:grpSp>
-        <p:nvGrpSpPr>
-          <p:cNvPr id="41" name="Group 40"/>
-          <p:cNvGrpSpPr/>
-          <p:nvPr/>
-        </p:nvGrpSpPr>
-        <p:grpSpPr>
-          <a:xfrm>
-            <a:off x="4038600" y="3962400"/>
-            <a:ext cx="685800" cy="230832"/>
-            <a:chOff x="2797314" y="807932"/>
-            <a:chExt cx="685800" cy="230832"/>
-          </a:xfrm>
-        </p:grpSpPr>
-        <p:sp>
-          <p:nvSpPr>
-            <p:cNvPr id="42" name="TextBox 41"/>
-            <p:cNvSpPr txBox="1"/>
-            <p:nvPr/>
-          </p:nvSpPr>
-          <p:spPr>
-            <a:xfrm>
-              <a:off x="2797314" y="807932"/>
-              <a:ext cx="555487" cy="230832"/>
-            </a:xfrm>
-            <a:prstGeom prst="rect">
-              <a:avLst/>
-            </a:prstGeom>
-            <a:noFill/>
-          </p:spPr>
-          <p:txBody>
-            <a:bodyPr wrap="square" lIns="0" tIns="0" rIns="0" bIns="0" rtlCol="0">
-              <a:noAutofit/>
-            </a:bodyPr>
-            <a:lstStyle/>
-            <a:p>
-              <a:pPr algn="r"/>
-              <a:r>
-                <a:rPr lang="en-US" sz="1100" dirty="0">
-                  <a:solidFill>
-                    <a:srgbClr val="0070C0"/>
-                  </a:solidFill>
-                </a:rPr>
-                <a:t>creates</a:t>
-              </a:r>
-              <a:endParaRPr lang="en-SG" sz="1100" dirty="0">
-                <a:solidFill>
-                  <a:srgbClr val="0070C0"/>
-                </a:solidFill>
-              </a:endParaRPr>
-            </a:p>
-          </p:txBody>
-        </p:sp>
-        <p:sp>
-          <p:nvSpPr>
-            <p:cNvPr id="43" name="Isosceles Triangle 42"/>
-            <p:cNvSpPr/>
-            <p:nvPr/>
-          </p:nvSpPr>
-          <p:spPr>
-            <a:xfrm rot="5400000">
-              <a:off x="3382038" y="866776"/>
-              <a:ext cx="125951" cy="76201"/>
-            </a:xfrm>
-            <a:prstGeom prst="triangle">
-              <a:avLst/>
-            </a:prstGeom>
-            <a:solidFill>
-              <a:srgbClr val="0070C0"/>
-            </a:solidFill>
-            <a:ln>
-              <a:noFill/>
-            </a:ln>
-          </p:spPr>
-          <p:style>
-            <a:lnRef idx="2">
-              <a:schemeClr val="accent1">
-                <a:shade val="50000"/>
-              </a:schemeClr>
-            </a:lnRef>
-            <a:fillRef idx="1">
-              <a:schemeClr val="accent1"/>
-            </a:fillRef>
-            <a:effectRef idx="0">
-              <a:schemeClr val="accent1"/>
-            </a:effectRef>
-            <a:fontRef idx="minor">
-              <a:schemeClr val="lt1"/>
-            </a:fontRef>
-          </p:style>
-          <p:txBody>
-            <a:bodyPr rtlCol="0" anchor="ctr"/>
-            <a:lstStyle/>
-            <a:p>
-              <a:pPr algn="ctr"/>
-              <a:endParaRPr lang="en-SG"/>
-            </a:p>
-          </p:txBody>
-        </p:sp>
-      </p:grpSp>
-      <p:sp>
-        <p:nvSpPr>
-          <p:cNvPr id="44" name="Rectangle 11"/>
-          <p:cNvSpPr/>
-          <p:nvPr/>
-        </p:nvSpPr>
-        <p:spPr>
-          <a:xfrm flipH="1">
-            <a:off x="6185390" y="3458098"/>
-            <a:ext cx="1093635" cy="346760"/>
-          </a:xfrm>
-          <a:prstGeom prst="rect">
-            <a:avLst/>
-          </a:prstGeom>
-          <a:ln w="19050">
-            <a:solidFill>
-              <a:srgbClr val="0070C0"/>
-            </a:solidFill>
-          </a:ln>
-          <a:effectLst/>
-        </p:spPr>
-        <p:style>
-          <a:lnRef idx="1">
-            <a:schemeClr val="accent1"/>
-          </a:lnRef>
-          <a:fillRef idx="2">
-            <a:schemeClr val="accent1"/>
-          </a:fillRef>
-          <a:effectRef idx="1">
-            <a:schemeClr val="accent1"/>
-          </a:effectRef>
-          <a:fontRef idx="minor">
-            <a:schemeClr val="dk1"/>
-          </a:fontRef>
-        </p:style>
-        <p:txBody>
-          <a:bodyPr rtlCol="0" anchor="ctr"/>
-          <a:lstStyle/>
-          <a:p>
-            <a:pPr algn="ctr"/>
-            <a:r>
-              <a:rPr lang="en-US" sz="1050" b="1" dirty="0">
-                <a:solidFill>
-                  <a:srgbClr val="0070C0"/>
-                </a:solidFill>
-              </a:rPr>
-              <a:t>Incorrect</a:t>
-            </a:r>
-            <a:br>
-              <a:rPr lang="en-US" sz="1050" b="1" dirty="0">
-                <a:solidFill>
-                  <a:srgbClr val="0070C0"/>
-                </a:solidFill>
-              </a:rPr>
-            </a:br>
-            <a:r>
-              <a:rPr lang="en-US" sz="1050" b="1" dirty="0">
-                <a:solidFill>
-                  <a:srgbClr val="0070C0"/>
-                </a:solidFill>
-              </a:rPr>
-              <a:t>Command</a:t>
-            </a:r>
-            <a:endParaRPr lang="en-SG" sz="1050" b="1" dirty="0">
-              <a:solidFill>
-                <a:srgbClr val="0070C0"/>
-              </a:solidFill>
-            </a:endParaRPr>
-          </a:p>
-        </p:txBody>
-      </p:sp>
-      <p:cxnSp>
-        <p:nvCxnSpPr>
-          <p:cNvPr id="45" name="Elbow Connector 63"/>
-          <p:cNvCxnSpPr>
-            <a:stCxn id="8" idx="3"/>
-            <a:endCxn id="44" idx="3"/>
-          </p:cNvCxnSpPr>
-          <p:nvPr/>
-        </p:nvCxnSpPr>
-        <p:spPr>
-          <a:xfrm flipV="1">
-            <a:off x="5786402" y="3631478"/>
-            <a:ext cx="398988" cy="269496"/>
-          </a:xfrm>
-          <a:prstGeom prst="bentConnector3">
-            <a:avLst>
-              <a:gd name="adj1" fmla="val 50000"/>
-            </a:avLst>
-          </a:prstGeom>
-          <a:ln w="19050">
-            <a:solidFill>
-              <a:srgbClr val="0070C0"/>
-            </a:solidFill>
-            <a:headEnd type="none" w="med" len="med"/>
-            <a:tailEnd type="none" w="med" len="med"/>
-          </a:ln>
-          <a:effectLst/>
-        </p:spPr>
-        <p:style>
-          <a:lnRef idx="1">
-            <a:schemeClr val="accent2"/>
-          </a:lnRef>
-          <a:fillRef idx="2">
-            <a:schemeClr val="accent2"/>
-          </a:fillRef>
-          <a:effectRef idx="1">
-            <a:schemeClr val="accent2"/>
-          </a:effectRef>
-          <a:fontRef idx="minor">
-            <a:schemeClr val="dk1"/>
-          </a:fontRef>
-        </p:style>
-      </p:cxnSp>
-      <p:cxnSp>
-        <p:nvCxnSpPr>
-          <p:cNvPr id="46" name="Elbow Connector 122"/>
-          <p:cNvCxnSpPr/>
-          <p:nvPr/>
-        </p:nvCxnSpPr>
-        <p:spPr>
-          <a:xfrm rot="5400000" flipH="1" flipV="1">
-            <a:off x="1807196" y="3315772"/>
-            <a:ext cx="882304" cy="12700"/>
-          </a:xfrm>
-          <a:prstGeom prst="bentConnector3">
-            <a:avLst>
-              <a:gd name="adj1" fmla="val 50000"/>
-            </a:avLst>
-          </a:prstGeom>
-          <a:ln w="19050">
-            <a:solidFill>
-              <a:srgbClr val="0070C0"/>
-            </a:solidFill>
-            <a:prstDash val="sysDot"/>
-            <a:headEnd type="none" w="med" len="med"/>
-            <a:tailEnd type="arrow" w="med" len="med"/>
-          </a:ln>
-          <a:effectLst/>
-        </p:spPr>
-        <p:style>
-          <a:lnRef idx="1">
-            <a:schemeClr val="accent2"/>
-          </a:lnRef>
-          <a:fillRef idx="2">
-            <a:schemeClr val="accent2"/>
-          </a:fillRef>
-          <a:effectRef idx="1">
-            <a:schemeClr val="accent2"/>
-          </a:effectRef>
-          <a:fontRef idx="minor">
-            <a:schemeClr val="dk1"/>
-          </a:fontRef>
-        </p:style>
-      </p:cxnSp>
-    </p:spTree>
-    <p:extLst>
-      <p:ext uri="{BB962C8B-B14F-4D97-AF65-F5344CB8AC3E}">
-        <p14:creationId xmlns:p14="http://schemas.microsoft.com/office/powerpoint/2010/main" val="599777654"/>
-      </p:ext>
-    </p:extLst>
-  </p:cSld>
-  <p:clrMapOvr>
-    <a:masterClrMapping/>
-  </p:clrMapOvr>
-</p:sld>
-</file>
-
-<file path=ppt/slides/slide5.xml><?xml version="1.0" encoding="utf-8"?>
-<p:sld xmlns:a="http://schemas.openxmlformats.org/drawingml/2006/main" xmlns:r="http://schemas.openxmlformats.org/officeDocument/2006/relationships" xmlns:p="http://schemas.openxmlformats.org/presentationml/2006/main">
-  <p:cSld>
-    <p:spTree>
-      <p:nvGrpSpPr>
-        <p:cNvPr id="1" name=""/>
-        <p:cNvGrpSpPr/>
-        <p:nvPr/>
-      </p:nvGrpSpPr>
-      <p:grpSpPr>
-        <a:xfrm>
-          <a:off x="0" y="0"/>
-          <a:ext cx="0" cy="0"/>
-          <a:chOff x="0" y="0"/>
-          <a:chExt cx="0" cy="0"/>
-        </a:xfrm>
-      </p:grpSpPr>
-      <p:sp>
-        <p:nvSpPr>
-          <p:cNvPr id="81" name="Rectangle 65"/>
-          <p:cNvSpPr/>
-          <p:nvPr/>
-        </p:nvSpPr>
-        <p:spPr>
-          <a:xfrm>
-            <a:off x="685800" y="1981200"/>
-            <a:ext cx="7086600" cy="4000286"/>
-          </a:xfrm>
-          <a:prstGeom prst="roundRect">
-            <a:avLst>
-              <a:gd name="adj" fmla="val 3484"/>
-            </a:avLst>
-          </a:prstGeom>
-          <a:solidFill>
-            <a:schemeClr val="accent1">
-              <a:lumMod val="20000"/>
-              <a:lumOff val="80000"/>
-            </a:schemeClr>
-          </a:solidFill>
-          <a:ln w="19050">
-            <a:noFill/>
-          </a:ln>
-          <a:effectLst/>
-        </p:spPr>
-        <p:style>
-          <a:lnRef idx="1">
-            <a:schemeClr val="accent2"/>
-          </a:lnRef>
-          <a:fillRef idx="2">
-            <a:schemeClr val="accent2"/>
-          </a:fillRef>
-          <a:effectRef idx="1">
-            <a:schemeClr val="accent2"/>
-          </a:effectRef>
-          <a:fontRef idx="minor">
-            <a:schemeClr val="dk1"/>
-          </a:fontRef>
-        </p:style>
-        <p:txBody>
-          <a:bodyPr rtlCol="0" anchor="t"/>
-          <a:lstStyle/>
-          <a:p>
-            <a:r>
-              <a:rPr lang="en-US" sz="1200" b="1" dirty="0">
-                <a:solidFill>
-                  <a:srgbClr val="0070C0"/>
-                </a:solidFill>
-              </a:rPr>
-              <a:t>Logic</a:t>
-            </a:r>
-            <a:endParaRPr lang="en-SG" sz="1200" b="1" dirty="0">
-              <a:solidFill>
-                <a:srgbClr val="0070C0"/>
-              </a:solidFill>
-            </a:endParaRPr>
-          </a:p>
-        </p:txBody>
-      </p:sp>
-      <p:sp>
-        <p:nvSpPr>
-          <p:cNvPr id="2" name="Rectangle 62"/>
-          <p:cNvSpPr/>
-          <p:nvPr/>
-        </p:nvSpPr>
-        <p:spPr>
-          <a:xfrm>
-            <a:off x="1007063" y="2296546"/>
-            <a:ext cx="1455629" cy="346760"/>
-          </a:xfrm>
-          <a:prstGeom prst="rect">
-            <a:avLst/>
-          </a:prstGeom>
-          <a:solidFill>
-            <a:srgbClr val="0070C0"/>
-          </a:solidFill>
-          <a:ln w="19050">
-            <a:solidFill>
-              <a:srgbClr val="0070C0"/>
-            </a:solidFill>
-          </a:ln>
-          <a:effectLst/>
-        </p:spPr>
-        <p:style>
-          <a:lnRef idx="1">
-            <a:schemeClr val="accent2"/>
-          </a:lnRef>
-          <a:fillRef idx="2">
-            <a:schemeClr val="accent2"/>
-          </a:fillRef>
-          <a:effectRef idx="1">
-            <a:schemeClr val="accent2"/>
-          </a:effectRef>
-          <a:fontRef idx="minor">
-            <a:schemeClr val="dk1"/>
-          </a:fontRef>
-        </p:style>
-        <p:txBody>
-          <a:bodyPr rtlCol="0" anchor="ctr"/>
-          <a:lstStyle/>
-          <a:p>
-            <a:pPr algn="ctr"/>
-            <a:r>
-              <a:rPr lang="en-US" sz="1600" dirty="0">
-                <a:solidFill>
-                  <a:schemeClr val="bg1"/>
-                </a:solidFill>
-              </a:rPr>
-              <a:t>:</a:t>
-            </a:r>
-            <a:r>
-              <a:rPr lang="en-US" sz="1600" dirty="0" err="1">
-                <a:solidFill>
-                  <a:schemeClr val="bg1"/>
-                </a:solidFill>
-              </a:rPr>
-              <a:t>LogicManager</a:t>
-            </a:r>
-            <a:endParaRPr lang="en-SG" sz="1600" dirty="0">
-              <a:solidFill>
-                <a:schemeClr val="bg1"/>
-              </a:solidFill>
-            </a:endParaRPr>
-          </a:p>
-        </p:txBody>
-      </p:sp>
-      <p:cxnSp>
-        <p:nvCxnSpPr>
-          <p:cNvPr id="5" name="Straight Connector 4"/>
-          <p:cNvCxnSpPr/>
-          <p:nvPr/>
-        </p:nvCxnSpPr>
-        <p:spPr>
-          <a:xfrm>
-            <a:off x="1734877" y="2660217"/>
-            <a:ext cx="0" cy="2597583"/>
-          </a:xfrm>
-          <a:prstGeom prst="line">
-            <a:avLst/>
-          </a:prstGeom>
-          <a:ln w="19050">
-            <a:solidFill>
-              <a:srgbClr val="0070C0"/>
-            </a:solidFill>
-            <a:prstDash val="sysDash"/>
-          </a:ln>
-          <a:effectLst/>
-        </p:spPr>
-        <p:style>
-          <a:lnRef idx="1">
-            <a:schemeClr val="accent1"/>
-          </a:lnRef>
-          <a:fillRef idx="2">
-            <a:schemeClr val="accent1"/>
-          </a:fillRef>
-          <a:effectRef idx="1">
-            <a:schemeClr val="accent1"/>
-          </a:effectRef>
-          <a:fontRef idx="minor">
-            <a:schemeClr val="dk1"/>
-          </a:fontRef>
-        </p:style>
-      </p:cxnSp>
-      <p:sp>
-        <p:nvSpPr>
-          <p:cNvPr id="6" name="Rectangle 5"/>
-          <p:cNvSpPr/>
-          <p:nvPr/>
-        </p:nvSpPr>
-        <p:spPr>
-          <a:xfrm>
-            <a:off x="1662869" y="3010911"/>
-            <a:ext cx="152400" cy="2780287"/>
-          </a:xfrm>
-          <a:prstGeom prst="rect">
-            <a:avLst/>
-          </a:prstGeom>
-          <a:solidFill>
-            <a:srgbClr val="0070C0"/>
-          </a:solidFill>
-          <a:ln>
-            <a:solidFill>
-              <a:srgbClr val="0070C0"/>
-            </a:solidFill>
-          </a:ln>
-          <a:effectLst/>
-        </p:spPr>
-        <p:style>
-          <a:lnRef idx="1">
-            <a:schemeClr val="accent3"/>
-          </a:lnRef>
-          <a:fillRef idx="2">
-            <a:schemeClr val="accent3"/>
-          </a:fillRef>
-          <a:effectRef idx="1">
-            <a:schemeClr val="accent3"/>
-          </a:effectRef>
-          <a:fontRef idx="minor">
-            <a:schemeClr val="dk1"/>
-          </a:fontRef>
-        </p:style>
-        <p:txBody>
-          <a:bodyPr rtlCol="0" anchor="ctr"/>
-          <a:lstStyle/>
-          <a:p>
-            <a:pPr algn="ctr"/>
-            <a:endParaRPr lang="en-SG" sz="1400"/>
-          </a:p>
-        </p:txBody>
-      </p:sp>
-      <p:sp>
-        <p:nvSpPr>
-          <p:cNvPr id="16" name="Rectangle 62"/>
-          <p:cNvSpPr/>
-          <p:nvPr/>
-        </p:nvSpPr>
-        <p:spPr>
-          <a:xfrm>
-            <a:off x="3411783" y="2300233"/>
-            <a:ext cx="1093635" cy="346760"/>
-          </a:xfrm>
-          <a:prstGeom prst="rect">
-            <a:avLst/>
-          </a:prstGeom>
-          <a:solidFill>
-            <a:srgbClr val="0070C0"/>
-          </a:solidFill>
-          <a:ln w="19050">
-            <a:solidFill>
-              <a:srgbClr val="0070C0"/>
-            </a:solidFill>
-          </a:ln>
-          <a:effectLst/>
-        </p:spPr>
-        <p:style>
-          <a:lnRef idx="1">
-            <a:schemeClr val="accent2"/>
-          </a:lnRef>
-          <a:fillRef idx="2">
-            <a:schemeClr val="accent2"/>
-          </a:fillRef>
-          <a:effectRef idx="1">
-            <a:schemeClr val="accent2"/>
-          </a:effectRef>
-          <a:fontRef idx="minor">
-            <a:schemeClr val="dk1"/>
-          </a:fontRef>
-        </p:style>
-        <p:txBody>
-          <a:bodyPr rtlCol="0" anchor="ctr"/>
-          <a:lstStyle/>
-          <a:p>
-            <a:pPr algn="ctr"/>
-            <a:r>
-              <a:rPr lang="en-US" sz="1600" dirty="0">
-                <a:solidFill>
-                  <a:schemeClr val="bg1"/>
-                </a:solidFill>
-              </a:rPr>
-              <a:t>:Parser</a:t>
-            </a:r>
-            <a:endParaRPr lang="en-SG" sz="1600" dirty="0">
-              <a:solidFill>
-                <a:schemeClr val="bg1"/>
-              </a:solidFill>
-            </a:endParaRPr>
-          </a:p>
-        </p:txBody>
-      </p:sp>
-      <p:cxnSp>
-        <p:nvCxnSpPr>
-          <p:cNvPr id="17" name="Straight Connector 16"/>
-          <p:cNvCxnSpPr/>
-          <p:nvPr/>
-        </p:nvCxnSpPr>
-        <p:spPr>
-          <a:xfrm>
-            <a:off x="3958600" y="2663904"/>
-            <a:ext cx="0" cy="1587652"/>
-          </a:xfrm>
-          <a:prstGeom prst="line">
-            <a:avLst/>
-          </a:prstGeom>
-          <a:ln w="19050">
-            <a:solidFill>
-              <a:srgbClr val="0070C0"/>
-            </a:solidFill>
-            <a:prstDash val="sysDash"/>
-          </a:ln>
-          <a:effectLst/>
-        </p:spPr>
-        <p:style>
-          <a:lnRef idx="1">
-            <a:schemeClr val="accent1"/>
-          </a:lnRef>
-          <a:fillRef idx="2">
-            <a:schemeClr val="accent1"/>
-          </a:fillRef>
-          <a:effectRef idx="1">
-            <a:schemeClr val="accent1"/>
-          </a:effectRef>
-          <a:fontRef idx="minor">
-            <a:schemeClr val="dk1"/>
-          </a:fontRef>
-        </p:style>
-      </p:cxnSp>
-      <p:sp>
-        <p:nvSpPr>
-          <p:cNvPr id="18" name="Rectangle 17"/>
-          <p:cNvSpPr/>
-          <p:nvPr/>
-        </p:nvSpPr>
-        <p:spPr>
-          <a:xfrm>
-            <a:off x="3886592" y="3122097"/>
-            <a:ext cx="144016" cy="832525"/>
-          </a:xfrm>
-          <a:prstGeom prst="rect">
-            <a:avLst/>
-          </a:prstGeom>
-          <a:solidFill>
-            <a:srgbClr val="0070C0"/>
-          </a:solidFill>
-          <a:ln>
-            <a:solidFill>
-              <a:srgbClr val="0070C0"/>
-            </a:solidFill>
-          </a:ln>
-          <a:effectLst/>
-        </p:spPr>
-        <p:style>
-          <a:lnRef idx="1">
-            <a:schemeClr val="accent3"/>
-          </a:lnRef>
-          <a:fillRef idx="2">
-            <a:schemeClr val="accent3"/>
-          </a:fillRef>
-          <a:effectRef idx="1">
-            <a:schemeClr val="accent3"/>
-          </a:effectRef>
-          <a:fontRef idx="minor">
-            <a:schemeClr val="dk1"/>
-          </a:fontRef>
-        </p:style>
-        <p:txBody>
-          <a:bodyPr rtlCol="0" anchor="ctr"/>
-          <a:lstStyle/>
-          <a:p>
-            <a:pPr algn="ctr"/>
-            <a:endParaRPr lang="en-SG" sz="1400">
-              <a:solidFill>
-                <a:schemeClr val="dk1"/>
-              </a:solidFill>
-            </a:endParaRPr>
-          </a:p>
-        </p:txBody>
-      </p:sp>
-      <p:sp>
-        <p:nvSpPr>
-          <p:cNvPr id="19" name="Rectangle 62"/>
-          <p:cNvSpPr/>
-          <p:nvPr/>
-        </p:nvSpPr>
-        <p:spPr>
-          <a:xfrm>
-            <a:off x="4953000" y="2996259"/>
-            <a:ext cx="1093635" cy="461538"/>
-          </a:xfrm>
-          <a:prstGeom prst="rect">
-            <a:avLst/>
-          </a:prstGeom>
-          <a:solidFill>
-            <a:srgbClr val="0070C0"/>
-          </a:solidFill>
-          <a:ln w="19050">
-            <a:solidFill>
-              <a:srgbClr val="0070C0"/>
-            </a:solidFill>
-          </a:ln>
-          <a:effectLst/>
-        </p:spPr>
-        <p:style>
-          <a:lnRef idx="1">
-            <a:schemeClr val="accent2"/>
-          </a:lnRef>
-          <a:fillRef idx="2">
-            <a:schemeClr val="accent2"/>
-          </a:fillRef>
-          <a:effectRef idx="1">
-            <a:schemeClr val="accent2"/>
-          </a:effectRef>
-          <a:fontRef idx="minor">
-            <a:schemeClr val="dk1"/>
-          </a:fontRef>
-        </p:style>
-        <p:txBody>
-          <a:bodyPr rtlCol="0" anchor="ctr"/>
-          <a:lstStyle/>
-          <a:p>
-            <a:pPr algn="ctr"/>
-            <a:r>
-              <a:rPr lang="en-US" sz="1600" dirty="0">
-                <a:solidFill>
-                  <a:schemeClr val="bg1"/>
-                </a:solidFill>
-              </a:rPr>
-              <a:t>d:Delete</a:t>
-            </a:r>
-            <a:br>
-              <a:rPr lang="en-US" sz="1600" dirty="0">
-                <a:solidFill>
-                  <a:schemeClr val="bg1"/>
-                </a:solidFill>
-              </a:rPr>
-            </a:br>
-            <a:r>
-              <a:rPr lang="en-US" sz="1600" dirty="0">
-                <a:solidFill>
-                  <a:schemeClr val="bg1"/>
-                </a:solidFill>
-              </a:rPr>
-              <a:t>Command</a:t>
-            </a:r>
-            <a:endParaRPr lang="en-SG" sz="1600" dirty="0">
-              <a:solidFill>
-                <a:schemeClr val="bg1"/>
-              </a:solidFill>
-            </a:endParaRPr>
-          </a:p>
-        </p:txBody>
-      </p:sp>
-      <p:cxnSp>
-        <p:nvCxnSpPr>
-          <p:cNvPr id="20" name="Straight Connector 19"/>
-          <p:cNvCxnSpPr/>
-          <p:nvPr/>
-        </p:nvCxnSpPr>
-        <p:spPr>
-          <a:xfrm>
-            <a:off x="5499817" y="3417319"/>
-            <a:ext cx="0" cy="2450081"/>
-          </a:xfrm>
-          <a:prstGeom prst="line">
-            <a:avLst/>
-          </a:prstGeom>
-          <a:ln w="19050">
-            <a:solidFill>
-              <a:srgbClr val="0070C0"/>
-            </a:solidFill>
-            <a:prstDash val="sysDash"/>
-          </a:ln>
-          <a:effectLst/>
-        </p:spPr>
-        <p:style>
-          <a:lnRef idx="1">
-            <a:schemeClr val="accent1"/>
-          </a:lnRef>
-          <a:fillRef idx="2">
-            <a:schemeClr val="accent1"/>
-          </a:fillRef>
-          <a:effectRef idx="1">
-            <a:schemeClr val="accent1"/>
-          </a:effectRef>
-          <a:fontRef idx="minor">
-            <a:schemeClr val="dk1"/>
-          </a:fontRef>
-        </p:style>
-      </p:cxnSp>
-      <p:sp>
-        <p:nvSpPr>
-          <p:cNvPr id="21" name="Rectangle 20"/>
-          <p:cNvSpPr/>
-          <p:nvPr/>
-        </p:nvSpPr>
-        <p:spPr>
-          <a:xfrm>
-            <a:off x="5427809" y="3457797"/>
-            <a:ext cx="152400" cy="276003"/>
-          </a:xfrm>
-          <a:prstGeom prst="rect">
-            <a:avLst/>
-          </a:prstGeom>
-          <a:solidFill>
-            <a:srgbClr val="0070C0"/>
-          </a:solidFill>
-          <a:ln>
-            <a:solidFill>
-              <a:srgbClr val="0070C0"/>
-            </a:solidFill>
-          </a:ln>
-          <a:effectLst/>
-        </p:spPr>
-        <p:style>
-          <a:lnRef idx="1">
-            <a:schemeClr val="accent3"/>
-          </a:lnRef>
-          <a:fillRef idx="2">
-            <a:schemeClr val="accent3"/>
-          </a:fillRef>
-          <a:effectRef idx="1">
-            <a:schemeClr val="accent3"/>
-          </a:effectRef>
-          <a:fontRef idx="minor">
-            <a:schemeClr val="dk1"/>
-          </a:fontRef>
-        </p:style>
-        <p:txBody>
-          <a:bodyPr rtlCol="0" anchor="ctr"/>
-          <a:lstStyle/>
-          <a:p>
-            <a:pPr algn="ctr"/>
-            <a:endParaRPr lang="en-SG" sz="1400"/>
-          </a:p>
-        </p:txBody>
-      </p:sp>
-      <p:cxnSp>
-        <p:nvCxnSpPr>
-          <p:cNvPr id="23" name="Straight Arrow Connector 22"/>
-          <p:cNvCxnSpPr/>
-          <p:nvPr/>
-        </p:nvCxnSpPr>
-        <p:spPr>
-          <a:xfrm>
-            <a:off x="543018" y="3014599"/>
-            <a:ext cx="1119851" cy="0"/>
-          </a:xfrm>
-          <a:prstGeom prst="straightConnector1">
-            <a:avLst/>
-          </a:prstGeom>
-          <a:ln w="19050">
-            <a:solidFill>
-              <a:srgbClr val="00B050"/>
-            </a:solidFill>
-            <a:tailEnd type="arrow"/>
-          </a:ln>
-        </p:spPr>
-        <p:style>
-          <a:lnRef idx="1">
-            <a:schemeClr val="accent1"/>
-          </a:lnRef>
-          <a:fillRef idx="0">
-            <a:schemeClr val="accent1"/>
-          </a:fillRef>
-          <a:effectRef idx="0">
-            <a:schemeClr val="accent1"/>
-          </a:effectRef>
-          <a:fontRef idx="minor">
-            <a:schemeClr val="tx1"/>
-          </a:fontRef>
-        </p:style>
-      </p:cxnSp>
-      <p:cxnSp>
-        <p:nvCxnSpPr>
-          <p:cNvPr id="25" name="Straight Arrow Connector 24"/>
-          <p:cNvCxnSpPr/>
-          <p:nvPr/>
-        </p:nvCxnSpPr>
-        <p:spPr>
-          <a:xfrm>
-            <a:off x="1815269" y="3122098"/>
-            <a:ext cx="2071323" cy="0"/>
-          </a:xfrm>
-          <a:prstGeom prst="straightConnector1">
-            <a:avLst/>
-          </a:prstGeom>
-          <a:ln w="19050">
-            <a:solidFill>
-              <a:srgbClr val="0070C0"/>
-            </a:solidFill>
-            <a:tailEnd type="arrow"/>
-          </a:ln>
-        </p:spPr>
-        <p:style>
-          <a:lnRef idx="1">
-            <a:schemeClr val="accent1"/>
-          </a:lnRef>
-          <a:fillRef idx="0">
-            <a:schemeClr val="accent1"/>
-          </a:fillRef>
-          <a:effectRef idx="0">
-            <a:schemeClr val="accent1"/>
-          </a:effectRef>
-          <a:fontRef idx="minor">
-            <a:schemeClr val="tx1"/>
-          </a:fontRef>
-        </p:style>
-      </p:cxnSp>
-      <p:sp>
-        <p:nvSpPr>
-          <p:cNvPr id="26" name="TextBox 25"/>
-          <p:cNvSpPr txBox="1"/>
-          <p:nvPr/>
-        </p:nvSpPr>
-        <p:spPr>
-          <a:xfrm>
-            <a:off x="152400" y="2743200"/>
-            <a:ext cx="1424846" cy="215444"/>
-          </a:xfrm>
-          <a:prstGeom prst="rect">
-            <a:avLst/>
-          </a:prstGeom>
-          <a:noFill/>
-        </p:spPr>
-        <p:txBody>
-          <a:bodyPr wrap="square" lIns="0" tIns="0" rIns="0" bIns="0" rtlCol="0">
-            <a:spAutoFit/>
-          </a:bodyPr>
-          <a:lstStyle/>
-          <a:p>
-            <a:pPr algn="r"/>
-            <a:r>
-              <a:rPr lang="en-US" sz="1400" dirty="0">
-                <a:solidFill>
-                  <a:srgbClr val="0070C0"/>
-                </a:solidFill>
-              </a:rPr>
-              <a:t>execute(“delete 1”)</a:t>
-            </a:r>
-          </a:p>
-        </p:txBody>
-      </p:sp>
-      <p:cxnSp>
-        <p:nvCxnSpPr>
-          <p:cNvPr id="28" name="Straight Arrow Connector 27"/>
-          <p:cNvCxnSpPr>
-            <a:endCxn id="19" idx="1"/>
-          </p:cNvCxnSpPr>
-          <p:nvPr/>
-        </p:nvCxnSpPr>
-        <p:spPr>
-          <a:xfrm flipV="1">
-            <a:off x="4030608" y="3227028"/>
-            <a:ext cx="922392" cy="1"/>
-          </a:xfrm>
-          <a:prstGeom prst="straightConnector1">
-            <a:avLst/>
-          </a:prstGeom>
-          <a:ln w="19050">
-            <a:solidFill>
-              <a:srgbClr val="0070C0"/>
-            </a:solidFill>
-            <a:tailEnd type="arrow"/>
-          </a:ln>
-        </p:spPr>
-        <p:style>
-          <a:lnRef idx="1">
-            <a:schemeClr val="accent1"/>
-          </a:lnRef>
-          <a:fillRef idx="0">
-            <a:schemeClr val="accent1"/>
-          </a:fillRef>
-          <a:effectRef idx="0">
-            <a:schemeClr val="accent1"/>
-          </a:effectRef>
-          <a:fontRef idx="minor">
-            <a:schemeClr val="tx1"/>
-          </a:fontRef>
-        </p:style>
-      </p:cxnSp>
-      <p:sp>
-        <p:nvSpPr>
-          <p:cNvPr id="29" name="TextBox 28"/>
-          <p:cNvSpPr txBox="1"/>
-          <p:nvPr/>
-        </p:nvSpPr>
-        <p:spPr>
-          <a:xfrm>
-            <a:off x="4419600" y="4251556"/>
-            <a:ext cx="855809" cy="215444"/>
-          </a:xfrm>
-          <a:prstGeom prst="rect">
-            <a:avLst/>
-          </a:prstGeom>
-          <a:noFill/>
-        </p:spPr>
-        <p:txBody>
-          <a:bodyPr wrap="square" lIns="0" tIns="0" rIns="0" bIns="0" rtlCol="0">
-            <a:spAutoFit/>
-          </a:bodyPr>
-          <a:lstStyle>
-            <a:defPPr>
-              <a:defRPr lang="en-US"/>
-            </a:defPPr>
-            <a:lvl1pPr algn="r">
-              <a:defRPr sz="1400">
-                <a:solidFill>
-                  <a:srgbClr val="0070C0"/>
-                </a:solidFill>
-              </a:defRPr>
-            </a:lvl1pPr>
-          </a:lstStyle>
-          <a:p>
-            <a:r>
-              <a:rPr lang="en-US" dirty="0"/>
-              <a:t>execute()</a:t>
-            </a:r>
-          </a:p>
-        </p:txBody>
-      </p:sp>
-      <p:cxnSp>
-        <p:nvCxnSpPr>
-          <p:cNvPr id="34" name="Straight Arrow Connector 33"/>
-          <p:cNvCxnSpPr/>
-          <p:nvPr/>
-        </p:nvCxnSpPr>
-        <p:spPr>
-          <a:xfrm>
-            <a:off x="4030608" y="3733800"/>
-            <a:ext cx="1406215" cy="0"/>
-          </a:xfrm>
-          <a:prstGeom prst="straightConnector1">
-            <a:avLst/>
-          </a:prstGeom>
-          <a:ln w="19050">
-            <a:solidFill>
-              <a:srgbClr val="0070C0"/>
-            </a:solidFill>
-            <a:prstDash val="sysDash"/>
-            <a:headEnd type="arrow" w="med" len="med"/>
-            <a:tailEnd type="none" w="med" len="med"/>
-          </a:ln>
-        </p:spPr>
-        <p:style>
-          <a:lnRef idx="1">
-            <a:schemeClr val="accent1"/>
-          </a:lnRef>
-          <a:fillRef idx="0">
-            <a:schemeClr val="accent1"/>
-          </a:fillRef>
-          <a:effectRef idx="0">
-            <a:schemeClr val="accent1"/>
-          </a:effectRef>
-          <a:fontRef idx="minor">
-            <a:schemeClr val="tx1"/>
-          </a:fontRef>
-        </p:style>
-      </p:cxnSp>
-      <p:cxnSp>
-        <p:nvCxnSpPr>
-          <p:cNvPr id="35" name="Straight Arrow Connector 34"/>
-          <p:cNvCxnSpPr/>
-          <p:nvPr/>
-        </p:nvCxnSpPr>
-        <p:spPr>
-          <a:xfrm>
-            <a:off x="1815269" y="3954622"/>
-            <a:ext cx="2058118" cy="0"/>
-          </a:xfrm>
-          <a:prstGeom prst="straightConnector1">
-            <a:avLst/>
-          </a:prstGeom>
-          <a:ln w="19050">
-            <a:solidFill>
-              <a:srgbClr val="0070C0"/>
-            </a:solidFill>
-            <a:prstDash val="sysDash"/>
-            <a:headEnd type="arrow" w="med" len="med"/>
-            <a:tailEnd type="none" w="med" len="med"/>
-          </a:ln>
-        </p:spPr>
-        <p:style>
-          <a:lnRef idx="1">
-            <a:schemeClr val="accent1"/>
-          </a:lnRef>
-          <a:fillRef idx="0">
-            <a:schemeClr val="accent1"/>
-          </a:fillRef>
-          <a:effectRef idx="0">
-            <a:schemeClr val="accent1"/>
-          </a:effectRef>
-          <a:fontRef idx="minor">
-            <a:schemeClr val="tx1"/>
-          </a:fontRef>
-        </p:style>
-      </p:cxnSp>
-      <p:cxnSp>
-        <p:nvCxnSpPr>
-          <p:cNvPr id="37" name="Straight Arrow Connector 36"/>
-          <p:cNvCxnSpPr/>
-          <p:nvPr/>
-        </p:nvCxnSpPr>
-        <p:spPr>
-          <a:xfrm>
-            <a:off x="466818" y="5791200"/>
-            <a:ext cx="1196051" cy="0"/>
-          </a:xfrm>
-          <a:prstGeom prst="straightConnector1">
-            <a:avLst/>
-          </a:prstGeom>
-          <a:ln w="19050">
-            <a:solidFill>
-              <a:schemeClr val="accent1"/>
-            </a:solidFill>
-            <a:prstDash val="sysDash"/>
-            <a:headEnd type="arrow" w="med" len="med"/>
-            <a:tailEnd type="none" w="med" len="med"/>
-          </a:ln>
-        </p:spPr>
-        <p:style>
-          <a:lnRef idx="1">
-            <a:schemeClr val="accent1"/>
-          </a:lnRef>
-          <a:fillRef idx="0">
-            <a:schemeClr val="accent1"/>
-          </a:fillRef>
-          <a:effectRef idx="0">
-            <a:schemeClr val="accent1"/>
-          </a:effectRef>
-          <a:fontRef idx="minor">
-            <a:schemeClr val="tx1"/>
-          </a:fontRef>
-        </p:style>
-      </p:cxnSp>
-      <p:sp>
-        <p:nvSpPr>
-          <p:cNvPr id="39" name="Rectangle 62"/>
-          <p:cNvSpPr/>
-          <p:nvPr/>
-        </p:nvSpPr>
-        <p:spPr>
-          <a:xfrm>
-            <a:off x="7938756" y="2317144"/>
-            <a:ext cx="1030504" cy="346760"/>
-          </a:xfrm>
-          <a:prstGeom prst="rect">
-            <a:avLst/>
-          </a:prstGeom>
-          <a:solidFill>
-            <a:schemeClr val="accent4">
-              <a:lumMod val="60000"/>
-              <a:lumOff val="40000"/>
-            </a:schemeClr>
-          </a:solidFill>
-          <a:ln w="19050">
-            <a:solidFill>
-              <a:schemeClr val="accent4">
-                <a:lumMod val="60000"/>
-                <a:lumOff val="40000"/>
-              </a:schemeClr>
-            </a:solidFill>
-          </a:ln>
-          <a:effectLst/>
-        </p:spPr>
-        <p:style>
-          <a:lnRef idx="1">
-            <a:schemeClr val="accent2"/>
-          </a:lnRef>
-          <a:fillRef idx="2">
-            <a:schemeClr val="accent2"/>
-          </a:fillRef>
-          <a:effectRef idx="1">
-            <a:schemeClr val="accent2"/>
-          </a:effectRef>
-          <a:fontRef idx="minor">
-            <a:schemeClr val="dk1"/>
-          </a:fontRef>
-        </p:style>
-        <p:txBody>
-          <a:bodyPr rtlCol="0" anchor="ctr"/>
-          <a:lstStyle/>
-          <a:p>
-            <a:pPr algn="ctr"/>
-            <a:r>
-              <a:rPr lang="en-US" sz="1600" dirty="0">
-                <a:solidFill>
-                  <a:schemeClr val="bg1"/>
-                </a:solidFill>
-              </a:rPr>
-              <a:t>:Model</a:t>
-            </a:r>
-            <a:endParaRPr lang="en-SG" sz="1600" dirty="0">
-              <a:solidFill>
-                <a:schemeClr val="bg1"/>
-              </a:solidFill>
-            </a:endParaRPr>
-          </a:p>
-        </p:txBody>
-      </p:sp>
-      <p:cxnSp>
-        <p:nvCxnSpPr>
-          <p:cNvPr id="64" name="Straight Arrow Connector 63"/>
-          <p:cNvCxnSpPr/>
-          <p:nvPr/>
-        </p:nvCxnSpPr>
-        <p:spPr>
-          <a:xfrm>
-            <a:off x="1815269" y="4495317"/>
-            <a:ext cx="3612540" cy="0"/>
-          </a:xfrm>
-          <a:prstGeom prst="straightConnector1">
-            <a:avLst/>
-          </a:prstGeom>
-          <a:ln w="19050">
-            <a:solidFill>
-              <a:srgbClr val="0070C0"/>
-            </a:solidFill>
-            <a:tailEnd type="arrow"/>
-          </a:ln>
-        </p:spPr>
-        <p:style>
-          <a:lnRef idx="1">
-            <a:schemeClr val="accent1"/>
-          </a:lnRef>
-          <a:fillRef idx="0">
-            <a:schemeClr val="accent1"/>
-          </a:fillRef>
-          <a:effectRef idx="0">
-            <a:schemeClr val="accent1"/>
-          </a:effectRef>
-          <a:fontRef idx="minor">
-            <a:schemeClr val="tx1"/>
-          </a:fontRef>
-        </p:style>
-      </p:cxnSp>
-      <p:sp>
-        <p:nvSpPr>
-          <p:cNvPr id="65" name="Rectangle 64"/>
-          <p:cNvSpPr/>
-          <p:nvPr/>
-        </p:nvSpPr>
-        <p:spPr>
-          <a:xfrm>
-            <a:off x="5427809" y="4495317"/>
-            <a:ext cx="152400" cy="1191256"/>
-          </a:xfrm>
-          <a:prstGeom prst="rect">
-            <a:avLst/>
-          </a:prstGeom>
-          <a:solidFill>
-            <a:srgbClr val="0070C0"/>
-          </a:solidFill>
-          <a:ln>
-            <a:solidFill>
-              <a:srgbClr val="0070C0"/>
-            </a:solidFill>
-          </a:ln>
-          <a:effectLst/>
-        </p:spPr>
-        <p:style>
-          <a:lnRef idx="1">
-            <a:schemeClr val="accent3"/>
-          </a:lnRef>
-          <a:fillRef idx="2">
-            <a:schemeClr val="accent3"/>
-          </a:fillRef>
-          <a:effectRef idx="1">
-            <a:schemeClr val="accent3"/>
-          </a:effectRef>
-          <a:fontRef idx="minor">
-            <a:schemeClr val="dk1"/>
-          </a:fontRef>
-        </p:style>
-        <p:txBody>
-          <a:bodyPr rtlCol="0" anchor="ctr"/>
-          <a:lstStyle/>
-          <a:p>
-            <a:pPr algn="ctr"/>
-            <a:endParaRPr lang="en-SG" sz="1400"/>
-          </a:p>
-        </p:txBody>
-      </p:sp>
-      <p:cxnSp>
-        <p:nvCxnSpPr>
-          <p:cNvPr id="71" name="Straight Connector 70"/>
-          <p:cNvCxnSpPr/>
-          <p:nvPr/>
-        </p:nvCxnSpPr>
-        <p:spPr>
-          <a:xfrm>
-            <a:off x="8454008" y="2655802"/>
-            <a:ext cx="0" cy="2830598"/>
-          </a:xfrm>
-          <a:prstGeom prst="line">
-            <a:avLst/>
-          </a:prstGeom>
-          <a:ln w="19050">
-            <a:solidFill>
-              <a:schemeClr val="accent4">
-                <a:lumMod val="60000"/>
-                <a:lumOff val="40000"/>
-              </a:schemeClr>
-            </a:solidFill>
-            <a:prstDash val="sysDash"/>
-          </a:ln>
-          <a:effectLst/>
-        </p:spPr>
-        <p:style>
-          <a:lnRef idx="1">
-            <a:schemeClr val="accent1"/>
-          </a:lnRef>
-          <a:fillRef idx="2">
-            <a:schemeClr val="accent1"/>
-          </a:fillRef>
-          <a:effectRef idx="1">
-            <a:schemeClr val="accent1"/>
-          </a:effectRef>
-          <a:fontRef idx="minor">
-            <a:schemeClr val="dk1"/>
-          </a:fontRef>
-        </p:style>
-      </p:cxnSp>
-      <p:sp>
-        <p:nvSpPr>
-          <p:cNvPr id="73" name="Rectangle 72"/>
-          <p:cNvSpPr/>
-          <p:nvPr/>
-        </p:nvSpPr>
-        <p:spPr>
-          <a:xfrm>
-            <a:off x="8382000" y="4524597"/>
-            <a:ext cx="152400" cy="276003"/>
-          </a:xfrm>
-          <a:prstGeom prst="rect">
-            <a:avLst/>
-          </a:prstGeom>
-          <a:solidFill>
-            <a:schemeClr val="accent4">
-              <a:lumMod val="60000"/>
-              <a:lumOff val="40000"/>
-            </a:schemeClr>
-          </a:solidFill>
-          <a:ln>
-            <a:solidFill>
-              <a:schemeClr val="accent4">
-                <a:lumMod val="60000"/>
-                <a:lumOff val="40000"/>
-              </a:schemeClr>
-            </a:solidFill>
-          </a:ln>
-          <a:effectLst/>
-        </p:spPr>
-        <p:style>
-          <a:lnRef idx="1">
-            <a:schemeClr val="accent3"/>
-          </a:lnRef>
-          <a:fillRef idx="2">
-            <a:schemeClr val="accent3"/>
-          </a:fillRef>
-          <a:effectRef idx="1">
-            <a:schemeClr val="accent3"/>
-          </a:effectRef>
-          <a:fontRef idx="minor">
-            <a:schemeClr val="dk1"/>
-          </a:fontRef>
-        </p:style>
-        <p:txBody>
-          <a:bodyPr rtlCol="0" anchor="ctr"/>
-          <a:lstStyle/>
-          <a:p>
-            <a:pPr algn="ctr"/>
-            <a:endParaRPr lang="en-SG" sz="1400">
-              <a:solidFill>
-                <a:schemeClr val="dk1"/>
-              </a:solidFill>
-            </a:endParaRPr>
-          </a:p>
-        </p:txBody>
-      </p:sp>
-      <p:cxnSp>
-        <p:nvCxnSpPr>
-          <p:cNvPr id="75" name="Straight Arrow Connector 74"/>
-          <p:cNvCxnSpPr/>
-          <p:nvPr/>
-        </p:nvCxnSpPr>
-        <p:spPr>
-          <a:xfrm>
-            <a:off x="5580209" y="4542759"/>
-            <a:ext cx="2787374" cy="0"/>
-          </a:xfrm>
-          <a:prstGeom prst="straightConnector1">
-            <a:avLst/>
-          </a:prstGeom>
-          <a:ln w="19050">
-            <a:solidFill>
-              <a:srgbClr val="0070C0"/>
-            </a:solidFill>
-            <a:tailEnd type="arrow"/>
-          </a:ln>
-        </p:spPr>
-        <p:style>
-          <a:lnRef idx="1">
-            <a:schemeClr val="accent1"/>
-          </a:lnRef>
-          <a:fillRef idx="0">
-            <a:schemeClr val="accent1"/>
-          </a:fillRef>
-          <a:effectRef idx="0">
-            <a:schemeClr val="accent1"/>
-          </a:effectRef>
-          <a:fontRef idx="minor">
-            <a:schemeClr val="tx1"/>
-          </a:fontRef>
-        </p:style>
-      </p:cxnSp>
-      <p:cxnSp>
-        <p:nvCxnSpPr>
-          <p:cNvPr id="76" name="Straight Arrow Connector 75"/>
-          <p:cNvCxnSpPr/>
-          <p:nvPr/>
-        </p:nvCxnSpPr>
-        <p:spPr>
-          <a:xfrm>
-            <a:off x="5580209" y="4800600"/>
-            <a:ext cx="2873799" cy="0"/>
-          </a:xfrm>
-          <a:prstGeom prst="straightConnector1">
-            <a:avLst/>
-          </a:prstGeom>
-          <a:ln w="19050">
-            <a:solidFill>
-              <a:schemeClr val="accent4">
-                <a:lumMod val="60000"/>
-                <a:lumOff val="40000"/>
-              </a:schemeClr>
-            </a:solidFill>
-            <a:prstDash val="sysDash"/>
-            <a:headEnd type="arrow" w="med" len="med"/>
-            <a:tailEnd type="none" w="med" len="med"/>
-          </a:ln>
-        </p:spPr>
-        <p:style>
-          <a:lnRef idx="1">
-            <a:schemeClr val="accent1"/>
-          </a:lnRef>
-          <a:fillRef idx="0">
-            <a:schemeClr val="accent1"/>
-          </a:fillRef>
-          <a:effectRef idx="0">
-            <a:schemeClr val="accent1"/>
-          </a:effectRef>
-          <a:fontRef idx="minor">
-            <a:schemeClr val="tx1"/>
-          </a:fontRef>
-        </p:style>
-      </p:cxnSp>
-      <p:cxnSp>
-        <p:nvCxnSpPr>
-          <p:cNvPr id="77" name="Straight Arrow Connector 76"/>
-          <p:cNvCxnSpPr/>
-          <p:nvPr/>
-        </p:nvCxnSpPr>
-        <p:spPr>
-          <a:xfrm>
-            <a:off x="1815269" y="5661173"/>
-            <a:ext cx="3651369" cy="0"/>
-          </a:xfrm>
-          <a:prstGeom prst="straightConnector1">
-            <a:avLst/>
-          </a:prstGeom>
-          <a:ln w="19050">
-            <a:solidFill>
-              <a:srgbClr val="0070C0"/>
-            </a:solidFill>
-            <a:prstDash val="sysDash"/>
-            <a:headEnd type="arrow" w="med" len="med"/>
-            <a:tailEnd type="none" w="med" len="med"/>
-          </a:ln>
-        </p:spPr>
-        <p:style>
-          <a:lnRef idx="1">
-            <a:schemeClr val="accent1"/>
-          </a:lnRef>
-          <a:fillRef idx="0">
-            <a:schemeClr val="accent1"/>
-          </a:fillRef>
-          <a:effectRef idx="0">
-            <a:schemeClr val="accent1"/>
-          </a:effectRef>
-          <a:fontRef idx="minor">
-            <a:schemeClr val="tx1"/>
-          </a:fontRef>
-        </p:style>
-      </p:cxnSp>
-      <p:sp>
-        <p:nvSpPr>
-          <p:cNvPr id="78" name="TextBox 77"/>
-          <p:cNvSpPr txBox="1"/>
-          <p:nvPr/>
-        </p:nvSpPr>
-        <p:spPr>
-          <a:xfrm>
-            <a:off x="6858000" y="4278848"/>
-            <a:ext cx="1424846" cy="215444"/>
-          </a:xfrm>
-          <a:prstGeom prst="rect">
-            <a:avLst/>
-          </a:prstGeom>
-          <a:noFill/>
-        </p:spPr>
-        <p:txBody>
-          <a:bodyPr wrap="square" lIns="0" tIns="0" rIns="0" bIns="0" rtlCol="0">
-            <a:spAutoFit/>
-          </a:bodyPr>
-          <a:lstStyle>
-            <a:defPPr>
-              <a:defRPr lang="en-US"/>
-            </a:defPPr>
-            <a:lvl1pPr algn="r">
-              <a:defRPr sz="1400">
-                <a:solidFill>
-                  <a:srgbClr val="0070C0"/>
-                </a:solidFill>
-              </a:defRPr>
-            </a:lvl1pPr>
-          </a:lstStyle>
-          <a:p>
-            <a:r>
-              <a:rPr lang="en-US" dirty="0" err="1">
-                <a:solidFill>
-                  <a:srgbClr val="7030A0"/>
-                </a:solidFill>
-              </a:rPr>
-              <a:t>deleteTask</a:t>
-            </a:r>
-            <a:r>
-              <a:rPr lang="en-US" dirty="0">
-                <a:solidFill>
-                  <a:srgbClr val="7030A0"/>
-                </a:solidFill>
-              </a:rPr>
-              <a:t>(p)</a:t>
-            </a:r>
-          </a:p>
-        </p:txBody>
-      </p:sp>
-      <p:sp>
-        <p:nvSpPr>
-          <p:cNvPr id="79" name="TextBox 78"/>
-          <p:cNvSpPr txBox="1"/>
-          <p:nvPr/>
-        </p:nvSpPr>
-        <p:spPr>
-          <a:xfrm>
-            <a:off x="4191000" y="2996259"/>
-            <a:ext cx="640023" cy="215444"/>
-          </a:xfrm>
-          <a:prstGeom prst="rect">
-            <a:avLst/>
-          </a:prstGeom>
-          <a:noFill/>
-        </p:spPr>
-        <p:txBody>
-          <a:bodyPr wrap="square" lIns="0" tIns="0" rIns="0" bIns="0" rtlCol="0">
-            <a:spAutoFit/>
-          </a:bodyPr>
-          <a:lstStyle>
-            <a:defPPr>
-              <a:defRPr lang="en-US"/>
-            </a:defPPr>
-            <a:lvl1pPr algn="r">
-              <a:defRPr sz="1400">
-                <a:solidFill>
-                  <a:srgbClr val="0070C0"/>
-                </a:solidFill>
-              </a:defRPr>
-            </a:lvl1pPr>
-          </a:lstStyle>
-          <a:p>
-            <a:r>
-              <a:rPr lang="en-US" dirty="0"/>
-              <a:t>create()</a:t>
-            </a:r>
-          </a:p>
-        </p:txBody>
-      </p:sp>
-      <p:sp>
-        <p:nvSpPr>
-          <p:cNvPr id="80" name="TextBox 79"/>
-          <p:cNvSpPr txBox="1"/>
-          <p:nvPr/>
-        </p:nvSpPr>
-        <p:spPr>
-          <a:xfrm>
-            <a:off x="2131905" y="2850922"/>
-            <a:ext cx="1424846" cy="215444"/>
-          </a:xfrm>
-          <a:prstGeom prst="rect">
-            <a:avLst/>
-          </a:prstGeom>
-          <a:noFill/>
-        </p:spPr>
-        <p:txBody>
-          <a:bodyPr wrap="square" lIns="0" tIns="0" rIns="0" bIns="0" rtlCol="0">
-            <a:spAutoFit/>
-          </a:bodyPr>
-          <a:lstStyle>
-            <a:defPPr>
-              <a:defRPr lang="en-US"/>
-            </a:defPPr>
-            <a:lvl1pPr algn="r">
-              <a:defRPr sz="1400">
-                <a:solidFill>
-                  <a:srgbClr val="0070C0"/>
-                </a:solidFill>
-              </a:defRPr>
-            </a:lvl1pPr>
-          </a:lstStyle>
-          <a:p>
-            <a:r>
-              <a:rPr lang="en-US" dirty="0"/>
-              <a:t>parse(“delete 1”)</a:t>
-            </a:r>
-          </a:p>
-        </p:txBody>
-      </p:sp>
-      <p:sp>
-        <p:nvSpPr>
-          <p:cNvPr id="82" name="TextBox 81"/>
-          <p:cNvSpPr txBox="1"/>
-          <p:nvPr/>
-        </p:nvSpPr>
-        <p:spPr>
-          <a:xfrm>
-            <a:off x="3101175" y="5430096"/>
-            <a:ext cx="621216" cy="215444"/>
-          </a:xfrm>
-          <a:prstGeom prst="rect">
-            <a:avLst/>
-          </a:prstGeom>
-          <a:noFill/>
-        </p:spPr>
-        <p:txBody>
-          <a:bodyPr wrap="square" lIns="0" tIns="0" rIns="0" bIns="0" rtlCol="0">
-            <a:spAutoFit/>
-          </a:bodyPr>
-          <a:lstStyle>
-            <a:defPPr>
-              <a:defRPr lang="en-US"/>
-            </a:defPPr>
-            <a:lvl1pPr algn="r">
-              <a:defRPr sz="1400">
-                <a:solidFill>
-                  <a:srgbClr val="0070C0"/>
-                </a:solidFill>
-              </a:defRPr>
-            </a:lvl1pPr>
-          </a:lstStyle>
-          <a:p>
-            <a:r>
-              <a:rPr lang="en-US" dirty="0"/>
-              <a:t>result</a:t>
-            </a:r>
-          </a:p>
-        </p:txBody>
-      </p:sp>
-      <p:sp>
-        <p:nvSpPr>
-          <p:cNvPr id="83" name="TextBox 82"/>
-          <p:cNvSpPr txBox="1"/>
-          <p:nvPr/>
-        </p:nvSpPr>
-        <p:spPr>
-          <a:xfrm>
-            <a:off x="762001" y="5538488"/>
-            <a:ext cx="762000" cy="215444"/>
-          </a:xfrm>
-          <a:prstGeom prst="rect">
-            <a:avLst/>
-          </a:prstGeom>
-          <a:noFill/>
-        </p:spPr>
-        <p:txBody>
-          <a:bodyPr wrap="square" lIns="0" tIns="0" rIns="0" bIns="0" rtlCol="0">
-            <a:spAutoFit/>
-          </a:bodyPr>
-          <a:lstStyle>
-            <a:defPPr>
-              <a:defRPr lang="en-US"/>
-            </a:defPPr>
-            <a:lvl1pPr algn="r">
-              <a:defRPr sz="1400">
-                <a:solidFill>
-                  <a:srgbClr val="0070C0"/>
-                </a:solidFill>
-              </a:defRPr>
-            </a:lvl1pPr>
-          </a:lstStyle>
-          <a:p>
-            <a:r>
-              <a:rPr lang="en-US" dirty="0"/>
-              <a:t>result</a:t>
-            </a:r>
-          </a:p>
-        </p:txBody>
-      </p:sp>
-      <p:sp>
-        <p:nvSpPr>
-          <p:cNvPr id="84" name="Rectangle 62"/>
-          <p:cNvSpPr/>
-          <p:nvPr/>
-        </p:nvSpPr>
-        <p:spPr>
-          <a:xfrm>
-            <a:off x="6029646" y="4953000"/>
-            <a:ext cx="1666554" cy="461538"/>
-          </a:xfrm>
-          <a:prstGeom prst="rect">
-            <a:avLst/>
-          </a:prstGeom>
-          <a:solidFill>
-            <a:srgbClr val="0070C0"/>
-          </a:solidFill>
-          <a:ln w="19050">
-            <a:solidFill>
-              <a:srgbClr val="0070C0"/>
-            </a:solidFill>
-          </a:ln>
-          <a:effectLst/>
-        </p:spPr>
-        <p:style>
-          <a:lnRef idx="1">
-            <a:schemeClr val="accent2"/>
-          </a:lnRef>
-          <a:fillRef idx="2">
-            <a:schemeClr val="accent2"/>
-          </a:fillRef>
-          <a:effectRef idx="1">
-            <a:schemeClr val="accent2"/>
-          </a:effectRef>
-          <a:fontRef idx="minor">
-            <a:schemeClr val="dk1"/>
-          </a:fontRef>
-        </p:style>
-        <p:txBody>
-          <a:bodyPr rtlCol="0" anchor="ctr"/>
-          <a:lstStyle/>
-          <a:p>
-            <a:pPr algn="ctr"/>
-            <a:r>
-              <a:rPr lang="en-US" sz="1600" dirty="0">
-                <a:solidFill>
-                  <a:schemeClr val="bg1"/>
-                </a:solidFill>
-              </a:rPr>
-              <a:t>result:</a:t>
-            </a:r>
-            <a:br>
-              <a:rPr lang="en-US" sz="1600" dirty="0">
-                <a:solidFill>
-                  <a:schemeClr val="bg1"/>
-                </a:solidFill>
-              </a:rPr>
-            </a:br>
-            <a:r>
-              <a:rPr lang="en-US" sz="1600" dirty="0" err="1">
-                <a:solidFill>
-                  <a:schemeClr val="bg1"/>
-                </a:solidFill>
-              </a:rPr>
-              <a:t>CommandResult</a:t>
-            </a:r>
-            <a:endParaRPr lang="en-SG" sz="1600" dirty="0">
-              <a:solidFill>
-                <a:schemeClr val="bg1"/>
-              </a:solidFill>
-            </a:endParaRPr>
-          </a:p>
-        </p:txBody>
-      </p:sp>
-      <p:sp>
-        <p:nvSpPr>
-          <p:cNvPr id="86" name="Rectangle 85"/>
-          <p:cNvSpPr/>
-          <p:nvPr/>
-        </p:nvSpPr>
-        <p:spPr>
-          <a:xfrm>
-            <a:off x="6786723" y="5414538"/>
-            <a:ext cx="152400" cy="171376"/>
-          </a:xfrm>
-          <a:prstGeom prst="rect">
-            <a:avLst/>
-          </a:prstGeom>
-          <a:solidFill>
-            <a:srgbClr val="0070C0"/>
-          </a:solidFill>
-          <a:ln>
-            <a:solidFill>
-              <a:srgbClr val="0070C0"/>
-            </a:solidFill>
-          </a:ln>
-          <a:effectLst/>
-        </p:spPr>
-        <p:style>
-          <a:lnRef idx="1">
-            <a:schemeClr val="accent3"/>
-          </a:lnRef>
-          <a:fillRef idx="2">
-            <a:schemeClr val="accent3"/>
-          </a:fillRef>
-          <a:effectRef idx="1">
-            <a:schemeClr val="accent3"/>
-          </a:effectRef>
-          <a:fontRef idx="minor">
-            <a:schemeClr val="dk1"/>
-          </a:fontRef>
-        </p:style>
-        <p:txBody>
-          <a:bodyPr rtlCol="0" anchor="ctr"/>
-          <a:lstStyle/>
-          <a:p>
-            <a:pPr algn="ctr"/>
-            <a:endParaRPr lang="en-SG" sz="1400"/>
-          </a:p>
-        </p:txBody>
-      </p:sp>
-      <p:cxnSp>
-        <p:nvCxnSpPr>
-          <p:cNvPr id="87" name="Straight Arrow Connector 86"/>
-          <p:cNvCxnSpPr/>
-          <p:nvPr/>
-        </p:nvCxnSpPr>
-        <p:spPr>
-          <a:xfrm>
-            <a:off x="5580209" y="5165675"/>
-            <a:ext cx="447975" cy="0"/>
-          </a:xfrm>
-          <a:prstGeom prst="straightConnector1">
-            <a:avLst/>
-          </a:prstGeom>
-          <a:ln w="19050">
-            <a:solidFill>
-              <a:srgbClr val="0070C0"/>
-            </a:solidFill>
-            <a:tailEnd type="arrow"/>
-          </a:ln>
-        </p:spPr>
-        <p:style>
-          <a:lnRef idx="1">
-            <a:schemeClr val="accent1"/>
-          </a:lnRef>
-          <a:fillRef idx="0">
-            <a:schemeClr val="accent1"/>
-          </a:fillRef>
-          <a:effectRef idx="0">
-            <a:schemeClr val="accent1"/>
-          </a:effectRef>
-          <a:fontRef idx="minor">
-            <a:schemeClr val="tx1"/>
-          </a:fontRef>
-        </p:style>
-      </p:cxnSp>
-      <p:cxnSp>
-        <p:nvCxnSpPr>
-          <p:cNvPr id="90" name="Straight Arrow Connector 89"/>
-          <p:cNvCxnSpPr/>
-          <p:nvPr/>
-        </p:nvCxnSpPr>
-        <p:spPr>
-          <a:xfrm>
-            <a:off x="5580209" y="5585914"/>
-            <a:ext cx="1253815" cy="0"/>
-          </a:xfrm>
-          <a:prstGeom prst="straightConnector1">
-            <a:avLst/>
-          </a:prstGeom>
-          <a:ln w="19050">
-            <a:solidFill>
-              <a:srgbClr val="0070C0"/>
-            </a:solidFill>
-            <a:prstDash val="sysDash"/>
-            <a:headEnd type="arrow" w="med" len="med"/>
-            <a:tailEnd type="none" w="med" len="med"/>
-          </a:ln>
-        </p:spPr>
-        <p:style>
-          <a:lnRef idx="1">
-            <a:schemeClr val="accent1"/>
-          </a:lnRef>
-          <a:fillRef idx="0">
-            <a:schemeClr val="accent1"/>
-          </a:fillRef>
-          <a:effectRef idx="0">
-            <a:schemeClr val="accent1"/>
-          </a:effectRef>
-          <a:fontRef idx="minor">
-            <a:schemeClr val="tx1"/>
-          </a:fontRef>
-        </p:style>
-      </p:cxnSp>
-      <p:sp>
-        <p:nvSpPr>
-          <p:cNvPr id="93" name="TextBox 92"/>
-          <p:cNvSpPr txBox="1"/>
-          <p:nvPr/>
-        </p:nvSpPr>
-        <p:spPr>
-          <a:xfrm>
-            <a:off x="2818928" y="3733800"/>
-            <a:ext cx="220343" cy="215444"/>
-          </a:xfrm>
-          <a:prstGeom prst="rect">
-            <a:avLst/>
-          </a:prstGeom>
-          <a:noFill/>
-        </p:spPr>
-        <p:txBody>
-          <a:bodyPr wrap="square" lIns="0" tIns="0" rIns="0" bIns="0" rtlCol="0">
-            <a:spAutoFit/>
-          </a:bodyPr>
-          <a:lstStyle>
-            <a:defPPr>
-              <a:defRPr lang="en-US"/>
-            </a:defPPr>
-            <a:lvl1pPr algn="r">
-              <a:defRPr sz="1400">
-                <a:solidFill>
-                  <a:srgbClr val="0070C0"/>
-                </a:solidFill>
-              </a:defRPr>
-            </a:lvl1pPr>
-          </a:lstStyle>
-          <a:p>
-            <a:r>
-              <a:rPr lang="en-US" dirty="0"/>
-              <a:t>d</a:t>
-            </a:r>
-          </a:p>
-        </p:txBody>
-      </p:sp>
-    </p:spTree>
-    <p:extLst>
-      <p:ext uri="{BB962C8B-B14F-4D97-AF65-F5344CB8AC3E}">
-        <p14:creationId xmlns:p14="http://schemas.microsoft.com/office/powerpoint/2010/main" val="3945898909"/>
-      </p:ext>
-    </p:extLst>
-  </p:cSld>
-  <p:clrMapOvr>
-    <a:masterClrMapping/>
-  </p:clrMapOvr>
-</p:sld>
-</file>
-
-<file path=ppt/slides/slide6.xml><?xml version="1.0" encoding="utf-8"?>
 <p:sld xmlns:a="http://schemas.openxmlformats.org/drawingml/2006/main" xmlns:r="http://schemas.openxmlformats.org/officeDocument/2006/relationships" xmlns:p="http://schemas.openxmlformats.org/presentationml/2006/main">
   <p:cSld>
     <p:spTree>
